--- a/folien_dehbia.pptx
+++ b/folien_dehbia.pptx
@@ -1824,7 +1824,7 @@
   <pc:docChgLst>
     <pc:chgData name="Dehbia Kouadria" userId="24cf8942edd75162" providerId="LiveId" clId="{17BADB32-C636-4716-B80D-93C22C39D57A}"/>
     <pc:docChg chg="undo redo custSel addSld delSld modSld sldOrd">
-      <pc:chgData name="Dehbia Kouadria" userId="24cf8942edd75162" providerId="LiveId" clId="{17BADB32-C636-4716-B80D-93C22C39D57A}" dt="2023-04-15T08:42:41.432" v="1412" actId="478"/>
+      <pc:chgData name="Dehbia Kouadria" userId="24cf8942edd75162" providerId="LiveId" clId="{17BADB32-C636-4716-B80D-93C22C39D57A}" dt="2023-04-15T09:40:09.651" v="1415" actId="207"/>
       <pc:docMkLst>
         <pc:docMk/>
       </pc:docMkLst>
@@ -1856,6 +1856,21 @@
           <pc:docMk/>
           <pc:sldMk cId="2713950766" sldId="424"/>
         </pc:sldMkLst>
+      </pc:sldChg>
+      <pc:sldChg chg="modSp mod">
+        <pc:chgData name="Dehbia Kouadria" userId="24cf8942edd75162" providerId="LiveId" clId="{17BADB32-C636-4716-B80D-93C22C39D57A}" dt="2023-04-15T09:40:09.651" v="1415" actId="207"/>
+        <pc:sldMkLst>
+          <pc:docMk/>
+          <pc:sldMk cId="2068099890" sldId="426"/>
+        </pc:sldMkLst>
+        <pc:spChg chg="mod">
+          <ac:chgData name="Dehbia Kouadria" userId="24cf8942edd75162" providerId="LiveId" clId="{17BADB32-C636-4716-B80D-93C22C39D57A}" dt="2023-04-15T09:40:09.651" v="1415" actId="207"/>
+          <ac:spMkLst>
+            <pc:docMk/>
+            <pc:sldMk cId="2068099890" sldId="426"/>
+            <ac:spMk id="6" creationId="{852F649F-30F4-A016-BD90-EB791182A286}"/>
+          </ac:spMkLst>
+        </pc:spChg>
       </pc:sldChg>
       <pc:sldChg chg="addSp delSp modSp mod">
         <pc:chgData name="Dehbia Kouadria" userId="24cf8942edd75162" providerId="LiveId" clId="{17BADB32-C636-4716-B80D-93C22C39D57A}" dt="2023-04-15T08:42:41.432" v="1412" actId="478"/>
@@ -2523,14 +2538,14 @@
           <a:effectLst/>
           <a:extLst>
             <a:ext uri="{909E8E84-426E-40dd-AFC4-6F175D3DCCD1}">
-              <a14:hiddenFill xmlns="" xmlns:a14="http://schemas.microsoft.com/office/drawing/2010/main">
+              <a14:hiddenFill xmlns:a14="http://schemas.microsoft.com/office/drawing/2010/main" xmlns="">
                 <a:solidFill>
                   <a:schemeClr val="accent1"/>
                 </a:solidFill>
               </a14:hiddenFill>
             </a:ext>
             <a:ext uri="{91240B29-F687-4f45-9708-019B960494DF}">
-              <a14:hiddenLine xmlns="" xmlns:a14="http://schemas.microsoft.com/office/drawing/2010/main" w="9525">
+              <a14:hiddenLine xmlns:a14="http://schemas.microsoft.com/office/drawing/2010/main" xmlns="" w="9525">
                 <a:solidFill>
                   <a:schemeClr val="tx1"/>
                 </a:solidFill>
@@ -2540,7 +2555,7 @@
               </a14:hiddenLine>
             </a:ext>
             <a:ext uri="{AF507438-7753-43e0-B8FC-AC1667EBCBE1}">
-              <a14:hiddenEffects xmlns="" xmlns:a14="http://schemas.microsoft.com/office/drawing/2010/main">
+              <a14:hiddenEffects xmlns:a14="http://schemas.microsoft.com/office/drawing/2010/main" xmlns="">
                 <a:effectLst>
                   <a:outerShdw blurRad="63500" dist="38099" dir="2700000" algn="ctr" rotWithShape="0">
                     <a:schemeClr val="bg2">
@@ -2551,7 +2566,7 @@
               </a14:hiddenEffects>
             </a:ext>
             <a:ext uri="{FAA26D3D-D897-4be2-8F04-BA451C77F1D7}">
-              <ma14:placeholderFlag xmlns="" xmlns:ma14="http://schemas.microsoft.com/office/mac/drawingml/2011/main" val="1"/>
+              <ma14:placeholderFlag xmlns:ma14="http://schemas.microsoft.com/office/mac/drawingml/2011/main" xmlns="" val="1"/>
             </a:ext>
           </a:extLst>
         </p:spPr>
@@ -2601,14 +2616,14 @@
           <a:effectLst/>
           <a:extLst>
             <a:ext uri="{909E8E84-426E-40dd-AFC4-6F175D3DCCD1}">
-              <a14:hiddenFill xmlns="" xmlns:a14="http://schemas.microsoft.com/office/drawing/2010/main">
+              <a14:hiddenFill xmlns:a14="http://schemas.microsoft.com/office/drawing/2010/main" xmlns="">
                 <a:solidFill>
                   <a:schemeClr val="accent1"/>
                 </a:solidFill>
               </a14:hiddenFill>
             </a:ext>
             <a:ext uri="{91240B29-F687-4f45-9708-019B960494DF}">
-              <a14:hiddenLine xmlns="" xmlns:a14="http://schemas.microsoft.com/office/drawing/2010/main" w="9525">
+              <a14:hiddenLine xmlns:a14="http://schemas.microsoft.com/office/drawing/2010/main" xmlns="" w="9525">
                 <a:solidFill>
                   <a:schemeClr val="tx1"/>
                 </a:solidFill>
@@ -2618,7 +2633,7 @@
               </a14:hiddenLine>
             </a:ext>
             <a:ext uri="{AF507438-7753-43e0-B8FC-AC1667EBCBE1}">
-              <a14:hiddenEffects xmlns="" xmlns:a14="http://schemas.microsoft.com/office/drawing/2010/main">
+              <a14:hiddenEffects xmlns:a14="http://schemas.microsoft.com/office/drawing/2010/main" xmlns="">
                 <a:effectLst>
                   <a:outerShdw blurRad="63500" dist="38099" dir="2700000" algn="ctr" rotWithShape="0">
                     <a:schemeClr val="bg2">
@@ -2629,7 +2644,7 @@
               </a14:hiddenEffects>
             </a:ext>
             <a:ext uri="{FAA26D3D-D897-4be2-8F04-BA451C77F1D7}">
-              <ma14:placeholderFlag xmlns="" xmlns:ma14="http://schemas.microsoft.com/office/mac/drawingml/2011/main" val="1"/>
+              <ma14:placeholderFlag xmlns:ma14="http://schemas.microsoft.com/office/mac/drawingml/2011/main" xmlns="" val="1"/>
             </a:ext>
           </a:extLst>
         </p:spPr>
@@ -2679,14 +2694,14 @@
           <a:effectLst/>
           <a:extLst>
             <a:ext uri="{909E8E84-426E-40dd-AFC4-6F175D3DCCD1}">
-              <a14:hiddenFill xmlns="" xmlns:a14="http://schemas.microsoft.com/office/drawing/2010/main">
+              <a14:hiddenFill xmlns:a14="http://schemas.microsoft.com/office/drawing/2010/main" xmlns="">
                 <a:solidFill>
                   <a:schemeClr val="accent1"/>
                 </a:solidFill>
               </a14:hiddenFill>
             </a:ext>
             <a:ext uri="{91240B29-F687-4f45-9708-019B960494DF}">
-              <a14:hiddenLine xmlns="" xmlns:a14="http://schemas.microsoft.com/office/drawing/2010/main" w="9525">
+              <a14:hiddenLine xmlns:a14="http://schemas.microsoft.com/office/drawing/2010/main" xmlns="" w="9525">
                 <a:solidFill>
                   <a:schemeClr val="tx1"/>
                 </a:solidFill>
@@ -2696,7 +2711,7 @@
               </a14:hiddenLine>
             </a:ext>
             <a:ext uri="{AF507438-7753-43e0-B8FC-AC1667EBCBE1}">
-              <a14:hiddenEffects xmlns="" xmlns:a14="http://schemas.microsoft.com/office/drawing/2010/main">
+              <a14:hiddenEffects xmlns:a14="http://schemas.microsoft.com/office/drawing/2010/main" xmlns="">
                 <a:effectLst>
                   <a:outerShdw blurRad="63500" dist="38099" dir="2700000" algn="ctr" rotWithShape="0">
                     <a:schemeClr val="bg2">
@@ -2707,7 +2722,7 @@
               </a14:hiddenEffects>
             </a:ext>
             <a:ext uri="{FAA26D3D-D897-4be2-8F04-BA451C77F1D7}">
-              <ma14:placeholderFlag xmlns="" xmlns:ma14="http://schemas.microsoft.com/office/mac/drawingml/2011/main" val="1"/>
+              <ma14:placeholderFlag xmlns:ma14="http://schemas.microsoft.com/office/mac/drawingml/2011/main" xmlns="" val="1"/>
             </a:ext>
           </a:extLst>
         </p:spPr>
@@ -2757,14 +2772,14 @@
           <a:effectLst/>
           <a:extLst>
             <a:ext uri="{909E8E84-426E-40dd-AFC4-6F175D3DCCD1}">
-              <a14:hiddenFill xmlns="" xmlns:a14="http://schemas.microsoft.com/office/drawing/2010/main">
+              <a14:hiddenFill xmlns:a14="http://schemas.microsoft.com/office/drawing/2010/main" xmlns="">
                 <a:solidFill>
                   <a:schemeClr val="accent1"/>
                 </a:solidFill>
               </a14:hiddenFill>
             </a:ext>
             <a:ext uri="{91240B29-F687-4f45-9708-019B960494DF}">
-              <a14:hiddenLine xmlns="" xmlns:a14="http://schemas.microsoft.com/office/drawing/2010/main" w="9525">
+              <a14:hiddenLine xmlns:a14="http://schemas.microsoft.com/office/drawing/2010/main" xmlns="" w="9525">
                 <a:solidFill>
                   <a:schemeClr val="tx1"/>
                 </a:solidFill>
@@ -2774,7 +2789,7 @@
               </a14:hiddenLine>
             </a:ext>
             <a:ext uri="{AF507438-7753-43e0-B8FC-AC1667EBCBE1}">
-              <a14:hiddenEffects xmlns="" xmlns:a14="http://schemas.microsoft.com/office/drawing/2010/main">
+              <a14:hiddenEffects xmlns:a14="http://schemas.microsoft.com/office/drawing/2010/main" xmlns="">
                 <a:effectLst>
                   <a:outerShdw blurRad="63500" dist="38099" dir="2700000" algn="ctr" rotWithShape="0">
                     <a:schemeClr val="bg2">
@@ -2785,7 +2800,7 @@
               </a14:hiddenEffects>
             </a:ext>
             <a:ext uri="{FAA26D3D-D897-4be2-8F04-BA451C77F1D7}">
-              <ma14:placeholderFlag xmlns="" xmlns:ma14="http://schemas.microsoft.com/office/mac/drawingml/2011/main" val="1"/>
+              <ma14:placeholderFlag xmlns:ma14="http://schemas.microsoft.com/office/mac/drawingml/2011/main" xmlns="" val="1"/>
             </a:ext>
           </a:extLst>
         </p:spPr>
@@ -2882,7 +2897,7 @@
           <a:effectLst/>
           <a:extLst>
             <a:ext uri="{AF507438-7753-43e0-B8FC-AC1667EBCBE1}">
-              <a14:hiddenEffects xmlns="" xmlns:a14="http://schemas.microsoft.com/office/drawing/2010/main">
+              <a14:hiddenEffects xmlns:a14="http://schemas.microsoft.com/office/drawing/2010/main" xmlns="">
                 <a:effectLst>
                   <a:outerShdw blurRad="63500" dist="38099" dir="2700000" algn="ctr" rotWithShape="0">
                     <a:srgbClr val="000000">
@@ -2893,7 +2908,7 @@
               </a14:hiddenEffects>
             </a:ext>
             <a:ext uri="{53640926-AAD7-44d8-BBD7-CCE9431645EC}">
-              <a14:shadowObscured xmlns="" xmlns:a14="http://schemas.microsoft.com/office/drawing/2010/main" val="1"/>
+              <a14:shadowObscured xmlns:a14="http://schemas.microsoft.com/office/drawing/2010/main" xmlns="" val="1"/>
             </a:ext>
           </a:extLst>
         </p:spPr>
@@ -2923,14 +2938,14 @@
           <a:effectLst/>
           <a:extLst>
             <a:ext uri="{909E8E84-426E-40dd-AFC4-6F175D3DCCD1}">
-              <a14:hiddenFill xmlns="" xmlns:a14="http://schemas.microsoft.com/office/drawing/2010/main">
+              <a14:hiddenFill xmlns:a14="http://schemas.microsoft.com/office/drawing/2010/main" xmlns="">
                 <a:solidFill>
                   <a:schemeClr val="accent1"/>
                 </a:solidFill>
               </a14:hiddenFill>
             </a:ext>
             <a:ext uri="{91240B29-F687-4f45-9708-019B960494DF}">
-              <a14:hiddenLine xmlns="" xmlns:a14="http://schemas.microsoft.com/office/drawing/2010/main" w="9525">
+              <a14:hiddenLine xmlns:a14="http://schemas.microsoft.com/office/drawing/2010/main" xmlns="" w="9525">
                 <a:solidFill>
                   <a:schemeClr val="tx1"/>
                 </a:solidFill>
@@ -2940,7 +2955,7 @@
               </a14:hiddenLine>
             </a:ext>
             <a:ext uri="{AF507438-7753-43e0-B8FC-AC1667EBCBE1}">
-              <a14:hiddenEffects xmlns="" xmlns:a14="http://schemas.microsoft.com/office/drawing/2010/main">
+              <a14:hiddenEffects xmlns:a14="http://schemas.microsoft.com/office/drawing/2010/main" xmlns="">
                 <a:effectLst>
                   <a:outerShdw blurRad="63500" dist="38099" dir="2700000" algn="ctr" rotWithShape="0">
                     <a:schemeClr val="bg2">
@@ -2951,7 +2966,7 @@
               </a14:hiddenEffects>
             </a:ext>
             <a:ext uri="{FAA26D3D-D897-4be2-8F04-BA451C77F1D7}">
-              <ma14:placeholderFlag xmlns="" xmlns:ma14="http://schemas.microsoft.com/office/mac/drawingml/2011/main" val="1"/>
+              <ma14:placeholderFlag xmlns:ma14="http://schemas.microsoft.com/office/mac/drawingml/2011/main" xmlns="" val="1"/>
             </a:ext>
           </a:extLst>
         </p:spPr>
@@ -3136,7 +3151,7 @@
           <a:ln/>
           <a:extLst>
             <a:ext uri="{FAA26D3D-D897-4be2-8F04-BA451C77F1D7}">
-              <ma14:placeholderFlag xmlns="" xmlns:ma14="http://schemas.microsoft.com/office/mac/drawingml/2011/main" val="1"/>
+              <ma14:placeholderFlag xmlns:ma14="http://schemas.microsoft.com/office/mac/drawingml/2011/main" xmlns="" val="1"/>
             </a:ext>
           </a:extLst>
         </p:spPr>
@@ -3990,7 +4005,7 @@
           <a:noFill/>
           <a:extLst>
             <a:ext uri="{909E8E84-426E-40dd-AFC4-6F175D3DCCD1}">
-              <a14:hiddenFill xmlns="" xmlns:a14="http://schemas.microsoft.com/office/drawing/2010/main">
+              <a14:hiddenFill xmlns:a14="http://schemas.microsoft.com/office/drawing/2010/main" xmlns="">
                 <a:solidFill>
                   <a:srgbClr val="FFFFFF"/>
                 </a:solidFill>
@@ -4031,7 +4046,7 @@
           <a:noFill/>
           <a:extLst>
             <a:ext uri="{909E8E84-426E-40dd-AFC4-6F175D3DCCD1}">
-              <a14:hiddenFill xmlns="" xmlns:a14="http://schemas.microsoft.com/office/drawing/2010/main">
+              <a14:hiddenFill xmlns:a14="http://schemas.microsoft.com/office/drawing/2010/main" xmlns="">
                 <a:solidFill>
                   <a:srgbClr val="FFFFFF"/>
                 </a:solidFill>
@@ -4053,14 +4068,14 @@
         <p:spPr>
           <a:extLst>
             <a:ext uri="{909E8E84-426E-40dd-AFC4-6F175D3DCCD1}">
-              <a14:hiddenFill xmlns="" xmlns:a14="http://schemas.microsoft.com/office/drawing/2010/main">
+              <a14:hiddenFill xmlns:a14="http://schemas.microsoft.com/office/drawing/2010/main" xmlns="">
                 <a:solidFill>
                   <a:schemeClr val="accent2"/>
                 </a:solidFill>
               </a14:hiddenFill>
             </a:ext>
             <a:ext uri="{91240B29-F687-4f45-9708-019B960494DF}">
-              <a14:hiddenLine xmlns="" xmlns:a14="http://schemas.microsoft.com/office/drawing/2010/main" w="9525">
+              <a14:hiddenLine xmlns:a14="http://schemas.microsoft.com/office/drawing/2010/main" xmlns="" w="9525">
                 <a:solidFill>
                   <a:schemeClr val="accent2"/>
                 </a:solidFill>
@@ -4135,7 +4150,7 @@
             <a:noFill/>
             <a:extLst>
               <a:ext uri="{909E8E84-426E-40dd-AFC4-6F175D3DCCD1}">
-                <a14:hiddenFill xmlns="" xmlns:a14="http://schemas.microsoft.com/office/drawing/2010/main">
+                <a14:hiddenFill xmlns:a14="http://schemas.microsoft.com/office/drawing/2010/main" xmlns="">
                   <a:solidFill>
                     <a:srgbClr val="FFFFFF"/>
                   </a:solidFill>
@@ -4176,7 +4191,7 @@
             <a:noFill/>
             <a:extLst>
               <a:ext uri="{909E8E84-426E-40dd-AFC4-6F175D3DCCD1}">
-                <a14:hiddenFill xmlns="" xmlns:a14="http://schemas.microsoft.com/office/drawing/2010/main">
+                <a14:hiddenFill xmlns:a14="http://schemas.microsoft.com/office/drawing/2010/main" xmlns="">
                   <a:solidFill>
                     <a:srgbClr val="FFFFFF"/>
                   </a:solidFill>
@@ -5979,7 +5994,7 @@
           <a:noFill/>
           <a:extLst>
             <a:ext uri="{909E8E84-426E-40dd-AFC4-6F175D3DCCD1}">
-              <a14:hiddenFill xmlns="" xmlns:a14="http://schemas.microsoft.com/office/drawing/2010/main">
+              <a14:hiddenFill xmlns:a14="http://schemas.microsoft.com/office/drawing/2010/main" xmlns="">
                 <a:solidFill>
                   <a:srgbClr val="FFFFFF"/>
                 </a:solidFill>
@@ -6013,14 +6028,14 @@
           <a:effectLst/>
           <a:extLst>
             <a:ext uri="{909E8E84-426E-40dd-AFC4-6F175D3DCCD1}">
-              <a14:hiddenFill xmlns="" xmlns:a14="http://schemas.microsoft.com/office/drawing/2010/main">
+              <a14:hiddenFill xmlns:a14="http://schemas.microsoft.com/office/drawing/2010/main" xmlns="">
                 <a:solidFill>
                   <a:schemeClr val="accent1"/>
                 </a:solidFill>
               </a14:hiddenFill>
             </a:ext>
             <a:ext uri="{91240B29-F687-4f45-9708-019B960494DF}">
-              <a14:hiddenLine xmlns="" xmlns:a14="http://schemas.microsoft.com/office/drawing/2010/main" w="9525">
+              <a14:hiddenLine xmlns:a14="http://schemas.microsoft.com/office/drawing/2010/main" xmlns="" w="9525">
                 <a:solidFill>
                   <a:schemeClr val="tx1"/>
                 </a:solidFill>
@@ -6030,7 +6045,7 @@
               </a14:hiddenLine>
             </a:ext>
             <a:ext uri="{AF507438-7753-43e0-B8FC-AC1667EBCBE1}">
-              <a14:hiddenEffects xmlns="" xmlns:a14="http://schemas.microsoft.com/office/drawing/2010/main">
+              <a14:hiddenEffects xmlns:a14="http://schemas.microsoft.com/office/drawing/2010/main" xmlns="">
                 <a:effectLst>
                   <a:outerShdw blurRad="63500" dist="38099" dir="2700000" algn="ctr" rotWithShape="0">
                     <a:schemeClr val="bg2">
@@ -6041,7 +6056,7 @@
               </a14:hiddenEffects>
             </a:ext>
             <a:ext uri="{FAA26D3D-D897-4be2-8F04-BA451C77F1D7}">
-              <ma14:placeholderFlag xmlns="" xmlns:ma14="http://schemas.microsoft.com/office/mac/drawingml/2011/main" val="1"/>
+              <ma14:placeholderFlag xmlns:ma14="http://schemas.microsoft.com/office/mac/drawingml/2011/main" xmlns="" val="1"/>
             </a:ext>
           </a:extLst>
         </p:spPr>
@@ -6085,14 +6100,14 @@
           <a:effectLst/>
           <a:extLst>
             <a:ext uri="{909E8E84-426E-40dd-AFC4-6F175D3DCCD1}">
-              <a14:hiddenFill xmlns="" xmlns:a14="http://schemas.microsoft.com/office/drawing/2010/main">
+              <a14:hiddenFill xmlns:a14="http://schemas.microsoft.com/office/drawing/2010/main" xmlns="">
                 <a:solidFill>
                   <a:schemeClr val="accent1"/>
                 </a:solidFill>
               </a14:hiddenFill>
             </a:ext>
             <a:ext uri="{91240B29-F687-4f45-9708-019B960494DF}">
-              <a14:hiddenLine xmlns="" xmlns:a14="http://schemas.microsoft.com/office/drawing/2010/main" w="9525">
+              <a14:hiddenLine xmlns:a14="http://schemas.microsoft.com/office/drawing/2010/main" xmlns="" w="9525">
                 <a:solidFill>
                   <a:schemeClr val="tx1"/>
                 </a:solidFill>
@@ -6102,7 +6117,7 @@
               </a14:hiddenLine>
             </a:ext>
             <a:ext uri="{AF507438-7753-43e0-B8FC-AC1667EBCBE1}">
-              <a14:hiddenEffects xmlns="" xmlns:a14="http://schemas.microsoft.com/office/drawing/2010/main">
+              <a14:hiddenEffects xmlns:a14="http://schemas.microsoft.com/office/drawing/2010/main" xmlns="">
                 <a:effectLst>
                   <a:outerShdw blurRad="63500" dist="38099" dir="2700000" algn="ctr" rotWithShape="0">
                     <a:schemeClr val="bg2">
@@ -6220,7 +6235,7 @@
             <a:noFill/>
             <a:extLst>
               <a:ext uri="{909E8E84-426E-40dd-AFC4-6F175D3DCCD1}">
-                <a14:hiddenFill xmlns="" xmlns:a14="http://schemas.microsoft.com/office/drawing/2010/main">
+                <a14:hiddenFill xmlns:a14="http://schemas.microsoft.com/office/drawing/2010/main" xmlns="">
                   <a:solidFill>
                     <a:srgbClr val="FFFFFF"/>
                   </a:solidFill>
@@ -6261,7 +6276,7 @@
             <a:noFill/>
             <a:extLst>
               <a:ext uri="{909E8E84-426E-40dd-AFC4-6F175D3DCCD1}">
-                <a14:hiddenFill xmlns="" xmlns:a14="http://schemas.microsoft.com/office/drawing/2010/main">
+                <a14:hiddenFill xmlns:a14="http://schemas.microsoft.com/office/drawing/2010/main" xmlns="">
                   <a:solidFill>
                     <a:srgbClr val="FFFFFF"/>
                   </a:solidFill>
@@ -6296,14 +6311,14 @@
           <a:effectLst/>
           <a:extLst>
             <a:ext uri="{909E8E84-426E-40dd-AFC4-6F175D3DCCD1}">
-              <a14:hiddenFill xmlns="" xmlns:a14="http://schemas.microsoft.com/office/drawing/2010/main">
+              <a14:hiddenFill xmlns:a14="http://schemas.microsoft.com/office/drawing/2010/main" xmlns="">
                 <a:solidFill>
                   <a:schemeClr val="accent1"/>
                 </a:solidFill>
               </a14:hiddenFill>
             </a:ext>
             <a:ext uri="{91240B29-F687-4f45-9708-019B960494DF}">
-              <a14:hiddenLine xmlns="" xmlns:a14="http://schemas.microsoft.com/office/drawing/2010/main" w="9525">
+              <a14:hiddenLine xmlns:a14="http://schemas.microsoft.com/office/drawing/2010/main" xmlns="" w="9525">
                 <a:solidFill>
                   <a:schemeClr val="tx1"/>
                 </a:solidFill>
@@ -6313,7 +6328,7 @@
               </a14:hiddenLine>
             </a:ext>
             <a:ext uri="{AF507438-7753-43e0-B8FC-AC1667EBCBE1}">
-              <a14:hiddenEffects xmlns="" xmlns:a14="http://schemas.microsoft.com/office/drawing/2010/main">
+              <a14:hiddenEffects xmlns:a14="http://schemas.microsoft.com/office/drawing/2010/main" xmlns="">
                 <a:effectLst>
                   <a:outerShdw blurRad="63500" dist="38099" dir="2700000" algn="ctr" rotWithShape="0">
                     <a:schemeClr val="bg2">
@@ -6324,7 +6339,7 @@
               </a14:hiddenEffects>
             </a:ext>
             <a:ext uri="{FAA26D3D-D897-4be2-8F04-BA451C77F1D7}">
-              <ma14:placeholderFlag xmlns="" xmlns:ma14="http://schemas.microsoft.com/office/mac/drawingml/2011/main" val="1"/>
+              <ma14:placeholderFlag xmlns:ma14="http://schemas.microsoft.com/office/mac/drawingml/2011/main" xmlns="" val="1"/>
             </a:ext>
           </a:extLst>
         </p:spPr>
@@ -6855,14 +6870,14 @@
           <a:effectLst/>
           <a:extLst>
             <a:ext uri="{909E8E84-426E-40dd-AFC4-6F175D3DCCD1}">
-              <a14:hiddenFill xmlns="" xmlns:a14="http://schemas.microsoft.com/office/drawing/2010/main">
+              <a14:hiddenFill xmlns:a14="http://schemas.microsoft.com/office/drawing/2010/main" xmlns="">
                 <a:solidFill>
                   <a:schemeClr val="accent2"/>
                 </a:solidFill>
               </a14:hiddenFill>
             </a:ext>
             <a:ext uri="{91240B29-F687-4f45-9708-019B960494DF}">
-              <a14:hiddenLine xmlns="" xmlns:a14="http://schemas.microsoft.com/office/drawing/2010/main" w="9525">
+              <a14:hiddenLine xmlns:a14="http://schemas.microsoft.com/office/drawing/2010/main" xmlns="" w="9525">
                 <a:solidFill>
                   <a:schemeClr val="accent2"/>
                 </a:solidFill>
@@ -6872,7 +6887,7 @@
               </a14:hiddenLine>
             </a:ext>
             <a:ext uri="{AF507438-7753-43e0-B8FC-AC1667EBCBE1}">
-              <a14:hiddenEffects xmlns="" xmlns:a14="http://schemas.microsoft.com/office/drawing/2010/main">
+              <a14:hiddenEffects xmlns:a14="http://schemas.microsoft.com/office/drawing/2010/main" xmlns="">
                 <a:effectLst>
                   <a:outerShdw blurRad="63500" dist="38099" dir="2700000" algn="ctr" rotWithShape="0">
                     <a:schemeClr val="bg2">
@@ -10248,14 +10263,14 @@
           <a:effectLst/>
           <a:extLst>
             <a:ext uri="{909E8E84-426E-40dd-AFC4-6F175D3DCCD1}">
-              <a14:hiddenFill xmlns="" xmlns:a14="http://schemas.microsoft.com/office/drawing/2010/main">
+              <a14:hiddenFill xmlns:a14="http://schemas.microsoft.com/office/drawing/2010/main" xmlns="">
                 <a:solidFill>
                   <a:schemeClr val="accent1"/>
                 </a:solidFill>
               </a14:hiddenFill>
             </a:ext>
             <a:ext uri="{91240B29-F687-4f45-9708-019B960494DF}">
-              <a14:hiddenLine xmlns="" xmlns:a14="http://schemas.microsoft.com/office/drawing/2010/main" w="9525">
+              <a14:hiddenLine xmlns:a14="http://schemas.microsoft.com/office/drawing/2010/main" xmlns="" w="9525">
                 <a:solidFill>
                   <a:schemeClr val="tx1"/>
                 </a:solidFill>
@@ -10265,7 +10280,7 @@
               </a14:hiddenLine>
             </a:ext>
             <a:ext uri="{AF507438-7753-43e0-B8FC-AC1667EBCBE1}">
-              <a14:hiddenEffects xmlns="" xmlns:a14="http://schemas.microsoft.com/office/drawing/2010/main">
+              <a14:hiddenEffects xmlns:a14="http://schemas.microsoft.com/office/drawing/2010/main" xmlns="">
                 <a:effectLst>
                   <a:outerShdw blurRad="63500" dist="38099" dir="2700000" algn="ctr" rotWithShape="0">
                     <a:schemeClr val="bg2">
@@ -10276,7 +10291,7 @@
               </a14:hiddenEffects>
             </a:ext>
             <a:ext uri="{FAA26D3D-D897-4be2-8F04-BA451C77F1D7}">
-              <ma14:placeholderFlag xmlns="" xmlns:ma14="http://schemas.microsoft.com/office/mac/drawingml/2011/main" val="1"/>
+              <ma14:placeholderFlag xmlns:ma14="http://schemas.microsoft.com/office/mac/drawingml/2011/main" xmlns="" val="1"/>
             </a:ext>
           </a:extLst>
         </p:spPr>
@@ -15126,7 +15141,13 @@
           <a:lstStyle/>
           <a:p>
             <a:r>
-              <a:rPr lang="de-DE" b="1" dirty="0"/>
+              <a:rPr lang="de-DE" b="1" dirty="0">
+                <a:solidFill>
+                  <a:schemeClr val="accent2">
+                    <a:lumMod val="75000"/>
+                  </a:schemeClr>
+                </a:solidFill>
+              </a:rPr>
               <a:t>„Es liegt in der Natur der Sache, dass Arbeitsverhältnisse beendet werden“</a:t>
             </a:r>
           </a:p>
@@ -17796,14 +17817,14 @@
         <a:effectLst/>
         <a:extLst>
           <a:ext uri="{909E8E84-426E-40dd-AFC4-6F175D3DCCD1}">
-            <a14:hiddenFill xmlns="" xmlns:a14="http://schemas.microsoft.com/office/drawing/2010/main">
+            <a14:hiddenFill xmlns:a14="http://schemas.microsoft.com/office/drawing/2010/main" xmlns="">
               <a:solidFill>
                 <a:schemeClr val="accent2"/>
               </a:solidFill>
             </a14:hiddenFill>
           </a:ext>
           <a:ext uri="{AF507438-7753-43e0-B8FC-AC1667EBCBE1}">
-            <a14:hiddenEffects xmlns="" xmlns:a14="http://schemas.microsoft.com/office/drawing/2010/main">
+            <a14:hiddenEffects xmlns:a14="http://schemas.microsoft.com/office/drawing/2010/main" xmlns="">
               <a:effectLst>
                 <a:outerShdw blurRad="63500" dist="35921" dir="2700000" algn="ctr" rotWithShape="0">
                   <a:schemeClr val="bg2"/>
@@ -17876,14 +17897,14 @@
         <a:effectLst/>
         <a:extLst>
           <a:ext uri="{909E8E84-426E-40dd-AFC4-6F175D3DCCD1}">
-            <a14:hiddenFill xmlns="" xmlns:a14="http://schemas.microsoft.com/office/drawing/2010/main">
+            <a14:hiddenFill xmlns:a14="http://schemas.microsoft.com/office/drawing/2010/main" xmlns="">
               <a:solidFill>
                 <a:schemeClr val="accent2"/>
               </a:solidFill>
             </a14:hiddenFill>
           </a:ext>
           <a:ext uri="{AF507438-7753-43e0-B8FC-AC1667EBCBE1}">
-            <a14:hiddenEffects xmlns="" xmlns:a14="http://schemas.microsoft.com/office/drawing/2010/main">
+            <a14:hiddenEffects xmlns:a14="http://schemas.microsoft.com/office/drawing/2010/main" xmlns="">
               <a:effectLst>
                 <a:outerShdw blurRad="63500" dist="35921" dir="2700000" algn="ctr" rotWithShape="0">
                   <a:schemeClr val="bg2"/>

--- a/folien_dehbia.pptx
+++ b/folien_dehbia.pptx
@@ -314,6 +314,3250 @@
 <file path=ppt/changesInfos/changesInfo1.xml><?xml version="1.0" encoding="utf-8"?>
 <pc:chgInfo xmlns:a="http://schemas.openxmlformats.org/drawingml/2006/main" xmlns:r="http://schemas.openxmlformats.org/officeDocument/2006/relationships" xmlns:ac="http://schemas.microsoft.com/office/drawing/2013/main/command" xmlns:pc="http://schemas.microsoft.com/office/powerpoint/2013/main/command">
   <pc:docChgLst>
+    <pc:chgData name="Bastian Desch" userId="779dbd08d3316e4c" providerId="Windows Live" clId="Web-{1F1E1C75-0593-4F2B-991D-FA769010B674}"/>
+    <pc:docChg chg="addSld delSld modSld">
+      <pc:chgData name="Bastian Desch" userId="779dbd08d3316e4c" providerId="Windows Live" clId="Web-{1F1E1C75-0593-4F2B-991D-FA769010B674}" dt="2022-05-07T14:19:39.351" v="23"/>
+      <pc:docMkLst>
+        <pc:docMk/>
+      </pc:docMkLst>
+      <pc:sldChg chg="modSp">
+        <pc:chgData name="Bastian Desch" userId="779dbd08d3316e4c" providerId="Windows Live" clId="Web-{1F1E1C75-0593-4F2B-991D-FA769010B674}" dt="2022-05-07T13:10:04.969" v="5" actId="20577"/>
+        <pc:sldMkLst>
+          <pc:docMk/>
+          <pc:sldMk cId="2274306821" sldId="407"/>
+        </pc:sldMkLst>
+        <pc:spChg chg="mod">
+          <ac:chgData name="Bastian Desch" userId="779dbd08d3316e4c" providerId="Windows Live" clId="Web-{1F1E1C75-0593-4F2B-991D-FA769010B674}" dt="2022-05-07T13:10:04.969" v="5" actId="20577"/>
+          <ac:spMkLst>
+            <pc:docMk/>
+            <pc:sldMk cId="2274306821" sldId="407"/>
+            <ac:spMk id="3" creationId="{B231E619-DB31-C982-7307-DA7F69CD887D}"/>
+          </ac:spMkLst>
+        </pc:spChg>
+      </pc:sldChg>
+      <pc:sldChg chg="modSp">
+        <pc:chgData name="Bastian Desch" userId="779dbd08d3316e4c" providerId="Windows Live" clId="Web-{1F1E1C75-0593-4F2B-991D-FA769010B674}" dt="2022-05-07T12:59:24.667" v="3" actId="20577"/>
+        <pc:sldMkLst>
+          <pc:docMk/>
+          <pc:sldMk cId="3762737810" sldId="408"/>
+        </pc:sldMkLst>
+        <pc:spChg chg="mod">
+          <ac:chgData name="Bastian Desch" userId="779dbd08d3316e4c" providerId="Windows Live" clId="Web-{1F1E1C75-0593-4F2B-991D-FA769010B674}" dt="2022-05-07T12:59:24.667" v="3" actId="20577"/>
+          <ac:spMkLst>
+            <pc:docMk/>
+            <pc:sldMk cId="3762737810" sldId="408"/>
+            <ac:spMk id="3" creationId="{DBAC4577-7CDE-B879-0B2B-7AEDD5C76DE4}"/>
+          </ac:spMkLst>
+        </pc:spChg>
+      </pc:sldChg>
+      <pc:sldChg chg="modSp">
+        <pc:chgData name="Bastian Desch" userId="779dbd08d3316e4c" providerId="Windows Live" clId="Web-{1F1E1C75-0593-4F2B-991D-FA769010B674}" dt="2022-05-07T13:29:00.631" v="7" actId="20577"/>
+        <pc:sldMkLst>
+          <pc:docMk/>
+          <pc:sldMk cId="3585592645" sldId="409"/>
+        </pc:sldMkLst>
+        <pc:spChg chg="mod">
+          <ac:chgData name="Bastian Desch" userId="779dbd08d3316e4c" providerId="Windows Live" clId="Web-{1F1E1C75-0593-4F2B-991D-FA769010B674}" dt="2022-05-07T13:29:00.631" v="7" actId="20577"/>
+          <ac:spMkLst>
+            <pc:docMk/>
+            <pc:sldMk cId="3585592645" sldId="409"/>
+            <ac:spMk id="711683" creationId="{00000000-0000-0000-0000-000000000000}"/>
+          </ac:spMkLst>
+        </pc:spChg>
+      </pc:sldChg>
+      <pc:sldChg chg="modSp">
+        <pc:chgData name="Bastian Desch" userId="779dbd08d3316e4c" providerId="Windows Live" clId="Web-{1F1E1C75-0593-4F2B-991D-FA769010B674}" dt="2022-05-07T13:54:38.561" v="13" actId="20577"/>
+        <pc:sldMkLst>
+          <pc:docMk/>
+          <pc:sldMk cId="2629419780" sldId="410"/>
+        </pc:sldMkLst>
+        <pc:spChg chg="mod">
+          <ac:chgData name="Bastian Desch" userId="779dbd08d3316e4c" providerId="Windows Live" clId="Web-{1F1E1C75-0593-4F2B-991D-FA769010B674}" dt="2022-05-07T13:54:38.561" v="13" actId="20577"/>
+          <ac:spMkLst>
+            <pc:docMk/>
+            <pc:sldMk cId="2629419780" sldId="410"/>
+            <ac:spMk id="711683" creationId="{00000000-0000-0000-0000-000000000000}"/>
+          </ac:spMkLst>
+        </pc:spChg>
+      </pc:sldChg>
+      <pc:sldChg chg="modSp">
+        <pc:chgData name="Bastian Desch" userId="779dbd08d3316e4c" providerId="Windows Live" clId="Web-{1F1E1C75-0593-4F2B-991D-FA769010B674}" dt="2022-05-07T14:19:39.351" v="23"/>
+        <pc:sldMkLst>
+          <pc:docMk/>
+          <pc:sldMk cId="2865602389" sldId="421"/>
+        </pc:sldMkLst>
+        <pc:graphicFrameChg chg="mod modGraphic">
+          <ac:chgData name="Bastian Desch" userId="779dbd08d3316e4c" providerId="Windows Live" clId="Web-{1F1E1C75-0593-4F2B-991D-FA769010B674}" dt="2022-05-07T14:19:39.351" v="23"/>
+          <ac:graphicFrameMkLst>
+            <pc:docMk/>
+            <pc:sldMk cId="2865602389" sldId="421"/>
+            <ac:graphicFrameMk id="3" creationId="{BA777370-86FF-3F5E-105A-13AB44FC2B43}"/>
+          </ac:graphicFrameMkLst>
+        </pc:graphicFrameChg>
+      </pc:sldChg>
+      <pc:sldChg chg="new del">
+        <pc:chgData name="Bastian Desch" userId="779dbd08d3316e4c" providerId="Windows Live" clId="Web-{1F1E1C75-0593-4F2B-991D-FA769010B674}" dt="2022-05-07T13:56:20.220" v="15"/>
+        <pc:sldMkLst>
+          <pc:docMk/>
+          <pc:sldMk cId="1284782381" sldId="422"/>
+        </pc:sldMkLst>
+      </pc:sldChg>
+      <pc:sldChg chg="new del">
+        <pc:chgData name="Bastian Desch" userId="779dbd08d3316e4c" providerId="Windows Live" clId="Web-{1F1E1C75-0593-4F2B-991D-FA769010B674}" dt="2022-05-07T13:29:30.086" v="9"/>
+        <pc:sldMkLst>
+          <pc:docMk/>
+          <pc:sldMk cId="3285797800" sldId="422"/>
+        </pc:sldMkLst>
+      </pc:sldChg>
+    </pc:docChg>
+  </pc:docChgLst>
+  <pc:docChgLst>
+    <pc:chgData name="Dehbia Kouadria" userId="24cf8942edd75162" providerId="Windows Live" clId="Web-{2B83543E-F4A4-4C60-9752-73799B90388B}"/>
+    <pc:docChg chg="modSld">
+      <pc:chgData name="Dehbia Kouadria" userId="24cf8942edd75162" providerId="Windows Live" clId="Web-{2B83543E-F4A4-4C60-9752-73799B90388B}" dt="2022-05-09T10:11:46.709" v="90" actId="20577"/>
+      <pc:docMkLst>
+        <pc:docMk/>
+      </pc:docMkLst>
+      <pc:sldChg chg="modSp">
+        <pc:chgData name="Dehbia Kouadria" userId="24cf8942edd75162" providerId="Windows Live" clId="Web-{2B83543E-F4A4-4C60-9752-73799B90388B}" dt="2022-05-09T09:59:05.611" v="88" actId="20577"/>
+        <pc:sldMkLst>
+          <pc:docMk/>
+          <pc:sldMk cId="0" sldId="405"/>
+        </pc:sldMkLst>
+        <pc:spChg chg="mod">
+          <ac:chgData name="Dehbia Kouadria" userId="24cf8942edd75162" providerId="Windows Live" clId="Web-{2B83543E-F4A4-4C60-9752-73799B90388B}" dt="2022-05-09T09:59:05.611" v="88" actId="20577"/>
+          <ac:spMkLst>
+            <pc:docMk/>
+            <pc:sldMk cId="0" sldId="405"/>
+            <ac:spMk id="711683" creationId="{00000000-0000-0000-0000-000000000000}"/>
+          </ac:spMkLst>
+        </pc:spChg>
+      </pc:sldChg>
+      <pc:sldChg chg="modSp">
+        <pc:chgData name="Dehbia Kouadria" userId="24cf8942edd75162" providerId="Windows Live" clId="Web-{2B83543E-F4A4-4C60-9752-73799B90388B}" dt="2022-05-09T10:11:46.709" v="90" actId="20577"/>
+        <pc:sldMkLst>
+          <pc:docMk/>
+          <pc:sldMk cId="3164688835" sldId="418"/>
+        </pc:sldMkLst>
+        <pc:spChg chg="mod">
+          <ac:chgData name="Dehbia Kouadria" userId="24cf8942edd75162" providerId="Windows Live" clId="Web-{2B83543E-F4A4-4C60-9752-73799B90388B}" dt="2022-05-09T10:11:46.709" v="90" actId="20577"/>
+          <ac:spMkLst>
+            <pc:docMk/>
+            <pc:sldMk cId="3164688835" sldId="418"/>
+            <ac:spMk id="6" creationId="{0D10638A-2104-397A-BD33-1ED361B14355}"/>
+          </ac:spMkLst>
+        </pc:spChg>
+      </pc:sldChg>
+      <pc:sldChg chg="modSp">
+        <pc:chgData name="Dehbia Kouadria" userId="24cf8942edd75162" providerId="Windows Live" clId="Web-{2B83543E-F4A4-4C60-9752-73799B90388B}" dt="2022-05-09T09:58:53.814" v="84" actId="1076"/>
+        <pc:sldMkLst>
+          <pc:docMk/>
+          <pc:sldMk cId="3907794154" sldId="420"/>
+        </pc:sldMkLst>
+        <pc:spChg chg="mod">
+          <ac:chgData name="Dehbia Kouadria" userId="24cf8942edd75162" providerId="Windows Live" clId="Web-{2B83543E-F4A4-4C60-9752-73799B90388B}" dt="2022-05-09T09:58:53.814" v="84" actId="1076"/>
+          <ac:spMkLst>
+            <pc:docMk/>
+            <pc:sldMk cId="3907794154" sldId="420"/>
+            <ac:spMk id="2" creationId="{15777695-5B3D-C5A9-BC59-1B6562687E88}"/>
+          </ac:spMkLst>
+        </pc:spChg>
+        <pc:spChg chg="mod">
+          <ac:chgData name="Dehbia Kouadria" userId="24cf8942edd75162" providerId="Windows Live" clId="Web-{2B83543E-F4A4-4C60-9752-73799B90388B}" dt="2022-05-09T09:57:30.640" v="35" actId="20577"/>
+          <ac:spMkLst>
+            <pc:docMk/>
+            <pc:sldMk cId="3907794154" sldId="420"/>
+            <ac:spMk id="3" creationId="{013B2382-B7F8-C44A-A518-A36CB66A0CCF}"/>
+          </ac:spMkLst>
+        </pc:spChg>
+        <pc:spChg chg="mod">
+          <ac:chgData name="Dehbia Kouadria" userId="24cf8942edd75162" providerId="Windows Live" clId="Web-{2B83543E-F4A4-4C60-9752-73799B90388B}" dt="2022-05-09T09:56:20.217" v="29" actId="20577"/>
+          <ac:spMkLst>
+            <pc:docMk/>
+            <pc:sldMk cId="3907794154" sldId="420"/>
+            <ac:spMk id="5" creationId="{D8FE1436-7D4F-6492-FA72-FB980B2EB133}"/>
+          </ac:spMkLst>
+        </pc:spChg>
+        <pc:spChg chg="mod">
+          <ac:chgData name="Dehbia Kouadria" userId="24cf8942edd75162" providerId="Windows Live" clId="Web-{2B83543E-F4A4-4C60-9752-73799B90388B}" dt="2022-05-09T09:58:22.720" v="69" actId="20577"/>
+          <ac:spMkLst>
+            <pc:docMk/>
+            <pc:sldMk cId="3907794154" sldId="420"/>
+            <ac:spMk id="6" creationId="{8DB9E3ED-A046-3428-17B0-4FB0671BEFBF}"/>
+          </ac:spMkLst>
+        </pc:spChg>
+      </pc:sldChg>
+    </pc:docChg>
+  </pc:docChgLst>
+  <pc:docChgLst>
+    <pc:chgData name="Dehbia Kouadria" userId="24cf8942edd75162" providerId="Windows Live" clId="Web-{0D86F6BF-747D-4849-B0AC-A0ABE97AA8BB}"/>
+    <pc:docChg chg="modSld">
+      <pc:chgData name="Dehbia Kouadria" userId="24cf8942edd75162" providerId="Windows Live" clId="Web-{0D86F6BF-747D-4849-B0AC-A0ABE97AA8BB}" dt="2022-05-09T07:56:24.492" v="47" actId="20577"/>
+      <pc:docMkLst>
+        <pc:docMk/>
+      </pc:docMkLst>
+      <pc:sldChg chg="modSp">
+        <pc:chgData name="Dehbia Kouadria" userId="24cf8942edd75162" providerId="Windows Live" clId="Web-{0D86F6BF-747D-4849-B0AC-A0ABE97AA8BB}" dt="2022-05-09T07:51:41.612" v="37" actId="20577"/>
+        <pc:sldMkLst>
+          <pc:docMk/>
+          <pc:sldMk cId="0" sldId="405"/>
+        </pc:sldMkLst>
+        <pc:spChg chg="mod">
+          <ac:chgData name="Dehbia Kouadria" userId="24cf8942edd75162" providerId="Windows Live" clId="Web-{0D86F6BF-747D-4849-B0AC-A0ABE97AA8BB}" dt="2022-05-09T07:51:41.612" v="37" actId="20577"/>
+          <ac:spMkLst>
+            <pc:docMk/>
+            <pc:sldMk cId="0" sldId="405"/>
+            <ac:spMk id="711683" creationId="{00000000-0000-0000-0000-000000000000}"/>
+          </ac:spMkLst>
+        </pc:spChg>
+      </pc:sldChg>
+      <pc:sldChg chg="modSp">
+        <pc:chgData name="Dehbia Kouadria" userId="24cf8942edd75162" providerId="Windows Live" clId="Web-{0D86F6BF-747D-4849-B0AC-A0ABE97AA8BB}" dt="2022-05-09T07:56:24.492" v="47" actId="20577"/>
+        <pc:sldMkLst>
+          <pc:docMk/>
+          <pc:sldMk cId="4004069667" sldId="406"/>
+        </pc:sldMkLst>
+        <pc:spChg chg="mod">
+          <ac:chgData name="Dehbia Kouadria" userId="24cf8942edd75162" providerId="Windows Live" clId="Web-{0D86F6BF-747D-4849-B0AC-A0ABE97AA8BB}" dt="2022-05-09T07:56:24.492" v="47" actId="20577"/>
+          <ac:spMkLst>
+            <pc:docMk/>
+            <pc:sldMk cId="4004069667" sldId="406"/>
+            <ac:spMk id="3" creationId="{B231E619-DB31-C982-7307-DA7F69CD887D}"/>
+          </ac:spMkLst>
+        </pc:spChg>
+      </pc:sldChg>
+      <pc:sldChg chg="modSp">
+        <pc:chgData name="Dehbia Kouadria" userId="24cf8942edd75162" providerId="Windows Live" clId="Web-{0D86F6BF-747D-4849-B0AC-A0ABE97AA8BB}" dt="2022-05-09T06:27:41.848" v="34" actId="1076"/>
+        <pc:sldMkLst>
+          <pc:docMk/>
+          <pc:sldMk cId="3907794154" sldId="420"/>
+        </pc:sldMkLst>
+        <pc:spChg chg="mod">
+          <ac:chgData name="Dehbia Kouadria" userId="24cf8942edd75162" providerId="Windows Live" clId="Web-{0D86F6BF-747D-4849-B0AC-A0ABE97AA8BB}" dt="2022-05-09T06:27:41.848" v="34" actId="1076"/>
+          <ac:spMkLst>
+            <pc:docMk/>
+            <pc:sldMk cId="3907794154" sldId="420"/>
+            <ac:spMk id="2" creationId="{15777695-5B3D-C5A9-BC59-1B6562687E88}"/>
+          </ac:spMkLst>
+        </pc:spChg>
+        <pc:spChg chg="mod">
+          <ac:chgData name="Dehbia Kouadria" userId="24cf8942edd75162" providerId="Windows Live" clId="Web-{0D86F6BF-747D-4849-B0AC-A0ABE97AA8BB}" dt="2022-05-09T06:26:39.127" v="24" actId="20577"/>
+          <ac:spMkLst>
+            <pc:docMk/>
+            <pc:sldMk cId="3907794154" sldId="420"/>
+            <ac:spMk id="3" creationId="{013B2382-B7F8-C44A-A518-A36CB66A0CCF}"/>
+          </ac:spMkLst>
+        </pc:spChg>
+        <pc:spChg chg="mod">
+          <ac:chgData name="Dehbia Kouadria" userId="24cf8942edd75162" providerId="Windows Live" clId="Web-{0D86F6BF-747D-4849-B0AC-A0ABE97AA8BB}" dt="2022-05-09T06:26:47.112" v="30" actId="20577"/>
+          <ac:spMkLst>
+            <pc:docMk/>
+            <pc:sldMk cId="3907794154" sldId="420"/>
+            <ac:spMk id="5" creationId="{D8FE1436-7D4F-6492-FA72-FB980B2EB133}"/>
+          </ac:spMkLst>
+        </pc:spChg>
+      </pc:sldChg>
+    </pc:docChg>
+  </pc:docChgLst>
+  <pc:docChgLst>
+    <pc:chgData name="Dehbia Kouadria" userId="24cf8942edd75162" providerId="LiveId" clId="{17BADB32-C636-4716-B80D-93C22C39D57A}"/>
+    <pc:docChg chg="undo redo custSel addSld delSld modSld sldOrd addMainMaster delMainMaster modMainMaster">
+      <pc:chgData name="Dehbia Kouadria" userId="24cf8942edd75162" providerId="LiveId" clId="{17BADB32-C636-4716-B80D-93C22C39D57A}" dt="2023-04-15T17:29:17.610" v="1820" actId="20577"/>
+      <pc:docMkLst>
+        <pc:docMk/>
+      </pc:docMkLst>
+      <pc:sldChg chg="modTransition modNotesTx">
+        <pc:chgData name="Dehbia Kouadria" userId="24cf8942edd75162" providerId="LiveId" clId="{17BADB32-C636-4716-B80D-93C22C39D57A}" dt="2023-04-15T17:08:44.641" v="1581"/>
+        <pc:sldMkLst>
+          <pc:docMk/>
+          <pc:sldMk cId="0" sldId="402"/>
+        </pc:sldMkLst>
+      </pc:sldChg>
+      <pc:sldChg chg="addSp delSp modSp add mod modTransition modClrScheme chgLayout">
+        <pc:chgData name="Dehbia Kouadria" userId="24cf8942edd75162" providerId="LiveId" clId="{17BADB32-C636-4716-B80D-93C22C39D57A}" dt="2023-04-15T17:08:44.641" v="1581"/>
+        <pc:sldMkLst>
+          <pc:docMk/>
+          <pc:sldMk cId="3692886023" sldId="404"/>
+        </pc:sldMkLst>
+        <pc:spChg chg="mod ord">
+          <ac:chgData name="Dehbia Kouadria" userId="24cf8942edd75162" providerId="LiveId" clId="{17BADB32-C636-4716-B80D-93C22C39D57A}" dt="2023-04-15T15:08:43.468" v="1499" actId="700"/>
+          <ac:spMkLst>
+            <pc:docMk/>
+            <pc:sldMk cId="3692886023" sldId="404"/>
+            <ac:spMk id="2" creationId="{3C986499-ADB5-AD72-E654-6DA44650BA35}"/>
+          </ac:spMkLst>
+        </pc:spChg>
+        <pc:spChg chg="mod ord">
+          <ac:chgData name="Dehbia Kouadria" userId="24cf8942edd75162" providerId="LiveId" clId="{17BADB32-C636-4716-B80D-93C22C39D57A}" dt="2023-04-15T15:08:43.468" v="1499" actId="700"/>
+          <ac:spMkLst>
+            <pc:docMk/>
+            <pc:sldMk cId="3692886023" sldId="404"/>
+            <ac:spMk id="3" creationId="{878F6DA1-B155-4AF2-536B-D768C3CB4D32}"/>
+          </ac:spMkLst>
+        </pc:spChg>
+        <pc:spChg chg="mod ord">
+          <ac:chgData name="Dehbia Kouadria" userId="24cf8942edd75162" providerId="LiveId" clId="{17BADB32-C636-4716-B80D-93C22C39D57A}" dt="2023-04-15T15:08:43.468" v="1499" actId="700"/>
+          <ac:spMkLst>
+            <pc:docMk/>
+            <pc:sldMk cId="3692886023" sldId="404"/>
+            <ac:spMk id="4" creationId="{44199A47-FBB4-DA6B-DFC7-01CFB117FA86}"/>
+          </ac:spMkLst>
+        </pc:spChg>
+        <pc:spChg chg="del mod ord">
+          <ac:chgData name="Dehbia Kouadria" userId="24cf8942edd75162" providerId="LiveId" clId="{17BADB32-C636-4716-B80D-93C22C39D57A}" dt="2023-04-15T14:56:21.368" v="1463" actId="700"/>
+          <ac:spMkLst>
+            <pc:docMk/>
+            <pc:sldMk cId="3692886023" sldId="404"/>
+            <ac:spMk id="5" creationId="{ED89A79B-2B79-117C-E866-05DF21A4E062}"/>
+          </ac:spMkLst>
+        </pc:spChg>
+        <pc:spChg chg="add del mod ord">
+          <ac:chgData name="Dehbia Kouadria" userId="24cf8942edd75162" providerId="LiveId" clId="{17BADB32-C636-4716-B80D-93C22C39D57A}" dt="2023-04-15T15:08:43.468" v="1499" actId="700"/>
+          <ac:spMkLst>
+            <pc:docMk/>
+            <pc:sldMk cId="3692886023" sldId="404"/>
+            <ac:spMk id="6" creationId="{70DE45B6-0267-D858-9C93-BAE5273416B7}"/>
+          </ac:spMkLst>
+        </pc:spChg>
+        <pc:spChg chg="mod ord">
+          <ac:chgData name="Dehbia Kouadria" userId="24cf8942edd75162" providerId="LiveId" clId="{17BADB32-C636-4716-B80D-93C22C39D57A}" dt="2023-04-15T15:08:43.468" v="1499" actId="700"/>
+          <ac:spMkLst>
+            <pc:docMk/>
+            <pc:sldMk cId="3692886023" sldId="404"/>
+            <ac:spMk id="7" creationId="{DB1993C7-29CD-30BD-2A10-1E46AECAABDA}"/>
+          </ac:spMkLst>
+        </pc:spChg>
+        <pc:spChg chg="add mod ord">
+          <ac:chgData name="Dehbia Kouadria" userId="24cf8942edd75162" providerId="LiveId" clId="{17BADB32-C636-4716-B80D-93C22C39D57A}" dt="2023-04-15T15:08:43.468" v="1499" actId="700"/>
+          <ac:spMkLst>
+            <pc:docMk/>
+            <pc:sldMk cId="3692886023" sldId="404"/>
+            <ac:spMk id="8" creationId="{39D6D554-03AC-0B22-3562-27E98B5355AB}"/>
+          </ac:spMkLst>
+        </pc:spChg>
+      </pc:sldChg>
+      <pc:sldChg chg="modSp mod modTransition modNotesTx">
+        <pc:chgData name="Dehbia Kouadria" userId="24cf8942edd75162" providerId="LiveId" clId="{17BADB32-C636-4716-B80D-93C22C39D57A}" dt="2023-04-15T17:08:44.641" v="1581"/>
+        <pc:sldMkLst>
+          <pc:docMk/>
+          <pc:sldMk cId="0" sldId="405"/>
+        </pc:sldMkLst>
+        <pc:spChg chg="mod">
+          <ac:chgData name="Dehbia Kouadria" userId="24cf8942edd75162" providerId="LiveId" clId="{17BADB32-C636-4716-B80D-93C22C39D57A}" dt="2023-04-15T17:02:58.683" v="1527" actId="255"/>
+          <ac:spMkLst>
+            <pc:docMk/>
+            <pc:sldMk cId="0" sldId="405"/>
+            <ac:spMk id="711683" creationId="{00000000-0000-0000-0000-000000000000}"/>
+          </ac:spMkLst>
+        </pc:spChg>
+      </pc:sldChg>
+      <pc:sldChg chg="modSp add mod modTransition modClrScheme chgLayout">
+        <pc:chgData name="Dehbia Kouadria" userId="24cf8942edd75162" providerId="LiveId" clId="{17BADB32-C636-4716-B80D-93C22C39D57A}" dt="2023-04-15T17:08:44.641" v="1581"/>
+        <pc:sldMkLst>
+          <pc:docMk/>
+          <pc:sldMk cId="2779338242" sldId="406"/>
+        </pc:sldMkLst>
+        <pc:spChg chg="mod ord">
+          <ac:chgData name="Dehbia Kouadria" userId="24cf8942edd75162" providerId="LiveId" clId="{17BADB32-C636-4716-B80D-93C22C39D57A}" dt="2023-04-15T15:08:43.468" v="1499" actId="700"/>
+          <ac:spMkLst>
+            <pc:docMk/>
+            <pc:sldMk cId="2779338242" sldId="406"/>
+            <ac:spMk id="2" creationId="{E1A4F0AD-C668-F246-66C9-8EAE78096972}"/>
+          </ac:spMkLst>
+        </pc:spChg>
+        <pc:spChg chg="mod ord">
+          <ac:chgData name="Dehbia Kouadria" userId="24cf8942edd75162" providerId="LiveId" clId="{17BADB32-C636-4716-B80D-93C22C39D57A}" dt="2023-04-15T15:08:43.468" v="1499" actId="700"/>
+          <ac:spMkLst>
+            <pc:docMk/>
+            <pc:sldMk cId="2779338242" sldId="406"/>
+            <ac:spMk id="3" creationId="{D8845708-1409-063A-819B-475A8196578A}"/>
+          </ac:spMkLst>
+        </pc:spChg>
+        <pc:spChg chg="mod ord">
+          <ac:chgData name="Dehbia Kouadria" userId="24cf8942edd75162" providerId="LiveId" clId="{17BADB32-C636-4716-B80D-93C22C39D57A}" dt="2023-04-15T15:08:43.468" v="1499" actId="700"/>
+          <ac:spMkLst>
+            <pc:docMk/>
+            <pc:sldMk cId="2779338242" sldId="406"/>
+            <ac:spMk id="4" creationId="{5FEA0A6C-4135-AEFD-9B9B-64C2589F97E9}"/>
+          </ac:spMkLst>
+        </pc:spChg>
+        <pc:spChg chg="mod ord">
+          <ac:chgData name="Dehbia Kouadria" userId="24cf8942edd75162" providerId="LiveId" clId="{17BADB32-C636-4716-B80D-93C22C39D57A}" dt="2023-04-15T15:08:43.468" v="1499" actId="700"/>
+          <ac:spMkLst>
+            <pc:docMk/>
+            <pc:sldMk cId="2779338242" sldId="406"/>
+            <ac:spMk id="5" creationId="{430C115F-12AC-6440-D36B-330D8FF829A3}"/>
+          </ac:spMkLst>
+        </pc:spChg>
+        <pc:graphicFrameChg chg="mod ord modGraphic">
+          <ac:chgData name="Dehbia Kouadria" userId="24cf8942edd75162" providerId="LiveId" clId="{17BADB32-C636-4716-B80D-93C22C39D57A}" dt="2023-04-15T15:08:43.468" v="1499" actId="700"/>
+          <ac:graphicFrameMkLst>
+            <pc:docMk/>
+            <pc:sldMk cId="2779338242" sldId="406"/>
+            <ac:graphicFrameMk id="6" creationId="{A7A60394-F006-1AA4-EB96-3F17F68C788C}"/>
+          </ac:graphicFrameMkLst>
+        </pc:graphicFrameChg>
+      </pc:sldChg>
+      <pc:sldChg chg="addSp delSp modSp add mod modTransition modClrScheme chgLayout">
+        <pc:chgData name="Dehbia Kouadria" userId="24cf8942edd75162" providerId="LiveId" clId="{17BADB32-C636-4716-B80D-93C22C39D57A}" dt="2023-04-15T17:08:44.641" v="1581"/>
+        <pc:sldMkLst>
+          <pc:docMk/>
+          <pc:sldMk cId="1192862916" sldId="407"/>
+        </pc:sldMkLst>
+        <pc:spChg chg="mod ord">
+          <ac:chgData name="Dehbia Kouadria" userId="24cf8942edd75162" providerId="LiveId" clId="{17BADB32-C636-4716-B80D-93C22C39D57A}" dt="2023-04-15T15:08:43.468" v="1499" actId="700"/>
+          <ac:spMkLst>
+            <pc:docMk/>
+            <pc:sldMk cId="1192862916" sldId="407"/>
+            <ac:spMk id="2" creationId="{DC509A6C-9DA3-64A6-BC90-0617BF28E402}"/>
+          </ac:spMkLst>
+        </pc:spChg>
+        <pc:spChg chg="mod ord">
+          <ac:chgData name="Dehbia Kouadria" userId="24cf8942edd75162" providerId="LiveId" clId="{17BADB32-C636-4716-B80D-93C22C39D57A}" dt="2023-04-15T17:04:30.972" v="1540" actId="255"/>
+          <ac:spMkLst>
+            <pc:docMk/>
+            <pc:sldMk cId="1192862916" sldId="407"/>
+            <ac:spMk id="3" creationId="{5C194786-B3FE-BBE2-EEFA-F4B5C542140C}"/>
+          </ac:spMkLst>
+        </pc:spChg>
+        <pc:spChg chg="mod ord">
+          <ac:chgData name="Dehbia Kouadria" userId="24cf8942edd75162" providerId="LiveId" clId="{17BADB32-C636-4716-B80D-93C22C39D57A}" dt="2023-04-15T15:08:43.468" v="1499" actId="700"/>
+          <ac:spMkLst>
+            <pc:docMk/>
+            <pc:sldMk cId="1192862916" sldId="407"/>
+            <ac:spMk id="4" creationId="{6F32542A-A5AB-B02C-EEA8-E0BCBA3D1B58}"/>
+          </ac:spMkLst>
+        </pc:spChg>
+        <pc:spChg chg="del mod ord">
+          <ac:chgData name="Dehbia Kouadria" userId="24cf8942edd75162" providerId="LiveId" clId="{17BADB32-C636-4716-B80D-93C22C39D57A}" dt="2023-04-15T14:56:59.445" v="1465" actId="700"/>
+          <ac:spMkLst>
+            <pc:docMk/>
+            <pc:sldMk cId="1192862916" sldId="407"/>
+            <ac:spMk id="5" creationId="{413A2BE8-1825-96BE-A7C5-C2ACBB3E7B17}"/>
+          </ac:spMkLst>
+        </pc:spChg>
+        <pc:spChg chg="add del mod ord">
+          <ac:chgData name="Dehbia Kouadria" userId="24cf8942edd75162" providerId="LiveId" clId="{17BADB32-C636-4716-B80D-93C22C39D57A}" dt="2023-04-15T15:08:43.468" v="1499" actId="700"/>
+          <ac:spMkLst>
+            <pc:docMk/>
+            <pc:sldMk cId="1192862916" sldId="407"/>
+            <ac:spMk id="6" creationId="{39C6A2FD-421D-0CBC-AC14-149C390965F3}"/>
+          </ac:spMkLst>
+        </pc:spChg>
+        <pc:spChg chg="mod ord">
+          <ac:chgData name="Dehbia Kouadria" userId="24cf8942edd75162" providerId="LiveId" clId="{17BADB32-C636-4716-B80D-93C22C39D57A}" dt="2023-04-15T15:08:43.468" v="1499" actId="700"/>
+          <ac:spMkLst>
+            <pc:docMk/>
+            <pc:sldMk cId="1192862916" sldId="407"/>
+            <ac:spMk id="7" creationId="{AA772284-6D08-2C62-BB2F-6F313E42D09D}"/>
+          </ac:spMkLst>
+        </pc:spChg>
+        <pc:spChg chg="add mod ord">
+          <ac:chgData name="Dehbia Kouadria" userId="24cf8942edd75162" providerId="LiveId" clId="{17BADB32-C636-4716-B80D-93C22C39D57A}" dt="2023-04-15T15:08:43.468" v="1499" actId="700"/>
+          <ac:spMkLst>
+            <pc:docMk/>
+            <pc:sldMk cId="1192862916" sldId="407"/>
+            <ac:spMk id="8" creationId="{05BD4F78-8D8B-EC58-AB6D-3501DE2C6149}"/>
+          </ac:spMkLst>
+        </pc:spChg>
+      </pc:sldChg>
+      <pc:sldChg chg="addSp delSp modSp add mod modTransition modClrScheme chgLayout">
+        <pc:chgData name="Dehbia Kouadria" userId="24cf8942edd75162" providerId="LiveId" clId="{17BADB32-C636-4716-B80D-93C22C39D57A}" dt="2023-04-15T17:08:44.641" v="1581"/>
+        <pc:sldMkLst>
+          <pc:docMk/>
+          <pc:sldMk cId="4203972209" sldId="408"/>
+        </pc:sldMkLst>
+        <pc:spChg chg="mod ord">
+          <ac:chgData name="Dehbia Kouadria" userId="24cf8942edd75162" providerId="LiveId" clId="{17BADB32-C636-4716-B80D-93C22C39D57A}" dt="2023-04-15T15:08:43.468" v="1499" actId="700"/>
+          <ac:spMkLst>
+            <pc:docMk/>
+            <pc:sldMk cId="4203972209" sldId="408"/>
+            <ac:spMk id="2" creationId="{47FF7F23-040F-23B1-9D1D-8B6F1653C5EE}"/>
+          </ac:spMkLst>
+        </pc:spChg>
+        <pc:spChg chg="add del mod ord">
+          <ac:chgData name="Dehbia Kouadria" userId="24cf8942edd75162" providerId="LiveId" clId="{17BADB32-C636-4716-B80D-93C22C39D57A}" dt="2023-04-15T15:08:43.468" v="1499" actId="700"/>
+          <ac:spMkLst>
+            <pc:docMk/>
+            <pc:sldMk cId="4203972209" sldId="408"/>
+            <ac:spMk id="3" creationId="{DA030307-8237-8399-04E8-1D72D79DD62D}"/>
+          </ac:spMkLst>
+        </pc:spChg>
+        <pc:spChg chg="mod ord">
+          <ac:chgData name="Dehbia Kouadria" userId="24cf8942edd75162" providerId="LiveId" clId="{17BADB32-C636-4716-B80D-93C22C39D57A}" dt="2023-04-15T15:08:43.468" v="1499" actId="700"/>
+          <ac:spMkLst>
+            <pc:docMk/>
+            <pc:sldMk cId="4203972209" sldId="408"/>
+            <ac:spMk id="4" creationId="{EC1ED64D-795C-DBD5-9FD9-8C621FECB957}"/>
+          </ac:spMkLst>
+        </pc:spChg>
+        <pc:spChg chg="mod ord">
+          <ac:chgData name="Dehbia Kouadria" userId="24cf8942edd75162" providerId="LiveId" clId="{17BADB32-C636-4716-B80D-93C22C39D57A}" dt="2023-04-15T15:08:43.468" v="1499" actId="700"/>
+          <ac:spMkLst>
+            <pc:docMk/>
+            <pc:sldMk cId="4203972209" sldId="408"/>
+            <ac:spMk id="5" creationId="{4359AAD3-0E60-6ED5-0337-14E88922749E}"/>
+          </ac:spMkLst>
+        </pc:spChg>
+        <pc:spChg chg="add mod ord">
+          <ac:chgData name="Dehbia Kouadria" userId="24cf8942edd75162" providerId="LiveId" clId="{17BADB32-C636-4716-B80D-93C22C39D57A}" dt="2023-04-15T15:08:43.468" v="1499" actId="700"/>
+          <ac:spMkLst>
+            <pc:docMk/>
+            <pc:sldMk cId="4203972209" sldId="408"/>
+            <ac:spMk id="7" creationId="{0E0A9B82-4566-38FD-C90A-F006425B4614}"/>
+          </ac:spMkLst>
+        </pc:spChg>
+        <pc:graphicFrameChg chg="mod ord modGraphic">
+          <ac:chgData name="Dehbia Kouadria" userId="24cf8942edd75162" providerId="LiveId" clId="{17BADB32-C636-4716-B80D-93C22C39D57A}" dt="2023-04-15T15:08:43.468" v="1499" actId="700"/>
+          <ac:graphicFrameMkLst>
+            <pc:docMk/>
+            <pc:sldMk cId="4203972209" sldId="408"/>
+            <ac:graphicFrameMk id="6" creationId="{E628372A-2B8D-4FF0-2D31-DB7445EED829}"/>
+          </ac:graphicFrameMkLst>
+        </pc:graphicFrameChg>
+      </pc:sldChg>
+      <pc:sldChg chg="addSp delSp modSp add mod modTransition modClrScheme chgLayout">
+        <pc:chgData name="Dehbia Kouadria" userId="24cf8942edd75162" providerId="LiveId" clId="{17BADB32-C636-4716-B80D-93C22C39D57A}" dt="2023-04-15T17:08:44.641" v="1581"/>
+        <pc:sldMkLst>
+          <pc:docMk/>
+          <pc:sldMk cId="2227973568" sldId="409"/>
+        </pc:sldMkLst>
+        <pc:spChg chg="mod ord">
+          <ac:chgData name="Dehbia Kouadria" userId="24cf8942edd75162" providerId="LiveId" clId="{17BADB32-C636-4716-B80D-93C22C39D57A}" dt="2023-04-15T15:09:18.705" v="1500" actId="700"/>
+          <ac:spMkLst>
+            <pc:docMk/>
+            <pc:sldMk cId="2227973568" sldId="409"/>
+            <ac:spMk id="2" creationId="{6A337542-1EC9-FFF1-B800-7F0AF9DEF063}"/>
+          </ac:spMkLst>
+        </pc:spChg>
+        <pc:spChg chg="mod ord">
+          <ac:chgData name="Dehbia Kouadria" userId="24cf8942edd75162" providerId="LiveId" clId="{17BADB32-C636-4716-B80D-93C22C39D57A}" dt="2023-04-15T17:05:45.304" v="1552" actId="255"/>
+          <ac:spMkLst>
+            <pc:docMk/>
+            <pc:sldMk cId="2227973568" sldId="409"/>
+            <ac:spMk id="3" creationId="{3EC28CAD-1760-126C-051D-69B192E95AD4}"/>
+          </ac:spMkLst>
+        </pc:spChg>
+        <pc:spChg chg="mod ord">
+          <ac:chgData name="Dehbia Kouadria" userId="24cf8942edd75162" providerId="LiveId" clId="{17BADB32-C636-4716-B80D-93C22C39D57A}" dt="2023-04-15T15:09:18.705" v="1500" actId="700"/>
+          <ac:spMkLst>
+            <pc:docMk/>
+            <pc:sldMk cId="2227973568" sldId="409"/>
+            <ac:spMk id="4" creationId="{54EC0448-CE2D-5985-7764-ECD7171B00C2}"/>
+          </ac:spMkLst>
+        </pc:spChg>
+        <pc:spChg chg="del mod ord">
+          <ac:chgData name="Dehbia Kouadria" userId="24cf8942edd75162" providerId="LiveId" clId="{17BADB32-C636-4716-B80D-93C22C39D57A}" dt="2023-04-15T14:57:53.648" v="1466" actId="700"/>
+          <ac:spMkLst>
+            <pc:docMk/>
+            <pc:sldMk cId="2227973568" sldId="409"/>
+            <ac:spMk id="5" creationId="{F4311258-F132-0B51-55E2-3D8EB5D7FC17}"/>
+          </ac:spMkLst>
+        </pc:spChg>
+        <pc:spChg chg="add del mod ord">
+          <ac:chgData name="Dehbia Kouadria" userId="24cf8942edd75162" providerId="LiveId" clId="{17BADB32-C636-4716-B80D-93C22C39D57A}" dt="2023-04-15T15:09:18.705" v="1500" actId="700"/>
+          <ac:spMkLst>
+            <pc:docMk/>
+            <pc:sldMk cId="2227973568" sldId="409"/>
+            <ac:spMk id="6" creationId="{4502C4F9-D290-5EB3-D9B5-49085B15E9BA}"/>
+          </ac:spMkLst>
+        </pc:spChg>
+        <pc:spChg chg="mod ord">
+          <ac:chgData name="Dehbia Kouadria" userId="24cf8942edd75162" providerId="LiveId" clId="{17BADB32-C636-4716-B80D-93C22C39D57A}" dt="2023-04-15T15:09:18.705" v="1500" actId="700"/>
+          <ac:spMkLst>
+            <pc:docMk/>
+            <pc:sldMk cId="2227973568" sldId="409"/>
+            <ac:spMk id="7" creationId="{D0691B98-3E54-B644-2C87-770A231F2C88}"/>
+          </ac:spMkLst>
+        </pc:spChg>
+        <pc:spChg chg="add mod ord">
+          <ac:chgData name="Dehbia Kouadria" userId="24cf8942edd75162" providerId="LiveId" clId="{17BADB32-C636-4716-B80D-93C22C39D57A}" dt="2023-04-15T15:09:18.705" v="1500" actId="700"/>
+          <ac:spMkLst>
+            <pc:docMk/>
+            <pc:sldMk cId="2227973568" sldId="409"/>
+            <ac:spMk id="8" creationId="{2C3FD4AF-B507-93B4-A0CD-1AD007CC5768}"/>
+          </ac:spMkLst>
+        </pc:spChg>
+      </pc:sldChg>
+      <pc:sldChg chg="addSp delSp modSp add mod modTransition modClrScheme chgLayout">
+        <pc:chgData name="Dehbia Kouadria" userId="24cf8942edd75162" providerId="LiveId" clId="{17BADB32-C636-4716-B80D-93C22C39D57A}" dt="2023-04-15T17:08:44.641" v="1581"/>
+        <pc:sldMkLst>
+          <pc:docMk/>
+          <pc:sldMk cId="4222792710" sldId="410"/>
+        </pc:sldMkLst>
+        <pc:spChg chg="mod ord">
+          <ac:chgData name="Dehbia Kouadria" userId="24cf8942edd75162" providerId="LiveId" clId="{17BADB32-C636-4716-B80D-93C22C39D57A}" dt="2023-04-15T15:09:18.705" v="1500" actId="700"/>
+          <ac:spMkLst>
+            <pc:docMk/>
+            <pc:sldMk cId="4222792710" sldId="410"/>
+            <ac:spMk id="2" creationId="{C14BF76C-D149-200F-6851-70577A9B201E}"/>
+          </ac:spMkLst>
+        </pc:spChg>
+        <pc:spChg chg="mod ord">
+          <ac:chgData name="Dehbia Kouadria" userId="24cf8942edd75162" providerId="LiveId" clId="{17BADB32-C636-4716-B80D-93C22C39D57A}" dt="2023-04-15T17:05:55.774" v="1554" actId="255"/>
+          <ac:spMkLst>
+            <pc:docMk/>
+            <pc:sldMk cId="4222792710" sldId="410"/>
+            <ac:spMk id="3" creationId="{FEB7943B-FDD4-5162-9A03-D3A0B1159440}"/>
+          </ac:spMkLst>
+        </pc:spChg>
+        <pc:spChg chg="mod ord">
+          <ac:chgData name="Dehbia Kouadria" userId="24cf8942edd75162" providerId="LiveId" clId="{17BADB32-C636-4716-B80D-93C22C39D57A}" dt="2023-04-15T15:09:18.705" v="1500" actId="700"/>
+          <ac:spMkLst>
+            <pc:docMk/>
+            <pc:sldMk cId="4222792710" sldId="410"/>
+            <ac:spMk id="4" creationId="{F36C306B-B48C-E425-2DCA-FBDA8707ECBC}"/>
+          </ac:spMkLst>
+        </pc:spChg>
+        <pc:spChg chg="del mod ord">
+          <ac:chgData name="Dehbia Kouadria" userId="24cf8942edd75162" providerId="LiveId" clId="{17BADB32-C636-4716-B80D-93C22C39D57A}" dt="2023-04-15T14:57:53.648" v="1466" actId="700"/>
+          <ac:spMkLst>
+            <pc:docMk/>
+            <pc:sldMk cId="4222792710" sldId="410"/>
+            <ac:spMk id="5" creationId="{95B34EED-C743-01E3-DB9E-687BAFAEFE5B}"/>
+          </ac:spMkLst>
+        </pc:spChg>
+        <pc:spChg chg="add del mod ord">
+          <ac:chgData name="Dehbia Kouadria" userId="24cf8942edd75162" providerId="LiveId" clId="{17BADB32-C636-4716-B80D-93C22C39D57A}" dt="2023-04-15T15:09:18.705" v="1500" actId="700"/>
+          <ac:spMkLst>
+            <pc:docMk/>
+            <pc:sldMk cId="4222792710" sldId="410"/>
+            <ac:spMk id="6" creationId="{BA788A2D-97D2-3D85-7980-6C500DA65BCB}"/>
+          </ac:spMkLst>
+        </pc:spChg>
+        <pc:spChg chg="mod ord">
+          <ac:chgData name="Dehbia Kouadria" userId="24cf8942edd75162" providerId="LiveId" clId="{17BADB32-C636-4716-B80D-93C22C39D57A}" dt="2023-04-15T15:09:18.705" v="1500" actId="700"/>
+          <ac:spMkLst>
+            <pc:docMk/>
+            <pc:sldMk cId="4222792710" sldId="410"/>
+            <ac:spMk id="7" creationId="{FDDFDAE0-7C06-4119-B4AD-9CECDCDDC8BD}"/>
+          </ac:spMkLst>
+        </pc:spChg>
+        <pc:spChg chg="add mod ord">
+          <ac:chgData name="Dehbia Kouadria" userId="24cf8942edd75162" providerId="LiveId" clId="{17BADB32-C636-4716-B80D-93C22C39D57A}" dt="2023-04-15T15:09:18.705" v="1500" actId="700"/>
+          <ac:spMkLst>
+            <pc:docMk/>
+            <pc:sldMk cId="4222792710" sldId="410"/>
+            <ac:spMk id="8" creationId="{62436B7C-8E16-AFDC-DA9E-75C2AC2469F1}"/>
+          </ac:spMkLst>
+        </pc:spChg>
+      </pc:sldChg>
+      <pc:sldChg chg="addSp delSp modSp add mod modTransition modClrScheme chgLayout">
+        <pc:chgData name="Dehbia Kouadria" userId="24cf8942edd75162" providerId="LiveId" clId="{17BADB32-C636-4716-B80D-93C22C39D57A}" dt="2023-04-15T17:08:44.641" v="1581"/>
+        <pc:sldMkLst>
+          <pc:docMk/>
+          <pc:sldMk cId="2187927598" sldId="411"/>
+        </pc:sldMkLst>
+        <pc:spChg chg="mod ord">
+          <ac:chgData name="Dehbia Kouadria" userId="24cf8942edd75162" providerId="LiveId" clId="{17BADB32-C636-4716-B80D-93C22C39D57A}" dt="2023-04-15T15:09:18.705" v="1500" actId="700"/>
+          <ac:spMkLst>
+            <pc:docMk/>
+            <pc:sldMk cId="2187927598" sldId="411"/>
+            <ac:spMk id="2" creationId="{969F001F-8F34-E08B-4221-7B72D03A08C9}"/>
+          </ac:spMkLst>
+        </pc:spChg>
+        <pc:spChg chg="mod ord">
+          <ac:chgData name="Dehbia Kouadria" userId="24cf8942edd75162" providerId="LiveId" clId="{17BADB32-C636-4716-B80D-93C22C39D57A}" dt="2023-04-15T17:06:07.049" v="1556" actId="255"/>
+          <ac:spMkLst>
+            <pc:docMk/>
+            <pc:sldMk cId="2187927598" sldId="411"/>
+            <ac:spMk id="3" creationId="{191D54B7-2DE4-9583-CBD2-EF375384ACCC}"/>
+          </ac:spMkLst>
+        </pc:spChg>
+        <pc:spChg chg="mod ord">
+          <ac:chgData name="Dehbia Kouadria" userId="24cf8942edd75162" providerId="LiveId" clId="{17BADB32-C636-4716-B80D-93C22C39D57A}" dt="2023-04-15T15:09:18.705" v="1500" actId="700"/>
+          <ac:spMkLst>
+            <pc:docMk/>
+            <pc:sldMk cId="2187927598" sldId="411"/>
+            <ac:spMk id="4" creationId="{0AB1DAAC-D3E8-6919-1FDD-3A5CB2C3F336}"/>
+          </ac:spMkLst>
+        </pc:spChg>
+        <pc:spChg chg="del mod ord">
+          <ac:chgData name="Dehbia Kouadria" userId="24cf8942edd75162" providerId="LiveId" clId="{17BADB32-C636-4716-B80D-93C22C39D57A}" dt="2023-04-15T14:57:53.648" v="1466" actId="700"/>
+          <ac:spMkLst>
+            <pc:docMk/>
+            <pc:sldMk cId="2187927598" sldId="411"/>
+            <ac:spMk id="5" creationId="{B1E682C8-3859-4C8D-29D3-857A2681A671}"/>
+          </ac:spMkLst>
+        </pc:spChg>
+        <pc:spChg chg="add del mod ord">
+          <ac:chgData name="Dehbia Kouadria" userId="24cf8942edd75162" providerId="LiveId" clId="{17BADB32-C636-4716-B80D-93C22C39D57A}" dt="2023-04-15T15:09:18.705" v="1500" actId="700"/>
+          <ac:spMkLst>
+            <pc:docMk/>
+            <pc:sldMk cId="2187927598" sldId="411"/>
+            <ac:spMk id="6" creationId="{5B0250B9-2AC9-3BD7-F37F-22FD2A7959C8}"/>
+          </ac:spMkLst>
+        </pc:spChg>
+        <pc:spChg chg="mod ord">
+          <ac:chgData name="Dehbia Kouadria" userId="24cf8942edd75162" providerId="LiveId" clId="{17BADB32-C636-4716-B80D-93C22C39D57A}" dt="2023-04-15T15:09:18.705" v="1500" actId="700"/>
+          <ac:spMkLst>
+            <pc:docMk/>
+            <pc:sldMk cId="2187927598" sldId="411"/>
+            <ac:spMk id="7" creationId="{D56601AB-81A9-5DDF-56AA-4D49073AD8C9}"/>
+          </ac:spMkLst>
+        </pc:spChg>
+        <pc:spChg chg="add mod ord">
+          <ac:chgData name="Dehbia Kouadria" userId="24cf8942edd75162" providerId="LiveId" clId="{17BADB32-C636-4716-B80D-93C22C39D57A}" dt="2023-04-15T15:09:18.705" v="1500" actId="700"/>
+          <ac:spMkLst>
+            <pc:docMk/>
+            <pc:sldMk cId="2187927598" sldId="411"/>
+            <ac:spMk id="8" creationId="{1E99742D-85A9-6058-5D33-A57271F3ED56}"/>
+          </ac:spMkLst>
+        </pc:spChg>
+      </pc:sldChg>
+      <pc:sldChg chg="addSp delSp modSp add mod modTransition modClrScheme chgLayout">
+        <pc:chgData name="Dehbia Kouadria" userId="24cf8942edd75162" providerId="LiveId" clId="{17BADB32-C636-4716-B80D-93C22C39D57A}" dt="2023-04-15T17:08:44.641" v="1581"/>
+        <pc:sldMkLst>
+          <pc:docMk/>
+          <pc:sldMk cId="3734032137" sldId="412"/>
+        </pc:sldMkLst>
+        <pc:spChg chg="mod ord">
+          <ac:chgData name="Dehbia Kouadria" userId="24cf8942edd75162" providerId="LiveId" clId="{17BADB32-C636-4716-B80D-93C22C39D57A}" dt="2023-04-15T15:09:18.705" v="1500" actId="700"/>
+          <ac:spMkLst>
+            <pc:docMk/>
+            <pc:sldMk cId="3734032137" sldId="412"/>
+            <ac:spMk id="2" creationId="{E49DB72B-C4EB-7DFB-FCE5-B18DEAD14B02}"/>
+          </ac:spMkLst>
+        </pc:spChg>
+        <pc:spChg chg="mod ord">
+          <ac:chgData name="Dehbia Kouadria" userId="24cf8942edd75162" providerId="LiveId" clId="{17BADB32-C636-4716-B80D-93C22C39D57A}" dt="2023-04-15T17:06:12.203" v="1557" actId="255"/>
+          <ac:spMkLst>
+            <pc:docMk/>
+            <pc:sldMk cId="3734032137" sldId="412"/>
+            <ac:spMk id="3" creationId="{826EED29-EBDF-7B9C-DFE7-759CD3AACE51}"/>
+          </ac:spMkLst>
+        </pc:spChg>
+        <pc:spChg chg="mod ord">
+          <ac:chgData name="Dehbia Kouadria" userId="24cf8942edd75162" providerId="LiveId" clId="{17BADB32-C636-4716-B80D-93C22C39D57A}" dt="2023-04-15T15:09:18.705" v="1500" actId="700"/>
+          <ac:spMkLst>
+            <pc:docMk/>
+            <pc:sldMk cId="3734032137" sldId="412"/>
+            <ac:spMk id="4" creationId="{18AEF6BA-FC40-F87B-282A-659F653A0FFD}"/>
+          </ac:spMkLst>
+        </pc:spChg>
+        <pc:spChg chg="del mod ord">
+          <ac:chgData name="Dehbia Kouadria" userId="24cf8942edd75162" providerId="LiveId" clId="{17BADB32-C636-4716-B80D-93C22C39D57A}" dt="2023-04-15T14:57:53.648" v="1466" actId="700"/>
+          <ac:spMkLst>
+            <pc:docMk/>
+            <pc:sldMk cId="3734032137" sldId="412"/>
+            <ac:spMk id="5" creationId="{39404A89-BCB6-ABD8-54D2-69CD120A00F0}"/>
+          </ac:spMkLst>
+        </pc:spChg>
+        <pc:spChg chg="add del mod ord">
+          <ac:chgData name="Dehbia Kouadria" userId="24cf8942edd75162" providerId="LiveId" clId="{17BADB32-C636-4716-B80D-93C22C39D57A}" dt="2023-04-15T15:09:18.705" v="1500" actId="700"/>
+          <ac:spMkLst>
+            <pc:docMk/>
+            <pc:sldMk cId="3734032137" sldId="412"/>
+            <ac:spMk id="6" creationId="{8CA13618-6591-73B0-4D1E-20232BDF7F89}"/>
+          </ac:spMkLst>
+        </pc:spChg>
+        <pc:spChg chg="mod ord">
+          <ac:chgData name="Dehbia Kouadria" userId="24cf8942edd75162" providerId="LiveId" clId="{17BADB32-C636-4716-B80D-93C22C39D57A}" dt="2023-04-15T15:09:18.705" v="1500" actId="700"/>
+          <ac:spMkLst>
+            <pc:docMk/>
+            <pc:sldMk cId="3734032137" sldId="412"/>
+            <ac:spMk id="7" creationId="{44684EED-B72D-5529-7D5B-0D65D6077400}"/>
+          </ac:spMkLst>
+        </pc:spChg>
+        <pc:spChg chg="add mod ord">
+          <ac:chgData name="Dehbia Kouadria" userId="24cf8942edd75162" providerId="LiveId" clId="{17BADB32-C636-4716-B80D-93C22C39D57A}" dt="2023-04-15T15:09:18.705" v="1500" actId="700"/>
+          <ac:spMkLst>
+            <pc:docMk/>
+            <pc:sldMk cId="3734032137" sldId="412"/>
+            <ac:spMk id="8" creationId="{8006E421-0EAE-5056-9C38-93B276DF839D}"/>
+          </ac:spMkLst>
+        </pc:spChg>
+      </pc:sldChg>
+      <pc:sldChg chg="addSp delSp modSp add mod modTransition modClrScheme chgLayout">
+        <pc:chgData name="Dehbia Kouadria" userId="24cf8942edd75162" providerId="LiveId" clId="{17BADB32-C636-4716-B80D-93C22C39D57A}" dt="2023-04-15T17:08:44.641" v="1581"/>
+        <pc:sldMkLst>
+          <pc:docMk/>
+          <pc:sldMk cId="3146841271" sldId="413"/>
+        </pc:sldMkLst>
+        <pc:spChg chg="mod ord">
+          <ac:chgData name="Dehbia Kouadria" userId="24cf8942edd75162" providerId="LiveId" clId="{17BADB32-C636-4716-B80D-93C22C39D57A}" dt="2023-04-15T15:09:18.705" v="1500" actId="700"/>
+          <ac:spMkLst>
+            <pc:docMk/>
+            <pc:sldMk cId="3146841271" sldId="413"/>
+            <ac:spMk id="2" creationId="{5B33E5F4-4FBB-7220-E68C-B067FC3F35EF}"/>
+          </ac:spMkLst>
+        </pc:spChg>
+        <pc:spChg chg="mod ord">
+          <ac:chgData name="Dehbia Kouadria" userId="24cf8942edd75162" providerId="LiveId" clId="{17BADB32-C636-4716-B80D-93C22C39D57A}" dt="2023-04-15T17:06:31.255" v="1565" actId="20577"/>
+          <ac:spMkLst>
+            <pc:docMk/>
+            <pc:sldMk cId="3146841271" sldId="413"/>
+            <ac:spMk id="3" creationId="{E8B3C4E7-E9B2-C6AB-182C-CE287B000958}"/>
+          </ac:spMkLst>
+        </pc:spChg>
+        <pc:spChg chg="mod ord">
+          <ac:chgData name="Dehbia Kouadria" userId="24cf8942edd75162" providerId="LiveId" clId="{17BADB32-C636-4716-B80D-93C22C39D57A}" dt="2023-04-15T15:09:18.705" v="1500" actId="700"/>
+          <ac:spMkLst>
+            <pc:docMk/>
+            <pc:sldMk cId="3146841271" sldId="413"/>
+            <ac:spMk id="4" creationId="{B701CF87-F836-3F89-F0E1-40851D44682F}"/>
+          </ac:spMkLst>
+        </pc:spChg>
+        <pc:spChg chg="del mod ord">
+          <ac:chgData name="Dehbia Kouadria" userId="24cf8942edd75162" providerId="LiveId" clId="{17BADB32-C636-4716-B80D-93C22C39D57A}" dt="2023-04-15T14:57:53.648" v="1466" actId="700"/>
+          <ac:spMkLst>
+            <pc:docMk/>
+            <pc:sldMk cId="3146841271" sldId="413"/>
+            <ac:spMk id="5" creationId="{ED2335F2-110A-EA59-7323-9C05301362D1}"/>
+          </ac:spMkLst>
+        </pc:spChg>
+        <pc:spChg chg="add del mod ord">
+          <ac:chgData name="Dehbia Kouadria" userId="24cf8942edd75162" providerId="LiveId" clId="{17BADB32-C636-4716-B80D-93C22C39D57A}" dt="2023-04-15T15:09:18.705" v="1500" actId="700"/>
+          <ac:spMkLst>
+            <pc:docMk/>
+            <pc:sldMk cId="3146841271" sldId="413"/>
+            <ac:spMk id="6" creationId="{253F70BE-4096-2CB0-3D92-E715442110CB}"/>
+          </ac:spMkLst>
+        </pc:spChg>
+        <pc:spChg chg="mod ord">
+          <ac:chgData name="Dehbia Kouadria" userId="24cf8942edd75162" providerId="LiveId" clId="{17BADB32-C636-4716-B80D-93C22C39D57A}" dt="2023-04-15T15:09:18.705" v="1500" actId="700"/>
+          <ac:spMkLst>
+            <pc:docMk/>
+            <pc:sldMk cId="3146841271" sldId="413"/>
+            <ac:spMk id="7" creationId="{2DA18E6C-4A91-D6D2-72C9-19B846F42547}"/>
+          </ac:spMkLst>
+        </pc:spChg>
+        <pc:spChg chg="add mod ord">
+          <ac:chgData name="Dehbia Kouadria" userId="24cf8942edd75162" providerId="LiveId" clId="{17BADB32-C636-4716-B80D-93C22C39D57A}" dt="2023-04-15T15:09:18.705" v="1500" actId="700"/>
+          <ac:spMkLst>
+            <pc:docMk/>
+            <pc:sldMk cId="3146841271" sldId="413"/>
+            <ac:spMk id="8" creationId="{324D7B03-DF51-3153-027F-8058F177ECFF}"/>
+          </ac:spMkLst>
+        </pc:spChg>
+      </pc:sldChg>
+      <pc:sldChg chg="addSp delSp modSp add mod modTransition modClrScheme chgLayout">
+        <pc:chgData name="Dehbia Kouadria" userId="24cf8942edd75162" providerId="LiveId" clId="{17BADB32-C636-4716-B80D-93C22C39D57A}" dt="2023-04-15T17:08:44.641" v="1581"/>
+        <pc:sldMkLst>
+          <pc:docMk/>
+          <pc:sldMk cId="3356272354" sldId="414"/>
+        </pc:sldMkLst>
+        <pc:spChg chg="mod ord">
+          <ac:chgData name="Dehbia Kouadria" userId="24cf8942edd75162" providerId="LiveId" clId="{17BADB32-C636-4716-B80D-93C22C39D57A}" dt="2023-04-15T15:09:18.705" v="1500" actId="700"/>
+          <ac:spMkLst>
+            <pc:docMk/>
+            <pc:sldMk cId="3356272354" sldId="414"/>
+            <ac:spMk id="2" creationId="{86588928-102E-0A0F-7C5C-0A04408E9452}"/>
+          </ac:spMkLst>
+        </pc:spChg>
+        <pc:spChg chg="mod ord">
+          <ac:chgData name="Dehbia Kouadria" userId="24cf8942edd75162" providerId="LiveId" clId="{17BADB32-C636-4716-B80D-93C22C39D57A}" dt="2023-04-15T17:06:43.413" v="1567" actId="255"/>
+          <ac:spMkLst>
+            <pc:docMk/>
+            <pc:sldMk cId="3356272354" sldId="414"/>
+            <ac:spMk id="3" creationId="{EF47B19D-DCAF-21C9-364C-EF222DC1BDFD}"/>
+          </ac:spMkLst>
+        </pc:spChg>
+        <pc:spChg chg="mod ord">
+          <ac:chgData name="Dehbia Kouadria" userId="24cf8942edd75162" providerId="LiveId" clId="{17BADB32-C636-4716-B80D-93C22C39D57A}" dt="2023-04-15T15:09:18.705" v="1500" actId="700"/>
+          <ac:spMkLst>
+            <pc:docMk/>
+            <pc:sldMk cId="3356272354" sldId="414"/>
+            <ac:spMk id="4" creationId="{0868F7BA-AD5E-38C0-65E0-55696DCE73F3}"/>
+          </ac:spMkLst>
+        </pc:spChg>
+        <pc:spChg chg="del mod ord">
+          <ac:chgData name="Dehbia Kouadria" userId="24cf8942edd75162" providerId="LiveId" clId="{17BADB32-C636-4716-B80D-93C22C39D57A}" dt="2023-04-15T14:57:53.648" v="1466" actId="700"/>
+          <ac:spMkLst>
+            <pc:docMk/>
+            <pc:sldMk cId="3356272354" sldId="414"/>
+            <ac:spMk id="5" creationId="{9F94B425-41AA-57A4-87F7-068422F0F79C}"/>
+          </ac:spMkLst>
+        </pc:spChg>
+        <pc:spChg chg="add del mod ord">
+          <ac:chgData name="Dehbia Kouadria" userId="24cf8942edd75162" providerId="LiveId" clId="{17BADB32-C636-4716-B80D-93C22C39D57A}" dt="2023-04-15T15:06:21.803" v="1475" actId="700"/>
+          <ac:spMkLst>
+            <pc:docMk/>
+            <pc:sldMk cId="3356272354" sldId="414"/>
+            <ac:spMk id="6" creationId="{937767AA-5CE4-885C-37A0-6B6890E2000A}"/>
+          </ac:spMkLst>
+        </pc:spChg>
+        <pc:spChg chg="mod ord">
+          <ac:chgData name="Dehbia Kouadria" userId="24cf8942edd75162" providerId="LiveId" clId="{17BADB32-C636-4716-B80D-93C22C39D57A}" dt="2023-04-15T15:09:18.705" v="1500" actId="700"/>
+          <ac:spMkLst>
+            <pc:docMk/>
+            <pc:sldMk cId="3356272354" sldId="414"/>
+            <ac:spMk id="7" creationId="{689159D9-409F-642A-EAE0-273E89B9E39A}"/>
+          </ac:spMkLst>
+        </pc:spChg>
+        <pc:spChg chg="add del mod ord">
+          <ac:chgData name="Dehbia Kouadria" userId="24cf8942edd75162" providerId="LiveId" clId="{17BADB32-C636-4716-B80D-93C22C39D57A}" dt="2023-04-15T15:07:02.225" v="1477" actId="700"/>
+          <ac:spMkLst>
+            <pc:docMk/>
+            <pc:sldMk cId="3356272354" sldId="414"/>
+            <ac:spMk id="8" creationId="{A5C62F4A-CFBA-62F0-4616-AE1820BCE708}"/>
+          </ac:spMkLst>
+        </pc:spChg>
+        <pc:spChg chg="add del mod ord">
+          <ac:chgData name="Dehbia Kouadria" userId="24cf8942edd75162" providerId="LiveId" clId="{17BADB32-C636-4716-B80D-93C22C39D57A}" dt="2023-04-15T15:07:10.353" v="1478" actId="700"/>
+          <ac:spMkLst>
+            <pc:docMk/>
+            <pc:sldMk cId="3356272354" sldId="414"/>
+            <ac:spMk id="9" creationId="{CD4C72F8-CFDC-041A-5412-61F674D8CD84}"/>
+          </ac:spMkLst>
+        </pc:spChg>
+        <pc:spChg chg="add del mod ord">
+          <ac:chgData name="Dehbia Kouadria" userId="24cf8942edd75162" providerId="LiveId" clId="{17BADB32-C636-4716-B80D-93C22C39D57A}" dt="2023-04-15T15:09:18.705" v="1500" actId="700"/>
+          <ac:spMkLst>
+            <pc:docMk/>
+            <pc:sldMk cId="3356272354" sldId="414"/>
+            <ac:spMk id="10" creationId="{C8565C9C-8AD9-B7D1-29E8-FC3B91B41266}"/>
+          </ac:spMkLst>
+        </pc:spChg>
+        <pc:spChg chg="add mod ord">
+          <ac:chgData name="Dehbia Kouadria" userId="24cf8942edd75162" providerId="LiveId" clId="{17BADB32-C636-4716-B80D-93C22C39D57A}" dt="2023-04-15T15:09:18.705" v="1500" actId="700"/>
+          <ac:spMkLst>
+            <pc:docMk/>
+            <pc:sldMk cId="3356272354" sldId="414"/>
+            <ac:spMk id="11" creationId="{1F72874E-180E-A21A-ED99-78C6E5421651}"/>
+          </ac:spMkLst>
+        </pc:spChg>
+      </pc:sldChg>
+      <pc:sldChg chg="addSp delSp modSp add mod modTransition modClrScheme chgLayout">
+        <pc:chgData name="Dehbia Kouadria" userId="24cf8942edd75162" providerId="LiveId" clId="{17BADB32-C636-4716-B80D-93C22C39D57A}" dt="2023-04-15T17:08:44.641" v="1581"/>
+        <pc:sldMkLst>
+          <pc:docMk/>
+          <pc:sldMk cId="3157813901" sldId="415"/>
+        </pc:sldMkLst>
+        <pc:spChg chg="mod ord">
+          <ac:chgData name="Dehbia Kouadria" userId="24cf8942edd75162" providerId="LiveId" clId="{17BADB32-C636-4716-B80D-93C22C39D57A}" dt="2023-04-15T15:08:27.184" v="1498" actId="700"/>
+          <ac:spMkLst>
+            <pc:docMk/>
+            <pc:sldMk cId="3157813901" sldId="415"/>
+            <ac:spMk id="2" creationId="{B13839B6-4566-3A72-0E34-97149CA41424}"/>
+          </ac:spMkLst>
+        </pc:spChg>
+        <pc:spChg chg="mod ord">
+          <ac:chgData name="Dehbia Kouadria" userId="24cf8942edd75162" providerId="LiveId" clId="{17BADB32-C636-4716-B80D-93C22C39D57A}" dt="2023-04-15T15:08:27.184" v="1498" actId="700"/>
+          <ac:spMkLst>
+            <pc:docMk/>
+            <pc:sldMk cId="3157813901" sldId="415"/>
+            <ac:spMk id="3" creationId="{687754B0-200E-9862-A921-4BC4B124B15A}"/>
+          </ac:spMkLst>
+        </pc:spChg>
+        <pc:spChg chg="mod ord">
+          <ac:chgData name="Dehbia Kouadria" userId="24cf8942edd75162" providerId="LiveId" clId="{17BADB32-C636-4716-B80D-93C22C39D57A}" dt="2023-04-15T15:08:27.184" v="1498" actId="700"/>
+          <ac:spMkLst>
+            <pc:docMk/>
+            <pc:sldMk cId="3157813901" sldId="415"/>
+            <ac:spMk id="4" creationId="{C611F010-C8BE-AA6D-22D7-B1BB7304C3D6}"/>
+          </ac:spMkLst>
+        </pc:spChg>
+        <pc:spChg chg="add del mod ord">
+          <ac:chgData name="Dehbia Kouadria" userId="24cf8942edd75162" providerId="LiveId" clId="{17BADB32-C636-4716-B80D-93C22C39D57A}" dt="2023-04-15T14:56:03.712" v="1462" actId="700"/>
+          <ac:spMkLst>
+            <pc:docMk/>
+            <pc:sldMk cId="3157813901" sldId="415"/>
+            <ac:spMk id="5" creationId="{4AE4C072-0EF8-4F8C-C274-A21813F50CA6}"/>
+          </ac:spMkLst>
+        </pc:spChg>
+        <pc:spChg chg="add del mod ord">
+          <ac:chgData name="Dehbia Kouadria" userId="24cf8942edd75162" providerId="LiveId" clId="{17BADB32-C636-4716-B80D-93C22C39D57A}" dt="2023-04-15T15:08:27.184" v="1498" actId="700"/>
+          <ac:spMkLst>
+            <pc:docMk/>
+            <pc:sldMk cId="3157813901" sldId="415"/>
+            <ac:spMk id="6" creationId="{16EFE60E-AF2C-FE7A-6C64-ECCC3563DC33}"/>
+          </ac:spMkLst>
+        </pc:spChg>
+        <pc:spChg chg="mod ord">
+          <ac:chgData name="Dehbia Kouadria" userId="24cf8942edd75162" providerId="LiveId" clId="{17BADB32-C636-4716-B80D-93C22C39D57A}" dt="2023-04-15T15:08:27.184" v="1498" actId="700"/>
+          <ac:spMkLst>
+            <pc:docMk/>
+            <pc:sldMk cId="3157813901" sldId="415"/>
+            <ac:spMk id="7" creationId="{D53423C5-5CC3-699B-EA4A-17DD0FBC8E50}"/>
+          </ac:spMkLst>
+        </pc:spChg>
+        <pc:spChg chg="add mod ord">
+          <ac:chgData name="Dehbia Kouadria" userId="24cf8942edd75162" providerId="LiveId" clId="{17BADB32-C636-4716-B80D-93C22C39D57A}" dt="2023-04-15T15:08:27.184" v="1498" actId="700"/>
+          <ac:spMkLst>
+            <pc:docMk/>
+            <pc:sldMk cId="3157813901" sldId="415"/>
+            <ac:spMk id="8" creationId="{A7F8B47A-4110-950F-E18A-422BED13B9B3}"/>
+          </ac:spMkLst>
+        </pc:spChg>
+      </pc:sldChg>
+      <pc:sldChg chg="addSp delSp modSp add mod modTransition modClrScheme chgLayout">
+        <pc:chgData name="Dehbia Kouadria" userId="24cf8942edd75162" providerId="LiveId" clId="{17BADB32-C636-4716-B80D-93C22C39D57A}" dt="2023-04-15T17:08:44.641" v="1581"/>
+        <pc:sldMkLst>
+          <pc:docMk/>
+          <pc:sldMk cId="2085049054" sldId="416"/>
+        </pc:sldMkLst>
+        <pc:spChg chg="mod ord">
+          <ac:chgData name="Dehbia Kouadria" userId="24cf8942edd75162" providerId="LiveId" clId="{17BADB32-C636-4716-B80D-93C22C39D57A}" dt="2023-04-15T15:08:43.468" v="1499" actId="700"/>
+          <ac:spMkLst>
+            <pc:docMk/>
+            <pc:sldMk cId="2085049054" sldId="416"/>
+            <ac:spMk id="2" creationId="{C5CE4113-43A3-C5DB-C051-101917157300}"/>
+          </ac:spMkLst>
+        </pc:spChg>
+        <pc:spChg chg="mod ord">
+          <ac:chgData name="Dehbia Kouadria" userId="24cf8942edd75162" providerId="LiveId" clId="{17BADB32-C636-4716-B80D-93C22C39D57A}" dt="2023-04-15T17:04:18.721" v="1538" actId="255"/>
+          <ac:spMkLst>
+            <pc:docMk/>
+            <pc:sldMk cId="2085049054" sldId="416"/>
+            <ac:spMk id="3" creationId="{0C4E52D7-CCDA-3095-C6D5-9F9BCA84CA61}"/>
+          </ac:spMkLst>
+        </pc:spChg>
+        <pc:spChg chg="mod ord">
+          <ac:chgData name="Dehbia Kouadria" userId="24cf8942edd75162" providerId="LiveId" clId="{17BADB32-C636-4716-B80D-93C22C39D57A}" dt="2023-04-15T15:08:43.468" v="1499" actId="700"/>
+          <ac:spMkLst>
+            <pc:docMk/>
+            <pc:sldMk cId="2085049054" sldId="416"/>
+            <ac:spMk id="4" creationId="{8CC88C64-23E3-5B4D-718D-DDFEFBCD1599}"/>
+          </ac:spMkLst>
+        </pc:spChg>
+        <pc:spChg chg="del mod ord">
+          <ac:chgData name="Dehbia Kouadria" userId="24cf8942edd75162" providerId="LiveId" clId="{17BADB32-C636-4716-B80D-93C22C39D57A}" dt="2023-04-15T14:56:59.445" v="1465" actId="700"/>
+          <ac:spMkLst>
+            <pc:docMk/>
+            <pc:sldMk cId="2085049054" sldId="416"/>
+            <ac:spMk id="5" creationId="{776D4840-014B-580F-0972-1478381B3BFD}"/>
+          </ac:spMkLst>
+        </pc:spChg>
+        <pc:spChg chg="add del mod ord">
+          <ac:chgData name="Dehbia Kouadria" userId="24cf8942edd75162" providerId="LiveId" clId="{17BADB32-C636-4716-B80D-93C22C39D57A}" dt="2023-04-15T15:08:43.468" v="1499" actId="700"/>
+          <ac:spMkLst>
+            <pc:docMk/>
+            <pc:sldMk cId="2085049054" sldId="416"/>
+            <ac:spMk id="6" creationId="{177E21E9-5DF9-7404-D43F-7211279C6086}"/>
+          </ac:spMkLst>
+        </pc:spChg>
+        <pc:spChg chg="mod ord">
+          <ac:chgData name="Dehbia Kouadria" userId="24cf8942edd75162" providerId="LiveId" clId="{17BADB32-C636-4716-B80D-93C22C39D57A}" dt="2023-04-15T15:08:43.468" v="1499" actId="700"/>
+          <ac:spMkLst>
+            <pc:docMk/>
+            <pc:sldMk cId="2085049054" sldId="416"/>
+            <ac:spMk id="7" creationId="{75387A77-6479-533F-9263-5C14ABF25A0E}"/>
+          </ac:spMkLst>
+        </pc:spChg>
+        <pc:spChg chg="add mod ord">
+          <ac:chgData name="Dehbia Kouadria" userId="24cf8942edd75162" providerId="LiveId" clId="{17BADB32-C636-4716-B80D-93C22C39D57A}" dt="2023-04-15T15:08:43.468" v="1499" actId="700"/>
+          <ac:spMkLst>
+            <pc:docMk/>
+            <pc:sldMk cId="2085049054" sldId="416"/>
+            <ac:spMk id="8" creationId="{9EC2668A-A7A5-5715-E8A5-9D15164A1C91}"/>
+          </ac:spMkLst>
+        </pc:spChg>
+      </pc:sldChg>
+      <pc:sldChg chg="addSp delSp modSp add mod modTransition modClrScheme chgLayout">
+        <pc:chgData name="Dehbia Kouadria" userId="24cf8942edd75162" providerId="LiveId" clId="{17BADB32-C636-4716-B80D-93C22C39D57A}" dt="2023-04-15T17:08:44.641" v="1581"/>
+        <pc:sldMkLst>
+          <pc:docMk/>
+          <pc:sldMk cId="1471201565" sldId="417"/>
+        </pc:sldMkLst>
+        <pc:spChg chg="mod ord">
+          <ac:chgData name="Dehbia Kouadria" userId="24cf8942edd75162" providerId="LiveId" clId="{17BADB32-C636-4716-B80D-93C22C39D57A}" dt="2023-04-15T15:08:43.468" v="1499" actId="700"/>
+          <ac:spMkLst>
+            <pc:docMk/>
+            <pc:sldMk cId="1471201565" sldId="417"/>
+            <ac:spMk id="2" creationId="{40FC93F0-C49E-FEF0-4C0E-47910E34211E}"/>
+          </ac:spMkLst>
+        </pc:spChg>
+        <pc:spChg chg="mod ord">
+          <ac:chgData name="Dehbia Kouadria" userId="24cf8942edd75162" providerId="LiveId" clId="{17BADB32-C636-4716-B80D-93C22C39D57A}" dt="2023-04-15T17:04:23.395" v="1539" actId="255"/>
+          <ac:spMkLst>
+            <pc:docMk/>
+            <pc:sldMk cId="1471201565" sldId="417"/>
+            <ac:spMk id="3" creationId="{9392357A-3A25-F0F6-11EA-2F672EC20FD6}"/>
+          </ac:spMkLst>
+        </pc:spChg>
+        <pc:spChg chg="mod ord">
+          <ac:chgData name="Dehbia Kouadria" userId="24cf8942edd75162" providerId="LiveId" clId="{17BADB32-C636-4716-B80D-93C22C39D57A}" dt="2023-04-15T15:08:43.468" v="1499" actId="700"/>
+          <ac:spMkLst>
+            <pc:docMk/>
+            <pc:sldMk cId="1471201565" sldId="417"/>
+            <ac:spMk id="4" creationId="{85DBD613-AA92-919D-1BC2-14729C18C978}"/>
+          </ac:spMkLst>
+        </pc:spChg>
+        <pc:spChg chg="del mod ord">
+          <ac:chgData name="Dehbia Kouadria" userId="24cf8942edd75162" providerId="LiveId" clId="{17BADB32-C636-4716-B80D-93C22C39D57A}" dt="2023-04-15T14:56:59.445" v="1465" actId="700"/>
+          <ac:spMkLst>
+            <pc:docMk/>
+            <pc:sldMk cId="1471201565" sldId="417"/>
+            <ac:spMk id="5" creationId="{20A6492E-7704-1FC2-A842-F11F964B0F83}"/>
+          </ac:spMkLst>
+        </pc:spChg>
+        <pc:spChg chg="add del mod ord">
+          <ac:chgData name="Dehbia Kouadria" userId="24cf8942edd75162" providerId="LiveId" clId="{17BADB32-C636-4716-B80D-93C22C39D57A}" dt="2023-04-15T15:08:43.468" v="1499" actId="700"/>
+          <ac:spMkLst>
+            <pc:docMk/>
+            <pc:sldMk cId="1471201565" sldId="417"/>
+            <ac:spMk id="6" creationId="{E1B72CA8-3072-0004-1B96-F3DFDAE6AE01}"/>
+          </ac:spMkLst>
+        </pc:spChg>
+        <pc:spChg chg="mod ord">
+          <ac:chgData name="Dehbia Kouadria" userId="24cf8942edd75162" providerId="LiveId" clId="{17BADB32-C636-4716-B80D-93C22C39D57A}" dt="2023-04-15T15:08:43.468" v="1499" actId="700"/>
+          <ac:spMkLst>
+            <pc:docMk/>
+            <pc:sldMk cId="1471201565" sldId="417"/>
+            <ac:spMk id="7" creationId="{3C2A2D69-85B2-59BA-25C5-68C79EA258F3}"/>
+          </ac:spMkLst>
+        </pc:spChg>
+        <pc:spChg chg="add mod ord">
+          <ac:chgData name="Dehbia Kouadria" userId="24cf8942edd75162" providerId="LiveId" clId="{17BADB32-C636-4716-B80D-93C22C39D57A}" dt="2023-04-15T15:08:43.468" v="1499" actId="700"/>
+          <ac:spMkLst>
+            <pc:docMk/>
+            <pc:sldMk cId="1471201565" sldId="417"/>
+            <ac:spMk id="8" creationId="{91244F63-609A-38A6-BA1B-20628D3CFEC5}"/>
+          </ac:spMkLst>
+        </pc:spChg>
+      </pc:sldChg>
+      <pc:sldChg chg="addSp delSp modSp add mod modTransition modClrScheme chgLayout">
+        <pc:chgData name="Dehbia Kouadria" userId="24cf8942edd75162" providerId="LiveId" clId="{17BADB32-C636-4716-B80D-93C22C39D57A}" dt="2023-04-15T17:08:44.641" v="1581"/>
+        <pc:sldMkLst>
+          <pc:docMk/>
+          <pc:sldMk cId="465228522" sldId="418"/>
+        </pc:sldMkLst>
+        <pc:spChg chg="mod ord">
+          <ac:chgData name="Dehbia Kouadria" userId="24cf8942edd75162" providerId="LiveId" clId="{17BADB32-C636-4716-B80D-93C22C39D57A}" dt="2023-04-15T15:09:18.705" v="1500" actId="700"/>
+          <ac:spMkLst>
+            <pc:docMk/>
+            <pc:sldMk cId="465228522" sldId="418"/>
+            <ac:spMk id="2" creationId="{EE0B672C-CECB-0C42-387C-D6D2EC55FF00}"/>
+          </ac:spMkLst>
+        </pc:spChg>
+        <pc:spChg chg="mod ord">
+          <ac:chgData name="Dehbia Kouadria" userId="24cf8942edd75162" providerId="LiveId" clId="{17BADB32-C636-4716-B80D-93C22C39D57A}" dt="2023-04-15T17:06:02.134" v="1555" actId="255"/>
+          <ac:spMkLst>
+            <pc:docMk/>
+            <pc:sldMk cId="465228522" sldId="418"/>
+            <ac:spMk id="3" creationId="{823ACE64-C49C-F335-EE7B-7229DA9969B8}"/>
+          </ac:spMkLst>
+        </pc:spChg>
+        <pc:spChg chg="mod ord">
+          <ac:chgData name="Dehbia Kouadria" userId="24cf8942edd75162" providerId="LiveId" clId="{17BADB32-C636-4716-B80D-93C22C39D57A}" dt="2023-04-15T15:09:18.705" v="1500" actId="700"/>
+          <ac:spMkLst>
+            <pc:docMk/>
+            <pc:sldMk cId="465228522" sldId="418"/>
+            <ac:spMk id="4" creationId="{1857BB40-AA79-0A3C-37EE-018969AB6B7A}"/>
+          </ac:spMkLst>
+        </pc:spChg>
+        <pc:spChg chg="del mod ord">
+          <ac:chgData name="Dehbia Kouadria" userId="24cf8942edd75162" providerId="LiveId" clId="{17BADB32-C636-4716-B80D-93C22C39D57A}" dt="2023-04-15T14:57:53.648" v="1466" actId="700"/>
+          <ac:spMkLst>
+            <pc:docMk/>
+            <pc:sldMk cId="465228522" sldId="418"/>
+            <ac:spMk id="5" creationId="{F28A51C6-B7CD-5B6C-DD91-9C13EC2ECF38}"/>
+          </ac:spMkLst>
+        </pc:spChg>
+        <pc:spChg chg="add del mod ord">
+          <ac:chgData name="Dehbia Kouadria" userId="24cf8942edd75162" providerId="LiveId" clId="{17BADB32-C636-4716-B80D-93C22C39D57A}" dt="2023-04-15T15:09:18.705" v="1500" actId="700"/>
+          <ac:spMkLst>
+            <pc:docMk/>
+            <pc:sldMk cId="465228522" sldId="418"/>
+            <ac:spMk id="6" creationId="{53844552-6EF9-E04A-C128-7D3B0A0D2AD3}"/>
+          </ac:spMkLst>
+        </pc:spChg>
+        <pc:spChg chg="mod ord">
+          <ac:chgData name="Dehbia Kouadria" userId="24cf8942edd75162" providerId="LiveId" clId="{17BADB32-C636-4716-B80D-93C22C39D57A}" dt="2023-04-15T15:09:18.705" v="1500" actId="700"/>
+          <ac:spMkLst>
+            <pc:docMk/>
+            <pc:sldMk cId="465228522" sldId="418"/>
+            <ac:spMk id="7" creationId="{00EB97ED-976F-A48A-BD4C-BA618AA28032}"/>
+          </ac:spMkLst>
+        </pc:spChg>
+        <pc:spChg chg="add mod ord">
+          <ac:chgData name="Dehbia Kouadria" userId="24cf8942edd75162" providerId="LiveId" clId="{17BADB32-C636-4716-B80D-93C22C39D57A}" dt="2023-04-15T15:09:18.705" v="1500" actId="700"/>
+          <ac:spMkLst>
+            <pc:docMk/>
+            <pc:sldMk cId="465228522" sldId="418"/>
+            <ac:spMk id="8" creationId="{607657E1-7186-6028-F86B-497E4AEE90A2}"/>
+          </ac:spMkLst>
+        </pc:spChg>
+      </pc:sldChg>
+      <pc:sldChg chg="addSp delSp modSp add mod modTransition modClrScheme chgLayout">
+        <pc:chgData name="Dehbia Kouadria" userId="24cf8942edd75162" providerId="LiveId" clId="{17BADB32-C636-4716-B80D-93C22C39D57A}" dt="2023-04-15T17:08:44.641" v="1581"/>
+        <pc:sldMkLst>
+          <pc:docMk/>
+          <pc:sldMk cId="2260448439" sldId="419"/>
+        </pc:sldMkLst>
+        <pc:spChg chg="mod ord">
+          <ac:chgData name="Dehbia Kouadria" userId="24cf8942edd75162" providerId="LiveId" clId="{17BADB32-C636-4716-B80D-93C22C39D57A}" dt="2023-04-15T15:09:18.705" v="1500" actId="700"/>
+          <ac:spMkLst>
+            <pc:docMk/>
+            <pc:sldMk cId="2260448439" sldId="419"/>
+            <ac:spMk id="2" creationId="{04A52144-D1B6-E230-5DCA-D24B8AD67DB2}"/>
+          </ac:spMkLst>
+        </pc:spChg>
+        <pc:spChg chg="mod ord">
+          <ac:chgData name="Dehbia Kouadria" userId="24cf8942edd75162" providerId="LiveId" clId="{17BADB32-C636-4716-B80D-93C22C39D57A}" dt="2023-04-15T17:06:16.817" v="1558" actId="255"/>
+          <ac:spMkLst>
+            <pc:docMk/>
+            <pc:sldMk cId="2260448439" sldId="419"/>
+            <ac:spMk id="3" creationId="{4559B06D-8031-A763-F782-CBAAD42D58DD}"/>
+          </ac:spMkLst>
+        </pc:spChg>
+        <pc:spChg chg="mod ord">
+          <ac:chgData name="Dehbia Kouadria" userId="24cf8942edd75162" providerId="LiveId" clId="{17BADB32-C636-4716-B80D-93C22C39D57A}" dt="2023-04-15T15:09:18.705" v="1500" actId="700"/>
+          <ac:spMkLst>
+            <pc:docMk/>
+            <pc:sldMk cId="2260448439" sldId="419"/>
+            <ac:spMk id="4" creationId="{13ACFA02-A874-392D-ECE2-536F86361D0D}"/>
+          </ac:spMkLst>
+        </pc:spChg>
+        <pc:spChg chg="del mod ord">
+          <ac:chgData name="Dehbia Kouadria" userId="24cf8942edd75162" providerId="LiveId" clId="{17BADB32-C636-4716-B80D-93C22C39D57A}" dt="2023-04-15T14:57:53.648" v="1466" actId="700"/>
+          <ac:spMkLst>
+            <pc:docMk/>
+            <pc:sldMk cId="2260448439" sldId="419"/>
+            <ac:spMk id="5" creationId="{EBD41A99-271A-7C51-E4DE-2D7D2460594B}"/>
+          </ac:spMkLst>
+        </pc:spChg>
+        <pc:spChg chg="add del mod ord">
+          <ac:chgData name="Dehbia Kouadria" userId="24cf8942edd75162" providerId="LiveId" clId="{17BADB32-C636-4716-B80D-93C22C39D57A}" dt="2023-04-15T15:09:18.705" v="1500" actId="700"/>
+          <ac:spMkLst>
+            <pc:docMk/>
+            <pc:sldMk cId="2260448439" sldId="419"/>
+            <ac:spMk id="6" creationId="{79DA7574-A107-E785-DD10-18D0EDF87F6E}"/>
+          </ac:spMkLst>
+        </pc:spChg>
+        <pc:spChg chg="mod ord">
+          <ac:chgData name="Dehbia Kouadria" userId="24cf8942edd75162" providerId="LiveId" clId="{17BADB32-C636-4716-B80D-93C22C39D57A}" dt="2023-04-15T15:09:18.705" v="1500" actId="700"/>
+          <ac:spMkLst>
+            <pc:docMk/>
+            <pc:sldMk cId="2260448439" sldId="419"/>
+            <ac:spMk id="7" creationId="{94306FDF-05DA-9FCB-E60C-DB89DA94D4AD}"/>
+          </ac:spMkLst>
+        </pc:spChg>
+        <pc:spChg chg="add mod ord">
+          <ac:chgData name="Dehbia Kouadria" userId="24cf8942edd75162" providerId="LiveId" clId="{17BADB32-C636-4716-B80D-93C22C39D57A}" dt="2023-04-15T15:09:18.705" v="1500" actId="700"/>
+          <ac:spMkLst>
+            <pc:docMk/>
+            <pc:sldMk cId="2260448439" sldId="419"/>
+            <ac:spMk id="8" creationId="{0649D641-EB4F-0483-A6BA-BFA379CD063B}"/>
+          </ac:spMkLst>
+        </pc:spChg>
+      </pc:sldChg>
+      <pc:sldChg chg="addSp delSp modSp add mod modTransition modClrScheme chgLayout">
+        <pc:chgData name="Dehbia Kouadria" userId="24cf8942edd75162" providerId="LiveId" clId="{17BADB32-C636-4716-B80D-93C22C39D57A}" dt="2023-04-15T17:08:44.641" v="1581"/>
+        <pc:sldMkLst>
+          <pc:docMk/>
+          <pc:sldMk cId="1929006246" sldId="420"/>
+        </pc:sldMkLst>
+        <pc:spChg chg="mod ord">
+          <ac:chgData name="Dehbia Kouadria" userId="24cf8942edd75162" providerId="LiveId" clId="{17BADB32-C636-4716-B80D-93C22C39D57A}" dt="2023-04-15T15:09:18.705" v="1500" actId="700"/>
+          <ac:spMkLst>
+            <pc:docMk/>
+            <pc:sldMk cId="1929006246" sldId="420"/>
+            <ac:spMk id="2" creationId="{8F65686A-1479-9972-5958-510DCF75FB10}"/>
+          </ac:spMkLst>
+        </pc:spChg>
+        <pc:spChg chg="mod ord">
+          <ac:chgData name="Dehbia Kouadria" userId="24cf8942edd75162" providerId="LiveId" clId="{17BADB32-C636-4716-B80D-93C22C39D57A}" dt="2023-04-15T17:06:36.240" v="1566" actId="255"/>
+          <ac:spMkLst>
+            <pc:docMk/>
+            <pc:sldMk cId="1929006246" sldId="420"/>
+            <ac:spMk id="3" creationId="{0CBAF0AB-B6A6-B451-9181-756FE201D517}"/>
+          </ac:spMkLst>
+        </pc:spChg>
+        <pc:spChg chg="mod ord">
+          <ac:chgData name="Dehbia Kouadria" userId="24cf8942edd75162" providerId="LiveId" clId="{17BADB32-C636-4716-B80D-93C22C39D57A}" dt="2023-04-15T15:09:18.705" v="1500" actId="700"/>
+          <ac:spMkLst>
+            <pc:docMk/>
+            <pc:sldMk cId="1929006246" sldId="420"/>
+            <ac:spMk id="4" creationId="{992BDD72-4F37-009F-9802-FF1031373C97}"/>
+          </ac:spMkLst>
+        </pc:spChg>
+        <pc:spChg chg="del mod ord">
+          <ac:chgData name="Dehbia Kouadria" userId="24cf8942edd75162" providerId="LiveId" clId="{17BADB32-C636-4716-B80D-93C22C39D57A}" dt="2023-04-15T14:57:53.648" v="1466" actId="700"/>
+          <ac:spMkLst>
+            <pc:docMk/>
+            <pc:sldMk cId="1929006246" sldId="420"/>
+            <ac:spMk id="5" creationId="{A02617C1-E2E1-4C57-C309-663726E43322}"/>
+          </ac:spMkLst>
+        </pc:spChg>
+        <pc:spChg chg="add del mod ord">
+          <ac:chgData name="Dehbia Kouadria" userId="24cf8942edd75162" providerId="LiveId" clId="{17BADB32-C636-4716-B80D-93C22C39D57A}" dt="2023-04-15T15:09:18.705" v="1500" actId="700"/>
+          <ac:spMkLst>
+            <pc:docMk/>
+            <pc:sldMk cId="1929006246" sldId="420"/>
+            <ac:spMk id="6" creationId="{BB85654B-5E66-2CF2-43C4-BC03F9F7E1F3}"/>
+          </ac:spMkLst>
+        </pc:spChg>
+        <pc:spChg chg="mod ord">
+          <ac:chgData name="Dehbia Kouadria" userId="24cf8942edd75162" providerId="LiveId" clId="{17BADB32-C636-4716-B80D-93C22C39D57A}" dt="2023-04-15T15:09:18.705" v="1500" actId="700"/>
+          <ac:spMkLst>
+            <pc:docMk/>
+            <pc:sldMk cId="1929006246" sldId="420"/>
+            <ac:spMk id="7" creationId="{47362018-21C5-0285-9570-CAA0DAA9EBDC}"/>
+          </ac:spMkLst>
+        </pc:spChg>
+        <pc:spChg chg="add mod ord">
+          <ac:chgData name="Dehbia Kouadria" userId="24cf8942edd75162" providerId="LiveId" clId="{17BADB32-C636-4716-B80D-93C22C39D57A}" dt="2023-04-15T15:09:18.705" v="1500" actId="700"/>
+          <ac:spMkLst>
+            <pc:docMk/>
+            <pc:sldMk cId="1929006246" sldId="420"/>
+            <ac:spMk id="8" creationId="{3B300937-7754-E2A9-94D2-B2B55E38AD1D}"/>
+          </ac:spMkLst>
+        </pc:spChg>
+      </pc:sldChg>
+      <pc:sldChg chg="addSp delSp modSp add mod ord modTransition modClrScheme chgLayout">
+        <pc:chgData name="Dehbia Kouadria" userId="24cf8942edd75162" providerId="LiveId" clId="{17BADB32-C636-4716-B80D-93C22C39D57A}" dt="2023-04-15T17:08:44.641" v="1581"/>
+        <pc:sldMkLst>
+          <pc:docMk/>
+          <pc:sldMk cId="2007050509" sldId="421"/>
+        </pc:sldMkLst>
+        <pc:spChg chg="mod ord">
+          <ac:chgData name="Dehbia Kouadria" userId="24cf8942edd75162" providerId="LiveId" clId="{17BADB32-C636-4716-B80D-93C22C39D57A}" dt="2023-04-15T15:00:26.834" v="1469" actId="700"/>
+          <ac:spMkLst>
+            <pc:docMk/>
+            <pc:sldMk cId="2007050509" sldId="421"/>
+            <ac:spMk id="2" creationId="{A8116A1F-6758-C1D4-D214-77CF271CC276}"/>
+          </ac:spMkLst>
+        </pc:spChg>
+        <pc:spChg chg="mod ord">
+          <ac:chgData name="Dehbia Kouadria" userId="24cf8942edd75162" providerId="LiveId" clId="{17BADB32-C636-4716-B80D-93C22C39D57A}" dt="2023-04-15T15:00:26.834" v="1469" actId="700"/>
+          <ac:spMkLst>
+            <pc:docMk/>
+            <pc:sldMk cId="2007050509" sldId="421"/>
+            <ac:spMk id="3" creationId="{EF07B131-ACAB-E7DB-EF6A-BE359152C874}"/>
+          </ac:spMkLst>
+        </pc:spChg>
+        <pc:spChg chg="add del mod ord">
+          <ac:chgData name="Dehbia Kouadria" userId="24cf8942edd75162" providerId="LiveId" clId="{17BADB32-C636-4716-B80D-93C22C39D57A}" dt="2023-04-15T15:00:26.834" v="1469" actId="700"/>
+          <ac:spMkLst>
+            <pc:docMk/>
+            <pc:sldMk cId="2007050509" sldId="421"/>
+            <ac:spMk id="4" creationId="{E5112E00-371D-B848-9B1E-71CB925A001B}"/>
+          </ac:spMkLst>
+        </pc:spChg>
+        <pc:spChg chg="add del mod ord">
+          <ac:chgData name="Dehbia Kouadria" userId="24cf8942edd75162" providerId="LiveId" clId="{17BADB32-C636-4716-B80D-93C22C39D57A}" dt="2023-04-15T15:00:26.834" v="1469" actId="700"/>
+          <ac:spMkLst>
+            <pc:docMk/>
+            <pc:sldMk cId="2007050509" sldId="421"/>
+            <ac:spMk id="5" creationId="{F00F28C1-54AF-4B4B-27AF-EE1B543A6A21}"/>
+          </ac:spMkLst>
+        </pc:spChg>
+        <pc:spChg chg="add del mod ord">
+          <ac:chgData name="Dehbia Kouadria" userId="24cf8942edd75162" providerId="LiveId" clId="{17BADB32-C636-4716-B80D-93C22C39D57A}" dt="2023-04-15T15:00:13.414" v="1468" actId="700"/>
+          <ac:spMkLst>
+            <pc:docMk/>
+            <pc:sldMk cId="2007050509" sldId="421"/>
+            <ac:spMk id="6" creationId="{7D9183D7-4577-1888-A284-FBC18B6583B7}"/>
+          </ac:spMkLst>
+        </pc:spChg>
+        <pc:spChg chg="add del mod ord">
+          <ac:chgData name="Dehbia Kouadria" userId="24cf8942edd75162" providerId="LiveId" clId="{17BADB32-C636-4716-B80D-93C22C39D57A}" dt="2023-04-15T15:00:13.414" v="1468" actId="700"/>
+          <ac:spMkLst>
+            <pc:docMk/>
+            <pc:sldMk cId="2007050509" sldId="421"/>
+            <ac:spMk id="7" creationId="{ACE951A3-F0BD-A008-B1B8-DD80659388A7}"/>
+          </ac:spMkLst>
+        </pc:spChg>
+        <pc:spChg chg="add mod ord">
+          <ac:chgData name="Dehbia Kouadria" userId="24cf8942edd75162" providerId="LiveId" clId="{17BADB32-C636-4716-B80D-93C22C39D57A}" dt="2023-04-15T15:00:26.834" v="1469" actId="700"/>
+          <ac:spMkLst>
+            <pc:docMk/>
+            <pc:sldMk cId="2007050509" sldId="421"/>
+            <ac:spMk id="8" creationId="{408EDC3D-8826-6D9C-B154-CB0C3C9FB6FF}"/>
+          </ac:spMkLst>
+        </pc:spChg>
+        <pc:spChg chg="add mod ord">
+          <ac:chgData name="Dehbia Kouadria" userId="24cf8942edd75162" providerId="LiveId" clId="{17BADB32-C636-4716-B80D-93C22C39D57A}" dt="2023-04-15T15:00:26.834" v="1469" actId="700"/>
+          <ac:spMkLst>
+            <pc:docMk/>
+            <pc:sldMk cId="2007050509" sldId="421"/>
+            <ac:spMk id="9" creationId="{CEEF5523-3496-B087-5133-681D756DC118}"/>
+          </ac:spMkLst>
+        </pc:spChg>
+      </pc:sldChg>
+      <pc:sldChg chg="addSp delSp modSp add mod modTransition modClrScheme chgLayout">
+        <pc:chgData name="Dehbia Kouadria" userId="24cf8942edd75162" providerId="LiveId" clId="{17BADB32-C636-4716-B80D-93C22C39D57A}" dt="2023-04-15T17:08:44.641" v="1581"/>
+        <pc:sldMkLst>
+          <pc:docMk/>
+          <pc:sldMk cId="3570997825" sldId="422"/>
+        </pc:sldMkLst>
+        <pc:spChg chg="mod ord">
+          <ac:chgData name="Dehbia Kouadria" userId="24cf8942edd75162" providerId="LiveId" clId="{17BADB32-C636-4716-B80D-93C22C39D57A}" dt="2023-04-15T15:09:18.705" v="1500" actId="700"/>
+          <ac:spMkLst>
+            <pc:docMk/>
+            <pc:sldMk cId="3570997825" sldId="422"/>
+            <ac:spMk id="2" creationId="{92E85FD8-A437-8BD1-7FC7-F3E892D31F06}"/>
+          </ac:spMkLst>
+        </pc:spChg>
+        <pc:spChg chg="mod ord">
+          <ac:chgData name="Dehbia Kouadria" userId="24cf8942edd75162" providerId="LiveId" clId="{17BADB32-C636-4716-B80D-93C22C39D57A}" dt="2023-04-15T17:05:49.654" v="1553" actId="255"/>
+          <ac:spMkLst>
+            <pc:docMk/>
+            <pc:sldMk cId="3570997825" sldId="422"/>
+            <ac:spMk id="3" creationId="{A2D6B0B8-2760-7B3F-9B6D-AA83275415AC}"/>
+          </ac:spMkLst>
+        </pc:spChg>
+        <pc:spChg chg="mod ord">
+          <ac:chgData name="Dehbia Kouadria" userId="24cf8942edd75162" providerId="LiveId" clId="{17BADB32-C636-4716-B80D-93C22C39D57A}" dt="2023-04-15T15:09:18.705" v="1500" actId="700"/>
+          <ac:spMkLst>
+            <pc:docMk/>
+            <pc:sldMk cId="3570997825" sldId="422"/>
+            <ac:spMk id="4" creationId="{8B9FF58A-4F75-3329-943E-CAF699A1D569}"/>
+          </ac:spMkLst>
+        </pc:spChg>
+        <pc:spChg chg="del mod ord">
+          <ac:chgData name="Dehbia Kouadria" userId="24cf8942edd75162" providerId="LiveId" clId="{17BADB32-C636-4716-B80D-93C22C39D57A}" dt="2023-04-15T14:57:53.648" v="1466" actId="700"/>
+          <ac:spMkLst>
+            <pc:docMk/>
+            <pc:sldMk cId="3570997825" sldId="422"/>
+            <ac:spMk id="5" creationId="{57130E50-A7BA-D757-1FF0-BCDF5CC92D66}"/>
+          </ac:spMkLst>
+        </pc:spChg>
+        <pc:spChg chg="add del mod ord">
+          <ac:chgData name="Dehbia Kouadria" userId="24cf8942edd75162" providerId="LiveId" clId="{17BADB32-C636-4716-B80D-93C22C39D57A}" dt="2023-04-15T15:09:18.705" v="1500" actId="700"/>
+          <ac:spMkLst>
+            <pc:docMk/>
+            <pc:sldMk cId="3570997825" sldId="422"/>
+            <ac:spMk id="6" creationId="{94D3A2B7-7978-B038-F55D-11C1764F24CC}"/>
+          </ac:spMkLst>
+        </pc:spChg>
+        <pc:spChg chg="mod ord">
+          <ac:chgData name="Dehbia Kouadria" userId="24cf8942edd75162" providerId="LiveId" clId="{17BADB32-C636-4716-B80D-93C22C39D57A}" dt="2023-04-15T15:09:18.705" v="1500" actId="700"/>
+          <ac:spMkLst>
+            <pc:docMk/>
+            <pc:sldMk cId="3570997825" sldId="422"/>
+            <ac:spMk id="7" creationId="{425AA710-E38C-A8FB-B019-3AA63CE14832}"/>
+          </ac:spMkLst>
+        </pc:spChg>
+        <pc:spChg chg="add mod ord">
+          <ac:chgData name="Dehbia Kouadria" userId="24cf8942edd75162" providerId="LiveId" clId="{17BADB32-C636-4716-B80D-93C22C39D57A}" dt="2023-04-15T15:09:18.705" v="1500" actId="700"/>
+          <ac:spMkLst>
+            <pc:docMk/>
+            <pc:sldMk cId="3570997825" sldId="422"/>
+            <ac:spMk id="8" creationId="{10E74EBB-C134-0725-A343-9F5819CAB92B}"/>
+          </ac:spMkLst>
+        </pc:spChg>
+      </pc:sldChg>
+      <pc:sldChg chg="addSp delSp modSp add mod ord modTransition modClrScheme chgLayout">
+        <pc:chgData name="Dehbia Kouadria" userId="24cf8942edd75162" providerId="LiveId" clId="{17BADB32-C636-4716-B80D-93C22C39D57A}" dt="2023-04-15T17:08:44.641" v="1581"/>
+        <pc:sldMkLst>
+          <pc:docMk/>
+          <pc:sldMk cId="1142766508" sldId="423"/>
+        </pc:sldMkLst>
+        <pc:spChg chg="mod ord">
+          <ac:chgData name="Dehbia Kouadria" userId="24cf8942edd75162" providerId="LiveId" clId="{17BADB32-C636-4716-B80D-93C22C39D57A}" dt="2023-04-15T15:00:26.834" v="1469" actId="700"/>
+          <ac:spMkLst>
+            <pc:docMk/>
+            <pc:sldMk cId="1142766508" sldId="423"/>
+            <ac:spMk id="2" creationId="{002FAD61-4698-B027-EAC7-E85DC20E78A3}"/>
+          </ac:spMkLst>
+        </pc:spChg>
+        <pc:spChg chg="mod ord">
+          <ac:chgData name="Dehbia Kouadria" userId="24cf8942edd75162" providerId="LiveId" clId="{17BADB32-C636-4716-B80D-93C22C39D57A}" dt="2023-04-15T15:00:26.834" v="1469" actId="700"/>
+          <ac:spMkLst>
+            <pc:docMk/>
+            <pc:sldMk cId="1142766508" sldId="423"/>
+            <ac:spMk id="3" creationId="{D028E2B9-B37A-A9F9-DDC0-0B089BC0DD81}"/>
+          </ac:spMkLst>
+        </pc:spChg>
+        <pc:spChg chg="add del mod ord">
+          <ac:chgData name="Dehbia Kouadria" userId="24cf8942edd75162" providerId="LiveId" clId="{17BADB32-C636-4716-B80D-93C22C39D57A}" dt="2023-04-15T15:00:26.834" v="1469" actId="700"/>
+          <ac:spMkLst>
+            <pc:docMk/>
+            <pc:sldMk cId="1142766508" sldId="423"/>
+            <ac:spMk id="4" creationId="{1EAF0E86-B6C4-E2E1-B54D-9866C4950C06}"/>
+          </ac:spMkLst>
+        </pc:spChg>
+        <pc:spChg chg="add del mod ord">
+          <ac:chgData name="Dehbia Kouadria" userId="24cf8942edd75162" providerId="LiveId" clId="{17BADB32-C636-4716-B80D-93C22C39D57A}" dt="2023-04-15T15:00:26.834" v="1469" actId="700"/>
+          <ac:spMkLst>
+            <pc:docMk/>
+            <pc:sldMk cId="1142766508" sldId="423"/>
+            <ac:spMk id="5" creationId="{FF163A52-4090-4F05-6A46-3646FEAE5793}"/>
+          </ac:spMkLst>
+        </pc:spChg>
+        <pc:spChg chg="add del mod ord">
+          <ac:chgData name="Dehbia Kouadria" userId="24cf8942edd75162" providerId="LiveId" clId="{17BADB32-C636-4716-B80D-93C22C39D57A}" dt="2023-04-15T15:00:13.414" v="1468" actId="700"/>
+          <ac:spMkLst>
+            <pc:docMk/>
+            <pc:sldMk cId="1142766508" sldId="423"/>
+            <ac:spMk id="6" creationId="{4AE3450E-A552-FB59-649D-21F8368A7D90}"/>
+          </ac:spMkLst>
+        </pc:spChg>
+        <pc:spChg chg="add del mod ord">
+          <ac:chgData name="Dehbia Kouadria" userId="24cf8942edd75162" providerId="LiveId" clId="{17BADB32-C636-4716-B80D-93C22C39D57A}" dt="2023-04-15T15:00:13.414" v="1468" actId="700"/>
+          <ac:spMkLst>
+            <pc:docMk/>
+            <pc:sldMk cId="1142766508" sldId="423"/>
+            <ac:spMk id="7" creationId="{82D75F22-6C56-9179-49BC-1EDA8A37BE80}"/>
+          </ac:spMkLst>
+        </pc:spChg>
+        <pc:spChg chg="add mod ord">
+          <ac:chgData name="Dehbia Kouadria" userId="24cf8942edd75162" providerId="LiveId" clId="{17BADB32-C636-4716-B80D-93C22C39D57A}" dt="2023-04-15T15:00:26.834" v="1469" actId="700"/>
+          <ac:spMkLst>
+            <pc:docMk/>
+            <pc:sldMk cId="1142766508" sldId="423"/>
+            <ac:spMk id="8" creationId="{7FE99A28-70ED-6E41-0BE1-34E554ED1DB2}"/>
+          </ac:spMkLst>
+        </pc:spChg>
+        <pc:spChg chg="add mod ord">
+          <ac:chgData name="Dehbia Kouadria" userId="24cf8942edd75162" providerId="LiveId" clId="{17BADB32-C636-4716-B80D-93C22C39D57A}" dt="2023-04-15T15:00:26.834" v="1469" actId="700"/>
+          <ac:spMkLst>
+            <pc:docMk/>
+            <pc:sldMk cId="1142766508" sldId="423"/>
+            <ac:spMk id="9" creationId="{651272CB-69E7-B193-CD3D-0BB8F5224EE4}"/>
+          </ac:spMkLst>
+        </pc:spChg>
+      </pc:sldChg>
+      <pc:sldChg chg="modTransition modNotesTx">
+        <pc:chgData name="Dehbia Kouadria" userId="24cf8942edd75162" providerId="LiveId" clId="{17BADB32-C636-4716-B80D-93C22C39D57A}" dt="2023-04-15T17:08:44.641" v="1581"/>
+        <pc:sldMkLst>
+          <pc:docMk/>
+          <pc:sldMk cId="2713950766" sldId="424"/>
+        </pc:sldMkLst>
+      </pc:sldChg>
+      <pc:sldChg chg="modTransition">
+        <pc:chgData name="Dehbia Kouadria" userId="24cf8942edd75162" providerId="LiveId" clId="{17BADB32-C636-4716-B80D-93C22C39D57A}" dt="2023-04-15T17:08:44.641" v="1581"/>
+        <pc:sldMkLst>
+          <pc:docMk/>
+          <pc:sldMk cId="1463575612" sldId="425"/>
+        </pc:sldMkLst>
+      </pc:sldChg>
+      <pc:sldChg chg="modSp mod modTransition">
+        <pc:chgData name="Dehbia Kouadria" userId="24cf8942edd75162" providerId="LiveId" clId="{17BADB32-C636-4716-B80D-93C22C39D57A}" dt="2023-04-15T17:08:44.641" v="1581"/>
+        <pc:sldMkLst>
+          <pc:docMk/>
+          <pc:sldMk cId="2068099890" sldId="426"/>
+        </pc:sldMkLst>
+        <pc:spChg chg="mod">
+          <ac:chgData name="Dehbia Kouadria" userId="24cf8942edd75162" providerId="LiveId" clId="{17BADB32-C636-4716-B80D-93C22C39D57A}" dt="2023-04-15T09:40:09.651" v="1415" actId="207"/>
+          <ac:spMkLst>
+            <pc:docMk/>
+            <pc:sldMk cId="2068099890" sldId="426"/>
+            <ac:spMk id="6" creationId="{852F649F-30F4-A016-BD90-EB791182A286}"/>
+          </ac:spMkLst>
+        </pc:spChg>
+      </pc:sldChg>
+      <pc:sldChg chg="addSp delSp modSp mod modTransition">
+        <pc:chgData name="Dehbia Kouadria" userId="24cf8942edd75162" providerId="LiveId" clId="{17BADB32-C636-4716-B80D-93C22C39D57A}" dt="2023-04-15T17:08:44.641" v="1581"/>
+        <pc:sldMkLst>
+          <pc:docMk/>
+          <pc:sldMk cId="782286828" sldId="427"/>
+        </pc:sldMkLst>
+        <pc:spChg chg="add del mod">
+          <ac:chgData name="Dehbia Kouadria" userId="24cf8942edd75162" providerId="LiveId" clId="{17BADB32-C636-4716-B80D-93C22C39D57A}" dt="2023-04-15T08:42:41.432" v="1412" actId="478"/>
+          <ac:spMkLst>
+            <pc:docMk/>
+            <pc:sldMk cId="782286828" sldId="427"/>
+            <ac:spMk id="3" creationId="{4E2E8316-A40E-C873-658A-27008461D793}"/>
+          </ac:spMkLst>
+        </pc:spChg>
+        <pc:spChg chg="mod">
+          <ac:chgData name="Dehbia Kouadria" userId="24cf8942edd75162" providerId="LiveId" clId="{17BADB32-C636-4716-B80D-93C22C39D57A}" dt="2023-04-15T14:43:05.511" v="1426" actId="255"/>
+          <ac:spMkLst>
+            <pc:docMk/>
+            <pc:sldMk cId="782286828" sldId="427"/>
+            <ac:spMk id="5" creationId="{476DD232-A17C-F776-588F-80C1B2C5D8DD}"/>
+          </ac:spMkLst>
+        </pc:spChg>
+        <pc:picChg chg="del">
+          <ac:chgData name="Dehbia Kouadria" userId="24cf8942edd75162" providerId="LiveId" clId="{17BADB32-C636-4716-B80D-93C22C39D57A}" dt="2023-04-15T08:42:36.789" v="1411" actId="478"/>
+          <ac:picMkLst>
+            <pc:docMk/>
+            <pc:sldMk cId="782286828" sldId="427"/>
+            <ac:picMk id="8" creationId="{954CB253-91FF-CCE4-2383-91127A3175E8}"/>
+          </ac:picMkLst>
+        </pc:picChg>
+      </pc:sldChg>
+      <pc:sldChg chg="addSp delSp modSp mod modTransition modNotesTx">
+        <pc:chgData name="Dehbia Kouadria" userId="24cf8942edd75162" providerId="LiveId" clId="{17BADB32-C636-4716-B80D-93C22C39D57A}" dt="2023-04-15T17:08:44.641" v="1581"/>
+        <pc:sldMkLst>
+          <pc:docMk/>
+          <pc:sldMk cId="3251355172" sldId="428"/>
+        </pc:sldMkLst>
+        <pc:spChg chg="add mod">
+          <ac:chgData name="Dehbia Kouadria" userId="24cf8942edd75162" providerId="LiveId" clId="{17BADB32-C636-4716-B80D-93C22C39D57A}" dt="2023-04-15T08:41:14.570" v="1409" actId="207"/>
+          <ac:spMkLst>
+            <pc:docMk/>
+            <pc:sldMk cId="3251355172" sldId="428"/>
+            <ac:spMk id="2" creationId="{66C012B0-143C-8A56-ED8E-C62BD5579581}"/>
+          </ac:spMkLst>
+        </pc:spChg>
+        <pc:spChg chg="add del mod">
+          <ac:chgData name="Dehbia Kouadria" userId="24cf8942edd75162" providerId="LiveId" clId="{17BADB32-C636-4716-B80D-93C22C39D57A}" dt="2023-04-15T07:54:31.193" v="672" actId="478"/>
+          <ac:spMkLst>
+            <pc:docMk/>
+            <pc:sldMk cId="3251355172" sldId="428"/>
+            <ac:spMk id="4" creationId="{234D1F03-168B-A95B-D381-05A1CF0534D4}"/>
+          </ac:spMkLst>
+        </pc:spChg>
+        <pc:spChg chg="del mod">
+          <ac:chgData name="Dehbia Kouadria" userId="24cf8942edd75162" providerId="LiveId" clId="{17BADB32-C636-4716-B80D-93C22C39D57A}" dt="2023-04-15T07:54:28.667" v="671" actId="478"/>
+          <ac:spMkLst>
+            <pc:docMk/>
+            <pc:sldMk cId="3251355172" sldId="428"/>
+            <ac:spMk id="6" creationId="{3256DE5F-5E74-03F4-0458-A37B001D4E87}"/>
+          </ac:spMkLst>
+        </pc:spChg>
+      </pc:sldChg>
+      <pc:sldChg chg="addSp modSp mod modTransition">
+        <pc:chgData name="Dehbia Kouadria" userId="24cf8942edd75162" providerId="LiveId" clId="{17BADB32-C636-4716-B80D-93C22C39D57A}" dt="2023-04-15T17:27:58.388" v="1804"/>
+        <pc:sldMkLst>
+          <pc:docMk/>
+          <pc:sldMk cId="889596257" sldId="429"/>
+        </pc:sldMkLst>
+        <pc:spChg chg="mod">
+          <ac:chgData name="Dehbia Kouadria" userId="24cf8942edd75162" providerId="LiveId" clId="{17BADB32-C636-4716-B80D-93C22C39D57A}" dt="2023-04-15T17:07:10.102" v="1569" actId="255"/>
+          <ac:spMkLst>
+            <pc:docMk/>
+            <pc:sldMk cId="889596257" sldId="429"/>
+            <ac:spMk id="3" creationId="{BB111D3F-D02C-78BE-53D1-85EA07A12448}"/>
+          </ac:spMkLst>
+        </pc:spChg>
+        <pc:spChg chg="add mod">
+          <ac:chgData name="Dehbia Kouadria" userId="24cf8942edd75162" providerId="LiveId" clId="{17BADB32-C636-4716-B80D-93C22C39D57A}" dt="2023-04-15T17:27:58.388" v="1804"/>
+          <ac:spMkLst>
+            <pc:docMk/>
+            <pc:sldMk cId="889596257" sldId="429"/>
+            <ac:spMk id="4" creationId="{21C244F2-16E1-BB83-0B43-8ABAFB3E96D4}"/>
+          </ac:spMkLst>
+        </pc:spChg>
+      </pc:sldChg>
+      <pc:sldChg chg="addSp modSp mod modTransition">
+        <pc:chgData name="Dehbia Kouadria" userId="24cf8942edd75162" providerId="LiveId" clId="{17BADB32-C636-4716-B80D-93C22C39D57A}" dt="2023-04-15T17:28:02.708" v="1805"/>
+        <pc:sldMkLst>
+          <pc:docMk/>
+          <pc:sldMk cId="3259922607" sldId="431"/>
+        </pc:sldMkLst>
+        <pc:spChg chg="mod">
+          <ac:chgData name="Dehbia Kouadria" userId="24cf8942edd75162" providerId="LiveId" clId="{17BADB32-C636-4716-B80D-93C22C39D57A}" dt="2023-04-15T17:07:15.025" v="1570" actId="255"/>
+          <ac:spMkLst>
+            <pc:docMk/>
+            <pc:sldMk cId="3259922607" sldId="431"/>
+            <ac:spMk id="3" creationId="{BB111D3F-D02C-78BE-53D1-85EA07A12448}"/>
+          </ac:spMkLst>
+        </pc:spChg>
+        <pc:spChg chg="add mod">
+          <ac:chgData name="Dehbia Kouadria" userId="24cf8942edd75162" providerId="LiveId" clId="{17BADB32-C636-4716-B80D-93C22C39D57A}" dt="2023-04-15T17:28:02.708" v="1805"/>
+          <ac:spMkLst>
+            <pc:docMk/>
+            <pc:sldMk cId="3259922607" sldId="431"/>
+            <ac:spMk id="4" creationId="{42564AEF-B2D4-8EA7-CF04-86F2809C4C5A}"/>
+          </ac:spMkLst>
+        </pc:spChg>
+      </pc:sldChg>
+      <pc:sldChg chg="addSp modSp mod modTransition">
+        <pc:chgData name="Dehbia Kouadria" userId="24cf8942edd75162" providerId="LiveId" clId="{17BADB32-C636-4716-B80D-93C22C39D57A}" dt="2023-04-15T17:28:06.078" v="1806"/>
+        <pc:sldMkLst>
+          <pc:docMk/>
+          <pc:sldMk cId="728565542" sldId="432"/>
+        </pc:sldMkLst>
+        <pc:spChg chg="mod">
+          <ac:chgData name="Dehbia Kouadria" userId="24cf8942edd75162" providerId="LiveId" clId="{17BADB32-C636-4716-B80D-93C22C39D57A}" dt="2023-04-15T17:07:20.715" v="1571" actId="255"/>
+          <ac:spMkLst>
+            <pc:docMk/>
+            <pc:sldMk cId="728565542" sldId="432"/>
+            <ac:spMk id="3" creationId="{BB111D3F-D02C-78BE-53D1-85EA07A12448}"/>
+          </ac:spMkLst>
+        </pc:spChg>
+        <pc:spChg chg="add mod">
+          <ac:chgData name="Dehbia Kouadria" userId="24cf8942edd75162" providerId="LiveId" clId="{17BADB32-C636-4716-B80D-93C22C39D57A}" dt="2023-04-15T17:28:06.078" v="1806"/>
+          <ac:spMkLst>
+            <pc:docMk/>
+            <pc:sldMk cId="728565542" sldId="432"/>
+            <ac:spMk id="4" creationId="{7D921B55-516D-95E0-41BE-7AA3913AC6DE}"/>
+          </ac:spMkLst>
+        </pc:spChg>
+      </pc:sldChg>
+      <pc:sldChg chg="addSp modSp mod ord modTransition">
+        <pc:chgData name="Dehbia Kouadria" userId="24cf8942edd75162" providerId="LiveId" clId="{17BADB32-C636-4716-B80D-93C22C39D57A}" dt="2023-04-15T17:24:46.458" v="1725" actId="5793"/>
+        <pc:sldMkLst>
+          <pc:docMk/>
+          <pc:sldMk cId="3894878099" sldId="433"/>
+        </pc:sldMkLst>
+        <pc:spChg chg="mod">
+          <ac:chgData name="Dehbia Kouadria" userId="24cf8942edd75162" providerId="LiveId" clId="{17BADB32-C636-4716-B80D-93C22C39D57A}" dt="2023-04-15T17:04:40.681" v="1541" actId="255"/>
+          <ac:spMkLst>
+            <pc:docMk/>
+            <pc:sldMk cId="3894878099" sldId="433"/>
+            <ac:spMk id="3" creationId="{BB111D3F-D02C-78BE-53D1-85EA07A12448}"/>
+          </ac:spMkLst>
+        </pc:spChg>
+        <pc:spChg chg="add mod">
+          <ac:chgData name="Dehbia Kouadria" userId="24cf8942edd75162" providerId="LiveId" clId="{17BADB32-C636-4716-B80D-93C22C39D57A}" dt="2023-04-15T17:24:46.458" v="1725" actId="5793"/>
+          <ac:spMkLst>
+            <pc:docMk/>
+            <pc:sldMk cId="3894878099" sldId="433"/>
+            <ac:spMk id="4" creationId="{6DBA6239-5EAC-8633-AF84-C0D4039E99D9}"/>
+          </ac:spMkLst>
+        </pc:spChg>
+      </pc:sldChg>
+      <pc:sldChg chg="addSp modSp mod ord modTransition">
+        <pc:chgData name="Dehbia Kouadria" userId="24cf8942edd75162" providerId="LiveId" clId="{17BADB32-C636-4716-B80D-93C22C39D57A}" dt="2023-04-15T17:25:21.487" v="1747" actId="20577"/>
+        <pc:sldMkLst>
+          <pc:docMk/>
+          <pc:sldMk cId="3703283005" sldId="434"/>
+        </pc:sldMkLst>
+        <pc:spChg chg="mod">
+          <ac:chgData name="Dehbia Kouadria" userId="24cf8942edd75162" providerId="LiveId" clId="{17BADB32-C636-4716-B80D-93C22C39D57A}" dt="2023-04-15T17:04:51.750" v="1543" actId="255"/>
+          <ac:spMkLst>
+            <pc:docMk/>
+            <pc:sldMk cId="3703283005" sldId="434"/>
+            <ac:spMk id="3" creationId="{BB111D3F-D02C-78BE-53D1-85EA07A12448}"/>
+          </ac:spMkLst>
+        </pc:spChg>
+        <pc:spChg chg="add mod">
+          <ac:chgData name="Dehbia Kouadria" userId="24cf8942edd75162" providerId="LiveId" clId="{17BADB32-C636-4716-B80D-93C22C39D57A}" dt="2023-04-15T17:25:21.487" v="1747" actId="20577"/>
+          <ac:spMkLst>
+            <pc:docMk/>
+            <pc:sldMk cId="3703283005" sldId="434"/>
+            <ac:spMk id="5" creationId="{B3353C96-DD19-C8D8-A296-878DE193ED5D}"/>
+          </ac:spMkLst>
+        </pc:spChg>
+      </pc:sldChg>
+      <pc:sldChg chg="addSp modSp mod ord modTransition">
+        <pc:chgData name="Dehbia Kouadria" userId="24cf8942edd75162" providerId="LiveId" clId="{17BADB32-C636-4716-B80D-93C22C39D57A}" dt="2023-04-15T17:25:32.478" v="1748"/>
+        <pc:sldMkLst>
+          <pc:docMk/>
+          <pc:sldMk cId="4002052114" sldId="435"/>
+        </pc:sldMkLst>
+        <pc:spChg chg="mod">
+          <ac:chgData name="Dehbia Kouadria" userId="24cf8942edd75162" providerId="LiveId" clId="{17BADB32-C636-4716-B80D-93C22C39D57A}" dt="2023-04-15T17:04:58.079" v="1544" actId="255"/>
+          <ac:spMkLst>
+            <pc:docMk/>
+            <pc:sldMk cId="4002052114" sldId="435"/>
+            <ac:spMk id="3" creationId="{BB111D3F-D02C-78BE-53D1-85EA07A12448}"/>
+          </ac:spMkLst>
+        </pc:spChg>
+        <pc:spChg chg="add mod">
+          <ac:chgData name="Dehbia Kouadria" userId="24cf8942edd75162" providerId="LiveId" clId="{17BADB32-C636-4716-B80D-93C22C39D57A}" dt="2023-04-15T17:25:32.478" v="1748"/>
+          <ac:spMkLst>
+            <pc:docMk/>
+            <pc:sldMk cId="4002052114" sldId="435"/>
+            <ac:spMk id="4" creationId="{774CA987-B141-3A39-15D0-A8D40613F703}"/>
+          </ac:spMkLst>
+        </pc:spChg>
+      </pc:sldChg>
+      <pc:sldChg chg="addSp modSp mod ord modTransition">
+        <pc:chgData name="Dehbia Kouadria" userId="24cf8942edd75162" providerId="LiveId" clId="{17BADB32-C636-4716-B80D-93C22C39D57A}" dt="2023-04-15T17:25:36.601" v="1749"/>
+        <pc:sldMkLst>
+          <pc:docMk/>
+          <pc:sldMk cId="3044919517" sldId="436"/>
+        </pc:sldMkLst>
+        <pc:spChg chg="mod">
+          <ac:chgData name="Dehbia Kouadria" userId="24cf8942edd75162" providerId="LiveId" clId="{17BADB32-C636-4716-B80D-93C22C39D57A}" dt="2023-04-15T17:05:03.176" v="1545" actId="255"/>
+          <ac:spMkLst>
+            <pc:docMk/>
+            <pc:sldMk cId="3044919517" sldId="436"/>
+            <ac:spMk id="3" creationId="{BB111D3F-D02C-78BE-53D1-85EA07A12448}"/>
+          </ac:spMkLst>
+        </pc:spChg>
+        <pc:spChg chg="add mod">
+          <ac:chgData name="Dehbia Kouadria" userId="24cf8942edd75162" providerId="LiveId" clId="{17BADB32-C636-4716-B80D-93C22C39D57A}" dt="2023-04-15T17:25:36.601" v="1749"/>
+          <ac:spMkLst>
+            <pc:docMk/>
+            <pc:sldMk cId="3044919517" sldId="436"/>
+            <ac:spMk id="4" creationId="{28804B81-E32E-CB4D-2C86-7B0657E04029}"/>
+          </ac:spMkLst>
+        </pc:spChg>
+      </pc:sldChg>
+      <pc:sldChg chg="addSp modSp mod ord modTransition">
+        <pc:chgData name="Dehbia Kouadria" userId="24cf8942edd75162" providerId="LiveId" clId="{17BADB32-C636-4716-B80D-93C22C39D57A}" dt="2023-04-15T17:25:40.153" v="1750"/>
+        <pc:sldMkLst>
+          <pc:docMk/>
+          <pc:sldMk cId="2584712298" sldId="437"/>
+        </pc:sldMkLst>
+        <pc:spChg chg="mod">
+          <ac:chgData name="Dehbia Kouadria" userId="24cf8942edd75162" providerId="LiveId" clId="{17BADB32-C636-4716-B80D-93C22C39D57A}" dt="2023-04-15T17:05:08.764" v="1546" actId="255"/>
+          <ac:spMkLst>
+            <pc:docMk/>
+            <pc:sldMk cId="2584712298" sldId="437"/>
+            <ac:spMk id="3" creationId="{BB111D3F-D02C-78BE-53D1-85EA07A12448}"/>
+          </ac:spMkLst>
+        </pc:spChg>
+        <pc:spChg chg="add mod">
+          <ac:chgData name="Dehbia Kouadria" userId="24cf8942edd75162" providerId="LiveId" clId="{17BADB32-C636-4716-B80D-93C22C39D57A}" dt="2023-04-15T17:25:40.153" v="1750"/>
+          <ac:spMkLst>
+            <pc:docMk/>
+            <pc:sldMk cId="2584712298" sldId="437"/>
+            <ac:spMk id="4" creationId="{AA5064AB-A54C-4ABB-4B27-2B3CFDB1B0FB}"/>
+          </ac:spMkLst>
+        </pc:spChg>
+      </pc:sldChg>
+      <pc:sldChg chg="addSp delSp modSp mod ord modTransition modClrScheme chgLayout">
+        <pc:chgData name="Dehbia Kouadria" userId="24cf8942edd75162" providerId="LiveId" clId="{17BADB32-C636-4716-B80D-93C22C39D57A}" dt="2023-04-15T17:25:51.481" v="1753"/>
+        <pc:sldMkLst>
+          <pc:docMk/>
+          <pc:sldMk cId="199285705" sldId="438"/>
+        </pc:sldMkLst>
+        <pc:spChg chg="mod ord">
+          <ac:chgData name="Dehbia Kouadria" userId="24cf8942edd75162" providerId="LiveId" clId="{17BADB32-C636-4716-B80D-93C22C39D57A}" dt="2023-04-15T16:59:42.898" v="1526" actId="700"/>
+          <ac:spMkLst>
+            <pc:docMk/>
+            <pc:sldMk cId="199285705" sldId="438"/>
+            <ac:spMk id="2" creationId="{0AB122C2-60AE-E9E8-D5F4-D870F1521161}"/>
+          </ac:spMkLst>
+        </pc:spChg>
+        <pc:spChg chg="mod ord">
+          <ac:chgData name="Dehbia Kouadria" userId="24cf8942edd75162" providerId="LiveId" clId="{17BADB32-C636-4716-B80D-93C22C39D57A}" dt="2023-04-15T17:05:20.114" v="1548" actId="255"/>
+          <ac:spMkLst>
+            <pc:docMk/>
+            <pc:sldMk cId="199285705" sldId="438"/>
+            <ac:spMk id="3" creationId="{BB111D3F-D02C-78BE-53D1-85EA07A12448}"/>
+          </ac:spMkLst>
+        </pc:spChg>
+        <pc:spChg chg="del mod">
+          <ac:chgData name="Dehbia Kouadria" userId="24cf8942edd75162" providerId="LiveId" clId="{17BADB32-C636-4716-B80D-93C22C39D57A}" dt="2023-04-15T16:59:36.601" v="1524" actId="478"/>
+          <ac:spMkLst>
+            <pc:docMk/>
+            <pc:sldMk cId="199285705" sldId="438"/>
+            <ac:spMk id="4" creationId="{BB89D842-F90C-6497-83E2-CF2AE51755E0}"/>
+          </ac:spMkLst>
+        </pc:spChg>
+        <pc:spChg chg="add mod">
+          <ac:chgData name="Dehbia Kouadria" userId="24cf8942edd75162" providerId="LiveId" clId="{17BADB32-C636-4716-B80D-93C22C39D57A}" dt="2023-04-15T17:25:51.481" v="1753"/>
+          <ac:spMkLst>
+            <pc:docMk/>
+            <pc:sldMk cId="199285705" sldId="438"/>
+            <ac:spMk id="5" creationId="{AB432C45-9B17-FD87-DF9E-74E5DA3D848B}"/>
+          </ac:spMkLst>
+        </pc:spChg>
+        <pc:spChg chg="add del mod">
+          <ac:chgData name="Dehbia Kouadria" userId="24cf8942edd75162" providerId="LiveId" clId="{17BADB32-C636-4716-B80D-93C22C39D57A}" dt="2023-04-15T16:59:38.584" v="1525" actId="478"/>
+          <ac:spMkLst>
+            <pc:docMk/>
+            <pc:sldMk cId="199285705" sldId="438"/>
+            <ac:spMk id="7" creationId="{346BA839-B788-6B94-FFEA-C3BB0E827FE8}"/>
+          </ac:spMkLst>
+        </pc:spChg>
+      </pc:sldChg>
+      <pc:sldChg chg="addSp modSp mod ord modTransition">
+        <pc:chgData name="Dehbia Kouadria" userId="24cf8942edd75162" providerId="LiveId" clId="{17BADB32-C636-4716-B80D-93C22C39D57A}" dt="2023-04-15T17:25:59.398" v="1755"/>
+        <pc:sldMkLst>
+          <pc:docMk/>
+          <pc:sldMk cId="3697746983" sldId="439"/>
+        </pc:sldMkLst>
+        <pc:spChg chg="mod">
+          <ac:chgData name="Dehbia Kouadria" userId="24cf8942edd75162" providerId="LiveId" clId="{17BADB32-C636-4716-B80D-93C22C39D57A}" dt="2023-04-15T17:05:32.174" v="1550" actId="255"/>
+          <ac:spMkLst>
+            <pc:docMk/>
+            <pc:sldMk cId="3697746983" sldId="439"/>
+            <ac:spMk id="3" creationId="{BB111D3F-D02C-78BE-53D1-85EA07A12448}"/>
+          </ac:spMkLst>
+        </pc:spChg>
+        <pc:spChg chg="add mod">
+          <ac:chgData name="Dehbia Kouadria" userId="24cf8942edd75162" providerId="LiveId" clId="{17BADB32-C636-4716-B80D-93C22C39D57A}" dt="2023-04-15T17:25:59.398" v="1755"/>
+          <ac:spMkLst>
+            <pc:docMk/>
+            <pc:sldMk cId="3697746983" sldId="439"/>
+            <ac:spMk id="4" creationId="{A140FB99-2746-84A9-4FB9-55B2AEEEAB10}"/>
+          </ac:spMkLst>
+        </pc:spChg>
+      </pc:sldChg>
+      <pc:sldChg chg="addSp modSp mod ord modTransition">
+        <pc:chgData name="Dehbia Kouadria" userId="24cf8942edd75162" providerId="LiveId" clId="{17BADB32-C636-4716-B80D-93C22C39D57A}" dt="2023-04-15T17:26:03.981" v="1756"/>
+        <pc:sldMkLst>
+          <pc:docMk/>
+          <pc:sldMk cId="706257133" sldId="440"/>
+        </pc:sldMkLst>
+        <pc:spChg chg="mod">
+          <ac:chgData name="Dehbia Kouadria" userId="24cf8942edd75162" providerId="LiveId" clId="{17BADB32-C636-4716-B80D-93C22C39D57A}" dt="2023-04-15T17:05:38.151" v="1551" actId="255"/>
+          <ac:spMkLst>
+            <pc:docMk/>
+            <pc:sldMk cId="706257133" sldId="440"/>
+            <ac:spMk id="3" creationId="{BB111D3F-D02C-78BE-53D1-85EA07A12448}"/>
+          </ac:spMkLst>
+        </pc:spChg>
+        <pc:spChg chg="add mod">
+          <ac:chgData name="Dehbia Kouadria" userId="24cf8942edd75162" providerId="LiveId" clId="{17BADB32-C636-4716-B80D-93C22C39D57A}" dt="2023-04-15T17:26:03.981" v="1756"/>
+          <ac:spMkLst>
+            <pc:docMk/>
+            <pc:sldMk cId="706257133" sldId="440"/>
+            <ac:spMk id="4" creationId="{3BCC4F5D-D0B7-555A-864F-2EA5EB3FC970}"/>
+          </ac:spMkLst>
+        </pc:spChg>
+      </pc:sldChg>
+      <pc:sldChg chg="addSp modSp mod ord modTransition">
+        <pc:chgData name="Dehbia Kouadria" userId="24cf8942edd75162" providerId="LiveId" clId="{17BADB32-C636-4716-B80D-93C22C39D57A}" dt="2023-04-15T17:26:42.828" v="1791" actId="20577"/>
+        <pc:sldMkLst>
+          <pc:docMk/>
+          <pc:sldMk cId="1010244102" sldId="441"/>
+        </pc:sldMkLst>
+        <pc:spChg chg="add mod">
+          <ac:chgData name="Dehbia Kouadria" userId="24cf8942edd75162" providerId="LiveId" clId="{17BADB32-C636-4716-B80D-93C22C39D57A}" dt="2023-04-15T17:26:42.828" v="1791" actId="20577"/>
+          <ac:spMkLst>
+            <pc:docMk/>
+            <pc:sldMk cId="1010244102" sldId="441"/>
+            <ac:spMk id="4" creationId="{784D55FF-C3AF-87DD-BEEB-2A24B20DD35E}"/>
+          </ac:spMkLst>
+        </pc:spChg>
+      </pc:sldChg>
+      <pc:sldChg chg="addSp modSp mod ord modTransition">
+        <pc:chgData name="Dehbia Kouadria" userId="24cf8942edd75162" providerId="LiveId" clId="{17BADB32-C636-4716-B80D-93C22C39D57A}" dt="2023-04-15T17:26:51.560" v="1792"/>
+        <pc:sldMkLst>
+          <pc:docMk/>
+          <pc:sldMk cId="442324643" sldId="442"/>
+        </pc:sldMkLst>
+        <pc:spChg chg="add mod">
+          <ac:chgData name="Dehbia Kouadria" userId="24cf8942edd75162" providerId="LiveId" clId="{17BADB32-C636-4716-B80D-93C22C39D57A}" dt="2023-04-15T17:26:51.560" v="1792"/>
+          <ac:spMkLst>
+            <pc:docMk/>
+            <pc:sldMk cId="442324643" sldId="442"/>
+            <ac:spMk id="4" creationId="{FD278BEE-F18B-3F71-BF58-0AA151B87489}"/>
+          </ac:spMkLst>
+        </pc:spChg>
+      </pc:sldChg>
+      <pc:sldChg chg="addSp modSp mod ord modTransition">
+        <pc:chgData name="Dehbia Kouadria" userId="24cf8942edd75162" providerId="LiveId" clId="{17BADB32-C636-4716-B80D-93C22C39D57A}" dt="2023-04-15T17:26:54.474" v="1793"/>
+        <pc:sldMkLst>
+          <pc:docMk/>
+          <pc:sldMk cId="3936284417" sldId="443"/>
+        </pc:sldMkLst>
+        <pc:spChg chg="add mod">
+          <ac:chgData name="Dehbia Kouadria" userId="24cf8942edd75162" providerId="LiveId" clId="{17BADB32-C636-4716-B80D-93C22C39D57A}" dt="2023-04-15T17:26:54.474" v="1793"/>
+          <ac:spMkLst>
+            <pc:docMk/>
+            <pc:sldMk cId="3936284417" sldId="443"/>
+            <ac:spMk id="4" creationId="{45FDC23D-CFFA-2CA6-9E94-FE5363B00E3D}"/>
+          </ac:spMkLst>
+        </pc:spChg>
+      </pc:sldChg>
+      <pc:sldChg chg="addSp modSp mod ord modTransition">
+        <pc:chgData name="Dehbia Kouadria" userId="24cf8942edd75162" providerId="LiveId" clId="{17BADB32-C636-4716-B80D-93C22C39D57A}" dt="2023-04-15T17:27:03.799" v="1797" actId="20577"/>
+        <pc:sldMkLst>
+          <pc:docMk/>
+          <pc:sldMk cId="1635681404" sldId="444"/>
+        </pc:sldMkLst>
+        <pc:spChg chg="add mod">
+          <ac:chgData name="Dehbia Kouadria" userId="24cf8942edd75162" providerId="LiveId" clId="{17BADB32-C636-4716-B80D-93C22C39D57A}" dt="2023-04-15T17:27:03.799" v="1797" actId="20577"/>
+          <ac:spMkLst>
+            <pc:docMk/>
+            <pc:sldMk cId="1635681404" sldId="444"/>
+            <ac:spMk id="4" creationId="{DB1C9B08-57F3-889D-26BC-A77F694F07EA}"/>
+          </ac:spMkLst>
+        </pc:spChg>
+      </pc:sldChg>
+      <pc:sldChg chg="addSp delSp modSp new mod ord modTransition">
+        <pc:chgData name="Dehbia Kouadria" userId="24cf8942edd75162" providerId="LiveId" clId="{17BADB32-C636-4716-B80D-93C22C39D57A}" dt="2023-04-15T17:08:44.641" v="1581"/>
+        <pc:sldMkLst>
+          <pc:docMk/>
+          <pc:sldMk cId="4109362380" sldId="445"/>
+        </pc:sldMkLst>
+        <pc:spChg chg="mod">
+          <ac:chgData name="Dehbia Kouadria" userId="24cf8942edd75162" providerId="LiveId" clId="{17BADB32-C636-4716-B80D-93C22C39D57A}" dt="2023-04-14T22:29:35.697" v="113" actId="20577"/>
+          <ac:spMkLst>
+            <pc:docMk/>
+            <pc:sldMk cId="4109362380" sldId="445"/>
+            <ac:spMk id="2" creationId="{0FE7946E-2EE1-ED29-004D-D542A03BB414}"/>
+          </ac:spMkLst>
+        </pc:spChg>
+        <pc:spChg chg="del">
+          <ac:chgData name="Dehbia Kouadria" userId="24cf8942edd75162" providerId="LiveId" clId="{17BADB32-C636-4716-B80D-93C22C39D57A}" dt="2023-04-14T22:29:39.988" v="114" actId="22"/>
+          <ac:spMkLst>
+            <pc:docMk/>
+            <pc:sldMk cId="4109362380" sldId="445"/>
+            <ac:spMk id="3" creationId="{CC2561EF-6563-934F-E5CF-B5FA16A25C25}"/>
+          </ac:spMkLst>
+        </pc:spChg>
+        <pc:picChg chg="add mod ord">
+          <ac:chgData name="Dehbia Kouadria" userId="24cf8942edd75162" providerId="LiveId" clId="{17BADB32-C636-4716-B80D-93C22C39D57A}" dt="2023-04-15T08:21:00.278" v="915" actId="1076"/>
+          <ac:picMkLst>
+            <pc:docMk/>
+            <pc:sldMk cId="4109362380" sldId="445"/>
+            <ac:picMk id="5" creationId="{4A91E1CF-6F7C-6480-0385-537A7BCBCCB9}"/>
+          </ac:picMkLst>
+        </pc:picChg>
+      </pc:sldChg>
+      <pc:sldChg chg="addSp delSp modSp new mod modTransition">
+        <pc:chgData name="Dehbia Kouadria" userId="24cf8942edd75162" providerId="LiveId" clId="{17BADB32-C636-4716-B80D-93C22C39D57A}" dt="2023-04-15T17:08:44.641" v="1581"/>
+        <pc:sldMkLst>
+          <pc:docMk/>
+          <pc:sldMk cId="30598019" sldId="446"/>
+        </pc:sldMkLst>
+        <pc:spChg chg="mod">
+          <ac:chgData name="Dehbia Kouadria" userId="24cf8942edd75162" providerId="LiveId" clId="{17BADB32-C636-4716-B80D-93C22C39D57A}" dt="2023-04-15T07:38:47.719" v="433" actId="20577"/>
+          <ac:spMkLst>
+            <pc:docMk/>
+            <pc:sldMk cId="30598019" sldId="446"/>
+            <ac:spMk id="2" creationId="{EA5A9366-C66C-186E-7D66-1F552DA031D9}"/>
+          </ac:spMkLst>
+        </pc:spChg>
+        <pc:spChg chg="mod">
+          <ac:chgData name="Dehbia Kouadria" userId="24cf8942edd75162" providerId="LiveId" clId="{17BADB32-C636-4716-B80D-93C22C39D57A}" dt="2023-04-15T07:40:23.203" v="485" actId="20577"/>
+          <ac:spMkLst>
+            <pc:docMk/>
+            <pc:sldMk cId="30598019" sldId="446"/>
+            <ac:spMk id="3" creationId="{4A1F326C-718C-30E1-D0AA-3B42EC5676CE}"/>
+          </ac:spMkLst>
+        </pc:spChg>
+        <pc:graphicFrameChg chg="add del mod modGraphic">
+          <ac:chgData name="Dehbia Kouadria" userId="24cf8942edd75162" providerId="LiveId" clId="{17BADB32-C636-4716-B80D-93C22C39D57A}" dt="2023-04-15T07:37:12.849" v="345" actId="478"/>
+          <ac:graphicFrameMkLst>
+            <pc:docMk/>
+            <pc:sldMk cId="30598019" sldId="446"/>
+            <ac:graphicFrameMk id="4" creationId="{71435867-A9E6-66B7-C0C0-9F16B4668B6F}"/>
+          </ac:graphicFrameMkLst>
+        </pc:graphicFrameChg>
+      </pc:sldChg>
+      <pc:sldChg chg="addSp delSp modSp add mod modTransition">
+        <pc:chgData name="Dehbia Kouadria" userId="24cf8942edd75162" providerId="LiveId" clId="{17BADB32-C636-4716-B80D-93C22C39D57A}" dt="2023-04-15T17:08:44.641" v="1581"/>
+        <pc:sldMkLst>
+          <pc:docMk/>
+          <pc:sldMk cId="3090509567" sldId="447"/>
+        </pc:sldMkLst>
+        <pc:spChg chg="mod">
+          <ac:chgData name="Dehbia Kouadria" userId="24cf8942edd75162" providerId="LiveId" clId="{17BADB32-C636-4716-B80D-93C22C39D57A}" dt="2023-04-15T07:40:39.992" v="498" actId="20577"/>
+          <ac:spMkLst>
+            <pc:docMk/>
+            <pc:sldMk cId="3090509567" sldId="447"/>
+            <ac:spMk id="2" creationId="{EA5A9366-C66C-186E-7D66-1F552DA031D9}"/>
+          </ac:spMkLst>
+        </pc:spChg>
+        <pc:spChg chg="add del mod">
+          <ac:chgData name="Dehbia Kouadria" userId="24cf8942edd75162" providerId="LiveId" clId="{17BADB32-C636-4716-B80D-93C22C39D57A}" dt="2023-04-15T07:43:49.701" v="553" actId="255"/>
+          <ac:spMkLst>
+            <pc:docMk/>
+            <pc:sldMk cId="3090509567" sldId="447"/>
+            <ac:spMk id="3" creationId="{4A1F326C-718C-30E1-D0AA-3B42EC5676CE}"/>
+          </ac:spMkLst>
+        </pc:spChg>
+        <pc:spChg chg="add del mod">
+          <ac:chgData name="Dehbia Kouadria" userId="24cf8942edd75162" providerId="LiveId" clId="{17BADB32-C636-4716-B80D-93C22C39D57A}" dt="2023-04-15T07:41:56.017" v="513" actId="478"/>
+          <ac:spMkLst>
+            <pc:docMk/>
+            <pc:sldMk cId="3090509567" sldId="447"/>
+            <ac:spMk id="5" creationId="{6938DB82-6D62-C548-BAEF-9A21BCB9B60E}"/>
+          </ac:spMkLst>
+        </pc:spChg>
+        <pc:spChg chg="add del mod">
+          <ac:chgData name="Dehbia Kouadria" userId="24cf8942edd75162" providerId="LiveId" clId="{17BADB32-C636-4716-B80D-93C22C39D57A}" dt="2023-04-15T07:42:00.206" v="515" actId="478"/>
+          <ac:spMkLst>
+            <pc:docMk/>
+            <pc:sldMk cId="3090509567" sldId="447"/>
+            <ac:spMk id="7" creationId="{95D1C522-1AB0-40A9-DE87-4F4842B5921C}"/>
+          </ac:spMkLst>
+        </pc:spChg>
+        <pc:spChg chg="add mod">
+          <ac:chgData name="Dehbia Kouadria" userId="24cf8942edd75162" providerId="LiveId" clId="{17BADB32-C636-4716-B80D-93C22C39D57A}" dt="2023-04-15T07:42:07.354" v="517" actId="571"/>
+          <ac:spMkLst>
+            <pc:docMk/>
+            <pc:sldMk cId="3090509567" sldId="447"/>
+            <ac:spMk id="8" creationId="{D6D84F58-165A-BD5B-42B7-E0752BCD6C76}"/>
+          </ac:spMkLst>
+        </pc:spChg>
+      </pc:sldChg>
+      <pc:sldChg chg="addSp delSp modSp new mod modTransition">
+        <pc:chgData name="Dehbia Kouadria" userId="24cf8942edd75162" providerId="LiveId" clId="{17BADB32-C636-4716-B80D-93C22C39D57A}" dt="2023-04-15T17:08:44.641" v="1581"/>
+        <pc:sldMkLst>
+          <pc:docMk/>
+          <pc:sldMk cId="3822858249" sldId="448"/>
+        </pc:sldMkLst>
+        <pc:spChg chg="mod">
+          <ac:chgData name="Dehbia Kouadria" userId="24cf8942edd75162" providerId="LiveId" clId="{17BADB32-C636-4716-B80D-93C22C39D57A}" dt="2023-04-15T07:46:31.233" v="581" actId="20577"/>
+          <ac:spMkLst>
+            <pc:docMk/>
+            <pc:sldMk cId="3822858249" sldId="448"/>
+            <ac:spMk id="2" creationId="{20A3D8E3-07B3-D0C5-FD0B-0DC295B3BBD8}"/>
+          </ac:spMkLst>
+        </pc:spChg>
+        <pc:spChg chg="del">
+          <ac:chgData name="Dehbia Kouadria" userId="24cf8942edd75162" providerId="LiveId" clId="{17BADB32-C636-4716-B80D-93C22C39D57A}" dt="2023-04-15T07:46:41.806" v="582" actId="931"/>
+          <ac:spMkLst>
+            <pc:docMk/>
+            <pc:sldMk cId="3822858249" sldId="448"/>
+            <ac:spMk id="3" creationId="{6F11BC93-265E-4B84-C255-5F463B28C408}"/>
+          </ac:spMkLst>
+        </pc:spChg>
+        <pc:picChg chg="add mod">
+          <ac:chgData name="Dehbia Kouadria" userId="24cf8942edd75162" providerId="LiveId" clId="{17BADB32-C636-4716-B80D-93C22C39D57A}" dt="2023-04-15T07:46:50.894" v="587" actId="1076"/>
+          <ac:picMkLst>
+            <pc:docMk/>
+            <pc:sldMk cId="3822858249" sldId="448"/>
+            <ac:picMk id="5" creationId="{C0151A79-FE26-FEEB-DC97-386A5FD5D9D6}"/>
+          </ac:picMkLst>
+        </pc:picChg>
+      </pc:sldChg>
+      <pc:sldChg chg="addSp delSp modSp add del mod modTransition">
+        <pc:chgData name="Dehbia Kouadria" userId="24cf8942edd75162" providerId="LiveId" clId="{17BADB32-C636-4716-B80D-93C22C39D57A}" dt="2023-04-15T17:28:13.036" v="1812" actId="20577"/>
+        <pc:sldMkLst>
+          <pc:docMk/>
+          <pc:sldMk cId="1988452046" sldId="449"/>
+        </pc:sldMkLst>
+        <pc:spChg chg="mod">
+          <ac:chgData name="Dehbia Kouadria" userId="24cf8942edd75162" providerId="LiveId" clId="{17BADB32-C636-4716-B80D-93C22C39D57A}" dt="2023-04-15T08:11:50.789" v="907" actId="20577"/>
+          <ac:spMkLst>
+            <pc:docMk/>
+            <pc:sldMk cId="1988452046" sldId="449"/>
+            <ac:spMk id="2" creationId="{20A3D8E3-07B3-D0C5-FD0B-0DC295B3BBD8}"/>
+          </ac:spMkLst>
+        </pc:spChg>
+        <pc:spChg chg="add mod">
+          <ac:chgData name="Dehbia Kouadria" userId="24cf8942edd75162" providerId="LiveId" clId="{17BADB32-C636-4716-B80D-93C22C39D57A}" dt="2023-04-15T17:28:13.036" v="1812" actId="20577"/>
+          <ac:spMkLst>
+            <pc:docMk/>
+            <pc:sldMk cId="1988452046" sldId="449"/>
+            <ac:spMk id="3" creationId="{30252AFD-0A8E-7139-AF56-7452A653ED5E}"/>
+          </ac:spMkLst>
+        </pc:spChg>
+        <pc:spChg chg="add mod">
+          <ac:chgData name="Dehbia Kouadria" userId="24cf8942edd75162" providerId="LiveId" clId="{17BADB32-C636-4716-B80D-93C22C39D57A}" dt="2023-04-15T08:12:11.963" v="913" actId="2710"/>
+          <ac:spMkLst>
+            <pc:docMk/>
+            <pc:sldMk cId="1988452046" sldId="449"/>
+            <ac:spMk id="4" creationId="{3A39EE56-0AF8-BD80-460B-B2744ED9AFBA}"/>
+          </ac:spMkLst>
+        </pc:spChg>
+        <pc:picChg chg="del">
+          <ac:chgData name="Dehbia Kouadria" userId="24cf8942edd75162" providerId="LiveId" clId="{17BADB32-C636-4716-B80D-93C22C39D57A}" dt="2023-04-15T07:47:26.566" v="605" actId="478"/>
+          <ac:picMkLst>
+            <pc:docMk/>
+            <pc:sldMk cId="1988452046" sldId="449"/>
+            <ac:picMk id="5" creationId="{C0151A79-FE26-FEEB-DC97-386A5FD5D9D6}"/>
+          </ac:picMkLst>
+        </pc:picChg>
+      </pc:sldChg>
+      <pc:sldChg chg="modSp add del mod ord">
+        <pc:chgData name="Dehbia Kouadria" userId="24cf8942edd75162" providerId="LiveId" clId="{17BADB32-C636-4716-B80D-93C22C39D57A}" dt="2023-04-15T08:15:20.347" v="914" actId="47"/>
+        <pc:sldMkLst>
+          <pc:docMk/>
+          <pc:sldMk cId="2008606964" sldId="450"/>
+        </pc:sldMkLst>
+        <pc:spChg chg="mod">
+          <ac:chgData name="Dehbia Kouadria" userId="24cf8942edd75162" providerId="LiveId" clId="{17BADB32-C636-4716-B80D-93C22C39D57A}" dt="2023-04-15T07:48:31.654" v="637" actId="20577"/>
+          <ac:spMkLst>
+            <pc:docMk/>
+            <pc:sldMk cId="2008606964" sldId="450"/>
+            <ac:spMk id="2" creationId="{20A3D8E3-07B3-D0C5-FD0B-0DC295B3BBD8}"/>
+          </ac:spMkLst>
+        </pc:spChg>
+      </pc:sldChg>
+      <pc:sldChg chg="modSp add del mod ord replId">
+        <pc:chgData name="Dehbia Kouadria" userId="24cf8942edd75162" providerId="LiveId" clId="{17BADB32-C636-4716-B80D-93C22C39D57A}" dt="2023-04-15T08:15:20.347" v="914" actId="47"/>
+        <pc:sldMkLst>
+          <pc:docMk/>
+          <pc:sldMk cId="2681960115" sldId="451"/>
+        </pc:sldMkLst>
+        <pc:spChg chg="mod">
+          <ac:chgData name="Dehbia Kouadria" userId="24cf8942edd75162" providerId="LiveId" clId="{17BADB32-C636-4716-B80D-93C22C39D57A}" dt="2023-04-15T07:48:44.610" v="667" actId="20577"/>
+          <ac:spMkLst>
+            <pc:docMk/>
+            <pc:sldMk cId="2681960115" sldId="451"/>
+            <ac:spMk id="2" creationId="{20A3D8E3-07B3-D0C5-FD0B-0DC295B3BBD8}"/>
+          </ac:spMkLst>
+        </pc:spChg>
+      </pc:sldChg>
+      <pc:sldChg chg="addSp modSp add mod modTransition">
+        <pc:chgData name="Dehbia Kouadria" userId="24cf8942edd75162" providerId="LiveId" clId="{17BADB32-C636-4716-B80D-93C22C39D57A}" dt="2023-04-15T17:27:12.627" v="1803" actId="20577"/>
+        <pc:sldMkLst>
+          <pc:docMk/>
+          <pc:sldMk cId="2949247179" sldId="452"/>
+        </pc:sldMkLst>
+        <pc:spChg chg="add mod">
+          <ac:chgData name="Dehbia Kouadria" userId="24cf8942edd75162" providerId="LiveId" clId="{17BADB32-C636-4716-B80D-93C22C39D57A}" dt="2023-04-15T17:27:12.627" v="1803" actId="20577"/>
+          <ac:spMkLst>
+            <pc:docMk/>
+            <pc:sldMk cId="2949247179" sldId="452"/>
+            <ac:spMk id="2" creationId="{5145ED0B-B788-9A96-229A-51AB1EEE5DBA}"/>
+          </ac:spMkLst>
+        </pc:spChg>
+        <pc:spChg chg="mod">
+          <ac:chgData name="Dehbia Kouadria" userId="24cf8942edd75162" providerId="LiveId" clId="{17BADB32-C636-4716-B80D-93C22C39D57A}" dt="2023-04-15T17:07:04.308" v="1568" actId="255"/>
+          <ac:spMkLst>
+            <pc:docMk/>
+            <pc:sldMk cId="2949247179" sldId="452"/>
+            <ac:spMk id="6" creationId="{3256DE5F-5E74-03F4-0458-A37B001D4E87}"/>
+          </ac:spMkLst>
+        </pc:spChg>
+      </pc:sldChg>
+      <pc:sldChg chg="modSp add mod ord modTransition modNotesTx">
+        <pc:chgData name="Dehbia Kouadria" userId="24cf8942edd75162" providerId="LiveId" clId="{17BADB32-C636-4716-B80D-93C22C39D57A}" dt="2023-04-15T17:08:44.641" v="1581"/>
+        <pc:sldMkLst>
+          <pc:docMk/>
+          <pc:sldMk cId="564179793" sldId="453"/>
+        </pc:sldMkLst>
+        <pc:spChg chg="mod">
+          <ac:chgData name="Dehbia Kouadria" userId="24cf8942edd75162" providerId="LiveId" clId="{17BADB32-C636-4716-B80D-93C22C39D57A}" dt="2023-04-15T08:41:27.284" v="1410" actId="207"/>
+          <ac:spMkLst>
+            <pc:docMk/>
+            <pc:sldMk cId="564179793" sldId="453"/>
+            <ac:spMk id="2" creationId="{66C012B0-143C-8A56-ED8E-C62BD5579581}"/>
+          </ac:spMkLst>
+        </pc:spChg>
+        <pc:spChg chg="mod">
+          <ac:chgData name="Dehbia Kouadria" userId="24cf8942edd75162" providerId="LiveId" clId="{17BADB32-C636-4716-B80D-93C22C39D57A}" dt="2023-04-15T08:02:02.843" v="781"/>
+          <ac:spMkLst>
+            <pc:docMk/>
+            <pc:sldMk cId="564179793" sldId="453"/>
+            <ac:spMk id="5" creationId="{9FA55323-9E73-DFD2-530D-2CC2F0E140F6}"/>
+          </ac:spMkLst>
+        </pc:spChg>
+      </pc:sldChg>
+      <pc:sldChg chg="add modTransition">
+        <pc:chgData name="Dehbia Kouadria" userId="24cf8942edd75162" providerId="LiveId" clId="{17BADB32-C636-4716-B80D-93C22C39D57A}" dt="2023-04-15T17:08:44.641" v="1581"/>
+        <pc:sldMkLst>
+          <pc:docMk/>
+          <pc:sldMk cId="738913186" sldId="454"/>
+        </pc:sldMkLst>
+      </pc:sldChg>
+      <pc:sldChg chg="addSp modSp new mod ord modTransition">
+        <pc:chgData name="Dehbia Kouadria" userId="24cf8942edd75162" providerId="LiveId" clId="{17BADB32-C636-4716-B80D-93C22C39D57A}" dt="2023-04-15T17:26:15.205" v="1767" actId="20577"/>
+        <pc:sldMkLst>
+          <pc:docMk/>
+          <pc:sldMk cId="3282190075" sldId="455"/>
+        </pc:sldMkLst>
+        <pc:spChg chg="mod">
+          <ac:chgData name="Dehbia Kouadria" userId="24cf8942edd75162" providerId="LiveId" clId="{17BADB32-C636-4716-B80D-93C22C39D57A}" dt="2023-04-15T08:22:13.696" v="926"/>
+          <ac:spMkLst>
+            <pc:docMk/>
+            <pc:sldMk cId="3282190075" sldId="455"/>
+            <ac:spMk id="2" creationId="{C29BD3A0-0D29-F524-2048-B8C1DE645580}"/>
+          </ac:spMkLst>
+        </pc:spChg>
+        <pc:spChg chg="mod">
+          <ac:chgData name="Dehbia Kouadria" userId="24cf8942edd75162" providerId="LiveId" clId="{17BADB32-C636-4716-B80D-93C22C39D57A}" dt="2023-04-15T08:22:03.276" v="925" actId="1076"/>
+          <ac:spMkLst>
+            <pc:docMk/>
+            <pc:sldMk cId="3282190075" sldId="455"/>
+            <ac:spMk id="3" creationId="{88543A6B-3650-5E2E-EEDB-D143F1831742}"/>
+          </ac:spMkLst>
+        </pc:spChg>
+        <pc:spChg chg="add mod">
+          <ac:chgData name="Dehbia Kouadria" userId="24cf8942edd75162" providerId="LiveId" clId="{17BADB32-C636-4716-B80D-93C22C39D57A}" dt="2023-04-15T17:26:15.205" v="1767" actId="20577"/>
+          <ac:spMkLst>
+            <pc:docMk/>
+            <pc:sldMk cId="3282190075" sldId="455"/>
+            <ac:spMk id="4" creationId="{4A2F5382-59D9-6E53-5E50-F9863E1E8293}"/>
+          </ac:spMkLst>
+        </pc:spChg>
+      </pc:sldChg>
+      <pc:sldChg chg="addSp delSp modSp add mod ord modTransition">
+        <pc:chgData name="Dehbia Kouadria" userId="24cf8942edd75162" providerId="LiveId" clId="{17BADB32-C636-4716-B80D-93C22C39D57A}" dt="2023-04-15T17:26:25.385" v="1778" actId="20577"/>
+        <pc:sldMkLst>
+          <pc:docMk/>
+          <pc:sldMk cId="1831135917" sldId="456"/>
+        </pc:sldMkLst>
+        <pc:spChg chg="mod">
+          <ac:chgData name="Dehbia Kouadria" userId="24cf8942edd75162" providerId="LiveId" clId="{17BADB32-C636-4716-B80D-93C22C39D57A}" dt="2023-04-15T08:24:48.249" v="956" actId="20577"/>
+          <ac:spMkLst>
+            <pc:docMk/>
+            <pc:sldMk cId="1831135917" sldId="456"/>
+            <ac:spMk id="2" creationId="{C29BD3A0-0D29-F524-2048-B8C1DE645580}"/>
+          </ac:spMkLst>
+        </pc:spChg>
+        <pc:spChg chg="del">
+          <ac:chgData name="Dehbia Kouadria" userId="24cf8942edd75162" providerId="LiveId" clId="{17BADB32-C636-4716-B80D-93C22C39D57A}" dt="2023-04-15T08:24:52.304" v="957" actId="478"/>
+          <ac:spMkLst>
+            <pc:docMk/>
+            <pc:sldMk cId="1831135917" sldId="456"/>
+            <ac:spMk id="3" creationId="{88543A6B-3650-5E2E-EEDB-D143F1831742}"/>
+          </ac:spMkLst>
+        </pc:spChg>
+        <pc:spChg chg="mod">
+          <ac:chgData name="Dehbia Kouadria" userId="24cf8942edd75162" providerId="LiveId" clId="{17BADB32-C636-4716-B80D-93C22C39D57A}" dt="2023-04-15T17:26:25.385" v="1778" actId="20577"/>
+          <ac:spMkLst>
+            <pc:docMk/>
+            <pc:sldMk cId="1831135917" sldId="456"/>
+            <ac:spMk id="4" creationId="{4A2F5382-59D9-6E53-5E50-F9863E1E8293}"/>
+          </ac:spMkLst>
+        </pc:spChg>
+        <pc:spChg chg="add del mod">
+          <ac:chgData name="Dehbia Kouadria" userId="24cf8942edd75162" providerId="LiveId" clId="{17BADB32-C636-4716-B80D-93C22C39D57A}" dt="2023-04-15T08:25:09.398" v="958" actId="3680"/>
+          <ac:spMkLst>
+            <pc:docMk/>
+            <pc:sldMk cId="1831135917" sldId="456"/>
+            <ac:spMk id="6" creationId="{0DD8DFCE-C2EB-CCB2-0798-211577B3DDE8}"/>
+          </ac:spMkLst>
+        </pc:spChg>
+        <pc:graphicFrameChg chg="add mod ord modGraphic">
+          <ac:chgData name="Dehbia Kouadria" userId="24cf8942edd75162" providerId="LiveId" clId="{17BADB32-C636-4716-B80D-93C22C39D57A}" dt="2023-04-15T08:30:33.487" v="1350" actId="20577"/>
+          <ac:graphicFrameMkLst>
+            <pc:docMk/>
+            <pc:sldMk cId="1831135917" sldId="456"/>
+            <ac:graphicFrameMk id="7" creationId="{C4469709-CA9E-2CE0-AAF5-94295481CE9D}"/>
+          </ac:graphicFrameMkLst>
+        </pc:graphicFrameChg>
+      </pc:sldChg>
+      <pc:sldChg chg="addSp delSp modSp add mod modTransition modClrScheme chgLayout">
+        <pc:chgData name="Dehbia Kouadria" userId="24cf8942edd75162" providerId="LiveId" clId="{17BADB32-C636-4716-B80D-93C22C39D57A}" dt="2023-04-15T17:08:44.641" v="1581"/>
+        <pc:sldMkLst>
+          <pc:docMk/>
+          <pc:sldMk cId="4193895642" sldId="457"/>
+        </pc:sldMkLst>
+        <pc:spChg chg="mod ord">
+          <ac:chgData name="Dehbia Kouadria" userId="24cf8942edd75162" providerId="LiveId" clId="{17BADB32-C636-4716-B80D-93C22C39D57A}" dt="2023-04-15T15:08:43.468" v="1499" actId="700"/>
+          <ac:spMkLst>
+            <pc:docMk/>
+            <pc:sldMk cId="4193895642" sldId="457"/>
+            <ac:spMk id="2" creationId="{7C56FBD6-3829-612C-58B0-95AE57C2D902}"/>
+          </ac:spMkLst>
+        </pc:spChg>
+        <pc:spChg chg="mod ord">
+          <ac:chgData name="Dehbia Kouadria" userId="24cf8942edd75162" providerId="LiveId" clId="{17BADB32-C636-4716-B80D-93C22C39D57A}" dt="2023-04-15T17:04:13.147" v="1537" actId="255"/>
+          <ac:spMkLst>
+            <pc:docMk/>
+            <pc:sldMk cId="4193895642" sldId="457"/>
+            <ac:spMk id="3" creationId="{CB5D3B4B-BCF3-0B2A-7177-74340007813C}"/>
+          </ac:spMkLst>
+        </pc:spChg>
+        <pc:spChg chg="mod ord">
+          <ac:chgData name="Dehbia Kouadria" userId="24cf8942edd75162" providerId="LiveId" clId="{17BADB32-C636-4716-B80D-93C22C39D57A}" dt="2023-04-15T15:08:43.468" v="1499" actId="700"/>
+          <ac:spMkLst>
+            <pc:docMk/>
+            <pc:sldMk cId="4193895642" sldId="457"/>
+            <ac:spMk id="4" creationId="{F452B019-7CBF-2C24-22F0-AE6C5378F888}"/>
+          </ac:spMkLst>
+        </pc:spChg>
+        <pc:spChg chg="del mod ord">
+          <ac:chgData name="Dehbia Kouadria" userId="24cf8942edd75162" providerId="LiveId" clId="{17BADB32-C636-4716-B80D-93C22C39D57A}" dt="2023-04-15T14:56:41.605" v="1464" actId="700"/>
+          <ac:spMkLst>
+            <pc:docMk/>
+            <pc:sldMk cId="4193895642" sldId="457"/>
+            <ac:spMk id="5" creationId="{B7E37FF2-D26E-346D-7388-058A44150F7E}"/>
+          </ac:spMkLst>
+        </pc:spChg>
+        <pc:spChg chg="add del mod ord">
+          <ac:chgData name="Dehbia Kouadria" userId="24cf8942edd75162" providerId="LiveId" clId="{17BADB32-C636-4716-B80D-93C22C39D57A}" dt="2023-04-15T15:08:43.468" v="1499" actId="700"/>
+          <ac:spMkLst>
+            <pc:docMk/>
+            <pc:sldMk cId="4193895642" sldId="457"/>
+            <ac:spMk id="6" creationId="{2F4774A4-FADB-7FDF-B818-DB6641F22055}"/>
+          </ac:spMkLst>
+        </pc:spChg>
+        <pc:spChg chg="mod ord">
+          <ac:chgData name="Dehbia Kouadria" userId="24cf8942edd75162" providerId="LiveId" clId="{17BADB32-C636-4716-B80D-93C22C39D57A}" dt="2023-04-15T15:08:43.468" v="1499" actId="700"/>
+          <ac:spMkLst>
+            <pc:docMk/>
+            <pc:sldMk cId="4193895642" sldId="457"/>
+            <ac:spMk id="7" creationId="{77E43E6F-BD02-3AF3-7971-EF3617F3EEF8}"/>
+          </ac:spMkLst>
+        </pc:spChg>
+        <pc:spChg chg="add mod ord">
+          <ac:chgData name="Dehbia Kouadria" userId="24cf8942edd75162" providerId="LiveId" clId="{17BADB32-C636-4716-B80D-93C22C39D57A}" dt="2023-04-15T15:08:43.468" v="1499" actId="700"/>
+          <ac:spMkLst>
+            <pc:docMk/>
+            <pc:sldMk cId="4193895642" sldId="457"/>
+            <ac:spMk id="8" creationId="{1475650D-98A7-C2E5-1ACC-55F5CA954105}"/>
+          </ac:spMkLst>
+        </pc:spChg>
+      </pc:sldChg>
+      <pc:sldChg chg="modTransition">
+        <pc:chgData name="Dehbia Kouadria" userId="24cf8942edd75162" providerId="LiveId" clId="{17BADB32-C636-4716-B80D-93C22C39D57A}" dt="2023-04-15T17:08:44.641" v="1581"/>
+        <pc:sldMkLst>
+          <pc:docMk/>
+          <pc:sldMk cId="748252201" sldId="458"/>
+        </pc:sldMkLst>
+      </pc:sldChg>
+      <pc:sldChg chg="modSp mod modTransition">
+        <pc:chgData name="Dehbia Kouadria" userId="24cf8942edd75162" providerId="LiveId" clId="{17BADB32-C636-4716-B80D-93C22C39D57A}" dt="2023-04-15T17:08:44.641" v="1581"/>
+        <pc:sldMkLst>
+          <pc:docMk/>
+          <pc:sldMk cId="772043641" sldId="459"/>
+        </pc:sldMkLst>
+        <pc:spChg chg="mod">
+          <ac:chgData name="Dehbia Kouadria" userId="24cf8942edd75162" providerId="LiveId" clId="{17BADB32-C636-4716-B80D-93C22C39D57A}" dt="2023-04-15T17:03:14.203" v="1528" actId="255"/>
+          <ac:spMkLst>
+            <pc:docMk/>
+            <pc:sldMk cId="772043641" sldId="459"/>
+            <ac:spMk id="3" creationId="{E960DCBA-F9CD-735A-FA70-FEF9431ECC15}"/>
+          </ac:spMkLst>
+        </pc:spChg>
+      </pc:sldChg>
+      <pc:sldChg chg="modSp mod modTransition">
+        <pc:chgData name="Dehbia Kouadria" userId="24cf8942edd75162" providerId="LiveId" clId="{17BADB32-C636-4716-B80D-93C22C39D57A}" dt="2023-04-15T17:08:44.641" v="1581"/>
+        <pc:sldMkLst>
+          <pc:docMk/>
+          <pc:sldMk cId="2533313304" sldId="460"/>
+        </pc:sldMkLst>
+        <pc:spChg chg="mod">
+          <ac:chgData name="Dehbia Kouadria" userId="24cf8942edd75162" providerId="LiveId" clId="{17BADB32-C636-4716-B80D-93C22C39D57A}" dt="2023-04-15T17:03:35.517" v="1531" actId="255"/>
+          <ac:spMkLst>
+            <pc:docMk/>
+            <pc:sldMk cId="2533313304" sldId="460"/>
+            <ac:spMk id="3" creationId="{3CE92AE1-BD11-C014-47C2-4C60A3BBC556}"/>
+          </ac:spMkLst>
+        </pc:spChg>
+      </pc:sldChg>
+      <pc:sldChg chg="modSp mod modTransition">
+        <pc:chgData name="Dehbia Kouadria" userId="24cf8942edd75162" providerId="LiveId" clId="{17BADB32-C636-4716-B80D-93C22C39D57A}" dt="2023-04-15T17:08:44.641" v="1581"/>
+        <pc:sldMkLst>
+          <pc:docMk/>
+          <pc:sldMk cId="4236025210" sldId="461"/>
+        </pc:sldMkLst>
+        <pc:spChg chg="mod">
+          <ac:chgData name="Dehbia Kouadria" userId="24cf8942edd75162" providerId="LiveId" clId="{17BADB32-C636-4716-B80D-93C22C39D57A}" dt="2023-04-15T17:03:26.656" v="1530" actId="255"/>
+          <ac:spMkLst>
+            <pc:docMk/>
+            <pc:sldMk cId="4236025210" sldId="461"/>
+            <ac:spMk id="3" creationId="{B282A738-BCF7-3163-8167-C1128639A1E9}"/>
+          </ac:spMkLst>
+        </pc:spChg>
+      </pc:sldChg>
+      <pc:sldChg chg="modSp mod modTransition">
+        <pc:chgData name="Dehbia Kouadria" userId="24cf8942edd75162" providerId="LiveId" clId="{17BADB32-C636-4716-B80D-93C22C39D57A}" dt="2023-04-15T17:08:44.641" v="1581"/>
+        <pc:sldMkLst>
+          <pc:docMk/>
+          <pc:sldMk cId="3045294603" sldId="462"/>
+        </pc:sldMkLst>
+        <pc:spChg chg="mod">
+          <ac:chgData name="Dehbia Kouadria" userId="24cf8942edd75162" providerId="LiveId" clId="{17BADB32-C636-4716-B80D-93C22C39D57A}" dt="2023-04-15T17:03:21.693" v="1529" actId="255"/>
+          <ac:spMkLst>
+            <pc:docMk/>
+            <pc:sldMk cId="3045294603" sldId="462"/>
+            <ac:spMk id="3" creationId="{CB0DD438-918F-49BF-2F94-111639DFDA22}"/>
+          </ac:spMkLst>
+        </pc:spChg>
+      </pc:sldChg>
+      <pc:sldChg chg="modSp mod modTransition">
+        <pc:chgData name="Dehbia Kouadria" userId="24cf8942edd75162" providerId="LiveId" clId="{17BADB32-C636-4716-B80D-93C22C39D57A}" dt="2023-04-15T17:08:44.641" v="1581"/>
+        <pc:sldMkLst>
+          <pc:docMk/>
+          <pc:sldMk cId="493698181" sldId="463"/>
+        </pc:sldMkLst>
+        <pc:spChg chg="mod">
+          <ac:chgData name="Dehbia Kouadria" userId="24cf8942edd75162" providerId="LiveId" clId="{17BADB32-C636-4716-B80D-93C22C39D57A}" dt="2023-04-15T17:03:42.410" v="1532" actId="255"/>
+          <ac:spMkLst>
+            <pc:docMk/>
+            <pc:sldMk cId="493698181" sldId="463"/>
+            <ac:spMk id="3" creationId="{DBBFEBD1-2B24-45C0-DE40-CD54515D65FB}"/>
+          </ac:spMkLst>
+        </pc:spChg>
+      </pc:sldChg>
+      <pc:sldChg chg="modSp mod modTransition">
+        <pc:chgData name="Dehbia Kouadria" userId="24cf8942edd75162" providerId="LiveId" clId="{17BADB32-C636-4716-B80D-93C22C39D57A}" dt="2023-04-15T17:08:44.641" v="1581"/>
+        <pc:sldMkLst>
+          <pc:docMk/>
+          <pc:sldMk cId="3173060330" sldId="464"/>
+        </pc:sldMkLst>
+        <pc:spChg chg="mod">
+          <ac:chgData name="Dehbia Kouadria" userId="24cf8942edd75162" providerId="LiveId" clId="{17BADB32-C636-4716-B80D-93C22C39D57A}" dt="2023-04-15T17:03:48.013" v="1533" actId="255"/>
+          <ac:spMkLst>
+            <pc:docMk/>
+            <pc:sldMk cId="3173060330" sldId="464"/>
+            <ac:spMk id="3" creationId="{D706E6B0-9F16-CEEB-B57F-FEF35ACC56D8}"/>
+          </ac:spMkLst>
+        </pc:spChg>
+      </pc:sldChg>
+      <pc:sldChg chg="modSp mod modTransition">
+        <pc:chgData name="Dehbia Kouadria" userId="24cf8942edd75162" providerId="LiveId" clId="{17BADB32-C636-4716-B80D-93C22C39D57A}" dt="2023-04-15T17:08:44.641" v="1581"/>
+        <pc:sldMkLst>
+          <pc:docMk/>
+          <pc:sldMk cId="3537583011" sldId="465"/>
+        </pc:sldMkLst>
+        <pc:spChg chg="mod">
+          <ac:chgData name="Dehbia Kouadria" userId="24cf8942edd75162" providerId="LiveId" clId="{17BADB32-C636-4716-B80D-93C22C39D57A}" dt="2023-04-15T17:03:53.749" v="1534" actId="255"/>
+          <ac:spMkLst>
+            <pc:docMk/>
+            <pc:sldMk cId="3537583011" sldId="465"/>
+            <ac:spMk id="3" creationId="{CA88552F-B835-F3D0-1C24-94EF7E7B9111}"/>
+          </ac:spMkLst>
+        </pc:spChg>
+      </pc:sldChg>
+      <pc:sldChg chg="modSp mod modTransition">
+        <pc:chgData name="Dehbia Kouadria" userId="24cf8942edd75162" providerId="LiveId" clId="{17BADB32-C636-4716-B80D-93C22C39D57A}" dt="2023-04-15T17:08:44.641" v="1581"/>
+        <pc:sldMkLst>
+          <pc:docMk/>
+          <pc:sldMk cId="873878640" sldId="466"/>
+        </pc:sldMkLst>
+        <pc:spChg chg="mod">
+          <ac:chgData name="Dehbia Kouadria" userId="24cf8942edd75162" providerId="LiveId" clId="{17BADB32-C636-4716-B80D-93C22C39D57A}" dt="2023-04-15T17:03:59.313" v="1535" actId="255"/>
+          <ac:spMkLst>
+            <pc:docMk/>
+            <pc:sldMk cId="873878640" sldId="466"/>
+            <ac:spMk id="3" creationId="{2209A66A-2D98-C8B7-24C7-20FFF26F3716}"/>
+          </ac:spMkLst>
+        </pc:spChg>
+      </pc:sldChg>
+      <pc:sldChg chg="modSp mod modTransition">
+        <pc:chgData name="Dehbia Kouadria" userId="24cf8942edd75162" providerId="LiveId" clId="{17BADB32-C636-4716-B80D-93C22C39D57A}" dt="2023-04-15T17:08:44.641" v="1581"/>
+        <pc:sldMkLst>
+          <pc:docMk/>
+          <pc:sldMk cId="1513378586" sldId="467"/>
+        </pc:sldMkLst>
+        <pc:spChg chg="mod">
+          <ac:chgData name="Dehbia Kouadria" userId="24cf8942edd75162" providerId="LiveId" clId="{17BADB32-C636-4716-B80D-93C22C39D57A}" dt="2023-04-15T17:04:05.387" v="1536" actId="255"/>
+          <ac:spMkLst>
+            <pc:docMk/>
+            <pc:sldMk cId="1513378586" sldId="467"/>
+            <ac:spMk id="3" creationId="{F08662AD-3F2B-DFBD-F2DD-30DFF885FD0A}"/>
+          </ac:spMkLst>
+        </pc:spChg>
+      </pc:sldChg>
+      <pc:sldChg chg="modSp add mod modTransition">
+        <pc:chgData name="Dehbia Kouadria" userId="24cf8942edd75162" providerId="LiveId" clId="{17BADB32-C636-4716-B80D-93C22C39D57A}" dt="2023-04-15T17:25:04.284" v="1735" actId="5793"/>
+        <pc:sldMkLst>
+          <pc:docMk/>
+          <pc:sldMk cId="3276221231" sldId="468"/>
+        </pc:sldMkLst>
+        <pc:spChg chg="mod">
+          <ac:chgData name="Dehbia Kouadria" userId="24cf8942edd75162" providerId="LiveId" clId="{17BADB32-C636-4716-B80D-93C22C39D57A}" dt="2023-04-15T17:04:46.092" v="1542" actId="255"/>
+          <ac:spMkLst>
+            <pc:docMk/>
+            <pc:sldMk cId="3276221231" sldId="468"/>
+            <ac:spMk id="3" creationId="{BB111D3F-D02C-78BE-53D1-85EA07A12448}"/>
+          </ac:spMkLst>
+        </pc:spChg>
+        <pc:spChg chg="mod">
+          <ac:chgData name="Dehbia Kouadria" userId="24cf8942edd75162" providerId="LiveId" clId="{17BADB32-C636-4716-B80D-93C22C39D57A}" dt="2023-04-15T17:25:04.284" v="1735" actId="5793"/>
+          <ac:spMkLst>
+            <pc:docMk/>
+            <pc:sldMk cId="3276221231" sldId="468"/>
+            <ac:spMk id="4" creationId="{6DBA6239-5EAC-8633-AF84-C0D4039E99D9}"/>
+          </ac:spMkLst>
+        </pc:spChg>
+      </pc:sldChg>
+      <pc:sldChg chg="modSp add mod modTransition">
+        <pc:chgData name="Dehbia Kouadria" userId="24cf8942edd75162" providerId="LiveId" clId="{17BADB32-C636-4716-B80D-93C22C39D57A}" dt="2023-04-15T17:25:46.882" v="1752"/>
+        <pc:sldMkLst>
+          <pc:docMk/>
+          <pc:sldMk cId="2182470191" sldId="469"/>
+        </pc:sldMkLst>
+        <pc:spChg chg="mod">
+          <ac:chgData name="Dehbia Kouadria" userId="24cf8942edd75162" providerId="LiveId" clId="{17BADB32-C636-4716-B80D-93C22C39D57A}" dt="2023-04-15T17:05:14.077" v="1547" actId="255"/>
+          <ac:spMkLst>
+            <pc:docMk/>
+            <pc:sldMk cId="2182470191" sldId="469"/>
+            <ac:spMk id="3" creationId="{BB111D3F-D02C-78BE-53D1-85EA07A12448}"/>
+          </ac:spMkLst>
+        </pc:spChg>
+        <pc:spChg chg="mod">
+          <ac:chgData name="Dehbia Kouadria" userId="24cf8942edd75162" providerId="LiveId" clId="{17BADB32-C636-4716-B80D-93C22C39D57A}" dt="2023-04-15T17:25:46.882" v="1752"/>
+          <ac:spMkLst>
+            <pc:docMk/>
+            <pc:sldMk cId="2182470191" sldId="469"/>
+            <ac:spMk id="4" creationId="{AA5064AB-A54C-4ABB-4B27-2B3CFDB1B0FB}"/>
+          </ac:spMkLst>
+        </pc:spChg>
+      </pc:sldChg>
+      <pc:sldChg chg="addSp delSp modSp add mod modTransition modClrScheme chgLayout">
+        <pc:chgData name="Dehbia Kouadria" userId="24cf8942edd75162" providerId="LiveId" clId="{17BADB32-C636-4716-B80D-93C22C39D57A}" dt="2023-04-15T17:25:54.992" v="1754"/>
+        <pc:sldMkLst>
+          <pc:docMk/>
+          <pc:sldMk cId="4075329291" sldId="470"/>
+        </pc:sldMkLst>
+        <pc:spChg chg="mod ord">
+          <ac:chgData name="Dehbia Kouadria" userId="24cf8942edd75162" providerId="LiveId" clId="{17BADB32-C636-4716-B80D-93C22C39D57A}" dt="2023-04-15T16:59:17.925" v="1520" actId="700"/>
+          <ac:spMkLst>
+            <pc:docMk/>
+            <pc:sldMk cId="4075329291" sldId="470"/>
+            <ac:spMk id="2" creationId="{0AB122C2-60AE-E9E8-D5F4-D870F1521161}"/>
+          </ac:spMkLst>
+        </pc:spChg>
+        <pc:spChg chg="del">
+          <ac:chgData name="Dehbia Kouadria" userId="24cf8942edd75162" providerId="LiveId" clId="{17BADB32-C636-4716-B80D-93C22C39D57A}" dt="2023-04-15T16:58:16.683" v="1513" actId="478"/>
+          <ac:spMkLst>
+            <pc:docMk/>
+            <pc:sldMk cId="4075329291" sldId="470"/>
+            <ac:spMk id="3" creationId="{BB111D3F-D02C-78BE-53D1-85EA07A12448}"/>
+          </ac:spMkLst>
+        </pc:spChg>
+        <pc:spChg chg="mod ord">
+          <ac:chgData name="Dehbia Kouadria" userId="24cf8942edd75162" providerId="LiveId" clId="{17BADB32-C636-4716-B80D-93C22C39D57A}" dt="2023-04-15T17:05:25.204" v="1549" actId="255"/>
+          <ac:spMkLst>
+            <pc:docMk/>
+            <pc:sldMk cId="4075329291" sldId="470"/>
+            <ac:spMk id="4" creationId="{BB89D842-F90C-6497-83E2-CF2AE51755E0}"/>
+          </ac:spMkLst>
+        </pc:spChg>
+        <pc:spChg chg="mod">
+          <ac:chgData name="Dehbia Kouadria" userId="24cf8942edd75162" providerId="LiveId" clId="{17BADB32-C636-4716-B80D-93C22C39D57A}" dt="2023-04-15T17:25:54.992" v="1754"/>
+          <ac:spMkLst>
+            <pc:docMk/>
+            <pc:sldMk cId="4075329291" sldId="470"/>
+            <ac:spMk id="5" creationId="{AB432C45-9B17-FD87-DF9E-74E5DA3D848B}"/>
+          </ac:spMkLst>
+        </pc:spChg>
+        <pc:spChg chg="add del mod ord">
+          <ac:chgData name="Dehbia Kouadria" userId="24cf8942edd75162" providerId="LiveId" clId="{17BADB32-C636-4716-B80D-93C22C39D57A}" dt="2023-04-15T16:58:50.166" v="1516" actId="700"/>
+          <ac:spMkLst>
+            <pc:docMk/>
+            <pc:sldMk cId="4075329291" sldId="470"/>
+            <ac:spMk id="7" creationId="{27CDCBB1-636B-7CE4-9B44-5F261B997BD7}"/>
+          </ac:spMkLst>
+        </pc:spChg>
+        <pc:spChg chg="add del mod ord">
+          <ac:chgData name="Dehbia Kouadria" userId="24cf8942edd75162" providerId="LiveId" clId="{17BADB32-C636-4716-B80D-93C22C39D57A}" dt="2023-04-15T16:58:39.739" v="1515" actId="700"/>
+          <ac:spMkLst>
+            <pc:docMk/>
+            <pc:sldMk cId="4075329291" sldId="470"/>
+            <ac:spMk id="8" creationId="{C99DAD53-321B-0697-AFD3-C6917D794831}"/>
+          </ac:spMkLst>
+        </pc:spChg>
+        <pc:spChg chg="add del mod ord">
+          <ac:chgData name="Dehbia Kouadria" userId="24cf8942edd75162" providerId="LiveId" clId="{17BADB32-C636-4716-B80D-93C22C39D57A}" dt="2023-04-15T16:58:39.739" v="1515" actId="700"/>
+          <ac:spMkLst>
+            <pc:docMk/>
+            <pc:sldMk cId="4075329291" sldId="470"/>
+            <ac:spMk id="9" creationId="{B3F6E05C-6985-D089-2E47-73F5FC183C28}"/>
+          </ac:spMkLst>
+        </pc:spChg>
+      </pc:sldChg>
+      <pc:sldChg chg="delSp new del mod modClrScheme chgLayout">
+        <pc:chgData name="Dehbia Kouadria" userId="24cf8942edd75162" providerId="LiveId" clId="{17BADB32-C636-4716-B80D-93C22C39D57A}" dt="2023-04-15T17:10:29.523" v="1585" actId="47"/>
+        <pc:sldMkLst>
+          <pc:docMk/>
+          <pc:sldMk cId="1102920867" sldId="471"/>
+        </pc:sldMkLst>
+        <pc:spChg chg="del">
+          <ac:chgData name="Dehbia Kouadria" userId="24cf8942edd75162" providerId="LiveId" clId="{17BADB32-C636-4716-B80D-93C22C39D57A}" dt="2023-04-15T17:10:10.256" v="1583" actId="700"/>
+          <ac:spMkLst>
+            <pc:docMk/>
+            <pc:sldMk cId="1102920867" sldId="471"/>
+            <ac:spMk id="2" creationId="{3B2986DE-09D7-DF9F-C0CF-E5F6D6A44330}"/>
+          </ac:spMkLst>
+        </pc:spChg>
+        <pc:spChg chg="del">
+          <ac:chgData name="Dehbia Kouadria" userId="24cf8942edd75162" providerId="LiveId" clId="{17BADB32-C636-4716-B80D-93C22C39D57A}" dt="2023-04-15T17:10:10.256" v="1583" actId="700"/>
+          <ac:spMkLst>
+            <pc:docMk/>
+            <pc:sldMk cId="1102920867" sldId="471"/>
+            <ac:spMk id="3" creationId="{CF6272BC-1D97-068B-BA0A-A13DA22CCFBE}"/>
+          </ac:spMkLst>
+        </pc:spChg>
+      </pc:sldChg>
+      <pc:sldChg chg="addSp delSp modSp new mod ord">
+        <pc:chgData name="Dehbia Kouadria" userId="24cf8942edd75162" providerId="LiveId" clId="{17BADB32-C636-4716-B80D-93C22C39D57A}" dt="2023-04-15T17:18:20.181" v="1628"/>
+        <pc:sldMkLst>
+          <pc:docMk/>
+          <pc:sldMk cId="1552246001" sldId="472"/>
+        </pc:sldMkLst>
+        <pc:spChg chg="mod">
+          <ac:chgData name="Dehbia Kouadria" userId="24cf8942edd75162" providerId="LiveId" clId="{17BADB32-C636-4716-B80D-93C22C39D57A}" dt="2023-04-15T17:10:39.555" v="1608" actId="20577"/>
+          <ac:spMkLst>
+            <pc:docMk/>
+            <pc:sldMk cId="1552246001" sldId="472"/>
+            <ac:spMk id="2" creationId="{DA3D326F-5743-2B99-1A84-52BFC1885086}"/>
+          </ac:spMkLst>
+        </pc:spChg>
+        <pc:spChg chg="del">
+          <ac:chgData name="Dehbia Kouadria" userId="24cf8942edd75162" providerId="LiveId" clId="{17BADB32-C636-4716-B80D-93C22C39D57A}" dt="2023-04-15T17:15:09.334" v="1609" actId="931"/>
+          <ac:spMkLst>
+            <pc:docMk/>
+            <pc:sldMk cId="1552246001" sldId="472"/>
+            <ac:spMk id="3" creationId="{5983A8A7-A5AB-9B1E-E3D6-0EBFBC3CA55D}"/>
+          </ac:spMkLst>
+        </pc:spChg>
+        <pc:spChg chg="add del mod">
+          <ac:chgData name="Dehbia Kouadria" userId="24cf8942edd75162" providerId="LiveId" clId="{17BADB32-C636-4716-B80D-93C22C39D57A}" dt="2023-04-15T17:16:23.869" v="1615" actId="931"/>
+          <ac:spMkLst>
+            <pc:docMk/>
+            <pc:sldMk cId="1552246001" sldId="472"/>
+            <ac:spMk id="7" creationId="{32B38A76-A9C4-D49E-C532-87E8ABF3FFFE}"/>
+          </ac:spMkLst>
+        </pc:spChg>
+        <pc:spChg chg="add del mod">
+          <ac:chgData name="Dehbia Kouadria" userId="24cf8942edd75162" providerId="LiveId" clId="{17BADB32-C636-4716-B80D-93C22C39D57A}" dt="2023-04-15T17:17:51.662" v="1621" actId="22"/>
+          <ac:spMkLst>
+            <pc:docMk/>
+            <pc:sldMk cId="1552246001" sldId="472"/>
+            <ac:spMk id="11" creationId="{3E65A751-14EB-76C6-0C0C-AE435FD5172C}"/>
+          </ac:spMkLst>
+        </pc:spChg>
+        <pc:picChg chg="add del mod">
+          <ac:chgData name="Dehbia Kouadria" userId="24cf8942edd75162" providerId="LiveId" clId="{17BADB32-C636-4716-B80D-93C22C39D57A}" dt="2023-04-15T17:16:17.404" v="1614" actId="478"/>
+          <ac:picMkLst>
+            <pc:docMk/>
+            <pc:sldMk cId="1552246001" sldId="472"/>
+            <ac:picMk id="5" creationId="{4A04BD2B-8F71-528E-5328-C9E9BB42C7B1}"/>
+          </ac:picMkLst>
+        </pc:picChg>
+        <pc:picChg chg="add del mod">
+          <ac:chgData name="Dehbia Kouadria" userId="24cf8942edd75162" providerId="LiveId" clId="{17BADB32-C636-4716-B80D-93C22C39D57A}" dt="2023-04-15T17:16:43.664" v="1620" actId="478"/>
+          <ac:picMkLst>
+            <pc:docMk/>
+            <pc:sldMk cId="1552246001" sldId="472"/>
+            <ac:picMk id="9" creationId="{9FF6F432-3DDC-5293-B483-236EE7E20C71}"/>
+          </ac:picMkLst>
+        </pc:picChg>
+        <pc:picChg chg="add mod ord">
+          <ac:chgData name="Dehbia Kouadria" userId="24cf8942edd75162" providerId="LiveId" clId="{17BADB32-C636-4716-B80D-93C22C39D57A}" dt="2023-04-15T17:18:10.392" v="1626" actId="1076"/>
+          <ac:picMkLst>
+            <pc:docMk/>
+            <pc:sldMk cId="1552246001" sldId="472"/>
+            <ac:picMk id="13" creationId="{2C6A8ECE-749A-DC43-4F06-ED470C32EEBC}"/>
+          </ac:picMkLst>
+        </pc:picChg>
+      </pc:sldChg>
+      <pc:sldChg chg="addSp delSp modSp new mod modClrScheme chgLayout">
+        <pc:chgData name="Dehbia Kouadria" userId="24cf8942edd75162" providerId="LiveId" clId="{17BADB32-C636-4716-B80D-93C22C39D57A}" dt="2023-04-15T17:19:28.058" v="1660" actId="1076"/>
+        <pc:sldMkLst>
+          <pc:docMk/>
+          <pc:sldMk cId="149953502" sldId="473"/>
+        </pc:sldMkLst>
+        <pc:spChg chg="del mod ord">
+          <ac:chgData name="Dehbia Kouadria" userId="24cf8942edd75162" providerId="LiveId" clId="{17BADB32-C636-4716-B80D-93C22C39D57A}" dt="2023-04-15T17:18:51.813" v="1630" actId="700"/>
+          <ac:spMkLst>
+            <pc:docMk/>
+            <pc:sldMk cId="149953502" sldId="473"/>
+            <ac:spMk id="2" creationId="{67F07425-325C-DFC5-2615-6709F38E1C5C}"/>
+          </ac:spMkLst>
+        </pc:spChg>
+        <pc:spChg chg="del mod ord">
+          <ac:chgData name="Dehbia Kouadria" userId="24cf8942edd75162" providerId="LiveId" clId="{17BADB32-C636-4716-B80D-93C22C39D57A}" dt="2023-04-15T17:18:51.813" v="1630" actId="700"/>
+          <ac:spMkLst>
+            <pc:docMk/>
+            <pc:sldMk cId="149953502" sldId="473"/>
+            <ac:spMk id="3" creationId="{B9AE5EE3-23E8-B5F9-7B07-D2497354DD14}"/>
+          </ac:spMkLst>
+        </pc:spChg>
+        <pc:spChg chg="del">
+          <ac:chgData name="Dehbia Kouadria" userId="24cf8942edd75162" providerId="LiveId" clId="{17BADB32-C636-4716-B80D-93C22C39D57A}" dt="2023-04-15T17:18:51.813" v="1630" actId="700"/>
+          <ac:spMkLst>
+            <pc:docMk/>
+            <pc:sldMk cId="149953502" sldId="473"/>
+            <ac:spMk id="4" creationId="{B97781A0-33DE-6CF4-21B5-26B4FC4B4464}"/>
+          </ac:spMkLst>
+        </pc:spChg>
+        <pc:spChg chg="del">
+          <ac:chgData name="Dehbia Kouadria" userId="24cf8942edd75162" providerId="LiveId" clId="{17BADB32-C636-4716-B80D-93C22C39D57A}" dt="2023-04-15T17:18:51.813" v="1630" actId="700"/>
+          <ac:spMkLst>
+            <pc:docMk/>
+            <pc:sldMk cId="149953502" sldId="473"/>
+            <ac:spMk id="5" creationId="{3DCA5698-A2AD-C934-BC40-F7F5C341A0A8}"/>
+          </ac:spMkLst>
+        </pc:spChg>
+        <pc:spChg chg="del">
+          <ac:chgData name="Dehbia Kouadria" userId="24cf8942edd75162" providerId="LiveId" clId="{17BADB32-C636-4716-B80D-93C22C39D57A}" dt="2023-04-15T17:18:51.813" v="1630" actId="700"/>
+          <ac:spMkLst>
+            <pc:docMk/>
+            <pc:sldMk cId="149953502" sldId="473"/>
+            <ac:spMk id="6" creationId="{E0FE0B14-C926-C854-B6EA-AB3AF516CE75}"/>
+          </ac:spMkLst>
+        </pc:spChg>
+        <pc:spChg chg="add mod ord">
+          <ac:chgData name="Dehbia Kouadria" userId="24cf8942edd75162" providerId="LiveId" clId="{17BADB32-C636-4716-B80D-93C22C39D57A}" dt="2023-04-15T17:19:05.134" v="1656" actId="20577"/>
+          <ac:spMkLst>
+            <pc:docMk/>
+            <pc:sldMk cId="149953502" sldId="473"/>
+            <ac:spMk id="7" creationId="{18F5DB12-BD71-CBF0-74DF-E1DE62560702}"/>
+          </ac:spMkLst>
+        </pc:spChg>
+        <pc:spChg chg="add del mod ord">
+          <ac:chgData name="Dehbia Kouadria" userId="24cf8942edd75162" providerId="LiveId" clId="{17BADB32-C636-4716-B80D-93C22C39D57A}" dt="2023-04-15T17:19:20.002" v="1657" actId="22"/>
+          <ac:spMkLst>
+            <pc:docMk/>
+            <pc:sldMk cId="149953502" sldId="473"/>
+            <ac:spMk id="8" creationId="{46BB08B6-D407-76C3-287B-7CF90E1173B1}"/>
+          </ac:spMkLst>
+        </pc:spChg>
+        <pc:picChg chg="add mod ord">
+          <ac:chgData name="Dehbia Kouadria" userId="24cf8942edd75162" providerId="LiveId" clId="{17BADB32-C636-4716-B80D-93C22C39D57A}" dt="2023-04-15T17:19:28.058" v="1660" actId="1076"/>
+          <ac:picMkLst>
+            <pc:docMk/>
+            <pc:sldMk cId="149953502" sldId="473"/>
+            <ac:picMk id="10" creationId="{6479FA10-67FC-7ABB-9BF4-2B7A952367B5}"/>
+          </ac:picMkLst>
+        </pc:picChg>
+      </pc:sldChg>
+      <pc:sldChg chg="addSp delSp modSp new mod modClrScheme chgLayout">
+        <pc:chgData name="Dehbia Kouadria" userId="24cf8942edd75162" providerId="LiveId" clId="{17BADB32-C636-4716-B80D-93C22C39D57A}" dt="2023-04-15T17:20:24.766" v="1687" actId="1076"/>
+        <pc:sldMkLst>
+          <pc:docMk/>
+          <pc:sldMk cId="837654237" sldId="474"/>
+        </pc:sldMkLst>
+        <pc:spChg chg="mod ord">
+          <ac:chgData name="Dehbia Kouadria" userId="24cf8942edd75162" providerId="LiveId" clId="{17BADB32-C636-4716-B80D-93C22C39D57A}" dt="2023-04-15T17:20:17.076" v="1684" actId="700"/>
+          <ac:spMkLst>
+            <pc:docMk/>
+            <pc:sldMk cId="837654237" sldId="474"/>
+            <ac:spMk id="2" creationId="{5B98F1A1-EB07-DE50-68AF-2CE6685625A1}"/>
+          </ac:spMkLst>
+        </pc:spChg>
+        <pc:spChg chg="del">
+          <ac:chgData name="Dehbia Kouadria" userId="24cf8942edd75162" providerId="LiveId" clId="{17BADB32-C636-4716-B80D-93C22C39D57A}" dt="2023-04-15T17:20:12.502" v="1683" actId="22"/>
+          <ac:spMkLst>
+            <pc:docMk/>
+            <pc:sldMk cId="837654237" sldId="474"/>
+            <ac:spMk id="3" creationId="{A36991B2-114F-1E0D-7C51-C9F2253764A3}"/>
+          </ac:spMkLst>
+        </pc:spChg>
+        <pc:spChg chg="del">
+          <ac:chgData name="Dehbia Kouadria" userId="24cf8942edd75162" providerId="LiveId" clId="{17BADB32-C636-4716-B80D-93C22C39D57A}" dt="2023-04-15T17:20:17.076" v="1684" actId="700"/>
+          <ac:spMkLst>
+            <pc:docMk/>
+            <pc:sldMk cId="837654237" sldId="474"/>
+            <ac:spMk id="4" creationId="{CD42DCA4-A8D4-683F-E194-F8BD8E24D439}"/>
+          </ac:spMkLst>
+        </pc:spChg>
+        <pc:spChg chg="del">
+          <ac:chgData name="Dehbia Kouadria" userId="24cf8942edd75162" providerId="LiveId" clId="{17BADB32-C636-4716-B80D-93C22C39D57A}" dt="2023-04-15T17:20:17.076" v="1684" actId="700"/>
+          <ac:spMkLst>
+            <pc:docMk/>
+            <pc:sldMk cId="837654237" sldId="474"/>
+            <ac:spMk id="5" creationId="{586BE634-B511-C319-2F61-0666CECE17AC}"/>
+          </ac:spMkLst>
+        </pc:spChg>
+        <pc:spChg chg="del">
+          <ac:chgData name="Dehbia Kouadria" userId="24cf8942edd75162" providerId="LiveId" clId="{17BADB32-C636-4716-B80D-93C22C39D57A}" dt="2023-04-15T17:20:17.076" v="1684" actId="700"/>
+          <ac:spMkLst>
+            <pc:docMk/>
+            <pc:sldMk cId="837654237" sldId="474"/>
+            <ac:spMk id="6" creationId="{E0024738-3DAF-7606-F522-D9FC10F21D6A}"/>
+          </ac:spMkLst>
+        </pc:spChg>
+        <pc:picChg chg="add mod ord">
+          <ac:chgData name="Dehbia Kouadria" userId="24cf8942edd75162" providerId="LiveId" clId="{17BADB32-C636-4716-B80D-93C22C39D57A}" dt="2023-04-15T17:20:24.766" v="1687" actId="1076"/>
+          <ac:picMkLst>
+            <pc:docMk/>
+            <pc:sldMk cId="837654237" sldId="474"/>
+            <ac:picMk id="8" creationId="{AF54A350-4737-9630-ADB9-F70381D4BA30}"/>
+          </ac:picMkLst>
+        </pc:picChg>
+      </pc:sldChg>
+      <pc:sldChg chg="addSp delSp modSp new mod">
+        <pc:chgData name="Dehbia Kouadria" userId="24cf8942edd75162" providerId="LiveId" clId="{17BADB32-C636-4716-B80D-93C22C39D57A}" dt="2023-04-15T17:29:17.610" v="1820" actId="20577"/>
+        <pc:sldMkLst>
+          <pc:docMk/>
+          <pc:sldMk cId="2516410889" sldId="475"/>
+        </pc:sldMkLst>
+        <pc:spChg chg="mod">
+          <ac:chgData name="Dehbia Kouadria" userId="24cf8942edd75162" providerId="LiveId" clId="{17BADB32-C636-4716-B80D-93C22C39D57A}" dt="2023-04-15T17:22:28.699" v="1694" actId="20577"/>
+          <ac:spMkLst>
+            <pc:docMk/>
+            <pc:sldMk cId="2516410889" sldId="475"/>
+            <ac:spMk id="2" creationId="{A2565E8C-133A-8717-5E16-66B959D27FD1}"/>
+          </ac:spMkLst>
+        </pc:spChg>
+        <pc:spChg chg="mod">
+          <ac:chgData name="Dehbia Kouadria" userId="24cf8942edd75162" providerId="LiveId" clId="{17BADB32-C636-4716-B80D-93C22C39D57A}" dt="2023-04-15T17:23:07.519" v="1713" actId="12"/>
+          <ac:spMkLst>
+            <pc:docMk/>
+            <pc:sldMk cId="2516410889" sldId="475"/>
+            <ac:spMk id="3" creationId="{AACF111E-5969-BED8-B33A-5506FD4FAA92}"/>
+          </ac:spMkLst>
+        </pc:spChg>
+        <pc:spChg chg="add del mod">
+          <ac:chgData name="Dehbia Kouadria" userId="24cf8942edd75162" providerId="LiveId" clId="{17BADB32-C636-4716-B80D-93C22C39D57A}" dt="2023-04-15T17:28:25.286" v="1815" actId="478"/>
+          <ac:spMkLst>
+            <pc:docMk/>
+            <pc:sldMk cId="2516410889" sldId="475"/>
+            <ac:spMk id="5" creationId="{1FCE6EED-ECDD-C283-BE42-D8CB698B3935}"/>
+          </ac:spMkLst>
+        </pc:spChg>
+        <pc:spChg chg="add mod">
+          <ac:chgData name="Dehbia Kouadria" userId="24cf8942edd75162" providerId="LiveId" clId="{17BADB32-C636-4716-B80D-93C22C39D57A}" dt="2023-04-15T17:29:17.610" v="1820" actId="20577"/>
+          <ac:spMkLst>
+            <pc:docMk/>
+            <pc:sldMk cId="2516410889" sldId="475"/>
+            <ac:spMk id="6" creationId="{ACD86507-4DAA-0441-5617-AE94CD3FF563}"/>
+          </ac:spMkLst>
+        </pc:spChg>
+      </pc:sldChg>
+      <pc:sldMasterChg chg="modSp mod">
+        <pc:chgData name="Dehbia Kouadria" userId="24cf8942edd75162" providerId="LiveId" clId="{17BADB32-C636-4716-B80D-93C22C39D57A}" dt="2023-04-15T14:51:59.927" v="1435" actId="20577"/>
+        <pc:sldMasterMkLst>
+          <pc:docMk/>
+          <pc:sldMasterMk cId="0" sldId="2147483648"/>
+        </pc:sldMasterMkLst>
+        <pc:spChg chg="mod">
+          <ac:chgData name="Dehbia Kouadria" userId="24cf8942edd75162" providerId="LiveId" clId="{17BADB32-C636-4716-B80D-93C22C39D57A}" dt="2023-04-15T14:51:59.927" v="1435" actId="20577"/>
+          <ac:spMkLst>
+            <pc:docMk/>
+            <pc:sldMasterMk cId="0" sldId="2147483648"/>
+            <ac:spMk id="1173" creationId="{00000000-0000-0000-0000-000000000000}"/>
+          </ac:spMkLst>
+        </pc:spChg>
+      </pc:sldMasterChg>
+      <pc:sldMasterChg chg="addSp delSp modSp new del mod addSldLayout delSldLayout">
+        <pc:chgData name="Dehbia Kouadria" userId="24cf8942edd75162" providerId="LiveId" clId="{17BADB32-C636-4716-B80D-93C22C39D57A}" dt="2023-04-15T14:53:52.920" v="1451" actId="2696"/>
+        <pc:sldMasterMkLst>
+          <pc:docMk/>
+          <pc:sldMasterMk cId="4032959031" sldId="2147483663"/>
+        </pc:sldMasterMkLst>
+        <pc:spChg chg="add del mod">
+          <ac:chgData name="Dehbia Kouadria" userId="24cf8942edd75162" providerId="LiveId" clId="{17BADB32-C636-4716-B80D-93C22C39D57A}" dt="2023-04-15T14:53:36.728" v="1438"/>
+          <ac:spMkLst>
+            <pc:docMk/>
+            <pc:sldMasterMk cId="4032959031" sldId="2147483663"/>
+            <ac:spMk id="7" creationId="{24F34D18-170D-2C6F-17BE-7AD056517B89}"/>
+          </ac:spMkLst>
+        </pc:spChg>
+        <pc:spChg chg="add del mod">
+          <ac:chgData name="Dehbia Kouadria" userId="24cf8942edd75162" providerId="LiveId" clId="{17BADB32-C636-4716-B80D-93C22C39D57A}" dt="2023-04-15T14:53:36.728" v="1438"/>
+          <ac:spMkLst>
+            <pc:docMk/>
+            <pc:sldMasterMk cId="4032959031" sldId="2147483663"/>
+            <ac:spMk id="11" creationId="{AE4D653B-7A44-A948-9156-D5BD20D7AEE2}"/>
+          </ac:spMkLst>
+        </pc:spChg>
+        <pc:grpChg chg="add del mod">
+          <ac:chgData name="Dehbia Kouadria" userId="24cf8942edd75162" providerId="LiveId" clId="{17BADB32-C636-4716-B80D-93C22C39D57A}" dt="2023-04-15T14:53:36.728" v="1438"/>
+          <ac:grpSpMkLst>
+            <pc:docMk/>
+            <pc:sldMasterMk cId="4032959031" sldId="2147483663"/>
+            <ac:grpSpMk id="8" creationId="{62A1A9C3-36DC-A3D6-69E1-11ACAAC4C554}"/>
+          </ac:grpSpMkLst>
+        </pc:grpChg>
+        <pc:picChg chg="mod">
+          <ac:chgData name="Dehbia Kouadria" userId="24cf8942edd75162" providerId="LiveId" clId="{17BADB32-C636-4716-B80D-93C22C39D57A}" dt="2023-04-15T14:53:35.332" v="1437"/>
+          <ac:picMkLst>
+            <pc:docMk/>
+            <pc:sldMasterMk cId="4032959031" sldId="2147483663"/>
+            <ac:picMk id="9" creationId="{6DC47276-2FA1-02C8-2D7B-D64BC7DE5C90}"/>
+          </ac:picMkLst>
+        </pc:picChg>
+        <pc:picChg chg="mod">
+          <ac:chgData name="Dehbia Kouadria" userId="24cf8942edd75162" providerId="LiveId" clId="{17BADB32-C636-4716-B80D-93C22C39D57A}" dt="2023-04-15T14:53:35.332" v="1437"/>
+          <ac:picMkLst>
+            <pc:docMk/>
+            <pc:sldMasterMk cId="4032959031" sldId="2147483663"/>
+            <ac:picMk id="10" creationId="{562CFBA7-E3D9-2142-6C5C-AFFDD69ABD9D}"/>
+          </ac:picMkLst>
+        </pc:picChg>
+        <pc:sldLayoutChg chg="new del replId">
+          <pc:chgData name="Dehbia Kouadria" userId="24cf8942edd75162" providerId="LiveId" clId="{17BADB32-C636-4716-B80D-93C22C39D57A}" dt="2023-04-15T14:53:52.818" v="1440" actId="2696"/>
+          <pc:sldLayoutMkLst>
+            <pc:docMk/>
+            <pc:sldMasterMk cId="4032959031" sldId="2147483663"/>
+            <pc:sldLayoutMk cId="4123884959" sldId="2147483664"/>
+          </pc:sldLayoutMkLst>
+        </pc:sldLayoutChg>
+        <pc:sldLayoutChg chg="new del replId">
+          <pc:chgData name="Dehbia Kouadria" userId="24cf8942edd75162" providerId="LiveId" clId="{17BADB32-C636-4716-B80D-93C22C39D57A}" dt="2023-04-15T14:53:52.827" v="1441" actId="2696"/>
+          <pc:sldLayoutMkLst>
+            <pc:docMk/>
+            <pc:sldMasterMk cId="4032959031" sldId="2147483663"/>
+            <pc:sldLayoutMk cId="3531454001" sldId="2147483665"/>
+          </pc:sldLayoutMkLst>
+        </pc:sldLayoutChg>
+        <pc:sldLayoutChg chg="new del replId">
+          <pc:chgData name="Dehbia Kouadria" userId="24cf8942edd75162" providerId="LiveId" clId="{17BADB32-C636-4716-B80D-93C22C39D57A}" dt="2023-04-15T14:53:52.839" v="1442" actId="2696"/>
+          <pc:sldLayoutMkLst>
+            <pc:docMk/>
+            <pc:sldMasterMk cId="4032959031" sldId="2147483663"/>
+            <pc:sldLayoutMk cId="2821586781" sldId="2147483666"/>
+          </pc:sldLayoutMkLst>
+        </pc:sldLayoutChg>
+        <pc:sldLayoutChg chg="new del replId">
+          <pc:chgData name="Dehbia Kouadria" userId="24cf8942edd75162" providerId="LiveId" clId="{17BADB32-C636-4716-B80D-93C22C39D57A}" dt="2023-04-15T14:53:52.850" v="1443" actId="2696"/>
+          <pc:sldLayoutMkLst>
+            <pc:docMk/>
+            <pc:sldMasterMk cId="4032959031" sldId="2147483663"/>
+            <pc:sldLayoutMk cId="963813435" sldId="2147483667"/>
+          </pc:sldLayoutMkLst>
+        </pc:sldLayoutChg>
+        <pc:sldLayoutChg chg="new del replId">
+          <pc:chgData name="Dehbia Kouadria" userId="24cf8942edd75162" providerId="LiveId" clId="{17BADB32-C636-4716-B80D-93C22C39D57A}" dt="2023-04-15T14:53:52.859" v="1444" actId="2696"/>
+          <pc:sldLayoutMkLst>
+            <pc:docMk/>
+            <pc:sldMasterMk cId="4032959031" sldId="2147483663"/>
+            <pc:sldLayoutMk cId="4034424763" sldId="2147483668"/>
+          </pc:sldLayoutMkLst>
+        </pc:sldLayoutChg>
+        <pc:sldLayoutChg chg="new del replId">
+          <pc:chgData name="Dehbia Kouadria" userId="24cf8942edd75162" providerId="LiveId" clId="{17BADB32-C636-4716-B80D-93C22C39D57A}" dt="2023-04-15T14:53:52.866" v="1445" actId="2696"/>
+          <pc:sldLayoutMkLst>
+            <pc:docMk/>
+            <pc:sldMasterMk cId="4032959031" sldId="2147483663"/>
+            <pc:sldLayoutMk cId="2792029633" sldId="2147483669"/>
+          </pc:sldLayoutMkLst>
+        </pc:sldLayoutChg>
+        <pc:sldLayoutChg chg="new del replId">
+          <pc:chgData name="Dehbia Kouadria" userId="24cf8942edd75162" providerId="LiveId" clId="{17BADB32-C636-4716-B80D-93C22C39D57A}" dt="2023-04-15T14:53:52.876" v="1446" actId="2696"/>
+          <pc:sldLayoutMkLst>
+            <pc:docMk/>
+            <pc:sldMasterMk cId="4032959031" sldId="2147483663"/>
+            <pc:sldLayoutMk cId="3139328438" sldId="2147483670"/>
+          </pc:sldLayoutMkLst>
+        </pc:sldLayoutChg>
+        <pc:sldLayoutChg chg="new del replId">
+          <pc:chgData name="Dehbia Kouadria" userId="24cf8942edd75162" providerId="LiveId" clId="{17BADB32-C636-4716-B80D-93C22C39D57A}" dt="2023-04-15T14:53:52.882" v="1447" actId="2696"/>
+          <pc:sldLayoutMkLst>
+            <pc:docMk/>
+            <pc:sldMasterMk cId="4032959031" sldId="2147483663"/>
+            <pc:sldLayoutMk cId="508124299" sldId="2147483671"/>
+          </pc:sldLayoutMkLst>
+        </pc:sldLayoutChg>
+        <pc:sldLayoutChg chg="new del replId">
+          <pc:chgData name="Dehbia Kouadria" userId="24cf8942edd75162" providerId="LiveId" clId="{17BADB32-C636-4716-B80D-93C22C39D57A}" dt="2023-04-15T14:53:52.891" v="1448" actId="2696"/>
+          <pc:sldLayoutMkLst>
+            <pc:docMk/>
+            <pc:sldMasterMk cId="4032959031" sldId="2147483663"/>
+            <pc:sldLayoutMk cId="4177141182" sldId="2147483672"/>
+          </pc:sldLayoutMkLst>
+        </pc:sldLayoutChg>
+        <pc:sldLayoutChg chg="new del replId">
+          <pc:chgData name="Dehbia Kouadria" userId="24cf8942edd75162" providerId="LiveId" clId="{17BADB32-C636-4716-B80D-93C22C39D57A}" dt="2023-04-15T14:53:52.901" v="1449" actId="2696"/>
+          <pc:sldLayoutMkLst>
+            <pc:docMk/>
+            <pc:sldMasterMk cId="4032959031" sldId="2147483663"/>
+            <pc:sldLayoutMk cId="1640241753" sldId="2147483673"/>
+          </pc:sldLayoutMkLst>
+        </pc:sldLayoutChg>
+        <pc:sldLayoutChg chg="new del replId">
+          <pc:chgData name="Dehbia Kouadria" userId="24cf8942edd75162" providerId="LiveId" clId="{17BADB32-C636-4716-B80D-93C22C39D57A}" dt="2023-04-15T14:53:52.911" v="1450" actId="2696"/>
+          <pc:sldLayoutMkLst>
+            <pc:docMk/>
+            <pc:sldMasterMk cId="4032959031" sldId="2147483663"/>
+            <pc:sldLayoutMk cId="1062208789" sldId="2147483674"/>
+          </pc:sldLayoutMkLst>
+        </pc:sldLayoutChg>
+      </pc:sldMasterChg>
+      <pc:sldMasterChg chg="delSp modSp add mod addSldLayout modSldLayout">
+        <pc:chgData name="Dehbia Kouadria" userId="24cf8942edd75162" providerId="LiveId" clId="{17BADB32-C636-4716-B80D-93C22C39D57A}" dt="2023-04-15T15:04:10.301" v="1472" actId="1076"/>
+        <pc:sldMasterMkLst>
+          <pc:docMk/>
+          <pc:sldMasterMk cId="957874103" sldId="2147483675"/>
+        </pc:sldMasterMkLst>
+        <pc:spChg chg="mod">
+          <ac:chgData name="Dehbia Kouadria" userId="24cf8942edd75162" providerId="LiveId" clId="{17BADB32-C636-4716-B80D-93C22C39D57A}" dt="2023-04-15T15:04:10.301" v="1472" actId="1076"/>
+          <ac:spMkLst>
+            <pc:docMk/>
+            <pc:sldMasterMk cId="957874103" sldId="2147483675"/>
+            <ac:spMk id="2" creationId="{EE50780C-5B40-52BF-C4FD-E048D95B2E18}"/>
+          </ac:spMkLst>
+        </pc:spChg>
+        <pc:spChg chg="del mod">
+          <ac:chgData name="Dehbia Kouadria" userId="24cf8942edd75162" providerId="LiveId" clId="{17BADB32-C636-4716-B80D-93C22C39D57A}" dt="2023-04-15T14:53:59.905" v="1453" actId="478"/>
+          <ac:spMkLst>
+            <pc:docMk/>
+            <pc:sldMasterMk cId="957874103" sldId="2147483675"/>
+            <ac:spMk id="1173" creationId="{00000000-0000-0000-0000-000000000000}"/>
+          </ac:spMkLst>
+        </pc:spChg>
+        <pc:sldLayoutChg chg="add mod replId">
+          <pc:chgData name="Dehbia Kouadria" userId="24cf8942edd75162" providerId="LiveId" clId="{17BADB32-C636-4716-B80D-93C22C39D57A}" dt="2023-04-15T14:53:43.789" v="1439" actId="2890"/>
+          <pc:sldLayoutMkLst>
+            <pc:docMk/>
+            <pc:sldMasterMk cId="957874103" sldId="2147483675"/>
+            <pc:sldLayoutMk cId="2702370947" sldId="2147483676"/>
+          </pc:sldLayoutMkLst>
+        </pc:sldLayoutChg>
+        <pc:sldLayoutChg chg="add mod replId">
+          <pc:chgData name="Dehbia Kouadria" userId="24cf8942edd75162" providerId="LiveId" clId="{17BADB32-C636-4716-B80D-93C22C39D57A}" dt="2023-04-15T14:53:43.789" v="1439" actId="2890"/>
+          <pc:sldLayoutMkLst>
+            <pc:docMk/>
+            <pc:sldMasterMk cId="957874103" sldId="2147483675"/>
+            <pc:sldLayoutMk cId="432095737" sldId="2147483677"/>
+          </pc:sldLayoutMkLst>
+        </pc:sldLayoutChg>
+        <pc:sldLayoutChg chg="add mod replId">
+          <pc:chgData name="Dehbia Kouadria" userId="24cf8942edd75162" providerId="LiveId" clId="{17BADB32-C636-4716-B80D-93C22C39D57A}" dt="2023-04-15T14:53:43.789" v="1439" actId="2890"/>
+          <pc:sldLayoutMkLst>
+            <pc:docMk/>
+            <pc:sldMasterMk cId="957874103" sldId="2147483675"/>
+            <pc:sldLayoutMk cId="2779067874" sldId="2147483678"/>
+          </pc:sldLayoutMkLst>
+        </pc:sldLayoutChg>
+        <pc:sldLayoutChg chg="add mod replId">
+          <pc:chgData name="Dehbia Kouadria" userId="24cf8942edd75162" providerId="LiveId" clId="{17BADB32-C636-4716-B80D-93C22C39D57A}" dt="2023-04-15T14:53:43.789" v="1439" actId="2890"/>
+          <pc:sldLayoutMkLst>
+            <pc:docMk/>
+            <pc:sldMasterMk cId="957874103" sldId="2147483675"/>
+            <pc:sldLayoutMk cId="2266245239" sldId="2147483679"/>
+          </pc:sldLayoutMkLst>
+        </pc:sldLayoutChg>
+        <pc:sldLayoutChg chg="add mod replId">
+          <pc:chgData name="Dehbia Kouadria" userId="24cf8942edd75162" providerId="LiveId" clId="{17BADB32-C636-4716-B80D-93C22C39D57A}" dt="2023-04-15T14:53:43.789" v="1439" actId="2890"/>
+          <pc:sldLayoutMkLst>
+            <pc:docMk/>
+            <pc:sldMasterMk cId="957874103" sldId="2147483675"/>
+            <pc:sldLayoutMk cId="1151752330" sldId="2147483680"/>
+          </pc:sldLayoutMkLst>
+        </pc:sldLayoutChg>
+        <pc:sldLayoutChg chg="add mod replId">
+          <pc:chgData name="Dehbia Kouadria" userId="24cf8942edd75162" providerId="LiveId" clId="{17BADB32-C636-4716-B80D-93C22C39D57A}" dt="2023-04-15T14:53:43.789" v="1439" actId="2890"/>
+          <pc:sldLayoutMkLst>
+            <pc:docMk/>
+            <pc:sldMasterMk cId="957874103" sldId="2147483675"/>
+            <pc:sldLayoutMk cId="3185095382" sldId="2147483681"/>
+          </pc:sldLayoutMkLst>
+        </pc:sldLayoutChg>
+        <pc:sldLayoutChg chg="add mod replId">
+          <pc:chgData name="Dehbia Kouadria" userId="24cf8942edd75162" providerId="LiveId" clId="{17BADB32-C636-4716-B80D-93C22C39D57A}" dt="2023-04-15T14:53:43.789" v="1439" actId="2890"/>
+          <pc:sldLayoutMkLst>
+            <pc:docMk/>
+            <pc:sldMasterMk cId="957874103" sldId="2147483675"/>
+            <pc:sldLayoutMk cId="1386438966" sldId="2147483682"/>
+          </pc:sldLayoutMkLst>
+        </pc:sldLayoutChg>
+        <pc:sldLayoutChg chg="add mod replId">
+          <pc:chgData name="Dehbia Kouadria" userId="24cf8942edd75162" providerId="LiveId" clId="{17BADB32-C636-4716-B80D-93C22C39D57A}" dt="2023-04-15T14:53:43.789" v="1439" actId="2890"/>
+          <pc:sldLayoutMkLst>
+            <pc:docMk/>
+            <pc:sldMasterMk cId="957874103" sldId="2147483675"/>
+            <pc:sldLayoutMk cId="405623777" sldId="2147483683"/>
+          </pc:sldLayoutMkLst>
+        </pc:sldLayoutChg>
+        <pc:sldLayoutChg chg="add mod replId">
+          <pc:chgData name="Dehbia Kouadria" userId="24cf8942edd75162" providerId="LiveId" clId="{17BADB32-C636-4716-B80D-93C22C39D57A}" dt="2023-04-15T14:53:43.789" v="1439" actId="2890"/>
+          <pc:sldLayoutMkLst>
+            <pc:docMk/>
+            <pc:sldMasterMk cId="957874103" sldId="2147483675"/>
+            <pc:sldLayoutMk cId="4280004439" sldId="2147483684"/>
+          </pc:sldLayoutMkLst>
+        </pc:sldLayoutChg>
+        <pc:sldLayoutChg chg="add mod replId">
+          <pc:chgData name="Dehbia Kouadria" userId="24cf8942edd75162" providerId="LiveId" clId="{17BADB32-C636-4716-B80D-93C22C39D57A}" dt="2023-04-15T14:53:43.789" v="1439" actId="2890"/>
+          <pc:sldLayoutMkLst>
+            <pc:docMk/>
+            <pc:sldMasterMk cId="957874103" sldId="2147483675"/>
+            <pc:sldLayoutMk cId="1429364061" sldId="2147483685"/>
+          </pc:sldLayoutMkLst>
+        </pc:sldLayoutChg>
+        <pc:sldLayoutChg chg="add mod replId">
+          <pc:chgData name="Dehbia Kouadria" userId="24cf8942edd75162" providerId="LiveId" clId="{17BADB32-C636-4716-B80D-93C22C39D57A}" dt="2023-04-15T14:53:43.789" v="1439" actId="2890"/>
+          <pc:sldLayoutMkLst>
+            <pc:docMk/>
+            <pc:sldMasterMk cId="957874103" sldId="2147483675"/>
+            <pc:sldLayoutMk cId="2810874247" sldId="2147483686"/>
+          </pc:sldLayoutMkLst>
+        </pc:sldLayoutChg>
+        <pc:sldLayoutChg chg="add mod replId">
+          <pc:chgData name="Dehbia Kouadria" userId="24cf8942edd75162" providerId="LiveId" clId="{17BADB32-C636-4716-B80D-93C22C39D57A}" dt="2023-04-15T14:53:43.789" v="1439" actId="2890"/>
+          <pc:sldLayoutMkLst>
+            <pc:docMk/>
+            <pc:sldMasterMk cId="957874103" sldId="2147483675"/>
+            <pc:sldLayoutMk cId="1773072535" sldId="2147483687"/>
+          </pc:sldLayoutMkLst>
+        </pc:sldLayoutChg>
+        <pc:sldLayoutChg chg="add mod replId">
+          <pc:chgData name="Dehbia Kouadria" userId="24cf8942edd75162" providerId="LiveId" clId="{17BADB32-C636-4716-B80D-93C22C39D57A}" dt="2023-04-15T14:53:43.789" v="1439" actId="2890"/>
+          <pc:sldLayoutMkLst>
+            <pc:docMk/>
+            <pc:sldMasterMk cId="957874103" sldId="2147483675"/>
+            <pc:sldLayoutMk cId="3081661439" sldId="2147483688"/>
+          </pc:sldLayoutMkLst>
+        </pc:sldLayoutChg>
+        <pc:sldLayoutChg chg="add mod replId">
+          <pc:chgData name="Dehbia Kouadria" userId="24cf8942edd75162" providerId="LiveId" clId="{17BADB32-C636-4716-B80D-93C22C39D57A}" dt="2023-04-15T14:53:43.789" v="1439" actId="2890"/>
+          <pc:sldLayoutMkLst>
+            <pc:docMk/>
+            <pc:sldMasterMk cId="957874103" sldId="2147483675"/>
+            <pc:sldLayoutMk cId="2871234034" sldId="2147483689"/>
+          </pc:sldLayoutMkLst>
+        </pc:sldLayoutChg>
+      </pc:sldMasterChg>
+      <pc:sldMasterChg chg="modSp add mod addSldLayout modSldLayout">
+        <pc:chgData name="Dehbia Kouadria" userId="24cf8942edd75162" providerId="LiveId" clId="{17BADB32-C636-4716-B80D-93C22C39D57A}" dt="2023-04-15T15:08:12.435" v="1497" actId="1036"/>
+        <pc:sldMasterMkLst>
+          <pc:docMk/>
+          <pc:sldMasterMk cId="662249460" sldId="2147483690"/>
+        </pc:sldMasterMkLst>
+        <pc:spChg chg="mod">
+          <ac:chgData name="Dehbia Kouadria" userId="24cf8942edd75162" providerId="LiveId" clId="{17BADB32-C636-4716-B80D-93C22C39D57A}" dt="2023-04-15T15:08:12.435" v="1497" actId="1036"/>
+          <ac:spMkLst>
+            <pc:docMk/>
+            <pc:sldMasterMk cId="662249460" sldId="2147483690"/>
+            <ac:spMk id="1173" creationId="{00000000-0000-0000-0000-000000000000}"/>
+          </ac:spMkLst>
+        </pc:spChg>
+        <pc:sldLayoutChg chg="add mod replId">
+          <pc:chgData name="Dehbia Kouadria" userId="24cf8942edd75162" providerId="LiveId" clId="{17BADB32-C636-4716-B80D-93C22C39D57A}" dt="2023-04-15T15:06:00.982" v="1473" actId="2890"/>
+          <pc:sldLayoutMkLst>
+            <pc:docMk/>
+            <pc:sldMasterMk cId="662249460" sldId="2147483690"/>
+            <pc:sldLayoutMk cId="1481778505" sldId="2147483691"/>
+          </pc:sldLayoutMkLst>
+        </pc:sldLayoutChg>
+        <pc:sldLayoutChg chg="add mod replId">
+          <pc:chgData name="Dehbia Kouadria" userId="24cf8942edd75162" providerId="LiveId" clId="{17BADB32-C636-4716-B80D-93C22C39D57A}" dt="2023-04-15T15:06:00.982" v="1473" actId="2890"/>
+          <pc:sldLayoutMkLst>
+            <pc:docMk/>
+            <pc:sldMasterMk cId="662249460" sldId="2147483690"/>
+            <pc:sldLayoutMk cId="185054353" sldId="2147483692"/>
+          </pc:sldLayoutMkLst>
+        </pc:sldLayoutChg>
+        <pc:sldLayoutChg chg="add mod replId">
+          <pc:chgData name="Dehbia Kouadria" userId="24cf8942edd75162" providerId="LiveId" clId="{17BADB32-C636-4716-B80D-93C22C39D57A}" dt="2023-04-15T15:06:00.982" v="1473" actId="2890"/>
+          <pc:sldLayoutMkLst>
+            <pc:docMk/>
+            <pc:sldMasterMk cId="662249460" sldId="2147483690"/>
+            <pc:sldLayoutMk cId="1884131604" sldId="2147483693"/>
+          </pc:sldLayoutMkLst>
+        </pc:sldLayoutChg>
+        <pc:sldLayoutChg chg="add mod replId">
+          <pc:chgData name="Dehbia Kouadria" userId="24cf8942edd75162" providerId="LiveId" clId="{17BADB32-C636-4716-B80D-93C22C39D57A}" dt="2023-04-15T15:06:00.982" v="1473" actId="2890"/>
+          <pc:sldLayoutMkLst>
+            <pc:docMk/>
+            <pc:sldMasterMk cId="662249460" sldId="2147483690"/>
+            <pc:sldLayoutMk cId="1936691799" sldId="2147483694"/>
+          </pc:sldLayoutMkLst>
+        </pc:sldLayoutChg>
+        <pc:sldLayoutChg chg="add mod replId">
+          <pc:chgData name="Dehbia Kouadria" userId="24cf8942edd75162" providerId="LiveId" clId="{17BADB32-C636-4716-B80D-93C22C39D57A}" dt="2023-04-15T15:06:00.982" v="1473" actId="2890"/>
+          <pc:sldLayoutMkLst>
+            <pc:docMk/>
+            <pc:sldMasterMk cId="662249460" sldId="2147483690"/>
+            <pc:sldLayoutMk cId="2751622916" sldId="2147483695"/>
+          </pc:sldLayoutMkLst>
+        </pc:sldLayoutChg>
+        <pc:sldLayoutChg chg="add mod replId">
+          <pc:chgData name="Dehbia Kouadria" userId="24cf8942edd75162" providerId="LiveId" clId="{17BADB32-C636-4716-B80D-93C22C39D57A}" dt="2023-04-15T15:06:00.982" v="1473" actId="2890"/>
+          <pc:sldLayoutMkLst>
+            <pc:docMk/>
+            <pc:sldMasterMk cId="662249460" sldId="2147483690"/>
+            <pc:sldLayoutMk cId="1062979820" sldId="2147483696"/>
+          </pc:sldLayoutMkLst>
+        </pc:sldLayoutChg>
+        <pc:sldLayoutChg chg="add mod replId">
+          <pc:chgData name="Dehbia Kouadria" userId="24cf8942edd75162" providerId="LiveId" clId="{17BADB32-C636-4716-B80D-93C22C39D57A}" dt="2023-04-15T15:06:00.982" v="1473" actId="2890"/>
+          <pc:sldLayoutMkLst>
+            <pc:docMk/>
+            <pc:sldMasterMk cId="662249460" sldId="2147483690"/>
+            <pc:sldLayoutMk cId="3336559523" sldId="2147483697"/>
+          </pc:sldLayoutMkLst>
+        </pc:sldLayoutChg>
+        <pc:sldLayoutChg chg="add mod replId">
+          <pc:chgData name="Dehbia Kouadria" userId="24cf8942edd75162" providerId="LiveId" clId="{17BADB32-C636-4716-B80D-93C22C39D57A}" dt="2023-04-15T15:06:00.982" v="1473" actId="2890"/>
+          <pc:sldLayoutMkLst>
+            <pc:docMk/>
+            <pc:sldMasterMk cId="662249460" sldId="2147483690"/>
+            <pc:sldLayoutMk cId="2990555798" sldId="2147483698"/>
+          </pc:sldLayoutMkLst>
+        </pc:sldLayoutChg>
+        <pc:sldLayoutChg chg="add mod replId">
+          <pc:chgData name="Dehbia Kouadria" userId="24cf8942edd75162" providerId="LiveId" clId="{17BADB32-C636-4716-B80D-93C22C39D57A}" dt="2023-04-15T15:06:00.982" v="1473" actId="2890"/>
+          <pc:sldLayoutMkLst>
+            <pc:docMk/>
+            <pc:sldMasterMk cId="662249460" sldId="2147483690"/>
+            <pc:sldLayoutMk cId="2199847891" sldId="2147483699"/>
+          </pc:sldLayoutMkLst>
+        </pc:sldLayoutChg>
+        <pc:sldLayoutChg chg="add mod replId">
+          <pc:chgData name="Dehbia Kouadria" userId="24cf8942edd75162" providerId="LiveId" clId="{17BADB32-C636-4716-B80D-93C22C39D57A}" dt="2023-04-15T15:06:00.982" v="1473" actId="2890"/>
+          <pc:sldLayoutMkLst>
+            <pc:docMk/>
+            <pc:sldMasterMk cId="662249460" sldId="2147483690"/>
+            <pc:sldLayoutMk cId="2563318515" sldId="2147483700"/>
+          </pc:sldLayoutMkLst>
+        </pc:sldLayoutChg>
+        <pc:sldLayoutChg chg="add mod replId">
+          <pc:chgData name="Dehbia Kouadria" userId="24cf8942edd75162" providerId="LiveId" clId="{17BADB32-C636-4716-B80D-93C22C39D57A}" dt="2023-04-15T15:06:00.982" v="1473" actId="2890"/>
+          <pc:sldLayoutMkLst>
+            <pc:docMk/>
+            <pc:sldMasterMk cId="662249460" sldId="2147483690"/>
+            <pc:sldLayoutMk cId="712029272" sldId="2147483701"/>
+          </pc:sldLayoutMkLst>
+        </pc:sldLayoutChg>
+        <pc:sldLayoutChg chg="add mod replId">
+          <pc:chgData name="Dehbia Kouadria" userId="24cf8942edd75162" providerId="LiveId" clId="{17BADB32-C636-4716-B80D-93C22C39D57A}" dt="2023-04-15T15:06:00.982" v="1473" actId="2890"/>
+          <pc:sldLayoutMkLst>
+            <pc:docMk/>
+            <pc:sldMasterMk cId="662249460" sldId="2147483690"/>
+            <pc:sldLayoutMk cId="293181010" sldId="2147483702"/>
+          </pc:sldLayoutMkLst>
+        </pc:sldLayoutChg>
+        <pc:sldLayoutChg chg="add mod replId">
+          <pc:chgData name="Dehbia Kouadria" userId="24cf8942edd75162" providerId="LiveId" clId="{17BADB32-C636-4716-B80D-93C22C39D57A}" dt="2023-04-15T15:06:00.982" v="1473" actId="2890"/>
+          <pc:sldLayoutMkLst>
+            <pc:docMk/>
+            <pc:sldMasterMk cId="662249460" sldId="2147483690"/>
+            <pc:sldLayoutMk cId="1410703756" sldId="2147483703"/>
+          </pc:sldLayoutMkLst>
+        </pc:sldLayoutChg>
+        <pc:sldLayoutChg chg="modSp add mod replId">
+          <pc:chgData name="Dehbia Kouadria" userId="24cf8942edd75162" providerId="LiveId" clId="{17BADB32-C636-4716-B80D-93C22C39D57A}" dt="2023-04-15T15:07:55.013" v="1489" actId="1035"/>
+          <pc:sldLayoutMkLst>
+            <pc:docMk/>
+            <pc:sldMasterMk cId="662249460" sldId="2147483690"/>
+            <pc:sldLayoutMk cId="1473840326" sldId="2147483704"/>
+          </pc:sldLayoutMkLst>
+          <pc:spChg chg="mod">
+            <ac:chgData name="Dehbia Kouadria" userId="24cf8942edd75162" providerId="LiveId" clId="{17BADB32-C636-4716-B80D-93C22C39D57A}" dt="2023-04-15T15:07:55.013" v="1489" actId="1035"/>
+            <ac:spMkLst>
+              <pc:docMk/>
+              <pc:sldMasterMk cId="662249460" sldId="2147483690"/>
+              <pc:sldLayoutMk cId="1473840326" sldId="2147483704"/>
+              <ac:spMk id="6" creationId="{00000000-0000-0000-0000-000000000000}"/>
+            </ac:spMkLst>
+          </pc:spChg>
+        </pc:sldLayoutChg>
+      </pc:sldMasterChg>
+    </pc:docChg>
+  </pc:docChgLst>
+  <pc:docChgLst>
     <pc:chgData name="Bastian Desch" userId="779dbd08d3316e4c" providerId="Windows Live" clId="Web-{0881AE71-F518-448E-A889-FAE057722B9E}"/>
     <pc:docChg chg="addSld delSld modSld">
       <pc:chgData name="Bastian Desch" userId="779dbd08d3316e4c" providerId="Windows Live" clId="Web-{0881AE71-F518-448E-A889-FAE057722B9E}" dt="2022-05-03T16:32:21.688" v="34"/>
@@ -815,6 +4059,114 @@
     </pc:docChg>
   </pc:docChgLst>
   <pc:docChgLst>
+    <pc:chgData name="Bastian Desch" userId="779dbd08d3316e4c" providerId="Windows Live" clId="Web-{7F2EFD9D-B778-4C51-B6A3-B0CBD342DC16}"/>
+    <pc:docChg chg="delSld modSld">
+      <pc:chgData name="Bastian Desch" userId="779dbd08d3316e4c" providerId="Windows Live" clId="Web-{7F2EFD9D-B778-4C51-B6A3-B0CBD342DC16}" dt="2022-05-07T20:58:01.176" v="32" actId="20577"/>
+      <pc:docMkLst>
+        <pc:docMk/>
+      </pc:docMkLst>
+      <pc:sldChg chg="modSp">
+        <pc:chgData name="Bastian Desch" userId="779dbd08d3316e4c" providerId="Windows Live" clId="Web-{7F2EFD9D-B778-4C51-B6A3-B0CBD342DC16}" dt="2022-05-07T20:42:01.152" v="25" actId="20577"/>
+        <pc:sldMkLst>
+          <pc:docMk/>
+          <pc:sldMk cId="4004069667" sldId="406"/>
+        </pc:sldMkLst>
+        <pc:spChg chg="mod">
+          <ac:chgData name="Bastian Desch" userId="779dbd08d3316e4c" providerId="Windows Live" clId="Web-{7F2EFD9D-B778-4C51-B6A3-B0CBD342DC16}" dt="2022-05-07T20:42:01.152" v="25" actId="20577"/>
+          <ac:spMkLst>
+            <pc:docMk/>
+            <pc:sldMk cId="4004069667" sldId="406"/>
+            <ac:spMk id="3" creationId="{B231E619-DB31-C982-7307-DA7F69CD887D}"/>
+          </ac:spMkLst>
+        </pc:spChg>
+      </pc:sldChg>
+      <pc:sldChg chg="modSp">
+        <pc:chgData name="Bastian Desch" userId="779dbd08d3316e4c" providerId="Windows Live" clId="Web-{7F2EFD9D-B778-4C51-B6A3-B0CBD342DC16}" dt="2022-05-07T20:38:50.350" v="2" actId="20577"/>
+        <pc:sldMkLst>
+          <pc:docMk/>
+          <pc:sldMk cId="2274306821" sldId="407"/>
+        </pc:sldMkLst>
+        <pc:spChg chg="mod">
+          <ac:chgData name="Bastian Desch" userId="779dbd08d3316e4c" providerId="Windows Live" clId="Web-{7F2EFD9D-B778-4C51-B6A3-B0CBD342DC16}" dt="2022-05-07T20:38:50.350" v="2" actId="20577"/>
+          <ac:spMkLst>
+            <pc:docMk/>
+            <pc:sldMk cId="2274306821" sldId="407"/>
+            <ac:spMk id="3" creationId="{B231E619-DB31-C982-7307-DA7F69CD887D}"/>
+          </ac:spMkLst>
+        </pc:spChg>
+      </pc:sldChg>
+      <pc:sldChg chg="modSp del">
+        <pc:chgData name="Bastian Desch" userId="779dbd08d3316e4c" providerId="Windows Live" clId="Web-{7F2EFD9D-B778-4C51-B6A3-B0CBD342DC16}" dt="2022-05-07T20:47:15.582" v="26"/>
+        <pc:sldMkLst>
+          <pc:docMk/>
+          <pc:sldMk cId="3762737810" sldId="408"/>
+        </pc:sldMkLst>
+        <pc:spChg chg="mod">
+          <ac:chgData name="Bastian Desch" userId="779dbd08d3316e4c" providerId="Windows Live" clId="Web-{7F2EFD9D-B778-4C51-B6A3-B0CBD342DC16}" dt="2022-05-07T20:41:04.275" v="15" actId="20577"/>
+          <ac:spMkLst>
+            <pc:docMk/>
+            <pc:sldMk cId="3762737810" sldId="408"/>
+            <ac:spMk id="3" creationId="{DBAC4577-7CDE-B879-0B2B-7AEDD5C76DE4}"/>
+          </ac:spMkLst>
+        </pc:spChg>
+      </pc:sldChg>
+      <pc:sldChg chg="modSp">
+        <pc:chgData name="Bastian Desch" userId="779dbd08d3316e4c" providerId="Windows Live" clId="Web-{7F2EFD9D-B778-4C51-B6A3-B0CBD342DC16}" dt="2022-05-07T20:50:23.571" v="29" actId="20577"/>
+        <pc:sldMkLst>
+          <pc:docMk/>
+          <pc:sldMk cId="3585592645" sldId="409"/>
+        </pc:sldMkLst>
+        <pc:spChg chg="mod">
+          <ac:chgData name="Bastian Desch" userId="779dbd08d3316e4c" providerId="Windows Live" clId="Web-{7F2EFD9D-B778-4C51-B6A3-B0CBD342DC16}" dt="2022-05-07T20:50:23.571" v="29" actId="20577"/>
+          <ac:spMkLst>
+            <pc:docMk/>
+            <pc:sldMk cId="3585592645" sldId="409"/>
+            <ac:spMk id="711683" creationId="{00000000-0000-0000-0000-000000000000}"/>
+          </ac:spMkLst>
+        </pc:spChg>
+      </pc:sldChg>
+      <pc:sldChg chg="modSp">
+        <pc:chgData name="Bastian Desch" userId="779dbd08d3316e4c" providerId="Windows Live" clId="Web-{7F2EFD9D-B778-4C51-B6A3-B0CBD342DC16}" dt="2022-05-07T20:58:01.176" v="32" actId="20577"/>
+        <pc:sldMkLst>
+          <pc:docMk/>
+          <pc:sldMk cId="938774027" sldId="416"/>
+        </pc:sldMkLst>
+        <pc:spChg chg="mod">
+          <ac:chgData name="Bastian Desch" userId="779dbd08d3316e4c" providerId="Windows Live" clId="Web-{7F2EFD9D-B778-4C51-B6A3-B0CBD342DC16}" dt="2022-05-07T20:58:01.176" v="32" actId="20577"/>
+          <ac:spMkLst>
+            <pc:docMk/>
+            <pc:sldMk cId="938774027" sldId="416"/>
+            <ac:spMk id="711683" creationId="{00000000-0000-0000-0000-000000000000}"/>
+          </ac:spMkLst>
+        </pc:spChg>
+      </pc:sldChg>
+    </pc:docChg>
+  </pc:docChgLst>
+  <pc:docChgLst>
+    <pc:chgData name="Dehbia Kouadria" userId="24cf8942edd75162" providerId="Windows Live" clId="Web-{12CB97FF-07A1-4BDB-A2CC-B967C5502935}"/>
+    <pc:docChg chg="modSld">
+      <pc:chgData name="Dehbia Kouadria" userId="24cf8942edd75162" providerId="Windows Live" clId="Web-{12CB97FF-07A1-4BDB-A2CC-B967C5502935}" dt="2022-05-08T13:27:04.335" v="0" actId="1076"/>
+      <pc:docMkLst>
+        <pc:docMk/>
+      </pc:docMkLst>
+      <pc:sldChg chg="modSp">
+        <pc:chgData name="Dehbia Kouadria" userId="24cf8942edd75162" providerId="Windows Live" clId="Web-{12CB97FF-07A1-4BDB-A2CC-B967C5502935}" dt="2022-05-08T13:27:04.335" v="0" actId="1076"/>
+        <pc:sldMkLst>
+          <pc:docMk/>
+          <pc:sldMk cId="0" sldId="402"/>
+        </pc:sldMkLst>
+        <pc:spChg chg="mod">
+          <ac:chgData name="Dehbia Kouadria" userId="24cf8942edd75162" providerId="Windows Live" clId="Web-{12CB97FF-07A1-4BDB-A2CC-B967C5502935}" dt="2022-05-08T13:27:04.335" v="0" actId="1076"/>
+          <ac:spMkLst>
+            <pc:docMk/>
+            <pc:sldMk cId="0" sldId="402"/>
+            <ac:spMk id="4" creationId="{982081F1-7D89-552A-132F-757FF6756107}"/>
+          </ac:spMkLst>
+        </pc:spChg>
+      </pc:sldChg>
+    </pc:docChg>
+  </pc:docChgLst>
+  <pc:docChgLst>
     <pc:chgData name="Dehbia Kouadria" userId="7bf50ad8-930e-4183-b8a1-c1df25b11269" providerId="ADAL" clId="{C1E66562-A60B-4D8B-9D84-0826CA7184A1}"/>
     <pc:docChg chg="undo redo custSel addSld delSld modSld sldOrd">
       <pc:chgData name="Dehbia Kouadria" userId="7bf50ad8-930e-4183-b8a1-c1df25b11269" providerId="ADAL" clId="{C1E66562-A60B-4D8B-9D84-0826CA7184A1}" dt="2023-04-12T11:33:01.512" v="6156" actId="2696"/>
@@ -1506,3358 +4858,6 @@
       </pc:sldChg>
     </pc:docChg>
   </pc:docChgLst>
-  <pc:docChgLst>
-    <pc:chgData name="Bastian Desch" userId="779dbd08d3316e4c" providerId="Windows Live" clId="Web-{7F2EFD9D-B778-4C51-B6A3-B0CBD342DC16}"/>
-    <pc:docChg chg="delSld modSld">
-      <pc:chgData name="Bastian Desch" userId="779dbd08d3316e4c" providerId="Windows Live" clId="Web-{7F2EFD9D-B778-4C51-B6A3-B0CBD342DC16}" dt="2022-05-07T20:58:01.176" v="32" actId="20577"/>
-      <pc:docMkLst>
-        <pc:docMk/>
-      </pc:docMkLst>
-      <pc:sldChg chg="modSp">
-        <pc:chgData name="Bastian Desch" userId="779dbd08d3316e4c" providerId="Windows Live" clId="Web-{7F2EFD9D-B778-4C51-B6A3-B0CBD342DC16}" dt="2022-05-07T20:42:01.152" v="25" actId="20577"/>
-        <pc:sldMkLst>
-          <pc:docMk/>
-          <pc:sldMk cId="4004069667" sldId="406"/>
-        </pc:sldMkLst>
-        <pc:spChg chg="mod">
-          <ac:chgData name="Bastian Desch" userId="779dbd08d3316e4c" providerId="Windows Live" clId="Web-{7F2EFD9D-B778-4C51-B6A3-B0CBD342DC16}" dt="2022-05-07T20:42:01.152" v="25" actId="20577"/>
-          <ac:spMkLst>
-            <pc:docMk/>
-            <pc:sldMk cId="4004069667" sldId="406"/>
-            <ac:spMk id="3" creationId="{B231E619-DB31-C982-7307-DA7F69CD887D}"/>
-          </ac:spMkLst>
-        </pc:spChg>
-      </pc:sldChg>
-      <pc:sldChg chg="modSp">
-        <pc:chgData name="Bastian Desch" userId="779dbd08d3316e4c" providerId="Windows Live" clId="Web-{7F2EFD9D-B778-4C51-B6A3-B0CBD342DC16}" dt="2022-05-07T20:38:50.350" v="2" actId="20577"/>
-        <pc:sldMkLst>
-          <pc:docMk/>
-          <pc:sldMk cId="2274306821" sldId="407"/>
-        </pc:sldMkLst>
-        <pc:spChg chg="mod">
-          <ac:chgData name="Bastian Desch" userId="779dbd08d3316e4c" providerId="Windows Live" clId="Web-{7F2EFD9D-B778-4C51-B6A3-B0CBD342DC16}" dt="2022-05-07T20:38:50.350" v="2" actId="20577"/>
-          <ac:spMkLst>
-            <pc:docMk/>
-            <pc:sldMk cId="2274306821" sldId="407"/>
-            <ac:spMk id="3" creationId="{B231E619-DB31-C982-7307-DA7F69CD887D}"/>
-          </ac:spMkLst>
-        </pc:spChg>
-      </pc:sldChg>
-      <pc:sldChg chg="modSp del">
-        <pc:chgData name="Bastian Desch" userId="779dbd08d3316e4c" providerId="Windows Live" clId="Web-{7F2EFD9D-B778-4C51-B6A3-B0CBD342DC16}" dt="2022-05-07T20:47:15.582" v="26"/>
-        <pc:sldMkLst>
-          <pc:docMk/>
-          <pc:sldMk cId="3762737810" sldId="408"/>
-        </pc:sldMkLst>
-        <pc:spChg chg="mod">
-          <ac:chgData name="Bastian Desch" userId="779dbd08d3316e4c" providerId="Windows Live" clId="Web-{7F2EFD9D-B778-4C51-B6A3-B0CBD342DC16}" dt="2022-05-07T20:41:04.275" v="15" actId="20577"/>
-          <ac:spMkLst>
-            <pc:docMk/>
-            <pc:sldMk cId="3762737810" sldId="408"/>
-            <ac:spMk id="3" creationId="{DBAC4577-7CDE-B879-0B2B-7AEDD5C76DE4}"/>
-          </ac:spMkLst>
-        </pc:spChg>
-      </pc:sldChg>
-      <pc:sldChg chg="modSp">
-        <pc:chgData name="Bastian Desch" userId="779dbd08d3316e4c" providerId="Windows Live" clId="Web-{7F2EFD9D-B778-4C51-B6A3-B0CBD342DC16}" dt="2022-05-07T20:50:23.571" v="29" actId="20577"/>
-        <pc:sldMkLst>
-          <pc:docMk/>
-          <pc:sldMk cId="3585592645" sldId="409"/>
-        </pc:sldMkLst>
-        <pc:spChg chg="mod">
-          <ac:chgData name="Bastian Desch" userId="779dbd08d3316e4c" providerId="Windows Live" clId="Web-{7F2EFD9D-B778-4C51-B6A3-B0CBD342DC16}" dt="2022-05-07T20:50:23.571" v="29" actId="20577"/>
-          <ac:spMkLst>
-            <pc:docMk/>
-            <pc:sldMk cId="3585592645" sldId="409"/>
-            <ac:spMk id="711683" creationId="{00000000-0000-0000-0000-000000000000}"/>
-          </ac:spMkLst>
-        </pc:spChg>
-      </pc:sldChg>
-      <pc:sldChg chg="modSp">
-        <pc:chgData name="Bastian Desch" userId="779dbd08d3316e4c" providerId="Windows Live" clId="Web-{7F2EFD9D-B778-4C51-B6A3-B0CBD342DC16}" dt="2022-05-07T20:58:01.176" v="32" actId="20577"/>
-        <pc:sldMkLst>
-          <pc:docMk/>
-          <pc:sldMk cId="938774027" sldId="416"/>
-        </pc:sldMkLst>
-        <pc:spChg chg="mod">
-          <ac:chgData name="Bastian Desch" userId="779dbd08d3316e4c" providerId="Windows Live" clId="Web-{7F2EFD9D-B778-4C51-B6A3-B0CBD342DC16}" dt="2022-05-07T20:58:01.176" v="32" actId="20577"/>
-          <ac:spMkLst>
-            <pc:docMk/>
-            <pc:sldMk cId="938774027" sldId="416"/>
-            <ac:spMk id="711683" creationId="{00000000-0000-0000-0000-000000000000}"/>
-          </ac:spMkLst>
-        </pc:spChg>
-      </pc:sldChg>
-    </pc:docChg>
-  </pc:docChgLst>
-  <pc:docChgLst>
-    <pc:chgData name="Dehbia Kouadria" userId="24cf8942edd75162" providerId="Windows Live" clId="Web-{12CB97FF-07A1-4BDB-A2CC-B967C5502935}"/>
-    <pc:docChg chg="modSld">
-      <pc:chgData name="Dehbia Kouadria" userId="24cf8942edd75162" providerId="Windows Live" clId="Web-{12CB97FF-07A1-4BDB-A2CC-B967C5502935}" dt="2022-05-08T13:27:04.335" v="0" actId="1076"/>
-      <pc:docMkLst>
-        <pc:docMk/>
-      </pc:docMkLst>
-      <pc:sldChg chg="modSp">
-        <pc:chgData name="Dehbia Kouadria" userId="24cf8942edd75162" providerId="Windows Live" clId="Web-{12CB97FF-07A1-4BDB-A2CC-B967C5502935}" dt="2022-05-08T13:27:04.335" v="0" actId="1076"/>
-        <pc:sldMkLst>
-          <pc:docMk/>
-          <pc:sldMk cId="0" sldId="402"/>
-        </pc:sldMkLst>
-        <pc:spChg chg="mod">
-          <ac:chgData name="Dehbia Kouadria" userId="24cf8942edd75162" providerId="Windows Live" clId="Web-{12CB97FF-07A1-4BDB-A2CC-B967C5502935}" dt="2022-05-08T13:27:04.335" v="0" actId="1076"/>
-          <ac:spMkLst>
-            <pc:docMk/>
-            <pc:sldMk cId="0" sldId="402"/>
-            <ac:spMk id="4" creationId="{982081F1-7D89-552A-132F-757FF6756107}"/>
-          </ac:spMkLst>
-        </pc:spChg>
-      </pc:sldChg>
-    </pc:docChg>
-  </pc:docChgLst>
-  <pc:docChgLst>
-    <pc:chgData name="Dehbia Kouadria" userId="24cf8942edd75162" providerId="Windows Live" clId="Web-{2B83543E-F4A4-4C60-9752-73799B90388B}"/>
-    <pc:docChg chg="modSld">
-      <pc:chgData name="Dehbia Kouadria" userId="24cf8942edd75162" providerId="Windows Live" clId="Web-{2B83543E-F4A4-4C60-9752-73799B90388B}" dt="2022-05-09T10:11:46.709" v="90" actId="20577"/>
-      <pc:docMkLst>
-        <pc:docMk/>
-      </pc:docMkLst>
-      <pc:sldChg chg="modSp">
-        <pc:chgData name="Dehbia Kouadria" userId="24cf8942edd75162" providerId="Windows Live" clId="Web-{2B83543E-F4A4-4C60-9752-73799B90388B}" dt="2022-05-09T09:59:05.611" v="88" actId="20577"/>
-        <pc:sldMkLst>
-          <pc:docMk/>
-          <pc:sldMk cId="0" sldId="405"/>
-        </pc:sldMkLst>
-        <pc:spChg chg="mod">
-          <ac:chgData name="Dehbia Kouadria" userId="24cf8942edd75162" providerId="Windows Live" clId="Web-{2B83543E-F4A4-4C60-9752-73799B90388B}" dt="2022-05-09T09:59:05.611" v="88" actId="20577"/>
-          <ac:spMkLst>
-            <pc:docMk/>
-            <pc:sldMk cId="0" sldId="405"/>
-            <ac:spMk id="711683" creationId="{00000000-0000-0000-0000-000000000000}"/>
-          </ac:spMkLst>
-        </pc:spChg>
-      </pc:sldChg>
-      <pc:sldChg chg="modSp">
-        <pc:chgData name="Dehbia Kouadria" userId="24cf8942edd75162" providerId="Windows Live" clId="Web-{2B83543E-F4A4-4C60-9752-73799B90388B}" dt="2022-05-09T10:11:46.709" v="90" actId="20577"/>
-        <pc:sldMkLst>
-          <pc:docMk/>
-          <pc:sldMk cId="3164688835" sldId="418"/>
-        </pc:sldMkLst>
-        <pc:spChg chg="mod">
-          <ac:chgData name="Dehbia Kouadria" userId="24cf8942edd75162" providerId="Windows Live" clId="Web-{2B83543E-F4A4-4C60-9752-73799B90388B}" dt="2022-05-09T10:11:46.709" v="90" actId="20577"/>
-          <ac:spMkLst>
-            <pc:docMk/>
-            <pc:sldMk cId="3164688835" sldId="418"/>
-            <ac:spMk id="6" creationId="{0D10638A-2104-397A-BD33-1ED361B14355}"/>
-          </ac:spMkLst>
-        </pc:spChg>
-      </pc:sldChg>
-      <pc:sldChg chg="modSp">
-        <pc:chgData name="Dehbia Kouadria" userId="24cf8942edd75162" providerId="Windows Live" clId="Web-{2B83543E-F4A4-4C60-9752-73799B90388B}" dt="2022-05-09T09:58:53.814" v="84" actId="1076"/>
-        <pc:sldMkLst>
-          <pc:docMk/>
-          <pc:sldMk cId="3907794154" sldId="420"/>
-        </pc:sldMkLst>
-        <pc:spChg chg="mod">
-          <ac:chgData name="Dehbia Kouadria" userId="24cf8942edd75162" providerId="Windows Live" clId="Web-{2B83543E-F4A4-4C60-9752-73799B90388B}" dt="2022-05-09T09:58:53.814" v="84" actId="1076"/>
-          <ac:spMkLst>
-            <pc:docMk/>
-            <pc:sldMk cId="3907794154" sldId="420"/>
-            <ac:spMk id="2" creationId="{15777695-5B3D-C5A9-BC59-1B6562687E88}"/>
-          </ac:spMkLst>
-        </pc:spChg>
-        <pc:spChg chg="mod">
-          <ac:chgData name="Dehbia Kouadria" userId="24cf8942edd75162" providerId="Windows Live" clId="Web-{2B83543E-F4A4-4C60-9752-73799B90388B}" dt="2022-05-09T09:57:30.640" v="35" actId="20577"/>
-          <ac:spMkLst>
-            <pc:docMk/>
-            <pc:sldMk cId="3907794154" sldId="420"/>
-            <ac:spMk id="3" creationId="{013B2382-B7F8-C44A-A518-A36CB66A0CCF}"/>
-          </ac:spMkLst>
-        </pc:spChg>
-        <pc:spChg chg="mod">
-          <ac:chgData name="Dehbia Kouadria" userId="24cf8942edd75162" providerId="Windows Live" clId="Web-{2B83543E-F4A4-4C60-9752-73799B90388B}" dt="2022-05-09T09:56:20.217" v="29" actId="20577"/>
-          <ac:spMkLst>
-            <pc:docMk/>
-            <pc:sldMk cId="3907794154" sldId="420"/>
-            <ac:spMk id="5" creationId="{D8FE1436-7D4F-6492-FA72-FB980B2EB133}"/>
-          </ac:spMkLst>
-        </pc:spChg>
-        <pc:spChg chg="mod">
-          <ac:chgData name="Dehbia Kouadria" userId="24cf8942edd75162" providerId="Windows Live" clId="Web-{2B83543E-F4A4-4C60-9752-73799B90388B}" dt="2022-05-09T09:58:22.720" v="69" actId="20577"/>
-          <ac:spMkLst>
-            <pc:docMk/>
-            <pc:sldMk cId="3907794154" sldId="420"/>
-            <ac:spMk id="6" creationId="{8DB9E3ED-A046-3428-17B0-4FB0671BEFBF}"/>
-          </ac:spMkLst>
-        </pc:spChg>
-      </pc:sldChg>
-    </pc:docChg>
-  </pc:docChgLst>
-  <pc:docChgLst>
-    <pc:chgData name="Dehbia Kouadria" userId="24cf8942edd75162" providerId="Windows Live" clId="Web-{0D86F6BF-747D-4849-B0AC-A0ABE97AA8BB}"/>
-    <pc:docChg chg="modSld">
-      <pc:chgData name="Dehbia Kouadria" userId="24cf8942edd75162" providerId="Windows Live" clId="Web-{0D86F6BF-747D-4849-B0AC-A0ABE97AA8BB}" dt="2022-05-09T07:56:24.492" v="47" actId="20577"/>
-      <pc:docMkLst>
-        <pc:docMk/>
-      </pc:docMkLst>
-      <pc:sldChg chg="modSp">
-        <pc:chgData name="Dehbia Kouadria" userId="24cf8942edd75162" providerId="Windows Live" clId="Web-{0D86F6BF-747D-4849-B0AC-A0ABE97AA8BB}" dt="2022-05-09T07:51:41.612" v="37" actId="20577"/>
-        <pc:sldMkLst>
-          <pc:docMk/>
-          <pc:sldMk cId="0" sldId="405"/>
-        </pc:sldMkLst>
-        <pc:spChg chg="mod">
-          <ac:chgData name="Dehbia Kouadria" userId="24cf8942edd75162" providerId="Windows Live" clId="Web-{0D86F6BF-747D-4849-B0AC-A0ABE97AA8BB}" dt="2022-05-09T07:51:41.612" v="37" actId="20577"/>
-          <ac:spMkLst>
-            <pc:docMk/>
-            <pc:sldMk cId="0" sldId="405"/>
-            <ac:spMk id="711683" creationId="{00000000-0000-0000-0000-000000000000}"/>
-          </ac:spMkLst>
-        </pc:spChg>
-      </pc:sldChg>
-      <pc:sldChg chg="modSp">
-        <pc:chgData name="Dehbia Kouadria" userId="24cf8942edd75162" providerId="Windows Live" clId="Web-{0D86F6BF-747D-4849-B0AC-A0ABE97AA8BB}" dt="2022-05-09T07:56:24.492" v="47" actId="20577"/>
-        <pc:sldMkLst>
-          <pc:docMk/>
-          <pc:sldMk cId="4004069667" sldId="406"/>
-        </pc:sldMkLst>
-        <pc:spChg chg="mod">
-          <ac:chgData name="Dehbia Kouadria" userId="24cf8942edd75162" providerId="Windows Live" clId="Web-{0D86F6BF-747D-4849-B0AC-A0ABE97AA8BB}" dt="2022-05-09T07:56:24.492" v="47" actId="20577"/>
-          <ac:spMkLst>
-            <pc:docMk/>
-            <pc:sldMk cId="4004069667" sldId="406"/>
-            <ac:spMk id="3" creationId="{B231E619-DB31-C982-7307-DA7F69CD887D}"/>
-          </ac:spMkLst>
-        </pc:spChg>
-      </pc:sldChg>
-      <pc:sldChg chg="modSp">
-        <pc:chgData name="Dehbia Kouadria" userId="24cf8942edd75162" providerId="Windows Live" clId="Web-{0D86F6BF-747D-4849-B0AC-A0ABE97AA8BB}" dt="2022-05-09T06:27:41.848" v="34" actId="1076"/>
-        <pc:sldMkLst>
-          <pc:docMk/>
-          <pc:sldMk cId="3907794154" sldId="420"/>
-        </pc:sldMkLst>
-        <pc:spChg chg="mod">
-          <ac:chgData name="Dehbia Kouadria" userId="24cf8942edd75162" providerId="Windows Live" clId="Web-{0D86F6BF-747D-4849-B0AC-A0ABE97AA8BB}" dt="2022-05-09T06:27:41.848" v="34" actId="1076"/>
-          <ac:spMkLst>
-            <pc:docMk/>
-            <pc:sldMk cId="3907794154" sldId="420"/>
-            <ac:spMk id="2" creationId="{15777695-5B3D-C5A9-BC59-1B6562687E88}"/>
-          </ac:spMkLst>
-        </pc:spChg>
-        <pc:spChg chg="mod">
-          <ac:chgData name="Dehbia Kouadria" userId="24cf8942edd75162" providerId="Windows Live" clId="Web-{0D86F6BF-747D-4849-B0AC-A0ABE97AA8BB}" dt="2022-05-09T06:26:39.127" v="24" actId="20577"/>
-          <ac:spMkLst>
-            <pc:docMk/>
-            <pc:sldMk cId="3907794154" sldId="420"/>
-            <ac:spMk id="3" creationId="{013B2382-B7F8-C44A-A518-A36CB66A0CCF}"/>
-          </ac:spMkLst>
-        </pc:spChg>
-        <pc:spChg chg="mod">
-          <ac:chgData name="Dehbia Kouadria" userId="24cf8942edd75162" providerId="Windows Live" clId="Web-{0D86F6BF-747D-4849-B0AC-A0ABE97AA8BB}" dt="2022-05-09T06:26:47.112" v="30" actId="20577"/>
-          <ac:spMkLst>
-            <pc:docMk/>
-            <pc:sldMk cId="3907794154" sldId="420"/>
-            <ac:spMk id="5" creationId="{D8FE1436-7D4F-6492-FA72-FB980B2EB133}"/>
-          </ac:spMkLst>
-        </pc:spChg>
-      </pc:sldChg>
-    </pc:docChg>
-  </pc:docChgLst>
-  <pc:docChgLst>
-    <pc:chgData name="Bastian Desch" userId="779dbd08d3316e4c" providerId="Windows Live" clId="Web-{1F1E1C75-0593-4F2B-991D-FA769010B674}"/>
-    <pc:docChg chg="addSld delSld modSld">
-      <pc:chgData name="Bastian Desch" userId="779dbd08d3316e4c" providerId="Windows Live" clId="Web-{1F1E1C75-0593-4F2B-991D-FA769010B674}" dt="2022-05-07T14:19:39.351" v="23"/>
-      <pc:docMkLst>
-        <pc:docMk/>
-      </pc:docMkLst>
-      <pc:sldChg chg="modSp">
-        <pc:chgData name="Bastian Desch" userId="779dbd08d3316e4c" providerId="Windows Live" clId="Web-{1F1E1C75-0593-4F2B-991D-FA769010B674}" dt="2022-05-07T13:10:04.969" v="5" actId="20577"/>
-        <pc:sldMkLst>
-          <pc:docMk/>
-          <pc:sldMk cId="2274306821" sldId="407"/>
-        </pc:sldMkLst>
-        <pc:spChg chg="mod">
-          <ac:chgData name="Bastian Desch" userId="779dbd08d3316e4c" providerId="Windows Live" clId="Web-{1F1E1C75-0593-4F2B-991D-FA769010B674}" dt="2022-05-07T13:10:04.969" v="5" actId="20577"/>
-          <ac:spMkLst>
-            <pc:docMk/>
-            <pc:sldMk cId="2274306821" sldId="407"/>
-            <ac:spMk id="3" creationId="{B231E619-DB31-C982-7307-DA7F69CD887D}"/>
-          </ac:spMkLst>
-        </pc:spChg>
-      </pc:sldChg>
-      <pc:sldChg chg="modSp">
-        <pc:chgData name="Bastian Desch" userId="779dbd08d3316e4c" providerId="Windows Live" clId="Web-{1F1E1C75-0593-4F2B-991D-FA769010B674}" dt="2022-05-07T12:59:24.667" v="3" actId="20577"/>
-        <pc:sldMkLst>
-          <pc:docMk/>
-          <pc:sldMk cId="3762737810" sldId="408"/>
-        </pc:sldMkLst>
-        <pc:spChg chg="mod">
-          <ac:chgData name="Bastian Desch" userId="779dbd08d3316e4c" providerId="Windows Live" clId="Web-{1F1E1C75-0593-4F2B-991D-FA769010B674}" dt="2022-05-07T12:59:24.667" v="3" actId="20577"/>
-          <ac:spMkLst>
-            <pc:docMk/>
-            <pc:sldMk cId="3762737810" sldId="408"/>
-            <ac:spMk id="3" creationId="{DBAC4577-7CDE-B879-0B2B-7AEDD5C76DE4}"/>
-          </ac:spMkLst>
-        </pc:spChg>
-      </pc:sldChg>
-      <pc:sldChg chg="modSp">
-        <pc:chgData name="Bastian Desch" userId="779dbd08d3316e4c" providerId="Windows Live" clId="Web-{1F1E1C75-0593-4F2B-991D-FA769010B674}" dt="2022-05-07T13:29:00.631" v="7" actId="20577"/>
-        <pc:sldMkLst>
-          <pc:docMk/>
-          <pc:sldMk cId="3585592645" sldId="409"/>
-        </pc:sldMkLst>
-        <pc:spChg chg="mod">
-          <ac:chgData name="Bastian Desch" userId="779dbd08d3316e4c" providerId="Windows Live" clId="Web-{1F1E1C75-0593-4F2B-991D-FA769010B674}" dt="2022-05-07T13:29:00.631" v="7" actId="20577"/>
-          <ac:spMkLst>
-            <pc:docMk/>
-            <pc:sldMk cId="3585592645" sldId="409"/>
-            <ac:spMk id="711683" creationId="{00000000-0000-0000-0000-000000000000}"/>
-          </ac:spMkLst>
-        </pc:spChg>
-      </pc:sldChg>
-      <pc:sldChg chg="modSp">
-        <pc:chgData name="Bastian Desch" userId="779dbd08d3316e4c" providerId="Windows Live" clId="Web-{1F1E1C75-0593-4F2B-991D-FA769010B674}" dt="2022-05-07T13:54:38.561" v="13" actId="20577"/>
-        <pc:sldMkLst>
-          <pc:docMk/>
-          <pc:sldMk cId="2629419780" sldId="410"/>
-        </pc:sldMkLst>
-        <pc:spChg chg="mod">
-          <ac:chgData name="Bastian Desch" userId="779dbd08d3316e4c" providerId="Windows Live" clId="Web-{1F1E1C75-0593-4F2B-991D-FA769010B674}" dt="2022-05-07T13:54:38.561" v="13" actId="20577"/>
-          <ac:spMkLst>
-            <pc:docMk/>
-            <pc:sldMk cId="2629419780" sldId="410"/>
-            <ac:spMk id="711683" creationId="{00000000-0000-0000-0000-000000000000}"/>
-          </ac:spMkLst>
-        </pc:spChg>
-      </pc:sldChg>
-      <pc:sldChg chg="modSp">
-        <pc:chgData name="Bastian Desch" userId="779dbd08d3316e4c" providerId="Windows Live" clId="Web-{1F1E1C75-0593-4F2B-991D-FA769010B674}" dt="2022-05-07T14:19:39.351" v="23"/>
-        <pc:sldMkLst>
-          <pc:docMk/>
-          <pc:sldMk cId="2865602389" sldId="421"/>
-        </pc:sldMkLst>
-        <pc:graphicFrameChg chg="mod modGraphic">
-          <ac:chgData name="Bastian Desch" userId="779dbd08d3316e4c" providerId="Windows Live" clId="Web-{1F1E1C75-0593-4F2B-991D-FA769010B674}" dt="2022-05-07T14:19:39.351" v="23"/>
-          <ac:graphicFrameMkLst>
-            <pc:docMk/>
-            <pc:sldMk cId="2865602389" sldId="421"/>
-            <ac:graphicFrameMk id="3" creationId="{BA777370-86FF-3F5E-105A-13AB44FC2B43}"/>
-          </ac:graphicFrameMkLst>
-        </pc:graphicFrameChg>
-      </pc:sldChg>
-      <pc:sldChg chg="new del">
-        <pc:chgData name="Bastian Desch" userId="779dbd08d3316e4c" providerId="Windows Live" clId="Web-{1F1E1C75-0593-4F2B-991D-FA769010B674}" dt="2022-05-07T13:56:20.220" v="15"/>
-        <pc:sldMkLst>
-          <pc:docMk/>
-          <pc:sldMk cId="1284782381" sldId="422"/>
-        </pc:sldMkLst>
-      </pc:sldChg>
-      <pc:sldChg chg="new del">
-        <pc:chgData name="Bastian Desch" userId="779dbd08d3316e4c" providerId="Windows Live" clId="Web-{1F1E1C75-0593-4F2B-991D-FA769010B674}" dt="2022-05-07T13:29:30.086" v="9"/>
-        <pc:sldMkLst>
-          <pc:docMk/>
-          <pc:sldMk cId="3285797800" sldId="422"/>
-        </pc:sldMkLst>
-      </pc:sldChg>
-    </pc:docChg>
-  </pc:docChgLst>
-  <pc:docChgLst>
-    <pc:chgData name="Dehbia Kouadria" userId="24cf8942edd75162" providerId="LiveId" clId="{17BADB32-C636-4716-B80D-93C22C39D57A}"/>
-    <pc:docChg chg="undo redo custSel addSld delSld modSld sldOrd addMainMaster delMainMaster modMainMaster">
-      <pc:chgData name="Dehbia Kouadria" userId="24cf8942edd75162" providerId="LiveId" clId="{17BADB32-C636-4716-B80D-93C22C39D57A}" dt="2023-04-15T17:29:17.610" v="1820" actId="20577"/>
-      <pc:docMkLst>
-        <pc:docMk/>
-      </pc:docMkLst>
-      <pc:sldChg chg="modTransition modNotesTx">
-        <pc:chgData name="Dehbia Kouadria" userId="24cf8942edd75162" providerId="LiveId" clId="{17BADB32-C636-4716-B80D-93C22C39D57A}" dt="2023-04-15T17:08:44.641" v="1581"/>
-        <pc:sldMkLst>
-          <pc:docMk/>
-          <pc:sldMk cId="0" sldId="402"/>
-        </pc:sldMkLst>
-      </pc:sldChg>
-      <pc:sldChg chg="addSp delSp modSp add mod modTransition modClrScheme chgLayout">
-        <pc:chgData name="Dehbia Kouadria" userId="24cf8942edd75162" providerId="LiveId" clId="{17BADB32-C636-4716-B80D-93C22C39D57A}" dt="2023-04-15T17:08:44.641" v="1581"/>
-        <pc:sldMkLst>
-          <pc:docMk/>
-          <pc:sldMk cId="3692886023" sldId="404"/>
-        </pc:sldMkLst>
-        <pc:spChg chg="mod ord">
-          <ac:chgData name="Dehbia Kouadria" userId="24cf8942edd75162" providerId="LiveId" clId="{17BADB32-C636-4716-B80D-93C22C39D57A}" dt="2023-04-15T15:08:43.468" v="1499" actId="700"/>
-          <ac:spMkLst>
-            <pc:docMk/>
-            <pc:sldMk cId="3692886023" sldId="404"/>
-            <ac:spMk id="2" creationId="{3C986499-ADB5-AD72-E654-6DA44650BA35}"/>
-          </ac:spMkLst>
-        </pc:spChg>
-        <pc:spChg chg="mod ord">
-          <ac:chgData name="Dehbia Kouadria" userId="24cf8942edd75162" providerId="LiveId" clId="{17BADB32-C636-4716-B80D-93C22C39D57A}" dt="2023-04-15T15:08:43.468" v="1499" actId="700"/>
-          <ac:spMkLst>
-            <pc:docMk/>
-            <pc:sldMk cId="3692886023" sldId="404"/>
-            <ac:spMk id="3" creationId="{878F6DA1-B155-4AF2-536B-D768C3CB4D32}"/>
-          </ac:spMkLst>
-        </pc:spChg>
-        <pc:spChg chg="mod ord">
-          <ac:chgData name="Dehbia Kouadria" userId="24cf8942edd75162" providerId="LiveId" clId="{17BADB32-C636-4716-B80D-93C22C39D57A}" dt="2023-04-15T15:08:43.468" v="1499" actId="700"/>
-          <ac:spMkLst>
-            <pc:docMk/>
-            <pc:sldMk cId="3692886023" sldId="404"/>
-            <ac:spMk id="4" creationId="{44199A47-FBB4-DA6B-DFC7-01CFB117FA86}"/>
-          </ac:spMkLst>
-        </pc:spChg>
-        <pc:spChg chg="del mod ord">
-          <ac:chgData name="Dehbia Kouadria" userId="24cf8942edd75162" providerId="LiveId" clId="{17BADB32-C636-4716-B80D-93C22C39D57A}" dt="2023-04-15T14:56:21.368" v="1463" actId="700"/>
-          <ac:spMkLst>
-            <pc:docMk/>
-            <pc:sldMk cId="3692886023" sldId="404"/>
-            <ac:spMk id="5" creationId="{ED89A79B-2B79-117C-E866-05DF21A4E062}"/>
-          </ac:spMkLst>
-        </pc:spChg>
-        <pc:spChg chg="add del mod ord">
-          <ac:chgData name="Dehbia Kouadria" userId="24cf8942edd75162" providerId="LiveId" clId="{17BADB32-C636-4716-B80D-93C22C39D57A}" dt="2023-04-15T15:08:43.468" v="1499" actId="700"/>
-          <ac:spMkLst>
-            <pc:docMk/>
-            <pc:sldMk cId="3692886023" sldId="404"/>
-            <ac:spMk id="6" creationId="{70DE45B6-0267-D858-9C93-BAE5273416B7}"/>
-          </ac:spMkLst>
-        </pc:spChg>
-        <pc:spChg chg="mod ord">
-          <ac:chgData name="Dehbia Kouadria" userId="24cf8942edd75162" providerId="LiveId" clId="{17BADB32-C636-4716-B80D-93C22C39D57A}" dt="2023-04-15T15:08:43.468" v="1499" actId="700"/>
-          <ac:spMkLst>
-            <pc:docMk/>
-            <pc:sldMk cId="3692886023" sldId="404"/>
-            <ac:spMk id="7" creationId="{DB1993C7-29CD-30BD-2A10-1E46AECAABDA}"/>
-          </ac:spMkLst>
-        </pc:spChg>
-        <pc:spChg chg="add mod ord">
-          <ac:chgData name="Dehbia Kouadria" userId="24cf8942edd75162" providerId="LiveId" clId="{17BADB32-C636-4716-B80D-93C22C39D57A}" dt="2023-04-15T15:08:43.468" v="1499" actId="700"/>
-          <ac:spMkLst>
-            <pc:docMk/>
-            <pc:sldMk cId="3692886023" sldId="404"/>
-            <ac:spMk id="8" creationId="{39D6D554-03AC-0B22-3562-27E98B5355AB}"/>
-          </ac:spMkLst>
-        </pc:spChg>
-      </pc:sldChg>
-      <pc:sldChg chg="modSp mod modTransition modNotesTx">
-        <pc:chgData name="Dehbia Kouadria" userId="24cf8942edd75162" providerId="LiveId" clId="{17BADB32-C636-4716-B80D-93C22C39D57A}" dt="2023-04-15T17:08:44.641" v="1581"/>
-        <pc:sldMkLst>
-          <pc:docMk/>
-          <pc:sldMk cId="0" sldId="405"/>
-        </pc:sldMkLst>
-        <pc:spChg chg="mod">
-          <ac:chgData name="Dehbia Kouadria" userId="24cf8942edd75162" providerId="LiveId" clId="{17BADB32-C636-4716-B80D-93C22C39D57A}" dt="2023-04-15T17:02:58.683" v="1527" actId="255"/>
-          <ac:spMkLst>
-            <pc:docMk/>
-            <pc:sldMk cId="0" sldId="405"/>
-            <ac:spMk id="711683" creationId="{00000000-0000-0000-0000-000000000000}"/>
-          </ac:spMkLst>
-        </pc:spChg>
-      </pc:sldChg>
-      <pc:sldChg chg="modSp add mod modTransition modClrScheme chgLayout">
-        <pc:chgData name="Dehbia Kouadria" userId="24cf8942edd75162" providerId="LiveId" clId="{17BADB32-C636-4716-B80D-93C22C39D57A}" dt="2023-04-15T17:08:44.641" v="1581"/>
-        <pc:sldMkLst>
-          <pc:docMk/>
-          <pc:sldMk cId="2779338242" sldId="406"/>
-        </pc:sldMkLst>
-        <pc:spChg chg="mod ord">
-          <ac:chgData name="Dehbia Kouadria" userId="24cf8942edd75162" providerId="LiveId" clId="{17BADB32-C636-4716-B80D-93C22C39D57A}" dt="2023-04-15T15:08:43.468" v="1499" actId="700"/>
-          <ac:spMkLst>
-            <pc:docMk/>
-            <pc:sldMk cId="2779338242" sldId="406"/>
-            <ac:spMk id="2" creationId="{E1A4F0AD-C668-F246-66C9-8EAE78096972}"/>
-          </ac:spMkLst>
-        </pc:spChg>
-        <pc:spChg chg="mod ord">
-          <ac:chgData name="Dehbia Kouadria" userId="24cf8942edd75162" providerId="LiveId" clId="{17BADB32-C636-4716-B80D-93C22C39D57A}" dt="2023-04-15T15:08:43.468" v="1499" actId="700"/>
-          <ac:spMkLst>
-            <pc:docMk/>
-            <pc:sldMk cId="2779338242" sldId="406"/>
-            <ac:spMk id="3" creationId="{D8845708-1409-063A-819B-475A8196578A}"/>
-          </ac:spMkLst>
-        </pc:spChg>
-        <pc:spChg chg="mod ord">
-          <ac:chgData name="Dehbia Kouadria" userId="24cf8942edd75162" providerId="LiveId" clId="{17BADB32-C636-4716-B80D-93C22C39D57A}" dt="2023-04-15T15:08:43.468" v="1499" actId="700"/>
-          <ac:spMkLst>
-            <pc:docMk/>
-            <pc:sldMk cId="2779338242" sldId="406"/>
-            <ac:spMk id="4" creationId="{5FEA0A6C-4135-AEFD-9B9B-64C2589F97E9}"/>
-          </ac:spMkLst>
-        </pc:spChg>
-        <pc:spChg chg="mod ord">
-          <ac:chgData name="Dehbia Kouadria" userId="24cf8942edd75162" providerId="LiveId" clId="{17BADB32-C636-4716-B80D-93C22C39D57A}" dt="2023-04-15T15:08:43.468" v="1499" actId="700"/>
-          <ac:spMkLst>
-            <pc:docMk/>
-            <pc:sldMk cId="2779338242" sldId="406"/>
-            <ac:spMk id="5" creationId="{430C115F-12AC-6440-D36B-330D8FF829A3}"/>
-          </ac:spMkLst>
-        </pc:spChg>
-        <pc:graphicFrameChg chg="mod ord modGraphic">
-          <ac:chgData name="Dehbia Kouadria" userId="24cf8942edd75162" providerId="LiveId" clId="{17BADB32-C636-4716-B80D-93C22C39D57A}" dt="2023-04-15T15:08:43.468" v="1499" actId="700"/>
-          <ac:graphicFrameMkLst>
-            <pc:docMk/>
-            <pc:sldMk cId="2779338242" sldId="406"/>
-            <ac:graphicFrameMk id="6" creationId="{A7A60394-F006-1AA4-EB96-3F17F68C788C}"/>
-          </ac:graphicFrameMkLst>
-        </pc:graphicFrameChg>
-      </pc:sldChg>
-      <pc:sldChg chg="addSp delSp modSp add mod modTransition modClrScheme chgLayout">
-        <pc:chgData name="Dehbia Kouadria" userId="24cf8942edd75162" providerId="LiveId" clId="{17BADB32-C636-4716-B80D-93C22C39D57A}" dt="2023-04-15T17:08:44.641" v="1581"/>
-        <pc:sldMkLst>
-          <pc:docMk/>
-          <pc:sldMk cId="1192862916" sldId="407"/>
-        </pc:sldMkLst>
-        <pc:spChg chg="mod ord">
-          <ac:chgData name="Dehbia Kouadria" userId="24cf8942edd75162" providerId="LiveId" clId="{17BADB32-C636-4716-B80D-93C22C39D57A}" dt="2023-04-15T15:08:43.468" v="1499" actId="700"/>
-          <ac:spMkLst>
-            <pc:docMk/>
-            <pc:sldMk cId="1192862916" sldId="407"/>
-            <ac:spMk id="2" creationId="{DC509A6C-9DA3-64A6-BC90-0617BF28E402}"/>
-          </ac:spMkLst>
-        </pc:spChg>
-        <pc:spChg chg="mod ord">
-          <ac:chgData name="Dehbia Kouadria" userId="24cf8942edd75162" providerId="LiveId" clId="{17BADB32-C636-4716-B80D-93C22C39D57A}" dt="2023-04-15T17:04:30.972" v="1540" actId="255"/>
-          <ac:spMkLst>
-            <pc:docMk/>
-            <pc:sldMk cId="1192862916" sldId="407"/>
-            <ac:spMk id="3" creationId="{5C194786-B3FE-BBE2-EEFA-F4B5C542140C}"/>
-          </ac:spMkLst>
-        </pc:spChg>
-        <pc:spChg chg="mod ord">
-          <ac:chgData name="Dehbia Kouadria" userId="24cf8942edd75162" providerId="LiveId" clId="{17BADB32-C636-4716-B80D-93C22C39D57A}" dt="2023-04-15T15:08:43.468" v="1499" actId="700"/>
-          <ac:spMkLst>
-            <pc:docMk/>
-            <pc:sldMk cId="1192862916" sldId="407"/>
-            <ac:spMk id="4" creationId="{6F32542A-A5AB-B02C-EEA8-E0BCBA3D1B58}"/>
-          </ac:spMkLst>
-        </pc:spChg>
-        <pc:spChg chg="del mod ord">
-          <ac:chgData name="Dehbia Kouadria" userId="24cf8942edd75162" providerId="LiveId" clId="{17BADB32-C636-4716-B80D-93C22C39D57A}" dt="2023-04-15T14:56:59.445" v="1465" actId="700"/>
-          <ac:spMkLst>
-            <pc:docMk/>
-            <pc:sldMk cId="1192862916" sldId="407"/>
-            <ac:spMk id="5" creationId="{413A2BE8-1825-96BE-A7C5-C2ACBB3E7B17}"/>
-          </ac:spMkLst>
-        </pc:spChg>
-        <pc:spChg chg="add del mod ord">
-          <ac:chgData name="Dehbia Kouadria" userId="24cf8942edd75162" providerId="LiveId" clId="{17BADB32-C636-4716-B80D-93C22C39D57A}" dt="2023-04-15T15:08:43.468" v="1499" actId="700"/>
-          <ac:spMkLst>
-            <pc:docMk/>
-            <pc:sldMk cId="1192862916" sldId="407"/>
-            <ac:spMk id="6" creationId="{39C6A2FD-421D-0CBC-AC14-149C390965F3}"/>
-          </ac:spMkLst>
-        </pc:spChg>
-        <pc:spChg chg="mod ord">
-          <ac:chgData name="Dehbia Kouadria" userId="24cf8942edd75162" providerId="LiveId" clId="{17BADB32-C636-4716-B80D-93C22C39D57A}" dt="2023-04-15T15:08:43.468" v="1499" actId="700"/>
-          <ac:spMkLst>
-            <pc:docMk/>
-            <pc:sldMk cId="1192862916" sldId="407"/>
-            <ac:spMk id="7" creationId="{AA772284-6D08-2C62-BB2F-6F313E42D09D}"/>
-          </ac:spMkLst>
-        </pc:spChg>
-        <pc:spChg chg="add mod ord">
-          <ac:chgData name="Dehbia Kouadria" userId="24cf8942edd75162" providerId="LiveId" clId="{17BADB32-C636-4716-B80D-93C22C39D57A}" dt="2023-04-15T15:08:43.468" v="1499" actId="700"/>
-          <ac:spMkLst>
-            <pc:docMk/>
-            <pc:sldMk cId="1192862916" sldId="407"/>
-            <ac:spMk id="8" creationId="{05BD4F78-8D8B-EC58-AB6D-3501DE2C6149}"/>
-          </ac:spMkLst>
-        </pc:spChg>
-      </pc:sldChg>
-      <pc:sldChg chg="addSp delSp modSp add mod modTransition modClrScheme chgLayout">
-        <pc:chgData name="Dehbia Kouadria" userId="24cf8942edd75162" providerId="LiveId" clId="{17BADB32-C636-4716-B80D-93C22C39D57A}" dt="2023-04-15T17:08:44.641" v="1581"/>
-        <pc:sldMkLst>
-          <pc:docMk/>
-          <pc:sldMk cId="4203972209" sldId="408"/>
-        </pc:sldMkLst>
-        <pc:spChg chg="mod ord">
-          <ac:chgData name="Dehbia Kouadria" userId="24cf8942edd75162" providerId="LiveId" clId="{17BADB32-C636-4716-B80D-93C22C39D57A}" dt="2023-04-15T15:08:43.468" v="1499" actId="700"/>
-          <ac:spMkLst>
-            <pc:docMk/>
-            <pc:sldMk cId="4203972209" sldId="408"/>
-            <ac:spMk id="2" creationId="{47FF7F23-040F-23B1-9D1D-8B6F1653C5EE}"/>
-          </ac:spMkLst>
-        </pc:spChg>
-        <pc:spChg chg="add del mod ord">
-          <ac:chgData name="Dehbia Kouadria" userId="24cf8942edd75162" providerId="LiveId" clId="{17BADB32-C636-4716-B80D-93C22C39D57A}" dt="2023-04-15T15:08:43.468" v="1499" actId="700"/>
-          <ac:spMkLst>
-            <pc:docMk/>
-            <pc:sldMk cId="4203972209" sldId="408"/>
-            <ac:spMk id="3" creationId="{DA030307-8237-8399-04E8-1D72D79DD62D}"/>
-          </ac:spMkLst>
-        </pc:spChg>
-        <pc:spChg chg="mod ord">
-          <ac:chgData name="Dehbia Kouadria" userId="24cf8942edd75162" providerId="LiveId" clId="{17BADB32-C636-4716-B80D-93C22C39D57A}" dt="2023-04-15T15:08:43.468" v="1499" actId="700"/>
-          <ac:spMkLst>
-            <pc:docMk/>
-            <pc:sldMk cId="4203972209" sldId="408"/>
-            <ac:spMk id="4" creationId="{EC1ED64D-795C-DBD5-9FD9-8C621FECB957}"/>
-          </ac:spMkLst>
-        </pc:spChg>
-        <pc:spChg chg="mod ord">
-          <ac:chgData name="Dehbia Kouadria" userId="24cf8942edd75162" providerId="LiveId" clId="{17BADB32-C636-4716-B80D-93C22C39D57A}" dt="2023-04-15T15:08:43.468" v="1499" actId="700"/>
-          <ac:spMkLst>
-            <pc:docMk/>
-            <pc:sldMk cId="4203972209" sldId="408"/>
-            <ac:spMk id="5" creationId="{4359AAD3-0E60-6ED5-0337-14E88922749E}"/>
-          </ac:spMkLst>
-        </pc:spChg>
-        <pc:spChg chg="add mod ord">
-          <ac:chgData name="Dehbia Kouadria" userId="24cf8942edd75162" providerId="LiveId" clId="{17BADB32-C636-4716-B80D-93C22C39D57A}" dt="2023-04-15T15:08:43.468" v="1499" actId="700"/>
-          <ac:spMkLst>
-            <pc:docMk/>
-            <pc:sldMk cId="4203972209" sldId="408"/>
-            <ac:spMk id="7" creationId="{0E0A9B82-4566-38FD-C90A-F006425B4614}"/>
-          </ac:spMkLst>
-        </pc:spChg>
-        <pc:graphicFrameChg chg="mod ord modGraphic">
-          <ac:chgData name="Dehbia Kouadria" userId="24cf8942edd75162" providerId="LiveId" clId="{17BADB32-C636-4716-B80D-93C22C39D57A}" dt="2023-04-15T15:08:43.468" v="1499" actId="700"/>
-          <ac:graphicFrameMkLst>
-            <pc:docMk/>
-            <pc:sldMk cId="4203972209" sldId="408"/>
-            <ac:graphicFrameMk id="6" creationId="{E628372A-2B8D-4FF0-2D31-DB7445EED829}"/>
-          </ac:graphicFrameMkLst>
-        </pc:graphicFrameChg>
-      </pc:sldChg>
-      <pc:sldChg chg="addSp delSp modSp add mod modTransition modClrScheme chgLayout">
-        <pc:chgData name="Dehbia Kouadria" userId="24cf8942edd75162" providerId="LiveId" clId="{17BADB32-C636-4716-B80D-93C22C39D57A}" dt="2023-04-15T17:08:44.641" v="1581"/>
-        <pc:sldMkLst>
-          <pc:docMk/>
-          <pc:sldMk cId="2227973568" sldId="409"/>
-        </pc:sldMkLst>
-        <pc:spChg chg="mod ord">
-          <ac:chgData name="Dehbia Kouadria" userId="24cf8942edd75162" providerId="LiveId" clId="{17BADB32-C636-4716-B80D-93C22C39D57A}" dt="2023-04-15T15:09:18.705" v="1500" actId="700"/>
-          <ac:spMkLst>
-            <pc:docMk/>
-            <pc:sldMk cId="2227973568" sldId="409"/>
-            <ac:spMk id="2" creationId="{6A337542-1EC9-FFF1-B800-7F0AF9DEF063}"/>
-          </ac:spMkLst>
-        </pc:spChg>
-        <pc:spChg chg="mod ord">
-          <ac:chgData name="Dehbia Kouadria" userId="24cf8942edd75162" providerId="LiveId" clId="{17BADB32-C636-4716-B80D-93C22C39D57A}" dt="2023-04-15T17:05:45.304" v="1552" actId="255"/>
-          <ac:spMkLst>
-            <pc:docMk/>
-            <pc:sldMk cId="2227973568" sldId="409"/>
-            <ac:spMk id="3" creationId="{3EC28CAD-1760-126C-051D-69B192E95AD4}"/>
-          </ac:spMkLst>
-        </pc:spChg>
-        <pc:spChg chg="mod ord">
-          <ac:chgData name="Dehbia Kouadria" userId="24cf8942edd75162" providerId="LiveId" clId="{17BADB32-C636-4716-B80D-93C22C39D57A}" dt="2023-04-15T15:09:18.705" v="1500" actId="700"/>
-          <ac:spMkLst>
-            <pc:docMk/>
-            <pc:sldMk cId="2227973568" sldId="409"/>
-            <ac:spMk id="4" creationId="{54EC0448-CE2D-5985-7764-ECD7171B00C2}"/>
-          </ac:spMkLst>
-        </pc:spChg>
-        <pc:spChg chg="del mod ord">
-          <ac:chgData name="Dehbia Kouadria" userId="24cf8942edd75162" providerId="LiveId" clId="{17BADB32-C636-4716-B80D-93C22C39D57A}" dt="2023-04-15T14:57:53.648" v="1466" actId="700"/>
-          <ac:spMkLst>
-            <pc:docMk/>
-            <pc:sldMk cId="2227973568" sldId="409"/>
-            <ac:spMk id="5" creationId="{F4311258-F132-0B51-55E2-3D8EB5D7FC17}"/>
-          </ac:spMkLst>
-        </pc:spChg>
-        <pc:spChg chg="add del mod ord">
-          <ac:chgData name="Dehbia Kouadria" userId="24cf8942edd75162" providerId="LiveId" clId="{17BADB32-C636-4716-B80D-93C22C39D57A}" dt="2023-04-15T15:09:18.705" v="1500" actId="700"/>
-          <ac:spMkLst>
-            <pc:docMk/>
-            <pc:sldMk cId="2227973568" sldId="409"/>
-            <ac:spMk id="6" creationId="{4502C4F9-D290-5EB3-D9B5-49085B15E9BA}"/>
-          </ac:spMkLst>
-        </pc:spChg>
-        <pc:spChg chg="mod ord">
-          <ac:chgData name="Dehbia Kouadria" userId="24cf8942edd75162" providerId="LiveId" clId="{17BADB32-C636-4716-B80D-93C22C39D57A}" dt="2023-04-15T15:09:18.705" v="1500" actId="700"/>
-          <ac:spMkLst>
-            <pc:docMk/>
-            <pc:sldMk cId="2227973568" sldId="409"/>
-            <ac:spMk id="7" creationId="{D0691B98-3E54-B644-2C87-770A231F2C88}"/>
-          </ac:spMkLst>
-        </pc:spChg>
-        <pc:spChg chg="add mod ord">
-          <ac:chgData name="Dehbia Kouadria" userId="24cf8942edd75162" providerId="LiveId" clId="{17BADB32-C636-4716-B80D-93C22C39D57A}" dt="2023-04-15T15:09:18.705" v="1500" actId="700"/>
-          <ac:spMkLst>
-            <pc:docMk/>
-            <pc:sldMk cId="2227973568" sldId="409"/>
-            <ac:spMk id="8" creationId="{2C3FD4AF-B507-93B4-A0CD-1AD007CC5768}"/>
-          </ac:spMkLst>
-        </pc:spChg>
-      </pc:sldChg>
-      <pc:sldChg chg="addSp delSp modSp add mod modTransition modClrScheme chgLayout">
-        <pc:chgData name="Dehbia Kouadria" userId="24cf8942edd75162" providerId="LiveId" clId="{17BADB32-C636-4716-B80D-93C22C39D57A}" dt="2023-04-15T17:08:44.641" v="1581"/>
-        <pc:sldMkLst>
-          <pc:docMk/>
-          <pc:sldMk cId="4222792710" sldId="410"/>
-        </pc:sldMkLst>
-        <pc:spChg chg="mod ord">
-          <ac:chgData name="Dehbia Kouadria" userId="24cf8942edd75162" providerId="LiveId" clId="{17BADB32-C636-4716-B80D-93C22C39D57A}" dt="2023-04-15T15:09:18.705" v="1500" actId="700"/>
-          <ac:spMkLst>
-            <pc:docMk/>
-            <pc:sldMk cId="4222792710" sldId="410"/>
-            <ac:spMk id="2" creationId="{C14BF76C-D149-200F-6851-70577A9B201E}"/>
-          </ac:spMkLst>
-        </pc:spChg>
-        <pc:spChg chg="mod ord">
-          <ac:chgData name="Dehbia Kouadria" userId="24cf8942edd75162" providerId="LiveId" clId="{17BADB32-C636-4716-B80D-93C22C39D57A}" dt="2023-04-15T17:05:55.774" v="1554" actId="255"/>
-          <ac:spMkLst>
-            <pc:docMk/>
-            <pc:sldMk cId="4222792710" sldId="410"/>
-            <ac:spMk id="3" creationId="{FEB7943B-FDD4-5162-9A03-D3A0B1159440}"/>
-          </ac:spMkLst>
-        </pc:spChg>
-        <pc:spChg chg="mod ord">
-          <ac:chgData name="Dehbia Kouadria" userId="24cf8942edd75162" providerId="LiveId" clId="{17BADB32-C636-4716-B80D-93C22C39D57A}" dt="2023-04-15T15:09:18.705" v="1500" actId="700"/>
-          <ac:spMkLst>
-            <pc:docMk/>
-            <pc:sldMk cId="4222792710" sldId="410"/>
-            <ac:spMk id="4" creationId="{F36C306B-B48C-E425-2DCA-FBDA8707ECBC}"/>
-          </ac:spMkLst>
-        </pc:spChg>
-        <pc:spChg chg="del mod ord">
-          <ac:chgData name="Dehbia Kouadria" userId="24cf8942edd75162" providerId="LiveId" clId="{17BADB32-C636-4716-B80D-93C22C39D57A}" dt="2023-04-15T14:57:53.648" v="1466" actId="700"/>
-          <ac:spMkLst>
-            <pc:docMk/>
-            <pc:sldMk cId="4222792710" sldId="410"/>
-            <ac:spMk id="5" creationId="{95B34EED-C743-01E3-DB9E-687BAFAEFE5B}"/>
-          </ac:spMkLst>
-        </pc:spChg>
-        <pc:spChg chg="add del mod ord">
-          <ac:chgData name="Dehbia Kouadria" userId="24cf8942edd75162" providerId="LiveId" clId="{17BADB32-C636-4716-B80D-93C22C39D57A}" dt="2023-04-15T15:09:18.705" v="1500" actId="700"/>
-          <ac:spMkLst>
-            <pc:docMk/>
-            <pc:sldMk cId="4222792710" sldId="410"/>
-            <ac:spMk id="6" creationId="{BA788A2D-97D2-3D85-7980-6C500DA65BCB}"/>
-          </ac:spMkLst>
-        </pc:spChg>
-        <pc:spChg chg="mod ord">
-          <ac:chgData name="Dehbia Kouadria" userId="24cf8942edd75162" providerId="LiveId" clId="{17BADB32-C636-4716-B80D-93C22C39D57A}" dt="2023-04-15T15:09:18.705" v="1500" actId="700"/>
-          <ac:spMkLst>
-            <pc:docMk/>
-            <pc:sldMk cId="4222792710" sldId="410"/>
-            <ac:spMk id="7" creationId="{FDDFDAE0-7C06-4119-B4AD-9CECDCDDC8BD}"/>
-          </ac:spMkLst>
-        </pc:spChg>
-        <pc:spChg chg="add mod ord">
-          <ac:chgData name="Dehbia Kouadria" userId="24cf8942edd75162" providerId="LiveId" clId="{17BADB32-C636-4716-B80D-93C22C39D57A}" dt="2023-04-15T15:09:18.705" v="1500" actId="700"/>
-          <ac:spMkLst>
-            <pc:docMk/>
-            <pc:sldMk cId="4222792710" sldId="410"/>
-            <ac:spMk id="8" creationId="{62436B7C-8E16-AFDC-DA9E-75C2AC2469F1}"/>
-          </ac:spMkLst>
-        </pc:spChg>
-      </pc:sldChg>
-      <pc:sldChg chg="addSp delSp modSp add mod modTransition modClrScheme chgLayout">
-        <pc:chgData name="Dehbia Kouadria" userId="24cf8942edd75162" providerId="LiveId" clId="{17BADB32-C636-4716-B80D-93C22C39D57A}" dt="2023-04-15T17:08:44.641" v="1581"/>
-        <pc:sldMkLst>
-          <pc:docMk/>
-          <pc:sldMk cId="2187927598" sldId="411"/>
-        </pc:sldMkLst>
-        <pc:spChg chg="mod ord">
-          <ac:chgData name="Dehbia Kouadria" userId="24cf8942edd75162" providerId="LiveId" clId="{17BADB32-C636-4716-B80D-93C22C39D57A}" dt="2023-04-15T15:09:18.705" v="1500" actId="700"/>
-          <ac:spMkLst>
-            <pc:docMk/>
-            <pc:sldMk cId="2187927598" sldId="411"/>
-            <ac:spMk id="2" creationId="{969F001F-8F34-E08B-4221-7B72D03A08C9}"/>
-          </ac:spMkLst>
-        </pc:spChg>
-        <pc:spChg chg="mod ord">
-          <ac:chgData name="Dehbia Kouadria" userId="24cf8942edd75162" providerId="LiveId" clId="{17BADB32-C636-4716-B80D-93C22C39D57A}" dt="2023-04-15T17:06:07.049" v="1556" actId="255"/>
-          <ac:spMkLst>
-            <pc:docMk/>
-            <pc:sldMk cId="2187927598" sldId="411"/>
-            <ac:spMk id="3" creationId="{191D54B7-2DE4-9583-CBD2-EF375384ACCC}"/>
-          </ac:spMkLst>
-        </pc:spChg>
-        <pc:spChg chg="mod ord">
-          <ac:chgData name="Dehbia Kouadria" userId="24cf8942edd75162" providerId="LiveId" clId="{17BADB32-C636-4716-B80D-93C22C39D57A}" dt="2023-04-15T15:09:18.705" v="1500" actId="700"/>
-          <ac:spMkLst>
-            <pc:docMk/>
-            <pc:sldMk cId="2187927598" sldId="411"/>
-            <ac:spMk id="4" creationId="{0AB1DAAC-D3E8-6919-1FDD-3A5CB2C3F336}"/>
-          </ac:spMkLst>
-        </pc:spChg>
-        <pc:spChg chg="del mod ord">
-          <ac:chgData name="Dehbia Kouadria" userId="24cf8942edd75162" providerId="LiveId" clId="{17BADB32-C636-4716-B80D-93C22C39D57A}" dt="2023-04-15T14:57:53.648" v="1466" actId="700"/>
-          <ac:spMkLst>
-            <pc:docMk/>
-            <pc:sldMk cId="2187927598" sldId="411"/>
-            <ac:spMk id="5" creationId="{B1E682C8-3859-4C8D-29D3-857A2681A671}"/>
-          </ac:spMkLst>
-        </pc:spChg>
-        <pc:spChg chg="add del mod ord">
-          <ac:chgData name="Dehbia Kouadria" userId="24cf8942edd75162" providerId="LiveId" clId="{17BADB32-C636-4716-B80D-93C22C39D57A}" dt="2023-04-15T15:09:18.705" v="1500" actId="700"/>
-          <ac:spMkLst>
-            <pc:docMk/>
-            <pc:sldMk cId="2187927598" sldId="411"/>
-            <ac:spMk id="6" creationId="{5B0250B9-2AC9-3BD7-F37F-22FD2A7959C8}"/>
-          </ac:spMkLst>
-        </pc:spChg>
-        <pc:spChg chg="mod ord">
-          <ac:chgData name="Dehbia Kouadria" userId="24cf8942edd75162" providerId="LiveId" clId="{17BADB32-C636-4716-B80D-93C22C39D57A}" dt="2023-04-15T15:09:18.705" v="1500" actId="700"/>
-          <ac:spMkLst>
-            <pc:docMk/>
-            <pc:sldMk cId="2187927598" sldId="411"/>
-            <ac:spMk id="7" creationId="{D56601AB-81A9-5DDF-56AA-4D49073AD8C9}"/>
-          </ac:spMkLst>
-        </pc:spChg>
-        <pc:spChg chg="add mod ord">
-          <ac:chgData name="Dehbia Kouadria" userId="24cf8942edd75162" providerId="LiveId" clId="{17BADB32-C636-4716-B80D-93C22C39D57A}" dt="2023-04-15T15:09:18.705" v="1500" actId="700"/>
-          <ac:spMkLst>
-            <pc:docMk/>
-            <pc:sldMk cId="2187927598" sldId="411"/>
-            <ac:spMk id="8" creationId="{1E99742D-85A9-6058-5D33-A57271F3ED56}"/>
-          </ac:spMkLst>
-        </pc:spChg>
-      </pc:sldChg>
-      <pc:sldChg chg="addSp delSp modSp add mod modTransition modClrScheme chgLayout">
-        <pc:chgData name="Dehbia Kouadria" userId="24cf8942edd75162" providerId="LiveId" clId="{17BADB32-C636-4716-B80D-93C22C39D57A}" dt="2023-04-15T17:08:44.641" v="1581"/>
-        <pc:sldMkLst>
-          <pc:docMk/>
-          <pc:sldMk cId="3734032137" sldId="412"/>
-        </pc:sldMkLst>
-        <pc:spChg chg="mod ord">
-          <ac:chgData name="Dehbia Kouadria" userId="24cf8942edd75162" providerId="LiveId" clId="{17BADB32-C636-4716-B80D-93C22C39D57A}" dt="2023-04-15T15:09:18.705" v="1500" actId="700"/>
-          <ac:spMkLst>
-            <pc:docMk/>
-            <pc:sldMk cId="3734032137" sldId="412"/>
-            <ac:spMk id="2" creationId="{E49DB72B-C4EB-7DFB-FCE5-B18DEAD14B02}"/>
-          </ac:spMkLst>
-        </pc:spChg>
-        <pc:spChg chg="mod ord">
-          <ac:chgData name="Dehbia Kouadria" userId="24cf8942edd75162" providerId="LiveId" clId="{17BADB32-C636-4716-B80D-93C22C39D57A}" dt="2023-04-15T17:06:12.203" v="1557" actId="255"/>
-          <ac:spMkLst>
-            <pc:docMk/>
-            <pc:sldMk cId="3734032137" sldId="412"/>
-            <ac:spMk id="3" creationId="{826EED29-EBDF-7B9C-DFE7-759CD3AACE51}"/>
-          </ac:spMkLst>
-        </pc:spChg>
-        <pc:spChg chg="mod ord">
-          <ac:chgData name="Dehbia Kouadria" userId="24cf8942edd75162" providerId="LiveId" clId="{17BADB32-C636-4716-B80D-93C22C39D57A}" dt="2023-04-15T15:09:18.705" v="1500" actId="700"/>
-          <ac:spMkLst>
-            <pc:docMk/>
-            <pc:sldMk cId="3734032137" sldId="412"/>
-            <ac:spMk id="4" creationId="{18AEF6BA-FC40-F87B-282A-659F653A0FFD}"/>
-          </ac:spMkLst>
-        </pc:spChg>
-        <pc:spChg chg="del mod ord">
-          <ac:chgData name="Dehbia Kouadria" userId="24cf8942edd75162" providerId="LiveId" clId="{17BADB32-C636-4716-B80D-93C22C39D57A}" dt="2023-04-15T14:57:53.648" v="1466" actId="700"/>
-          <ac:spMkLst>
-            <pc:docMk/>
-            <pc:sldMk cId="3734032137" sldId="412"/>
-            <ac:spMk id="5" creationId="{39404A89-BCB6-ABD8-54D2-69CD120A00F0}"/>
-          </ac:spMkLst>
-        </pc:spChg>
-        <pc:spChg chg="add del mod ord">
-          <ac:chgData name="Dehbia Kouadria" userId="24cf8942edd75162" providerId="LiveId" clId="{17BADB32-C636-4716-B80D-93C22C39D57A}" dt="2023-04-15T15:09:18.705" v="1500" actId="700"/>
-          <ac:spMkLst>
-            <pc:docMk/>
-            <pc:sldMk cId="3734032137" sldId="412"/>
-            <ac:spMk id="6" creationId="{8CA13618-6591-73B0-4D1E-20232BDF7F89}"/>
-          </ac:spMkLst>
-        </pc:spChg>
-        <pc:spChg chg="mod ord">
-          <ac:chgData name="Dehbia Kouadria" userId="24cf8942edd75162" providerId="LiveId" clId="{17BADB32-C636-4716-B80D-93C22C39D57A}" dt="2023-04-15T15:09:18.705" v="1500" actId="700"/>
-          <ac:spMkLst>
-            <pc:docMk/>
-            <pc:sldMk cId="3734032137" sldId="412"/>
-            <ac:spMk id="7" creationId="{44684EED-B72D-5529-7D5B-0D65D6077400}"/>
-          </ac:spMkLst>
-        </pc:spChg>
-        <pc:spChg chg="add mod ord">
-          <ac:chgData name="Dehbia Kouadria" userId="24cf8942edd75162" providerId="LiveId" clId="{17BADB32-C636-4716-B80D-93C22C39D57A}" dt="2023-04-15T15:09:18.705" v="1500" actId="700"/>
-          <ac:spMkLst>
-            <pc:docMk/>
-            <pc:sldMk cId="3734032137" sldId="412"/>
-            <ac:spMk id="8" creationId="{8006E421-0EAE-5056-9C38-93B276DF839D}"/>
-          </ac:spMkLst>
-        </pc:spChg>
-      </pc:sldChg>
-      <pc:sldChg chg="addSp delSp modSp add mod modTransition modClrScheme chgLayout">
-        <pc:chgData name="Dehbia Kouadria" userId="24cf8942edd75162" providerId="LiveId" clId="{17BADB32-C636-4716-B80D-93C22C39D57A}" dt="2023-04-15T17:08:44.641" v="1581"/>
-        <pc:sldMkLst>
-          <pc:docMk/>
-          <pc:sldMk cId="3146841271" sldId="413"/>
-        </pc:sldMkLst>
-        <pc:spChg chg="mod ord">
-          <ac:chgData name="Dehbia Kouadria" userId="24cf8942edd75162" providerId="LiveId" clId="{17BADB32-C636-4716-B80D-93C22C39D57A}" dt="2023-04-15T15:09:18.705" v="1500" actId="700"/>
-          <ac:spMkLst>
-            <pc:docMk/>
-            <pc:sldMk cId="3146841271" sldId="413"/>
-            <ac:spMk id="2" creationId="{5B33E5F4-4FBB-7220-E68C-B067FC3F35EF}"/>
-          </ac:spMkLst>
-        </pc:spChg>
-        <pc:spChg chg="mod ord">
-          <ac:chgData name="Dehbia Kouadria" userId="24cf8942edd75162" providerId="LiveId" clId="{17BADB32-C636-4716-B80D-93C22C39D57A}" dt="2023-04-15T17:06:31.255" v="1565" actId="20577"/>
-          <ac:spMkLst>
-            <pc:docMk/>
-            <pc:sldMk cId="3146841271" sldId="413"/>
-            <ac:spMk id="3" creationId="{E8B3C4E7-E9B2-C6AB-182C-CE287B000958}"/>
-          </ac:spMkLst>
-        </pc:spChg>
-        <pc:spChg chg="mod ord">
-          <ac:chgData name="Dehbia Kouadria" userId="24cf8942edd75162" providerId="LiveId" clId="{17BADB32-C636-4716-B80D-93C22C39D57A}" dt="2023-04-15T15:09:18.705" v="1500" actId="700"/>
-          <ac:spMkLst>
-            <pc:docMk/>
-            <pc:sldMk cId="3146841271" sldId="413"/>
-            <ac:spMk id="4" creationId="{B701CF87-F836-3F89-F0E1-40851D44682F}"/>
-          </ac:spMkLst>
-        </pc:spChg>
-        <pc:spChg chg="del mod ord">
-          <ac:chgData name="Dehbia Kouadria" userId="24cf8942edd75162" providerId="LiveId" clId="{17BADB32-C636-4716-B80D-93C22C39D57A}" dt="2023-04-15T14:57:53.648" v="1466" actId="700"/>
-          <ac:spMkLst>
-            <pc:docMk/>
-            <pc:sldMk cId="3146841271" sldId="413"/>
-            <ac:spMk id="5" creationId="{ED2335F2-110A-EA59-7323-9C05301362D1}"/>
-          </ac:spMkLst>
-        </pc:spChg>
-        <pc:spChg chg="add del mod ord">
-          <ac:chgData name="Dehbia Kouadria" userId="24cf8942edd75162" providerId="LiveId" clId="{17BADB32-C636-4716-B80D-93C22C39D57A}" dt="2023-04-15T15:09:18.705" v="1500" actId="700"/>
-          <ac:spMkLst>
-            <pc:docMk/>
-            <pc:sldMk cId="3146841271" sldId="413"/>
-            <ac:spMk id="6" creationId="{253F70BE-4096-2CB0-3D92-E715442110CB}"/>
-          </ac:spMkLst>
-        </pc:spChg>
-        <pc:spChg chg="mod ord">
-          <ac:chgData name="Dehbia Kouadria" userId="24cf8942edd75162" providerId="LiveId" clId="{17BADB32-C636-4716-B80D-93C22C39D57A}" dt="2023-04-15T15:09:18.705" v="1500" actId="700"/>
-          <ac:spMkLst>
-            <pc:docMk/>
-            <pc:sldMk cId="3146841271" sldId="413"/>
-            <ac:spMk id="7" creationId="{2DA18E6C-4A91-D6D2-72C9-19B846F42547}"/>
-          </ac:spMkLst>
-        </pc:spChg>
-        <pc:spChg chg="add mod ord">
-          <ac:chgData name="Dehbia Kouadria" userId="24cf8942edd75162" providerId="LiveId" clId="{17BADB32-C636-4716-B80D-93C22C39D57A}" dt="2023-04-15T15:09:18.705" v="1500" actId="700"/>
-          <ac:spMkLst>
-            <pc:docMk/>
-            <pc:sldMk cId="3146841271" sldId="413"/>
-            <ac:spMk id="8" creationId="{324D7B03-DF51-3153-027F-8058F177ECFF}"/>
-          </ac:spMkLst>
-        </pc:spChg>
-      </pc:sldChg>
-      <pc:sldChg chg="addSp delSp modSp add mod modTransition modClrScheme chgLayout">
-        <pc:chgData name="Dehbia Kouadria" userId="24cf8942edd75162" providerId="LiveId" clId="{17BADB32-C636-4716-B80D-93C22C39D57A}" dt="2023-04-15T17:08:44.641" v="1581"/>
-        <pc:sldMkLst>
-          <pc:docMk/>
-          <pc:sldMk cId="3356272354" sldId="414"/>
-        </pc:sldMkLst>
-        <pc:spChg chg="mod ord">
-          <ac:chgData name="Dehbia Kouadria" userId="24cf8942edd75162" providerId="LiveId" clId="{17BADB32-C636-4716-B80D-93C22C39D57A}" dt="2023-04-15T15:09:18.705" v="1500" actId="700"/>
-          <ac:spMkLst>
-            <pc:docMk/>
-            <pc:sldMk cId="3356272354" sldId="414"/>
-            <ac:spMk id="2" creationId="{86588928-102E-0A0F-7C5C-0A04408E9452}"/>
-          </ac:spMkLst>
-        </pc:spChg>
-        <pc:spChg chg="mod ord">
-          <ac:chgData name="Dehbia Kouadria" userId="24cf8942edd75162" providerId="LiveId" clId="{17BADB32-C636-4716-B80D-93C22C39D57A}" dt="2023-04-15T17:06:43.413" v="1567" actId="255"/>
-          <ac:spMkLst>
-            <pc:docMk/>
-            <pc:sldMk cId="3356272354" sldId="414"/>
-            <ac:spMk id="3" creationId="{EF47B19D-DCAF-21C9-364C-EF222DC1BDFD}"/>
-          </ac:spMkLst>
-        </pc:spChg>
-        <pc:spChg chg="mod ord">
-          <ac:chgData name="Dehbia Kouadria" userId="24cf8942edd75162" providerId="LiveId" clId="{17BADB32-C636-4716-B80D-93C22C39D57A}" dt="2023-04-15T15:09:18.705" v="1500" actId="700"/>
-          <ac:spMkLst>
-            <pc:docMk/>
-            <pc:sldMk cId="3356272354" sldId="414"/>
-            <ac:spMk id="4" creationId="{0868F7BA-AD5E-38C0-65E0-55696DCE73F3}"/>
-          </ac:spMkLst>
-        </pc:spChg>
-        <pc:spChg chg="del mod ord">
-          <ac:chgData name="Dehbia Kouadria" userId="24cf8942edd75162" providerId="LiveId" clId="{17BADB32-C636-4716-B80D-93C22C39D57A}" dt="2023-04-15T14:57:53.648" v="1466" actId="700"/>
-          <ac:spMkLst>
-            <pc:docMk/>
-            <pc:sldMk cId="3356272354" sldId="414"/>
-            <ac:spMk id="5" creationId="{9F94B425-41AA-57A4-87F7-068422F0F79C}"/>
-          </ac:spMkLst>
-        </pc:spChg>
-        <pc:spChg chg="add del mod ord">
-          <ac:chgData name="Dehbia Kouadria" userId="24cf8942edd75162" providerId="LiveId" clId="{17BADB32-C636-4716-B80D-93C22C39D57A}" dt="2023-04-15T15:06:21.803" v="1475" actId="700"/>
-          <ac:spMkLst>
-            <pc:docMk/>
-            <pc:sldMk cId="3356272354" sldId="414"/>
-            <ac:spMk id="6" creationId="{937767AA-5CE4-885C-37A0-6B6890E2000A}"/>
-          </ac:spMkLst>
-        </pc:spChg>
-        <pc:spChg chg="mod ord">
-          <ac:chgData name="Dehbia Kouadria" userId="24cf8942edd75162" providerId="LiveId" clId="{17BADB32-C636-4716-B80D-93C22C39D57A}" dt="2023-04-15T15:09:18.705" v="1500" actId="700"/>
-          <ac:spMkLst>
-            <pc:docMk/>
-            <pc:sldMk cId="3356272354" sldId="414"/>
-            <ac:spMk id="7" creationId="{689159D9-409F-642A-EAE0-273E89B9E39A}"/>
-          </ac:spMkLst>
-        </pc:spChg>
-        <pc:spChg chg="add del mod ord">
-          <ac:chgData name="Dehbia Kouadria" userId="24cf8942edd75162" providerId="LiveId" clId="{17BADB32-C636-4716-B80D-93C22C39D57A}" dt="2023-04-15T15:07:02.225" v="1477" actId="700"/>
-          <ac:spMkLst>
-            <pc:docMk/>
-            <pc:sldMk cId="3356272354" sldId="414"/>
-            <ac:spMk id="8" creationId="{A5C62F4A-CFBA-62F0-4616-AE1820BCE708}"/>
-          </ac:spMkLst>
-        </pc:spChg>
-        <pc:spChg chg="add del mod ord">
-          <ac:chgData name="Dehbia Kouadria" userId="24cf8942edd75162" providerId="LiveId" clId="{17BADB32-C636-4716-B80D-93C22C39D57A}" dt="2023-04-15T15:07:10.353" v="1478" actId="700"/>
-          <ac:spMkLst>
-            <pc:docMk/>
-            <pc:sldMk cId="3356272354" sldId="414"/>
-            <ac:spMk id="9" creationId="{CD4C72F8-CFDC-041A-5412-61F674D8CD84}"/>
-          </ac:spMkLst>
-        </pc:spChg>
-        <pc:spChg chg="add del mod ord">
-          <ac:chgData name="Dehbia Kouadria" userId="24cf8942edd75162" providerId="LiveId" clId="{17BADB32-C636-4716-B80D-93C22C39D57A}" dt="2023-04-15T15:09:18.705" v="1500" actId="700"/>
-          <ac:spMkLst>
-            <pc:docMk/>
-            <pc:sldMk cId="3356272354" sldId="414"/>
-            <ac:spMk id="10" creationId="{C8565C9C-8AD9-B7D1-29E8-FC3B91B41266}"/>
-          </ac:spMkLst>
-        </pc:spChg>
-        <pc:spChg chg="add mod ord">
-          <ac:chgData name="Dehbia Kouadria" userId="24cf8942edd75162" providerId="LiveId" clId="{17BADB32-C636-4716-B80D-93C22C39D57A}" dt="2023-04-15T15:09:18.705" v="1500" actId="700"/>
-          <ac:spMkLst>
-            <pc:docMk/>
-            <pc:sldMk cId="3356272354" sldId="414"/>
-            <ac:spMk id="11" creationId="{1F72874E-180E-A21A-ED99-78C6E5421651}"/>
-          </ac:spMkLst>
-        </pc:spChg>
-      </pc:sldChg>
-      <pc:sldChg chg="addSp delSp modSp add mod modTransition modClrScheme chgLayout">
-        <pc:chgData name="Dehbia Kouadria" userId="24cf8942edd75162" providerId="LiveId" clId="{17BADB32-C636-4716-B80D-93C22C39D57A}" dt="2023-04-15T17:08:44.641" v="1581"/>
-        <pc:sldMkLst>
-          <pc:docMk/>
-          <pc:sldMk cId="3157813901" sldId="415"/>
-        </pc:sldMkLst>
-        <pc:spChg chg="mod ord">
-          <ac:chgData name="Dehbia Kouadria" userId="24cf8942edd75162" providerId="LiveId" clId="{17BADB32-C636-4716-B80D-93C22C39D57A}" dt="2023-04-15T15:08:27.184" v="1498" actId="700"/>
-          <ac:spMkLst>
-            <pc:docMk/>
-            <pc:sldMk cId="3157813901" sldId="415"/>
-            <ac:spMk id="2" creationId="{B13839B6-4566-3A72-0E34-97149CA41424}"/>
-          </ac:spMkLst>
-        </pc:spChg>
-        <pc:spChg chg="mod ord">
-          <ac:chgData name="Dehbia Kouadria" userId="24cf8942edd75162" providerId="LiveId" clId="{17BADB32-C636-4716-B80D-93C22C39D57A}" dt="2023-04-15T15:08:27.184" v="1498" actId="700"/>
-          <ac:spMkLst>
-            <pc:docMk/>
-            <pc:sldMk cId="3157813901" sldId="415"/>
-            <ac:spMk id="3" creationId="{687754B0-200E-9862-A921-4BC4B124B15A}"/>
-          </ac:spMkLst>
-        </pc:spChg>
-        <pc:spChg chg="mod ord">
-          <ac:chgData name="Dehbia Kouadria" userId="24cf8942edd75162" providerId="LiveId" clId="{17BADB32-C636-4716-B80D-93C22C39D57A}" dt="2023-04-15T15:08:27.184" v="1498" actId="700"/>
-          <ac:spMkLst>
-            <pc:docMk/>
-            <pc:sldMk cId="3157813901" sldId="415"/>
-            <ac:spMk id="4" creationId="{C611F010-C8BE-AA6D-22D7-B1BB7304C3D6}"/>
-          </ac:spMkLst>
-        </pc:spChg>
-        <pc:spChg chg="add del mod ord">
-          <ac:chgData name="Dehbia Kouadria" userId="24cf8942edd75162" providerId="LiveId" clId="{17BADB32-C636-4716-B80D-93C22C39D57A}" dt="2023-04-15T14:56:03.712" v="1462" actId="700"/>
-          <ac:spMkLst>
-            <pc:docMk/>
-            <pc:sldMk cId="3157813901" sldId="415"/>
-            <ac:spMk id="5" creationId="{4AE4C072-0EF8-4F8C-C274-A21813F50CA6}"/>
-          </ac:spMkLst>
-        </pc:spChg>
-        <pc:spChg chg="add del mod ord">
-          <ac:chgData name="Dehbia Kouadria" userId="24cf8942edd75162" providerId="LiveId" clId="{17BADB32-C636-4716-B80D-93C22C39D57A}" dt="2023-04-15T15:08:27.184" v="1498" actId="700"/>
-          <ac:spMkLst>
-            <pc:docMk/>
-            <pc:sldMk cId="3157813901" sldId="415"/>
-            <ac:spMk id="6" creationId="{16EFE60E-AF2C-FE7A-6C64-ECCC3563DC33}"/>
-          </ac:spMkLst>
-        </pc:spChg>
-        <pc:spChg chg="mod ord">
-          <ac:chgData name="Dehbia Kouadria" userId="24cf8942edd75162" providerId="LiveId" clId="{17BADB32-C636-4716-B80D-93C22C39D57A}" dt="2023-04-15T15:08:27.184" v="1498" actId="700"/>
-          <ac:spMkLst>
-            <pc:docMk/>
-            <pc:sldMk cId="3157813901" sldId="415"/>
-            <ac:spMk id="7" creationId="{D53423C5-5CC3-699B-EA4A-17DD0FBC8E50}"/>
-          </ac:spMkLst>
-        </pc:spChg>
-        <pc:spChg chg="add mod ord">
-          <ac:chgData name="Dehbia Kouadria" userId="24cf8942edd75162" providerId="LiveId" clId="{17BADB32-C636-4716-B80D-93C22C39D57A}" dt="2023-04-15T15:08:27.184" v="1498" actId="700"/>
-          <ac:spMkLst>
-            <pc:docMk/>
-            <pc:sldMk cId="3157813901" sldId="415"/>
-            <ac:spMk id="8" creationId="{A7F8B47A-4110-950F-E18A-422BED13B9B3}"/>
-          </ac:spMkLst>
-        </pc:spChg>
-      </pc:sldChg>
-      <pc:sldChg chg="addSp delSp modSp add mod modTransition modClrScheme chgLayout">
-        <pc:chgData name="Dehbia Kouadria" userId="24cf8942edd75162" providerId="LiveId" clId="{17BADB32-C636-4716-B80D-93C22C39D57A}" dt="2023-04-15T17:08:44.641" v="1581"/>
-        <pc:sldMkLst>
-          <pc:docMk/>
-          <pc:sldMk cId="2085049054" sldId="416"/>
-        </pc:sldMkLst>
-        <pc:spChg chg="mod ord">
-          <ac:chgData name="Dehbia Kouadria" userId="24cf8942edd75162" providerId="LiveId" clId="{17BADB32-C636-4716-B80D-93C22C39D57A}" dt="2023-04-15T15:08:43.468" v="1499" actId="700"/>
-          <ac:spMkLst>
-            <pc:docMk/>
-            <pc:sldMk cId="2085049054" sldId="416"/>
-            <ac:spMk id="2" creationId="{C5CE4113-43A3-C5DB-C051-101917157300}"/>
-          </ac:spMkLst>
-        </pc:spChg>
-        <pc:spChg chg="mod ord">
-          <ac:chgData name="Dehbia Kouadria" userId="24cf8942edd75162" providerId="LiveId" clId="{17BADB32-C636-4716-B80D-93C22C39D57A}" dt="2023-04-15T17:04:18.721" v="1538" actId="255"/>
-          <ac:spMkLst>
-            <pc:docMk/>
-            <pc:sldMk cId="2085049054" sldId="416"/>
-            <ac:spMk id="3" creationId="{0C4E52D7-CCDA-3095-C6D5-9F9BCA84CA61}"/>
-          </ac:spMkLst>
-        </pc:spChg>
-        <pc:spChg chg="mod ord">
-          <ac:chgData name="Dehbia Kouadria" userId="24cf8942edd75162" providerId="LiveId" clId="{17BADB32-C636-4716-B80D-93C22C39D57A}" dt="2023-04-15T15:08:43.468" v="1499" actId="700"/>
-          <ac:spMkLst>
-            <pc:docMk/>
-            <pc:sldMk cId="2085049054" sldId="416"/>
-            <ac:spMk id="4" creationId="{8CC88C64-23E3-5B4D-718D-DDFEFBCD1599}"/>
-          </ac:spMkLst>
-        </pc:spChg>
-        <pc:spChg chg="del mod ord">
-          <ac:chgData name="Dehbia Kouadria" userId="24cf8942edd75162" providerId="LiveId" clId="{17BADB32-C636-4716-B80D-93C22C39D57A}" dt="2023-04-15T14:56:59.445" v="1465" actId="700"/>
-          <ac:spMkLst>
-            <pc:docMk/>
-            <pc:sldMk cId="2085049054" sldId="416"/>
-            <ac:spMk id="5" creationId="{776D4840-014B-580F-0972-1478381B3BFD}"/>
-          </ac:spMkLst>
-        </pc:spChg>
-        <pc:spChg chg="add del mod ord">
-          <ac:chgData name="Dehbia Kouadria" userId="24cf8942edd75162" providerId="LiveId" clId="{17BADB32-C636-4716-B80D-93C22C39D57A}" dt="2023-04-15T15:08:43.468" v="1499" actId="700"/>
-          <ac:spMkLst>
-            <pc:docMk/>
-            <pc:sldMk cId="2085049054" sldId="416"/>
-            <ac:spMk id="6" creationId="{177E21E9-5DF9-7404-D43F-7211279C6086}"/>
-          </ac:spMkLst>
-        </pc:spChg>
-        <pc:spChg chg="mod ord">
-          <ac:chgData name="Dehbia Kouadria" userId="24cf8942edd75162" providerId="LiveId" clId="{17BADB32-C636-4716-B80D-93C22C39D57A}" dt="2023-04-15T15:08:43.468" v="1499" actId="700"/>
-          <ac:spMkLst>
-            <pc:docMk/>
-            <pc:sldMk cId="2085049054" sldId="416"/>
-            <ac:spMk id="7" creationId="{75387A77-6479-533F-9263-5C14ABF25A0E}"/>
-          </ac:spMkLst>
-        </pc:spChg>
-        <pc:spChg chg="add mod ord">
-          <ac:chgData name="Dehbia Kouadria" userId="24cf8942edd75162" providerId="LiveId" clId="{17BADB32-C636-4716-B80D-93C22C39D57A}" dt="2023-04-15T15:08:43.468" v="1499" actId="700"/>
-          <ac:spMkLst>
-            <pc:docMk/>
-            <pc:sldMk cId="2085049054" sldId="416"/>
-            <ac:spMk id="8" creationId="{9EC2668A-A7A5-5715-E8A5-9D15164A1C91}"/>
-          </ac:spMkLst>
-        </pc:spChg>
-      </pc:sldChg>
-      <pc:sldChg chg="addSp delSp modSp add mod modTransition modClrScheme chgLayout">
-        <pc:chgData name="Dehbia Kouadria" userId="24cf8942edd75162" providerId="LiveId" clId="{17BADB32-C636-4716-B80D-93C22C39D57A}" dt="2023-04-15T17:08:44.641" v="1581"/>
-        <pc:sldMkLst>
-          <pc:docMk/>
-          <pc:sldMk cId="1471201565" sldId="417"/>
-        </pc:sldMkLst>
-        <pc:spChg chg="mod ord">
-          <ac:chgData name="Dehbia Kouadria" userId="24cf8942edd75162" providerId="LiveId" clId="{17BADB32-C636-4716-B80D-93C22C39D57A}" dt="2023-04-15T15:08:43.468" v="1499" actId="700"/>
-          <ac:spMkLst>
-            <pc:docMk/>
-            <pc:sldMk cId="1471201565" sldId="417"/>
-            <ac:spMk id="2" creationId="{40FC93F0-C49E-FEF0-4C0E-47910E34211E}"/>
-          </ac:spMkLst>
-        </pc:spChg>
-        <pc:spChg chg="mod ord">
-          <ac:chgData name="Dehbia Kouadria" userId="24cf8942edd75162" providerId="LiveId" clId="{17BADB32-C636-4716-B80D-93C22C39D57A}" dt="2023-04-15T17:04:23.395" v="1539" actId="255"/>
-          <ac:spMkLst>
-            <pc:docMk/>
-            <pc:sldMk cId="1471201565" sldId="417"/>
-            <ac:spMk id="3" creationId="{9392357A-3A25-F0F6-11EA-2F672EC20FD6}"/>
-          </ac:spMkLst>
-        </pc:spChg>
-        <pc:spChg chg="mod ord">
-          <ac:chgData name="Dehbia Kouadria" userId="24cf8942edd75162" providerId="LiveId" clId="{17BADB32-C636-4716-B80D-93C22C39D57A}" dt="2023-04-15T15:08:43.468" v="1499" actId="700"/>
-          <ac:spMkLst>
-            <pc:docMk/>
-            <pc:sldMk cId="1471201565" sldId="417"/>
-            <ac:spMk id="4" creationId="{85DBD613-AA92-919D-1BC2-14729C18C978}"/>
-          </ac:spMkLst>
-        </pc:spChg>
-        <pc:spChg chg="del mod ord">
-          <ac:chgData name="Dehbia Kouadria" userId="24cf8942edd75162" providerId="LiveId" clId="{17BADB32-C636-4716-B80D-93C22C39D57A}" dt="2023-04-15T14:56:59.445" v="1465" actId="700"/>
-          <ac:spMkLst>
-            <pc:docMk/>
-            <pc:sldMk cId="1471201565" sldId="417"/>
-            <ac:spMk id="5" creationId="{20A6492E-7704-1FC2-A842-F11F964B0F83}"/>
-          </ac:spMkLst>
-        </pc:spChg>
-        <pc:spChg chg="add del mod ord">
-          <ac:chgData name="Dehbia Kouadria" userId="24cf8942edd75162" providerId="LiveId" clId="{17BADB32-C636-4716-B80D-93C22C39D57A}" dt="2023-04-15T15:08:43.468" v="1499" actId="700"/>
-          <ac:spMkLst>
-            <pc:docMk/>
-            <pc:sldMk cId="1471201565" sldId="417"/>
-            <ac:spMk id="6" creationId="{E1B72CA8-3072-0004-1B96-F3DFDAE6AE01}"/>
-          </ac:spMkLst>
-        </pc:spChg>
-        <pc:spChg chg="mod ord">
-          <ac:chgData name="Dehbia Kouadria" userId="24cf8942edd75162" providerId="LiveId" clId="{17BADB32-C636-4716-B80D-93C22C39D57A}" dt="2023-04-15T15:08:43.468" v="1499" actId="700"/>
-          <ac:spMkLst>
-            <pc:docMk/>
-            <pc:sldMk cId="1471201565" sldId="417"/>
-            <ac:spMk id="7" creationId="{3C2A2D69-85B2-59BA-25C5-68C79EA258F3}"/>
-          </ac:spMkLst>
-        </pc:spChg>
-        <pc:spChg chg="add mod ord">
-          <ac:chgData name="Dehbia Kouadria" userId="24cf8942edd75162" providerId="LiveId" clId="{17BADB32-C636-4716-B80D-93C22C39D57A}" dt="2023-04-15T15:08:43.468" v="1499" actId="700"/>
-          <ac:spMkLst>
-            <pc:docMk/>
-            <pc:sldMk cId="1471201565" sldId="417"/>
-            <ac:spMk id="8" creationId="{91244F63-609A-38A6-BA1B-20628D3CFEC5}"/>
-          </ac:spMkLst>
-        </pc:spChg>
-      </pc:sldChg>
-      <pc:sldChg chg="addSp delSp modSp add mod modTransition modClrScheme chgLayout">
-        <pc:chgData name="Dehbia Kouadria" userId="24cf8942edd75162" providerId="LiveId" clId="{17BADB32-C636-4716-B80D-93C22C39D57A}" dt="2023-04-15T17:08:44.641" v="1581"/>
-        <pc:sldMkLst>
-          <pc:docMk/>
-          <pc:sldMk cId="465228522" sldId="418"/>
-        </pc:sldMkLst>
-        <pc:spChg chg="mod ord">
-          <ac:chgData name="Dehbia Kouadria" userId="24cf8942edd75162" providerId="LiveId" clId="{17BADB32-C636-4716-B80D-93C22C39D57A}" dt="2023-04-15T15:09:18.705" v="1500" actId="700"/>
-          <ac:spMkLst>
-            <pc:docMk/>
-            <pc:sldMk cId="465228522" sldId="418"/>
-            <ac:spMk id="2" creationId="{EE0B672C-CECB-0C42-387C-D6D2EC55FF00}"/>
-          </ac:spMkLst>
-        </pc:spChg>
-        <pc:spChg chg="mod ord">
-          <ac:chgData name="Dehbia Kouadria" userId="24cf8942edd75162" providerId="LiveId" clId="{17BADB32-C636-4716-B80D-93C22C39D57A}" dt="2023-04-15T17:06:02.134" v="1555" actId="255"/>
-          <ac:spMkLst>
-            <pc:docMk/>
-            <pc:sldMk cId="465228522" sldId="418"/>
-            <ac:spMk id="3" creationId="{823ACE64-C49C-F335-EE7B-7229DA9969B8}"/>
-          </ac:spMkLst>
-        </pc:spChg>
-        <pc:spChg chg="mod ord">
-          <ac:chgData name="Dehbia Kouadria" userId="24cf8942edd75162" providerId="LiveId" clId="{17BADB32-C636-4716-B80D-93C22C39D57A}" dt="2023-04-15T15:09:18.705" v="1500" actId="700"/>
-          <ac:spMkLst>
-            <pc:docMk/>
-            <pc:sldMk cId="465228522" sldId="418"/>
-            <ac:spMk id="4" creationId="{1857BB40-AA79-0A3C-37EE-018969AB6B7A}"/>
-          </ac:spMkLst>
-        </pc:spChg>
-        <pc:spChg chg="del mod ord">
-          <ac:chgData name="Dehbia Kouadria" userId="24cf8942edd75162" providerId="LiveId" clId="{17BADB32-C636-4716-B80D-93C22C39D57A}" dt="2023-04-15T14:57:53.648" v="1466" actId="700"/>
-          <ac:spMkLst>
-            <pc:docMk/>
-            <pc:sldMk cId="465228522" sldId="418"/>
-            <ac:spMk id="5" creationId="{F28A51C6-B7CD-5B6C-DD91-9C13EC2ECF38}"/>
-          </ac:spMkLst>
-        </pc:spChg>
-        <pc:spChg chg="add del mod ord">
-          <ac:chgData name="Dehbia Kouadria" userId="24cf8942edd75162" providerId="LiveId" clId="{17BADB32-C636-4716-B80D-93C22C39D57A}" dt="2023-04-15T15:09:18.705" v="1500" actId="700"/>
-          <ac:spMkLst>
-            <pc:docMk/>
-            <pc:sldMk cId="465228522" sldId="418"/>
-            <ac:spMk id="6" creationId="{53844552-6EF9-E04A-C128-7D3B0A0D2AD3}"/>
-          </ac:spMkLst>
-        </pc:spChg>
-        <pc:spChg chg="mod ord">
-          <ac:chgData name="Dehbia Kouadria" userId="24cf8942edd75162" providerId="LiveId" clId="{17BADB32-C636-4716-B80D-93C22C39D57A}" dt="2023-04-15T15:09:18.705" v="1500" actId="700"/>
-          <ac:spMkLst>
-            <pc:docMk/>
-            <pc:sldMk cId="465228522" sldId="418"/>
-            <ac:spMk id="7" creationId="{00EB97ED-976F-A48A-BD4C-BA618AA28032}"/>
-          </ac:spMkLst>
-        </pc:spChg>
-        <pc:spChg chg="add mod ord">
-          <ac:chgData name="Dehbia Kouadria" userId="24cf8942edd75162" providerId="LiveId" clId="{17BADB32-C636-4716-B80D-93C22C39D57A}" dt="2023-04-15T15:09:18.705" v="1500" actId="700"/>
-          <ac:spMkLst>
-            <pc:docMk/>
-            <pc:sldMk cId="465228522" sldId="418"/>
-            <ac:spMk id="8" creationId="{607657E1-7186-6028-F86B-497E4AEE90A2}"/>
-          </ac:spMkLst>
-        </pc:spChg>
-      </pc:sldChg>
-      <pc:sldChg chg="addSp delSp modSp add mod modTransition modClrScheme chgLayout">
-        <pc:chgData name="Dehbia Kouadria" userId="24cf8942edd75162" providerId="LiveId" clId="{17BADB32-C636-4716-B80D-93C22C39D57A}" dt="2023-04-15T17:08:44.641" v="1581"/>
-        <pc:sldMkLst>
-          <pc:docMk/>
-          <pc:sldMk cId="2260448439" sldId="419"/>
-        </pc:sldMkLst>
-        <pc:spChg chg="mod ord">
-          <ac:chgData name="Dehbia Kouadria" userId="24cf8942edd75162" providerId="LiveId" clId="{17BADB32-C636-4716-B80D-93C22C39D57A}" dt="2023-04-15T15:09:18.705" v="1500" actId="700"/>
-          <ac:spMkLst>
-            <pc:docMk/>
-            <pc:sldMk cId="2260448439" sldId="419"/>
-            <ac:spMk id="2" creationId="{04A52144-D1B6-E230-5DCA-D24B8AD67DB2}"/>
-          </ac:spMkLst>
-        </pc:spChg>
-        <pc:spChg chg="mod ord">
-          <ac:chgData name="Dehbia Kouadria" userId="24cf8942edd75162" providerId="LiveId" clId="{17BADB32-C636-4716-B80D-93C22C39D57A}" dt="2023-04-15T17:06:16.817" v="1558" actId="255"/>
-          <ac:spMkLst>
-            <pc:docMk/>
-            <pc:sldMk cId="2260448439" sldId="419"/>
-            <ac:spMk id="3" creationId="{4559B06D-8031-A763-F782-CBAAD42D58DD}"/>
-          </ac:spMkLst>
-        </pc:spChg>
-        <pc:spChg chg="mod ord">
-          <ac:chgData name="Dehbia Kouadria" userId="24cf8942edd75162" providerId="LiveId" clId="{17BADB32-C636-4716-B80D-93C22C39D57A}" dt="2023-04-15T15:09:18.705" v="1500" actId="700"/>
-          <ac:spMkLst>
-            <pc:docMk/>
-            <pc:sldMk cId="2260448439" sldId="419"/>
-            <ac:spMk id="4" creationId="{13ACFA02-A874-392D-ECE2-536F86361D0D}"/>
-          </ac:spMkLst>
-        </pc:spChg>
-        <pc:spChg chg="del mod ord">
-          <ac:chgData name="Dehbia Kouadria" userId="24cf8942edd75162" providerId="LiveId" clId="{17BADB32-C636-4716-B80D-93C22C39D57A}" dt="2023-04-15T14:57:53.648" v="1466" actId="700"/>
-          <ac:spMkLst>
-            <pc:docMk/>
-            <pc:sldMk cId="2260448439" sldId="419"/>
-            <ac:spMk id="5" creationId="{EBD41A99-271A-7C51-E4DE-2D7D2460594B}"/>
-          </ac:spMkLst>
-        </pc:spChg>
-        <pc:spChg chg="add del mod ord">
-          <ac:chgData name="Dehbia Kouadria" userId="24cf8942edd75162" providerId="LiveId" clId="{17BADB32-C636-4716-B80D-93C22C39D57A}" dt="2023-04-15T15:09:18.705" v="1500" actId="700"/>
-          <ac:spMkLst>
-            <pc:docMk/>
-            <pc:sldMk cId="2260448439" sldId="419"/>
-            <ac:spMk id="6" creationId="{79DA7574-A107-E785-DD10-18D0EDF87F6E}"/>
-          </ac:spMkLst>
-        </pc:spChg>
-        <pc:spChg chg="mod ord">
-          <ac:chgData name="Dehbia Kouadria" userId="24cf8942edd75162" providerId="LiveId" clId="{17BADB32-C636-4716-B80D-93C22C39D57A}" dt="2023-04-15T15:09:18.705" v="1500" actId="700"/>
-          <ac:spMkLst>
-            <pc:docMk/>
-            <pc:sldMk cId="2260448439" sldId="419"/>
-            <ac:spMk id="7" creationId="{94306FDF-05DA-9FCB-E60C-DB89DA94D4AD}"/>
-          </ac:spMkLst>
-        </pc:spChg>
-        <pc:spChg chg="add mod ord">
-          <ac:chgData name="Dehbia Kouadria" userId="24cf8942edd75162" providerId="LiveId" clId="{17BADB32-C636-4716-B80D-93C22C39D57A}" dt="2023-04-15T15:09:18.705" v="1500" actId="700"/>
-          <ac:spMkLst>
-            <pc:docMk/>
-            <pc:sldMk cId="2260448439" sldId="419"/>
-            <ac:spMk id="8" creationId="{0649D641-EB4F-0483-A6BA-BFA379CD063B}"/>
-          </ac:spMkLst>
-        </pc:spChg>
-      </pc:sldChg>
-      <pc:sldChg chg="addSp delSp modSp add mod modTransition modClrScheme chgLayout">
-        <pc:chgData name="Dehbia Kouadria" userId="24cf8942edd75162" providerId="LiveId" clId="{17BADB32-C636-4716-B80D-93C22C39D57A}" dt="2023-04-15T17:08:44.641" v="1581"/>
-        <pc:sldMkLst>
-          <pc:docMk/>
-          <pc:sldMk cId="1929006246" sldId="420"/>
-        </pc:sldMkLst>
-        <pc:spChg chg="mod ord">
-          <ac:chgData name="Dehbia Kouadria" userId="24cf8942edd75162" providerId="LiveId" clId="{17BADB32-C636-4716-B80D-93C22C39D57A}" dt="2023-04-15T15:09:18.705" v="1500" actId="700"/>
-          <ac:spMkLst>
-            <pc:docMk/>
-            <pc:sldMk cId="1929006246" sldId="420"/>
-            <ac:spMk id="2" creationId="{8F65686A-1479-9972-5958-510DCF75FB10}"/>
-          </ac:spMkLst>
-        </pc:spChg>
-        <pc:spChg chg="mod ord">
-          <ac:chgData name="Dehbia Kouadria" userId="24cf8942edd75162" providerId="LiveId" clId="{17BADB32-C636-4716-B80D-93C22C39D57A}" dt="2023-04-15T17:06:36.240" v="1566" actId="255"/>
-          <ac:spMkLst>
-            <pc:docMk/>
-            <pc:sldMk cId="1929006246" sldId="420"/>
-            <ac:spMk id="3" creationId="{0CBAF0AB-B6A6-B451-9181-756FE201D517}"/>
-          </ac:spMkLst>
-        </pc:spChg>
-        <pc:spChg chg="mod ord">
-          <ac:chgData name="Dehbia Kouadria" userId="24cf8942edd75162" providerId="LiveId" clId="{17BADB32-C636-4716-B80D-93C22C39D57A}" dt="2023-04-15T15:09:18.705" v="1500" actId="700"/>
-          <ac:spMkLst>
-            <pc:docMk/>
-            <pc:sldMk cId="1929006246" sldId="420"/>
-            <ac:spMk id="4" creationId="{992BDD72-4F37-009F-9802-FF1031373C97}"/>
-          </ac:spMkLst>
-        </pc:spChg>
-        <pc:spChg chg="del mod ord">
-          <ac:chgData name="Dehbia Kouadria" userId="24cf8942edd75162" providerId="LiveId" clId="{17BADB32-C636-4716-B80D-93C22C39D57A}" dt="2023-04-15T14:57:53.648" v="1466" actId="700"/>
-          <ac:spMkLst>
-            <pc:docMk/>
-            <pc:sldMk cId="1929006246" sldId="420"/>
-            <ac:spMk id="5" creationId="{A02617C1-E2E1-4C57-C309-663726E43322}"/>
-          </ac:spMkLst>
-        </pc:spChg>
-        <pc:spChg chg="add del mod ord">
-          <ac:chgData name="Dehbia Kouadria" userId="24cf8942edd75162" providerId="LiveId" clId="{17BADB32-C636-4716-B80D-93C22C39D57A}" dt="2023-04-15T15:09:18.705" v="1500" actId="700"/>
-          <ac:spMkLst>
-            <pc:docMk/>
-            <pc:sldMk cId="1929006246" sldId="420"/>
-            <ac:spMk id="6" creationId="{BB85654B-5E66-2CF2-43C4-BC03F9F7E1F3}"/>
-          </ac:spMkLst>
-        </pc:spChg>
-        <pc:spChg chg="mod ord">
-          <ac:chgData name="Dehbia Kouadria" userId="24cf8942edd75162" providerId="LiveId" clId="{17BADB32-C636-4716-B80D-93C22C39D57A}" dt="2023-04-15T15:09:18.705" v="1500" actId="700"/>
-          <ac:spMkLst>
-            <pc:docMk/>
-            <pc:sldMk cId="1929006246" sldId="420"/>
-            <ac:spMk id="7" creationId="{47362018-21C5-0285-9570-CAA0DAA9EBDC}"/>
-          </ac:spMkLst>
-        </pc:spChg>
-        <pc:spChg chg="add mod ord">
-          <ac:chgData name="Dehbia Kouadria" userId="24cf8942edd75162" providerId="LiveId" clId="{17BADB32-C636-4716-B80D-93C22C39D57A}" dt="2023-04-15T15:09:18.705" v="1500" actId="700"/>
-          <ac:spMkLst>
-            <pc:docMk/>
-            <pc:sldMk cId="1929006246" sldId="420"/>
-            <ac:spMk id="8" creationId="{3B300937-7754-E2A9-94D2-B2B55E38AD1D}"/>
-          </ac:spMkLst>
-        </pc:spChg>
-      </pc:sldChg>
-      <pc:sldChg chg="addSp delSp modSp add mod ord modTransition modClrScheme chgLayout">
-        <pc:chgData name="Dehbia Kouadria" userId="24cf8942edd75162" providerId="LiveId" clId="{17BADB32-C636-4716-B80D-93C22C39D57A}" dt="2023-04-15T17:08:44.641" v="1581"/>
-        <pc:sldMkLst>
-          <pc:docMk/>
-          <pc:sldMk cId="2007050509" sldId="421"/>
-        </pc:sldMkLst>
-        <pc:spChg chg="mod ord">
-          <ac:chgData name="Dehbia Kouadria" userId="24cf8942edd75162" providerId="LiveId" clId="{17BADB32-C636-4716-B80D-93C22C39D57A}" dt="2023-04-15T15:00:26.834" v="1469" actId="700"/>
-          <ac:spMkLst>
-            <pc:docMk/>
-            <pc:sldMk cId="2007050509" sldId="421"/>
-            <ac:spMk id="2" creationId="{A8116A1F-6758-C1D4-D214-77CF271CC276}"/>
-          </ac:spMkLst>
-        </pc:spChg>
-        <pc:spChg chg="mod ord">
-          <ac:chgData name="Dehbia Kouadria" userId="24cf8942edd75162" providerId="LiveId" clId="{17BADB32-C636-4716-B80D-93C22C39D57A}" dt="2023-04-15T15:00:26.834" v="1469" actId="700"/>
-          <ac:spMkLst>
-            <pc:docMk/>
-            <pc:sldMk cId="2007050509" sldId="421"/>
-            <ac:spMk id="3" creationId="{EF07B131-ACAB-E7DB-EF6A-BE359152C874}"/>
-          </ac:spMkLst>
-        </pc:spChg>
-        <pc:spChg chg="add del mod ord">
-          <ac:chgData name="Dehbia Kouadria" userId="24cf8942edd75162" providerId="LiveId" clId="{17BADB32-C636-4716-B80D-93C22C39D57A}" dt="2023-04-15T15:00:26.834" v="1469" actId="700"/>
-          <ac:spMkLst>
-            <pc:docMk/>
-            <pc:sldMk cId="2007050509" sldId="421"/>
-            <ac:spMk id="4" creationId="{E5112E00-371D-B848-9B1E-71CB925A001B}"/>
-          </ac:spMkLst>
-        </pc:spChg>
-        <pc:spChg chg="add del mod ord">
-          <ac:chgData name="Dehbia Kouadria" userId="24cf8942edd75162" providerId="LiveId" clId="{17BADB32-C636-4716-B80D-93C22C39D57A}" dt="2023-04-15T15:00:26.834" v="1469" actId="700"/>
-          <ac:spMkLst>
-            <pc:docMk/>
-            <pc:sldMk cId="2007050509" sldId="421"/>
-            <ac:spMk id="5" creationId="{F00F28C1-54AF-4B4B-27AF-EE1B543A6A21}"/>
-          </ac:spMkLst>
-        </pc:spChg>
-        <pc:spChg chg="add del mod ord">
-          <ac:chgData name="Dehbia Kouadria" userId="24cf8942edd75162" providerId="LiveId" clId="{17BADB32-C636-4716-B80D-93C22C39D57A}" dt="2023-04-15T15:00:13.414" v="1468" actId="700"/>
-          <ac:spMkLst>
-            <pc:docMk/>
-            <pc:sldMk cId="2007050509" sldId="421"/>
-            <ac:spMk id="6" creationId="{7D9183D7-4577-1888-A284-FBC18B6583B7}"/>
-          </ac:spMkLst>
-        </pc:spChg>
-        <pc:spChg chg="add del mod ord">
-          <ac:chgData name="Dehbia Kouadria" userId="24cf8942edd75162" providerId="LiveId" clId="{17BADB32-C636-4716-B80D-93C22C39D57A}" dt="2023-04-15T15:00:13.414" v="1468" actId="700"/>
-          <ac:spMkLst>
-            <pc:docMk/>
-            <pc:sldMk cId="2007050509" sldId="421"/>
-            <ac:spMk id="7" creationId="{ACE951A3-F0BD-A008-B1B8-DD80659388A7}"/>
-          </ac:spMkLst>
-        </pc:spChg>
-        <pc:spChg chg="add mod ord">
-          <ac:chgData name="Dehbia Kouadria" userId="24cf8942edd75162" providerId="LiveId" clId="{17BADB32-C636-4716-B80D-93C22C39D57A}" dt="2023-04-15T15:00:26.834" v="1469" actId="700"/>
-          <ac:spMkLst>
-            <pc:docMk/>
-            <pc:sldMk cId="2007050509" sldId="421"/>
-            <ac:spMk id="8" creationId="{408EDC3D-8826-6D9C-B154-CB0C3C9FB6FF}"/>
-          </ac:spMkLst>
-        </pc:spChg>
-        <pc:spChg chg="add mod ord">
-          <ac:chgData name="Dehbia Kouadria" userId="24cf8942edd75162" providerId="LiveId" clId="{17BADB32-C636-4716-B80D-93C22C39D57A}" dt="2023-04-15T15:00:26.834" v="1469" actId="700"/>
-          <ac:spMkLst>
-            <pc:docMk/>
-            <pc:sldMk cId="2007050509" sldId="421"/>
-            <ac:spMk id="9" creationId="{CEEF5523-3496-B087-5133-681D756DC118}"/>
-          </ac:spMkLst>
-        </pc:spChg>
-      </pc:sldChg>
-      <pc:sldChg chg="addSp delSp modSp add mod modTransition modClrScheme chgLayout">
-        <pc:chgData name="Dehbia Kouadria" userId="24cf8942edd75162" providerId="LiveId" clId="{17BADB32-C636-4716-B80D-93C22C39D57A}" dt="2023-04-15T17:08:44.641" v="1581"/>
-        <pc:sldMkLst>
-          <pc:docMk/>
-          <pc:sldMk cId="3570997825" sldId="422"/>
-        </pc:sldMkLst>
-        <pc:spChg chg="mod ord">
-          <ac:chgData name="Dehbia Kouadria" userId="24cf8942edd75162" providerId="LiveId" clId="{17BADB32-C636-4716-B80D-93C22C39D57A}" dt="2023-04-15T15:09:18.705" v="1500" actId="700"/>
-          <ac:spMkLst>
-            <pc:docMk/>
-            <pc:sldMk cId="3570997825" sldId="422"/>
-            <ac:spMk id="2" creationId="{92E85FD8-A437-8BD1-7FC7-F3E892D31F06}"/>
-          </ac:spMkLst>
-        </pc:spChg>
-        <pc:spChg chg="mod ord">
-          <ac:chgData name="Dehbia Kouadria" userId="24cf8942edd75162" providerId="LiveId" clId="{17BADB32-C636-4716-B80D-93C22C39D57A}" dt="2023-04-15T17:05:49.654" v="1553" actId="255"/>
-          <ac:spMkLst>
-            <pc:docMk/>
-            <pc:sldMk cId="3570997825" sldId="422"/>
-            <ac:spMk id="3" creationId="{A2D6B0B8-2760-7B3F-9B6D-AA83275415AC}"/>
-          </ac:spMkLst>
-        </pc:spChg>
-        <pc:spChg chg="mod ord">
-          <ac:chgData name="Dehbia Kouadria" userId="24cf8942edd75162" providerId="LiveId" clId="{17BADB32-C636-4716-B80D-93C22C39D57A}" dt="2023-04-15T15:09:18.705" v="1500" actId="700"/>
-          <ac:spMkLst>
-            <pc:docMk/>
-            <pc:sldMk cId="3570997825" sldId="422"/>
-            <ac:spMk id="4" creationId="{8B9FF58A-4F75-3329-943E-CAF699A1D569}"/>
-          </ac:spMkLst>
-        </pc:spChg>
-        <pc:spChg chg="del mod ord">
-          <ac:chgData name="Dehbia Kouadria" userId="24cf8942edd75162" providerId="LiveId" clId="{17BADB32-C636-4716-B80D-93C22C39D57A}" dt="2023-04-15T14:57:53.648" v="1466" actId="700"/>
-          <ac:spMkLst>
-            <pc:docMk/>
-            <pc:sldMk cId="3570997825" sldId="422"/>
-            <ac:spMk id="5" creationId="{57130E50-A7BA-D757-1FF0-BCDF5CC92D66}"/>
-          </ac:spMkLst>
-        </pc:spChg>
-        <pc:spChg chg="add del mod ord">
-          <ac:chgData name="Dehbia Kouadria" userId="24cf8942edd75162" providerId="LiveId" clId="{17BADB32-C636-4716-B80D-93C22C39D57A}" dt="2023-04-15T15:09:18.705" v="1500" actId="700"/>
-          <ac:spMkLst>
-            <pc:docMk/>
-            <pc:sldMk cId="3570997825" sldId="422"/>
-            <ac:spMk id="6" creationId="{94D3A2B7-7978-B038-F55D-11C1764F24CC}"/>
-          </ac:spMkLst>
-        </pc:spChg>
-        <pc:spChg chg="mod ord">
-          <ac:chgData name="Dehbia Kouadria" userId="24cf8942edd75162" providerId="LiveId" clId="{17BADB32-C636-4716-B80D-93C22C39D57A}" dt="2023-04-15T15:09:18.705" v="1500" actId="700"/>
-          <ac:spMkLst>
-            <pc:docMk/>
-            <pc:sldMk cId="3570997825" sldId="422"/>
-            <ac:spMk id="7" creationId="{425AA710-E38C-A8FB-B019-3AA63CE14832}"/>
-          </ac:spMkLst>
-        </pc:spChg>
-        <pc:spChg chg="add mod ord">
-          <ac:chgData name="Dehbia Kouadria" userId="24cf8942edd75162" providerId="LiveId" clId="{17BADB32-C636-4716-B80D-93C22C39D57A}" dt="2023-04-15T15:09:18.705" v="1500" actId="700"/>
-          <ac:spMkLst>
-            <pc:docMk/>
-            <pc:sldMk cId="3570997825" sldId="422"/>
-            <ac:spMk id="8" creationId="{10E74EBB-C134-0725-A343-9F5819CAB92B}"/>
-          </ac:spMkLst>
-        </pc:spChg>
-      </pc:sldChg>
-      <pc:sldChg chg="addSp delSp modSp add mod ord modTransition modClrScheme chgLayout">
-        <pc:chgData name="Dehbia Kouadria" userId="24cf8942edd75162" providerId="LiveId" clId="{17BADB32-C636-4716-B80D-93C22C39D57A}" dt="2023-04-15T17:08:44.641" v="1581"/>
-        <pc:sldMkLst>
-          <pc:docMk/>
-          <pc:sldMk cId="1142766508" sldId="423"/>
-        </pc:sldMkLst>
-        <pc:spChg chg="mod ord">
-          <ac:chgData name="Dehbia Kouadria" userId="24cf8942edd75162" providerId="LiveId" clId="{17BADB32-C636-4716-B80D-93C22C39D57A}" dt="2023-04-15T15:00:26.834" v="1469" actId="700"/>
-          <ac:spMkLst>
-            <pc:docMk/>
-            <pc:sldMk cId="1142766508" sldId="423"/>
-            <ac:spMk id="2" creationId="{002FAD61-4698-B027-EAC7-E85DC20E78A3}"/>
-          </ac:spMkLst>
-        </pc:spChg>
-        <pc:spChg chg="mod ord">
-          <ac:chgData name="Dehbia Kouadria" userId="24cf8942edd75162" providerId="LiveId" clId="{17BADB32-C636-4716-B80D-93C22C39D57A}" dt="2023-04-15T15:00:26.834" v="1469" actId="700"/>
-          <ac:spMkLst>
-            <pc:docMk/>
-            <pc:sldMk cId="1142766508" sldId="423"/>
-            <ac:spMk id="3" creationId="{D028E2B9-B37A-A9F9-DDC0-0B089BC0DD81}"/>
-          </ac:spMkLst>
-        </pc:spChg>
-        <pc:spChg chg="add del mod ord">
-          <ac:chgData name="Dehbia Kouadria" userId="24cf8942edd75162" providerId="LiveId" clId="{17BADB32-C636-4716-B80D-93C22C39D57A}" dt="2023-04-15T15:00:26.834" v="1469" actId="700"/>
-          <ac:spMkLst>
-            <pc:docMk/>
-            <pc:sldMk cId="1142766508" sldId="423"/>
-            <ac:spMk id="4" creationId="{1EAF0E86-B6C4-E2E1-B54D-9866C4950C06}"/>
-          </ac:spMkLst>
-        </pc:spChg>
-        <pc:spChg chg="add del mod ord">
-          <ac:chgData name="Dehbia Kouadria" userId="24cf8942edd75162" providerId="LiveId" clId="{17BADB32-C636-4716-B80D-93C22C39D57A}" dt="2023-04-15T15:00:26.834" v="1469" actId="700"/>
-          <ac:spMkLst>
-            <pc:docMk/>
-            <pc:sldMk cId="1142766508" sldId="423"/>
-            <ac:spMk id="5" creationId="{FF163A52-4090-4F05-6A46-3646FEAE5793}"/>
-          </ac:spMkLst>
-        </pc:spChg>
-        <pc:spChg chg="add del mod ord">
-          <ac:chgData name="Dehbia Kouadria" userId="24cf8942edd75162" providerId="LiveId" clId="{17BADB32-C636-4716-B80D-93C22C39D57A}" dt="2023-04-15T15:00:13.414" v="1468" actId="700"/>
-          <ac:spMkLst>
-            <pc:docMk/>
-            <pc:sldMk cId="1142766508" sldId="423"/>
-            <ac:spMk id="6" creationId="{4AE3450E-A552-FB59-649D-21F8368A7D90}"/>
-          </ac:spMkLst>
-        </pc:spChg>
-        <pc:spChg chg="add del mod ord">
-          <ac:chgData name="Dehbia Kouadria" userId="24cf8942edd75162" providerId="LiveId" clId="{17BADB32-C636-4716-B80D-93C22C39D57A}" dt="2023-04-15T15:00:13.414" v="1468" actId="700"/>
-          <ac:spMkLst>
-            <pc:docMk/>
-            <pc:sldMk cId="1142766508" sldId="423"/>
-            <ac:spMk id="7" creationId="{82D75F22-6C56-9179-49BC-1EDA8A37BE80}"/>
-          </ac:spMkLst>
-        </pc:spChg>
-        <pc:spChg chg="add mod ord">
-          <ac:chgData name="Dehbia Kouadria" userId="24cf8942edd75162" providerId="LiveId" clId="{17BADB32-C636-4716-B80D-93C22C39D57A}" dt="2023-04-15T15:00:26.834" v="1469" actId="700"/>
-          <ac:spMkLst>
-            <pc:docMk/>
-            <pc:sldMk cId="1142766508" sldId="423"/>
-            <ac:spMk id="8" creationId="{7FE99A28-70ED-6E41-0BE1-34E554ED1DB2}"/>
-          </ac:spMkLst>
-        </pc:spChg>
-        <pc:spChg chg="add mod ord">
-          <ac:chgData name="Dehbia Kouadria" userId="24cf8942edd75162" providerId="LiveId" clId="{17BADB32-C636-4716-B80D-93C22C39D57A}" dt="2023-04-15T15:00:26.834" v="1469" actId="700"/>
-          <ac:spMkLst>
-            <pc:docMk/>
-            <pc:sldMk cId="1142766508" sldId="423"/>
-            <ac:spMk id="9" creationId="{651272CB-69E7-B193-CD3D-0BB8F5224EE4}"/>
-          </ac:spMkLst>
-        </pc:spChg>
-      </pc:sldChg>
-      <pc:sldChg chg="modTransition modNotesTx">
-        <pc:chgData name="Dehbia Kouadria" userId="24cf8942edd75162" providerId="LiveId" clId="{17BADB32-C636-4716-B80D-93C22C39D57A}" dt="2023-04-15T17:08:44.641" v="1581"/>
-        <pc:sldMkLst>
-          <pc:docMk/>
-          <pc:sldMk cId="2713950766" sldId="424"/>
-        </pc:sldMkLst>
-      </pc:sldChg>
-      <pc:sldChg chg="modTransition">
-        <pc:chgData name="Dehbia Kouadria" userId="24cf8942edd75162" providerId="LiveId" clId="{17BADB32-C636-4716-B80D-93C22C39D57A}" dt="2023-04-15T17:08:44.641" v="1581"/>
-        <pc:sldMkLst>
-          <pc:docMk/>
-          <pc:sldMk cId="1463575612" sldId="425"/>
-        </pc:sldMkLst>
-      </pc:sldChg>
-      <pc:sldChg chg="modSp mod modTransition">
-        <pc:chgData name="Dehbia Kouadria" userId="24cf8942edd75162" providerId="LiveId" clId="{17BADB32-C636-4716-B80D-93C22C39D57A}" dt="2023-04-15T17:08:44.641" v="1581"/>
-        <pc:sldMkLst>
-          <pc:docMk/>
-          <pc:sldMk cId="2068099890" sldId="426"/>
-        </pc:sldMkLst>
-        <pc:spChg chg="mod">
-          <ac:chgData name="Dehbia Kouadria" userId="24cf8942edd75162" providerId="LiveId" clId="{17BADB32-C636-4716-B80D-93C22C39D57A}" dt="2023-04-15T09:40:09.651" v="1415" actId="207"/>
-          <ac:spMkLst>
-            <pc:docMk/>
-            <pc:sldMk cId="2068099890" sldId="426"/>
-            <ac:spMk id="6" creationId="{852F649F-30F4-A016-BD90-EB791182A286}"/>
-          </ac:spMkLst>
-        </pc:spChg>
-      </pc:sldChg>
-      <pc:sldChg chg="addSp delSp modSp mod modTransition">
-        <pc:chgData name="Dehbia Kouadria" userId="24cf8942edd75162" providerId="LiveId" clId="{17BADB32-C636-4716-B80D-93C22C39D57A}" dt="2023-04-15T17:08:44.641" v="1581"/>
-        <pc:sldMkLst>
-          <pc:docMk/>
-          <pc:sldMk cId="782286828" sldId="427"/>
-        </pc:sldMkLst>
-        <pc:spChg chg="add del mod">
-          <ac:chgData name="Dehbia Kouadria" userId="24cf8942edd75162" providerId="LiveId" clId="{17BADB32-C636-4716-B80D-93C22C39D57A}" dt="2023-04-15T08:42:41.432" v="1412" actId="478"/>
-          <ac:spMkLst>
-            <pc:docMk/>
-            <pc:sldMk cId="782286828" sldId="427"/>
-            <ac:spMk id="3" creationId="{4E2E8316-A40E-C873-658A-27008461D793}"/>
-          </ac:spMkLst>
-        </pc:spChg>
-        <pc:spChg chg="mod">
-          <ac:chgData name="Dehbia Kouadria" userId="24cf8942edd75162" providerId="LiveId" clId="{17BADB32-C636-4716-B80D-93C22C39D57A}" dt="2023-04-15T14:43:05.511" v="1426" actId="255"/>
-          <ac:spMkLst>
-            <pc:docMk/>
-            <pc:sldMk cId="782286828" sldId="427"/>
-            <ac:spMk id="5" creationId="{476DD232-A17C-F776-588F-80C1B2C5D8DD}"/>
-          </ac:spMkLst>
-        </pc:spChg>
-        <pc:picChg chg="del">
-          <ac:chgData name="Dehbia Kouadria" userId="24cf8942edd75162" providerId="LiveId" clId="{17BADB32-C636-4716-B80D-93C22C39D57A}" dt="2023-04-15T08:42:36.789" v="1411" actId="478"/>
-          <ac:picMkLst>
-            <pc:docMk/>
-            <pc:sldMk cId="782286828" sldId="427"/>
-            <ac:picMk id="8" creationId="{954CB253-91FF-CCE4-2383-91127A3175E8}"/>
-          </ac:picMkLst>
-        </pc:picChg>
-      </pc:sldChg>
-      <pc:sldChg chg="addSp delSp modSp mod modTransition modNotesTx">
-        <pc:chgData name="Dehbia Kouadria" userId="24cf8942edd75162" providerId="LiveId" clId="{17BADB32-C636-4716-B80D-93C22C39D57A}" dt="2023-04-15T17:08:44.641" v="1581"/>
-        <pc:sldMkLst>
-          <pc:docMk/>
-          <pc:sldMk cId="3251355172" sldId="428"/>
-        </pc:sldMkLst>
-        <pc:spChg chg="add mod">
-          <ac:chgData name="Dehbia Kouadria" userId="24cf8942edd75162" providerId="LiveId" clId="{17BADB32-C636-4716-B80D-93C22C39D57A}" dt="2023-04-15T08:41:14.570" v="1409" actId="207"/>
-          <ac:spMkLst>
-            <pc:docMk/>
-            <pc:sldMk cId="3251355172" sldId="428"/>
-            <ac:spMk id="2" creationId="{66C012B0-143C-8A56-ED8E-C62BD5579581}"/>
-          </ac:spMkLst>
-        </pc:spChg>
-        <pc:spChg chg="add del mod">
-          <ac:chgData name="Dehbia Kouadria" userId="24cf8942edd75162" providerId="LiveId" clId="{17BADB32-C636-4716-B80D-93C22C39D57A}" dt="2023-04-15T07:54:31.193" v="672" actId="478"/>
-          <ac:spMkLst>
-            <pc:docMk/>
-            <pc:sldMk cId="3251355172" sldId="428"/>
-            <ac:spMk id="4" creationId="{234D1F03-168B-A95B-D381-05A1CF0534D4}"/>
-          </ac:spMkLst>
-        </pc:spChg>
-        <pc:spChg chg="del mod">
-          <ac:chgData name="Dehbia Kouadria" userId="24cf8942edd75162" providerId="LiveId" clId="{17BADB32-C636-4716-B80D-93C22C39D57A}" dt="2023-04-15T07:54:28.667" v="671" actId="478"/>
-          <ac:spMkLst>
-            <pc:docMk/>
-            <pc:sldMk cId="3251355172" sldId="428"/>
-            <ac:spMk id="6" creationId="{3256DE5F-5E74-03F4-0458-A37B001D4E87}"/>
-          </ac:spMkLst>
-        </pc:spChg>
-      </pc:sldChg>
-      <pc:sldChg chg="addSp modSp mod modTransition">
-        <pc:chgData name="Dehbia Kouadria" userId="24cf8942edd75162" providerId="LiveId" clId="{17BADB32-C636-4716-B80D-93C22C39D57A}" dt="2023-04-15T17:27:58.388" v="1804"/>
-        <pc:sldMkLst>
-          <pc:docMk/>
-          <pc:sldMk cId="889596257" sldId="429"/>
-        </pc:sldMkLst>
-        <pc:spChg chg="mod">
-          <ac:chgData name="Dehbia Kouadria" userId="24cf8942edd75162" providerId="LiveId" clId="{17BADB32-C636-4716-B80D-93C22C39D57A}" dt="2023-04-15T17:07:10.102" v="1569" actId="255"/>
-          <ac:spMkLst>
-            <pc:docMk/>
-            <pc:sldMk cId="889596257" sldId="429"/>
-            <ac:spMk id="3" creationId="{BB111D3F-D02C-78BE-53D1-85EA07A12448}"/>
-          </ac:spMkLst>
-        </pc:spChg>
-        <pc:spChg chg="add mod">
-          <ac:chgData name="Dehbia Kouadria" userId="24cf8942edd75162" providerId="LiveId" clId="{17BADB32-C636-4716-B80D-93C22C39D57A}" dt="2023-04-15T17:27:58.388" v="1804"/>
-          <ac:spMkLst>
-            <pc:docMk/>
-            <pc:sldMk cId="889596257" sldId="429"/>
-            <ac:spMk id="4" creationId="{21C244F2-16E1-BB83-0B43-8ABAFB3E96D4}"/>
-          </ac:spMkLst>
-        </pc:spChg>
-      </pc:sldChg>
-      <pc:sldChg chg="addSp modSp mod modTransition">
-        <pc:chgData name="Dehbia Kouadria" userId="24cf8942edd75162" providerId="LiveId" clId="{17BADB32-C636-4716-B80D-93C22C39D57A}" dt="2023-04-15T17:28:02.708" v="1805"/>
-        <pc:sldMkLst>
-          <pc:docMk/>
-          <pc:sldMk cId="3259922607" sldId="431"/>
-        </pc:sldMkLst>
-        <pc:spChg chg="mod">
-          <ac:chgData name="Dehbia Kouadria" userId="24cf8942edd75162" providerId="LiveId" clId="{17BADB32-C636-4716-B80D-93C22C39D57A}" dt="2023-04-15T17:07:15.025" v="1570" actId="255"/>
-          <ac:spMkLst>
-            <pc:docMk/>
-            <pc:sldMk cId="3259922607" sldId="431"/>
-            <ac:spMk id="3" creationId="{BB111D3F-D02C-78BE-53D1-85EA07A12448}"/>
-          </ac:spMkLst>
-        </pc:spChg>
-        <pc:spChg chg="add mod">
-          <ac:chgData name="Dehbia Kouadria" userId="24cf8942edd75162" providerId="LiveId" clId="{17BADB32-C636-4716-B80D-93C22C39D57A}" dt="2023-04-15T17:28:02.708" v="1805"/>
-          <ac:spMkLst>
-            <pc:docMk/>
-            <pc:sldMk cId="3259922607" sldId="431"/>
-            <ac:spMk id="4" creationId="{42564AEF-B2D4-8EA7-CF04-86F2809C4C5A}"/>
-          </ac:spMkLst>
-        </pc:spChg>
-      </pc:sldChg>
-      <pc:sldChg chg="addSp modSp mod modTransition">
-        <pc:chgData name="Dehbia Kouadria" userId="24cf8942edd75162" providerId="LiveId" clId="{17BADB32-C636-4716-B80D-93C22C39D57A}" dt="2023-04-15T17:28:06.078" v="1806"/>
-        <pc:sldMkLst>
-          <pc:docMk/>
-          <pc:sldMk cId="728565542" sldId="432"/>
-        </pc:sldMkLst>
-        <pc:spChg chg="mod">
-          <ac:chgData name="Dehbia Kouadria" userId="24cf8942edd75162" providerId="LiveId" clId="{17BADB32-C636-4716-B80D-93C22C39D57A}" dt="2023-04-15T17:07:20.715" v="1571" actId="255"/>
-          <ac:spMkLst>
-            <pc:docMk/>
-            <pc:sldMk cId="728565542" sldId="432"/>
-            <ac:spMk id="3" creationId="{BB111D3F-D02C-78BE-53D1-85EA07A12448}"/>
-          </ac:spMkLst>
-        </pc:spChg>
-        <pc:spChg chg="add mod">
-          <ac:chgData name="Dehbia Kouadria" userId="24cf8942edd75162" providerId="LiveId" clId="{17BADB32-C636-4716-B80D-93C22C39D57A}" dt="2023-04-15T17:28:06.078" v="1806"/>
-          <ac:spMkLst>
-            <pc:docMk/>
-            <pc:sldMk cId="728565542" sldId="432"/>
-            <ac:spMk id="4" creationId="{7D921B55-516D-95E0-41BE-7AA3913AC6DE}"/>
-          </ac:spMkLst>
-        </pc:spChg>
-      </pc:sldChg>
-      <pc:sldChg chg="addSp modSp mod ord modTransition">
-        <pc:chgData name="Dehbia Kouadria" userId="24cf8942edd75162" providerId="LiveId" clId="{17BADB32-C636-4716-B80D-93C22C39D57A}" dt="2023-04-15T17:24:46.458" v="1725" actId="5793"/>
-        <pc:sldMkLst>
-          <pc:docMk/>
-          <pc:sldMk cId="3894878099" sldId="433"/>
-        </pc:sldMkLst>
-        <pc:spChg chg="mod">
-          <ac:chgData name="Dehbia Kouadria" userId="24cf8942edd75162" providerId="LiveId" clId="{17BADB32-C636-4716-B80D-93C22C39D57A}" dt="2023-04-15T17:04:40.681" v="1541" actId="255"/>
-          <ac:spMkLst>
-            <pc:docMk/>
-            <pc:sldMk cId="3894878099" sldId="433"/>
-            <ac:spMk id="3" creationId="{BB111D3F-D02C-78BE-53D1-85EA07A12448}"/>
-          </ac:spMkLst>
-        </pc:spChg>
-        <pc:spChg chg="add mod">
-          <ac:chgData name="Dehbia Kouadria" userId="24cf8942edd75162" providerId="LiveId" clId="{17BADB32-C636-4716-B80D-93C22C39D57A}" dt="2023-04-15T17:24:46.458" v="1725" actId="5793"/>
-          <ac:spMkLst>
-            <pc:docMk/>
-            <pc:sldMk cId="3894878099" sldId="433"/>
-            <ac:spMk id="4" creationId="{6DBA6239-5EAC-8633-AF84-C0D4039E99D9}"/>
-          </ac:spMkLst>
-        </pc:spChg>
-      </pc:sldChg>
-      <pc:sldChg chg="addSp modSp mod ord modTransition">
-        <pc:chgData name="Dehbia Kouadria" userId="24cf8942edd75162" providerId="LiveId" clId="{17BADB32-C636-4716-B80D-93C22C39D57A}" dt="2023-04-15T17:25:21.487" v="1747" actId="20577"/>
-        <pc:sldMkLst>
-          <pc:docMk/>
-          <pc:sldMk cId="3703283005" sldId="434"/>
-        </pc:sldMkLst>
-        <pc:spChg chg="mod">
-          <ac:chgData name="Dehbia Kouadria" userId="24cf8942edd75162" providerId="LiveId" clId="{17BADB32-C636-4716-B80D-93C22C39D57A}" dt="2023-04-15T17:04:51.750" v="1543" actId="255"/>
-          <ac:spMkLst>
-            <pc:docMk/>
-            <pc:sldMk cId="3703283005" sldId="434"/>
-            <ac:spMk id="3" creationId="{BB111D3F-D02C-78BE-53D1-85EA07A12448}"/>
-          </ac:spMkLst>
-        </pc:spChg>
-        <pc:spChg chg="add mod">
-          <ac:chgData name="Dehbia Kouadria" userId="24cf8942edd75162" providerId="LiveId" clId="{17BADB32-C636-4716-B80D-93C22C39D57A}" dt="2023-04-15T17:25:21.487" v="1747" actId="20577"/>
-          <ac:spMkLst>
-            <pc:docMk/>
-            <pc:sldMk cId="3703283005" sldId="434"/>
-            <ac:spMk id="5" creationId="{B3353C96-DD19-C8D8-A296-878DE193ED5D}"/>
-          </ac:spMkLst>
-        </pc:spChg>
-      </pc:sldChg>
-      <pc:sldChg chg="addSp modSp mod ord modTransition">
-        <pc:chgData name="Dehbia Kouadria" userId="24cf8942edd75162" providerId="LiveId" clId="{17BADB32-C636-4716-B80D-93C22C39D57A}" dt="2023-04-15T17:25:32.478" v="1748"/>
-        <pc:sldMkLst>
-          <pc:docMk/>
-          <pc:sldMk cId="4002052114" sldId="435"/>
-        </pc:sldMkLst>
-        <pc:spChg chg="mod">
-          <ac:chgData name="Dehbia Kouadria" userId="24cf8942edd75162" providerId="LiveId" clId="{17BADB32-C636-4716-B80D-93C22C39D57A}" dt="2023-04-15T17:04:58.079" v="1544" actId="255"/>
-          <ac:spMkLst>
-            <pc:docMk/>
-            <pc:sldMk cId="4002052114" sldId="435"/>
-            <ac:spMk id="3" creationId="{BB111D3F-D02C-78BE-53D1-85EA07A12448}"/>
-          </ac:spMkLst>
-        </pc:spChg>
-        <pc:spChg chg="add mod">
-          <ac:chgData name="Dehbia Kouadria" userId="24cf8942edd75162" providerId="LiveId" clId="{17BADB32-C636-4716-B80D-93C22C39D57A}" dt="2023-04-15T17:25:32.478" v="1748"/>
-          <ac:spMkLst>
-            <pc:docMk/>
-            <pc:sldMk cId="4002052114" sldId="435"/>
-            <ac:spMk id="4" creationId="{774CA987-B141-3A39-15D0-A8D40613F703}"/>
-          </ac:spMkLst>
-        </pc:spChg>
-      </pc:sldChg>
-      <pc:sldChg chg="addSp modSp mod ord modTransition">
-        <pc:chgData name="Dehbia Kouadria" userId="24cf8942edd75162" providerId="LiveId" clId="{17BADB32-C636-4716-B80D-93C22C39D57A}" dt="2023-04-15T17:25:36.601" v="1749"/>
-        <pc:sldMkLst>
-          <pc:docMk/>
-          <pc:sldMk cId="3044919517" sldId="436"/>
-        </pc:sldMkLst>
-        <pc:spChg chg="mod">
-          <ac:chgData name="Dehbia Kouadria" userId="24cf8942edd75162" providerId="LiveId" clId="{17BADB32-C636-4716-B80D-93C22C39D57A}" dt="2023-04-15T17:05:03.176" v="1545" actId="255"/>
-          <ac:spMkLst>
-            <pc:docMk/>
-            <pc:sldMk cId="3044919517" sldId="436"/>
-            <ac:spMk id="3" creationId="{BB111D3F-D02C-78BE-53D1-85EA07A12448}"/>
-          </ac:spMkLst>
-        </pc:spChg>
-        <pc:spChg chg="add mod">
-          <ac:chgData name="Dehbia Kouadria" userId="24cf8942edd75162" providerId="LiveId" clId="{17BADB32-C636-4716-B80D-93C22C39D57A}" dt="2023-04-15T17:25:36.601" v="1749"/>
-          <ac:spMkLst>
-            <pc:docMk/>
-            <pc:sldMk cId="3044919517" sldId="436"/>
-            <ac:spMk id="4" creationId="{28804B81-E32E-CB4D-2C86-7B0657E04029}"/>
-          </ac:spMkLst>
-        </pc:spChg>
-      </pc:sldChg>
-      <pc:sldChg chg="addSp modSp mod ord modTransition">
-        <pc:chgData name="Dehbia Kouadria" userId="24cf8942edd75162" providerId="LiveId" clId="{17BADB32-C636-4716-B80D-93C22C39D57A}" dt="2023-04-15T17:25:40.153" v="1750"/>
-        <pc:sldMkLst>
-          <pc:docMk/>
-          <pc:sldMk cId="2584712298" sldId="437"/>
-        </pc:sldMkLst>
-        <pc:spChg chg="mod">
-          <ac:chgData name="Dehbia Kouadria" userId="24cf8942edd75162" providerId="LiveId" clId="{17BADB32-C636-4716-B80D-93C22C39D57A}" dt="2023-04-15T17:05:08.764" v="1546" actId="255"/>
-          <ac:spMkLst>
-            <pc:docMk/>
-            <pc:sldMk cId="2584712298" sldId="437"/>
-            <ac:spMk id="3" creationId="{BB111D3F-D02C-78BE-53D1-85EA07A12448}"/>
-          </ac:spMkLst>
-        </pc:spChg>
-        <pc:spChg chg="add mod">
-          <ac:chgData name="Dehbia Kouadria" userId="24cf8942edd75162" providerId="LiveId" clId="{17BADB32-C636-4716-B80D-93C22C39D57A}" dt="2023-04-15T17:25:40.153" v="1750"/>
-          <ac:spMkLst>
-            <pc:docMk/>
-            <pc:sldMk cId="2584712298" sldId="437"/>
-            <ac:spMk id="4" creationId="{AA5064AB-A54C-4ABB-4B27-2B3CFDB1B0FB}"/>
-          </ac:spMkLst>
-        </pc:spChg>
-      </pc:sldChg>
-      <pc:sldChg chg="addSp delSp modSp mod ord modTransition modClrScheme chgLayout">
-        <pc:chgData name="Dehbia Kouadria" userId="24cf8942edd75162" providerId="LiveId" clId="{17BADB32-C636-4716-B80D-93C22C39D57A}" dt="2023-04-15T17:25:51.481" v="1753"/>
-        <pc:sldMkLst>
-          <pc:docMk/>
-          <pc:sldMk cId="199285705" sldId="438"/>
-        </pc:sldMkLst>
-        <pc:spChg chg="mod ord">
-          <ac:chgData name="Dehbia Kouadria" userId="24cf8942edd75162" providerId="LiveId" clId="{17BADB32-C636-4716-B80D-93C22C39D57A}" dt="2023-04-15T16:59:42.898" v="1526" actId="700"/>
-          <ac:spMkLst>
-            <pc:docMk/>
-            <pc:sldMk cId="199285705" sldId="438"/>
-            <ac:spMk id="2" creationId="{0AB122C2-60AE-E9E8-D5F4-D870F1521161}"/>
-          </ac:spMkLst>
-        </pc:spChg>
-        <pc:spChg chg="mod ord">
-          <ac:chgData name="Dehbia Kouadria" userId="24cf8942edd75162" providerId="LiveId" clId="{17BADB32-C636-4716-B80D-93C22C39D57A}" dt="2023-04-15T17:05:20.114" v="1548" actId="255"/>
-          <ac:spMkLst>
-            <pc:docMk/>
-            <pc:sldMk cId="199285705" sldId="438"/>
-            <ac:spMk id="3" creationId="{BB111D3F-D02C-78BE-53D1-85EA07A12448}"/>
-          </ac:spMkLst>
-        </pc:spChg>
-        <pc:spChg chg="del mod">
-          <ac:chgData name="Dehbia Kouadria" userId="24cf8942edd75162" providerId="LiveId" clId="{17BADB32-C636-4716-B80D-93C22C39D57A}" dt="2023-04-15T16:59:36.601" v="1524" actId="478"/>
-          <ac:spMkLst>
-            <pc:docMk/>
-            <pc:sldMk cId="199285705" sldId="438"/>
-            <ac:spMk id="4" creationId="{BB89D842-F90C-6497-83E2-CF2AE51755E0}"/>
-          </ac:spMkLst>
-        </pc:spChg>
-        <pc:spChg chg="add mod">
-          <ac:chgData name="Dehbia Kouadria" userId="24cf8942edd75162" providerId="LiveId" clId="{17BADB32-C636-4716-B80D-93C22C39D57A}" dt="2023-04-15T17:25:51.481" v="1753"/>
-          <ac:spMkLst>
-            <pc:docMk/>
-            <pc:sldMk cId="199285705" sldId="438"/>
-            <ac:spMk id="5" creationId="{AB432C45-9B17-FD87-DF9E-74E5DA3D848B}"/>
-          </ac:spMkLst>
-        </pc:spChg>
-        <pc:spChg chg="add del mod">
-          <ac:chgData name="Dehbia Kouadria" userId="24cf8942edd75162" providerId="LiveId" clId="{17BADB32-C636-4716-B80D-93C22C39D57A}" dt="2023-04-15T16:59:38.584" v="1525" actId="478"/>
-          <ac:spMkLst>
-            <pc:docMk/>
-            <pc:sldMk cId="199285705" sldId="438"/>
-            <ac:spMk id="7" creationId="{346BA839-B788-6B94-FFEA-C3BB0E827FE8}"/>
-          </ac:spMkLst>
-        </pc:spChg>
-      </pc:sldChg>
-      <pc:sldChg chg="addSp modSp mod ord modTransition">
-        <pc:chgData name="Dehbia Kouadria" userId="24cf8942edd75162" providerId="LiveId" clId="{17BADB32-C636-4716-B80D-93C22C39D57A}" dt="2023-04-15T17:25:59.398" v="1755"/>
-        <pc:sldMkLst>
-          <pc:docMk/>
-          <pc:sldMk cId="3697746983" sldId="439"/>
-        </pc:sldMkLst>
-        <pc:spChg chg="mod">
-          <ac:chgData name="Dehbia Kouadria" userId="24cf8942edd75162" providerId="LiveId" clId="{17BADB32-C636-4716-B80D-93C22C39D57A}" dt="2023-04-15T17:05:32.174" v="1550" actId="255"/>
-          <ac:spMkLst>
-            <pc:docMk/>
-            <pc:sldMk cId="3697746983" sldId="439"/>
-            <ac:spMk id="3" creationId="{BB111D3F-D02C-78BE-53D1-85EA07A12448}"/>
-          </ac:spMkLst>
-        </pc:spChg>
-        <pc:spChg chg="add mod">
-          <ac:chgData name="Dehbia Kouadria" userId="24cf8942edd75162" providerId="LiveId" clId="{17BADB32-C636-4716-B80D-93C22C39D57A}" dt="2023-04-15T17:25:59.398" v="1755"/>
-          <ac:spMkLst>
-            <pc:docMk/>
-            <pc:sldMk cId="3697746983" sldId="439"/>
-            <ac:spMk id="4" creationId="{A140FB99-2746-84A9-4FB9-55B2AEEEAB10}"/>
-          </ac:spMkLst>
-        </pc:spChg>
-      </pc:sldChg>
-      <pc:sldChg chg="addSp modSp mod ord modTransition">
-        <pc:chgData name="Dehbia Kouadria" userId="24cf8942edd75162" providerId="LiveId" clId="{17BADB32-C636-4716-B80D-93C22C39D57A}" dt="2023-04-15T17:26:03.981" v="1756"/>
-        <pc:sldMkLst>
-          <pc:docMk/>
-          <pc:sldMk cId="706257133" sldId="440"/>
-        </pc:sldMkLst>
-        <pc:spChg chg="mod">
-          <ac:chgData name="Dehbia Kouadria" userId="24cf8942edd75162" providerId="LiveId" clId="{17BADB32-C636-4716-B80D-93C22C39D57A}" dt="2023-04-15T17:05:38.151" v="1551" actId="255"/>
-          <ac:spMkLst>
-            <pc:docMk/>
-            <pc:sldMk cId="706257133" sldId="440"/>
-            <ac:spMk id="3" creationId="{BB111D3F-D02C-78BE-53D1-85EA07A12448}"/>
-          </ac:spMkLst>
-        </pc:spChg>
-        <pc:spChg chg="add mod">
-          <ac:chgData name="Dehbia Kouadria" userId="24cf8942edd75162" providerId="LiveId" clId="{17BADB32-C636-4716-B80D-93C22C39D57A}" dt="2023-04-15T17:26:03.981" v="1756"/>
-          <ac:spMkLst>
-            <pc:docMk/>
-            <pc:sldMk cId="706257133" sldId="440"/>
-            <ac:spMk id="4" creationId="{3BCC4F5D-D0B7-555A-864F-2EA5EB3FC970}"/>
-          </ac:spMkLst>
-        </pc:spChg>
-      </pc:sldChg>
-      <pc:sldChg chg="addSp modSp mod ord modTransition">
-        <pc:chgData name="Dehbia Kouadria" userId="24cf8942edd75162" providerId="LiveId" clId="{17BADB32-C636-4716-B80D-93C22C39D57A}" dt="2023-04-15T17:26:42.828" v="1791" actId="20577"/>
-        <pc:sldMkLst>
-          <pc:docMk/>
-          <pc:sldMk cId="1010244102" sldId="441"/>
-        </pc:sldMkLst>
-        <pc:spChg chg="add mod">
-          <ac:chgData name="Dehbia Kouadria" userId="24cf8942edd75162" providerId="LiveId" clId="{17BADB32-C636-4716-B80D-93C22C39D57A}" dt="2023-04-15T17:26:42.828" v="1791" actId="20577"/>
-          <ac:spMkLst>
-            <pc:docMk/>
-            <pc:sldMk cId="1010244102" sldId="441"/>
-            <ac:spMk id="4" creationId="{784D55FF-C3AF-87DD-BEEB-2A24B20DD35E}"/>
-          </ac:spMkLst>
-        </pc:spChg>
-      </pc:sldChg>
-      <pc:sldChg chg="addSp modSp mod ord modTransition">
-        <pc:chgData name="Dehbia Kouadria" userId="24cf8942edd75162" providerId="LiveId" clId="{17BADB32-C636-4716-B80D-93C22C39D57A}" dt="2023-04-15T17:26:51.560" v="1792"/>
-        <pc:sldMkLst>
-          <pc:docMk/>
-          <pc:sldMk cId="442324643" sldId="442"/>
-        </pc:sldMkLst>
-        <pc:spChg chg="add mod">
-          <ac:chgData name="Dehbia Kouadria" userId="24cf8942edd75162" providerId="LiveId" clId="{17BADB32-C636-4716-B80D-93C22C39D57A}" dt="2023-04-15T17:26:51.560" v="1792"/>
-          <ac:spMkLst>
-            <pc:docMk/>
-            <pc:sldMk cId="442324643" sldId="442"/>
-            <ac:spMk id="4" creationId="{FD278BEE-F18B-3F71-BF58-0AA151B87489}"/>
-          </ac:spMkLst>
-        </pc:spChg>
-      </pc:sldChg>
-      <pc:sldChg chg="addSp modSp mod ord modTransition">
-        <pc:chgData name="Dehbia Kouadria" userId="24cf8942edd75162" providerId="LiveId" clId="{17BADB32-C636-4716-B80D-93C22C39D57A}" dt="2023-04-15T17:26:54.474" v="1793"/>
-        <pc:sldMkLst>
-          <pc:docMk/>
-          <pc:sldMk cId="3936284417" sldId="443"/>
-        </pc:sldMkLst>
-        <pc:spChg chg="add mod">
-          <ac:chgData name="Dehbia Kouadria" userId="24cf8942edd75162" providerId="LiveId" clId="{17BADB32-C636-4716-B80D-93C22C39D57A}" dt="2023-04-15T17:26:54.474" v="1793"/>
-          <ac:spMkLst>
-            <pc:docMk/>
-            <pc:sldMk cId="3936284417" sldId="443"/>
-            <ac:spMk id="4" creationId="{45FDC23D-CFFA-2CA6-9E94-FE5363B00E3D}"/>
-          </ac:spMkLst>
-        </pc:spChg>
-      </pc:sldChg>
-      <pc:sldChg chg="addSp modSp mod ord modTransition">
-        <pc:chgData name="Dehbia Kouadria" userId="24cf8942edd75162" providerId="LiveId" clId="{17BADB32-C636-4716-B80D-93C22C39D57A}" dt="2023-04-15T17:27:03.799" v="1797" actId="20577"/>
-        <pc:sldMkLst>
-          <pc:docMk/>
-          <pc:sldMk cId="1635681404" sldId="444"/>
-        </pc:sldMkLst>
-        <pc:spChg chg="add mod">
-          <ac:chgData name="Dehbia Kouadria" userId="24cf8942edd75162" providerId="LiveId" clId="{17BADB32-C636-4716-B80D-93C22C39D57A}" dt="2023-04-15T17:27:03.799" v="1797" actId="20577"/>
-          <ac:spMkLst>
-            <pc:docMk/>
-            <pc:sldMk cId="1635681404" sldId="444"/>
-            <ac:spMk id="4" creationId="{DB1C9B08-57F3-889D-26BC-A77F694F07EA}"/>
-          </ac:spMkLst>
-        </pc:spChg>
-      </pc:sldChg>
-      <pc:sldChg chg="addSp delSp modSp new mod ord modTransition">
-        <pc:chgData name="Dehbia Kouadria" userId="24cf8942edd75162" providerId="LiveId" clId="{17BADB32-C636-4716-B80D-93C22C39D57A}" dt="2023-04-15T17:08:44.641" v="1581"/>
-        <pc:sldMkLst>
-          <pc:docMk/>
-          <pc:sldMk cId="4109362380" sldId="445"/>
-        </pc:sldMkLst>
-        <pc:spChg chg="mod">
-          <ac:chgData name="Dehbia Kouadria" userId="24cf8942edd75162" providerId="LiveId" clId="{17BADB32-C636-4716-B80D-93C22C39D57A}" dt="2023-04-14T22:29:35.697" v="113" actId="20577"/>
-          <ac:spMkLst>
-            <pc:docMk/>
-            <pc:sldMk cId="4109362380" sldId="445"/>
-            <ac:spMk id="2" creationId="{0FE7946E-2EE1-ED29-004D-D542A03BB414}"/>
-          </ac:spMkLst>
-        </pc:spChg>
-        <pc:spChg chg="del">
-          <ac:chgData name="Dehbia Kouadria" userId="24cf8942edd75162" providerId="LiveId" clId="{17BADB32-C636-4716-B80D-93C22C39D57A}" dt="2023-04-14T22:29:39.988" v="114" actId="22"/>
-          <ac:spMkLst>
-            <pc:docMk/>
-            <pc:sldMk cId="4109362380" sldId="445"/>
-            <ac:spMk id="3" creationId="{CC2561EF-6563-934F-E5CF-B5FA16A25C25}"/>
-          </ac:spMkLst>
-        </pc:spChg>
-        <pc:picChg chg="add mod ord">
-          <ac:chgData name="Dehbia Kouadria" userId="24cf8942edd75162" providerId="LiveId" clId="{17BADB32-C636-4716-B80D-93C22C39D57A}" dt="2023-04-15T08:21:00.278" v="915" actId="1076"/>
-          <ac:picMkLst>
-            <pc:docMk/>
-            <pc:sldMk cId="4109362380" sldId="445"/>
-            <ac:picMk id="5" creationId="{4A91E1CF-6F7C-6480-0385-537A7BCBCCB9}"/>
-          </ac:picMkLst>
-        </pc:picChg>
-      </pc:sldChg>
-      <pc:sldChg chg="addSp delSp modSp new mod modTransition">
-        <pc:chgData name="Dehbia Kouadria" userId="24cf8942edd75162" providerId="LiveId" clId="{17BADB32-C636-4716-B80D-93C22C39D57A}" dt="2023-04-15T17:08:44.641" v="1581"/>
-        <pc:sldMkLst>
-          <pc:docMk/>
-          <pc:sldMk cId="30598019" sldId="446"/>
-        </pc:sldMkLst>
-        <pc:spChg chg="mod">
-          <ac:chgData name="Dehbia Kouadria" userId="24cf8942edd75162" providerId="LiveId" clId="{17BADB32-C636-4716-B80D-93C22C39D57A}" dt="2023-04-15T07:38:47.719" v="433" actId="20577"/>
-          <ac:spMkLst>
-            <pc:docMk/>
-            <pc:sldMk cId="30598019" sldId="446"/>
-            <ac:spMk id="2" creationId="{EA5A9366-C66C-186E-7D66-1F552DA031D9}"/>
-          </ac:spMkLst>
-        </pc:spChg>
-        <pc:spChg chg="mod">
-          <ac:chgData name="Dehbia Kouadria" userId="24cf8942edd75162" providerId="LiveId" clId="{17BADB32-C636-4716-B80D-93C22C39D57A}" dt="2023-04-15T07:40:23.203" v="485" actId="20577"/>
-          <ac:spMkLst>
-            <pc:docMk/>
-            <pc:sldMk cId="30598019" sldId="446"/>
-            <ac:spMk id="3" creationId="{4A1F326C-718C-30E1-D0AA-3B42EC5676CE}"/>
-          </ac:spMkLst>
-        </pc:spChg>
-        <pc:graphicFrameChg chg="add del mod modGraphic">
-          <ac:chgData name="Dehbia Kouadria" userId="24cf8942edd75162" providerId="LiveId" clId="{17BADB32-C636-4716-B80D-93C22C39D57A}" dt="2023-04-15T07:37:12.849" v="345" actId="478"/>
-          <ac:graphicFrameMkLst>
-            <pc:docMk/>
-            <pc:sldMk cId="30598019" sldId="446"/>
-            <ac:graphicFrameMk id="4" creationId="{71435867-A9E6-66B7-C0C0-9F16B4668B6F}"/>
-          </ac:graphicFrameMkLst>
-        </pc:graphicFrameChg>
-      </pc:sldChg>
-      <pc:sldChg chg="addSp delSp modSp add mod modTransition">
-        <pc:chgData name="Dehbia Kouadria" userId="24cf8942edd75162" providerId="LiveId" clId="{17BADB32-C636-4716-B80D-93C22C39D57A}" dt="2023-04-15T17:08:44.641" v="1581"/>
-        <pc:sldMkLst>
-          <pc:docMk/>
-          <pc:sldMk cId="3090509567" sldId="447"/>
-        </pc:sldMkLst>
-        <pc:spChg chg="mod">
-          <ac:chgData name="Dehbia Kouadria" userId="24cf8942edd75162" providerId="LiveId" clId="{17BADB32-C636-4716-B80D-93C22C39D57A}" dt="2023-04-15T07:40:39.992" v="498" actId="20577"/>
-          <ac:spMkLst>
-            <pc:docMk/>
-            <pc:sldMk cId="3090509567" sldId="447"/>
-            <ac:spMk id="2" creationId="{EA5A9366-C66C-186E-7D66-1F552DA031D9}"/>
-          </ac:spMkLst>
-        </pc:spChg>
-        <pc:spChg chg="add del mod">
-          <ac:chgData name="Dehbia Kouadria" userId="24cf8942edd75162" providerId="LiveId" clId="{17BADB32-C636-4716-B80D-93C22C39D57A}" dt="2023-04-15T07:43:49.701" v="553" actId="255"/>
-          <ac:spMkLst>
-            <pc:docMk/>
-            <pc:sldMk cId="3090509567" sldId="447"/>
-            <ac:spMk id="3" creationId="{4A1F326C-718C-30E1-D0AA-3B42EC5676CE}"/>
-          </ac:spMkLst>
-        </pc:spChg>
-        <pc:spChg chg="add del mod">
-          <ac:chgData name="Dehbia Kouadria" userId="24cf8942edd75162" providerId="LiveId" clId="{17BADB32-C636-4716-B80D-93C22C39D57A}" dt="2023-04-15T07:41:56.017" v="513" actId="478"/>
-          <ac:spMkLst>
-            <pc:docMk/>
-            <pc:sldMk cId="3090509567" sldId="447"/>
-            <ac:spMk id="5" creationId="{6938DB82-6D62-C548-BAEF-9A21BCB9B60E}"/>
-          </ac:spMkLst>
-        </pc:spChg>
-        <pc:spChg chg="add del mod">
-          <ac:chgData name="Dehbia Kouadria" userId="24cf8942edd75162" providerId="LiveId" clId="{17BADB32-C636-4716-B80D-93C22C39D57A}" dt="2023-04-15T07:42:00.206" v="515" actId="478"/>
-          <ac:spMkLst>
-            <pc:docMk/>
-            <pc:sldMk cId="3090509567" sldId="447"/>
-            <ac:spMk id="7" creationId="{95D1C522-1AB0-40A9-DE87-4F4842B5921C}"/>
-          </ac:spMkLst>
-        </pc:spChg>
-        <pc:spChg chg="add mod">
-          <ac:chgData name="Dehbia Kouadria" userId="24cf8942edd75162" providerId="LiveId" clId="{17BADB32-C636-4716-B80D-93C22C39D57A}" dt="2023-04-15T07:42:07.354" v="517" actId="571"/>
-          <ac:spMkLst>
-            <pc:docMk/>
-            <pc:sldMk cId="3090509567" sldId="447"/>
-            <ac:spMk id="8" creationId="{D6D84F58-165A-BD5B-42B7-E0752BCD6C76}"/>
-          </ac:spMkLst>
-        </pc:spChg>
-      </pc:sldChg>
-      <pc:sldChg chg="addSp delSp modSp new mod modTransition">
-        <pc:chgData name="Dehbia Kouadria" userId="24cf8942edd75162" providerId="LiveId" clId="{17BADB32-C636-4716-B80D-93C22C39D57A}" dt="2023-04-15T17:08:44.641" v="1581"/>
-        <pc:sldMkLst>
-          <pc:docMk/>
-          <pc:sldMk cId="3822858249" sldId="448"/>
-        </pc:sldMkLst>
-        <pc:spChg chg="mod">
-          <ac:chgData name="Dehbia Kouadria" userId="24cf8942edd75162" providerId="LiveId" clId="{17BADB32-C636-4716-B80D-93C22C39D57A}" dt="2023-04-15T07:46:31.233" v="581" actId="20577"/>
-          <ac:spMkLst>
-            <pc:docMk/>
-            <pc:sldMk cId="3822858249" sldId="448"/>
-            <ac:spMk id="2" creationId="{20A3D8E3-07B3-D0C5-FD0B-0DC295B3BBD8}"/>
-          </ac:spMkLst>
-        </pc:spChg>
-        <pc:spChg chg="del">
-          <ac:chgData name="Dehbia Kouadria" userId="24cf8942edd75162" providerId="LiveId" clId="{17BADB32-C636-4716-B80D-93C22C39D57A}" dt="2023-04-15T07:46:41.806" v="582" actId="931"/>
-          <ac:spMkLst>
-            <pc:docMk/>
-            <pc:sldMk cId="3822858249" sldId="448"/>
-            <ac:spMk id="3" creationId="{6F11BC93-265E-4B84-C255-5F463B28C408}"/>
-          </ac:spMkLst>
-        </pc:spChg>
-        <pc:picChg chg="add mod">
-          <ac:chgData name="Dehbia Kouadria" userId="24cf8942edd75162" providerId="LiveId" clId="{17BADB32-C636-4716-B80D-93C22C39D57A}" dt="2023-04-15T07:46:50.894" v="587" actId="1076"/>
-          <ac:picMkLst>
-            <pc:docMk/>
-            <pc:sldMk cId="3822858249" sldId="448"/>
-            <ac:picMk id="5" creationId="{C0151A79-FE26-FEEB-DC97-386A5FD5D9D6}"/>
-          </ac:picMkLst>
-        </pc:picChg>
-      </pc:sldChg>
-      <pc:sldChg chg="addSp delSp modSp add del mod modTransition">
-        <pc:chgData name="Dehbia Kouadria" userId="24cf8942edd75162" providerId="LiveId" clId="{17BADB32-C636-4716-B80D-93C22C39D57A}" dt="2023-04-15T17:28:13.036" v="1812" actId="20577"/>
-        <pc:sldMkLst>
-          <pc:docMk/>
-          <pc:sldMk cId="1988452046" sldId="449"/>
-        </pc:sldMkLst>
-        <pc:spChg chg="mod">
-          <ac:chgData name="Dehbia Kouadria" userId="24cf8942edd75162" providerId="LiveId" clId="{17BADB32-C636-4716-B80D-93C22C39D57A}" dt="2023-04-15T08:11:50.789" v="907" actId="20577"/>
-          <ac:spMkLst>
-            <pc:docMk/>
-            <pc:sldMk cId="1988452046" sldId="449"/>
-            <ac:spMk id="2" creationId="{20A3D8E3-07B3-D0C5-FD0B-0DC295B3BBD8}"/>
-          </ac:spMkLst>
-        </pc:spChg>
-        <pc:spChg chg="add mod">
-          <ac:chgData name="Dehbia Kouadria" userId="24cf8942edd75162" providerId="LiveId" clId="{17BADB32-C636-4716-B80D-93C22C39D57A}" dt="2023-04-15T17:28:13.036" v="1812" actId="20577"/>
-          <ac:spMkLst>
-            <pc:docMk/>
-            <pc:sldMk cId="1988452046" sldId="449"/>
-            <ac:spMk id="3" creationId="{30252AFD-0A8E-7139-AF56-7452A653ED5E}"/>
-          </ac:spMkLst>
-        </pc:spChg>
-        <pc:spChg chg="add mod">
-          <ac:chgData name="Dehbia Kouadria" userId="24cf8942edd75162" providerId="LiveId" clId="{17BADB32-C636-4716-B80D-93C22C39D57A}" dt="2023-04-15T08:12:11.963" v="913" actId="2710"/>
-          <ac:spMkLst>
-            <pc:docMk/>
-            <pc:sldMk cId="1988452046" sldId="449"/>
-            <ac:spMk id="4" creationId="{3A39EE56-0AF8-BD80-460B-B2744ED9AFBA}"/>
-          </ac:spMkLst>
-        </pc:spChg>
-        <pc:picChg chg="del">
-          <ac:chgData name="Dehbia Kouadria" userId="24cf8942edd75162" providerId="LiveId" clId="{17BADB32-C636-4716-B80D-93C22C39D57A}" dt="2023-04-15T07:47:26.566" v="605" actId="478"/>
-          <ac:picMkLst>
-            <pc:docMk/>
-            <pc:sldMk cId="1988452046" sldId="449"/>
-            <ac:picMk id="5" creationId="{C0151A79-FE26-FEEB-DC97-386A5FD5D9D6}"/>
-          </ac:picMkLst>
-        </pc:picChg>
-      </pc:sldChg>
-      <pc:sldChg chg="modSp add del mod ord">
-        <pc:chgData name="Dehbia Kouadria" userId="24cf8942edd75162" providerId="LiveId" clId="{17BADB32-C636-4716-B80D-93C22C39D57A}" dt="2023-04-15T08:15:20.347" v="914" actId="47"/>
-        <pc:sldMkLst>
-          <pc:docMk/>
-          <pc:sldMk cId="2008606964" sldId="450"/>
-        </pc:sldMkLst>
-        <pc:spChg chg="mod">
-          <ac:chgData name="Dehbia Kouadria" userId="24cf8942edd75162" providerId="LiveId" clId="{17BADB32-C636-4716-B80D-93C22C39D57A}" dt="2023-04-15T07:48:31.654" v="637" actId="20577"/>
-          <ac:spMkLst>
-            <pc:docMk/>
-            <pc:sldMk cId="2008606964" sldId="450"/>
-            <ac:spMk id="2" creationId="{20A3D8E3-07B3-D0C5-FD0B-0DC295B3BBD8}"/>
-          </ac:spMkLst>
-        </pc:spChg>
-      </pc:sldChg>
-      <pc:sldChg chg="modSp add del mod ord replId">
-        <pc:chgData name="Dehbia Kouadria" userId="24cf8942edd75162" providerId="LiveId" clId="{17BADB32-C636-4716-B80D-93C22C39D57A}" dt="2023-04-15T08:15:20.347" v="914" actId="47"/>
-        <pc:sldMkLst>
-          <pc:docMk/>
-          <pc:sldMk cId="2681960115" sldId="451"/>
-        </pc:sldMkLst>
-        <pc:spChg chg="mod">
-          <ac:chgData name="Dehbia Kouadria" userId="24cf8942edd75162" providerId="LiveId" clId="{17BADB32-C636-4716-B80D-93C22C39D57A}" dt="2023-04-15T07:48:44.610" v="667" actId="20577"/>
-          <ac:spMkLst>
-            <pc:docMk/>
-            <pc:sldMk cId="2681960115" sldId="451"/>
-            <ac:spMk id="2" creationId="{20A3D8E3-07B3-D0C5-FD0B-0DC295B3BBD8}"/>
-          </ac:spMkLst>
-        </pc:spChg>
-      </pc:sldChg>
-      <pc:sldChg chg="addSp modSp add mod modTransition">
-        <pc:chgData name="Dehbia Kouadria" userId="24cf8942edd75162" providerId="LiveId" clId="{17BADB32-C636-4716-B80D-93C22C39D57A}" dt="2023-04-15T17:27:12.627" v="1803" actId="20577"/>
-        <pc:sldMkLst>
-          <pc:docMk/>
-          <pc:sldMk cId="2949247179" sldId="452"/>
-        </pc:sldMkLst>
-        <pc:spChg chg="add mod">
-          <ac:chgData name="Dehbia Kouadria" userId="24cf8942edd75162" providerId="LiveId" clId="{17BADB32-C636-4716-B80D-93C22C39D57A}" dt="2023-04-15T17:27:12.627" v="1803" actId="20577"/>
-          <ac:spMkLst>
-            <pc:docMk/>
-            <pc:sldMk cId="2949247179" sldId="452"/>
-            <ac:spMk id="2" creationId="{5145ED0B-B788-9A96-229A-51AB1EEE5DBA}"/>
-          </ac:spMkLst>
-        </pc:spChg>
-        <pc:spChg chg="mod">
-          <ac:chgData name="Dehbia Kouadria" userId="24cf8942edd75162" providerId="LiveId" clId="{17BADB32-C636-4716-B80D-93C22C39D57A}" dt="2023-04-15T17:07:04.308" v="1568" actId="255"/>
-          <ac:spMkLst>
-            <pc:docMk/>
-            <pc:sldMk cId="2949247179" sldId="452"/>
-            <ac:spMk id="6" creationId="{3256DE5F-5E74-03F4-0458-A37B001D4E87}"/>
-          </ac:spMkLst>
-        </pc:spChg>
-      </pc:sldChg>
-      <pc:sldChg chg="modSp add mod ord modTransition modNotesTx">
-        <pc:chgData name="Dehbia Kouadria" userId="24cf8942edd75162" providerId="LiveId" clId="{17BADB32-C636-4716-B80D-93C22C39D57A}" dt="2023-04-15T17:08:44.641" v="1581"/>
-        <pc:sldMkLst>
-          <pc:docMk/>
-          <pc:sldMk cId="564179793" sldId="453"/>
-        </pc:sldMkLst>
-        <pc:spChg chg="mod">
-          <ac:chgData name="Dehbia Kouadria" userId="24cf8942edd75162" providerId="LiveId" clId="{17BADB32-C636-4716-B80D-93C22C39D57A}" dt="2023-04-15T08:41:27.284" v="1410" actId="207"/>
-          <ac:spMkLst>
-            <pc:docMk/>
-            <pc:sldMk cId="564179793" sldId="453"/>
-            <ac:spMk id="2" creationId="{66C012B0-143C-8A56-ED8E-C62BD5579581}"/>
-          </ac:spMkLst>
-        </pc:spChg>
-        <pc:spChg chg="mod">
-          <ac:chgData name="Dehbia Kouadria" userId="24cf8942edd75162" providerId="LiveId" clId="{17BADB32-C636-4716-B80D-93C22C39D57A}" dt="2023-04-15T08:02:02.843" v="781"/>
-          <ac:spMkLst>
-            <pc:docMk/>
-            <pc:sldMk cId="564179793" sldId="453"/>
-            <ac:spMk id="5" creationId="{9FA55323-9E73-DFD2-530D-2CC2F0E140F6}"/>
-          </ac:spMkLst>
-        </pc:spChg>
-      </pc:sldChg>
-      <pc:sldChg chg="add modTransition">
-        <pc:chgData name="Dehbia Kouadria" userId="24cf8942edd75162" providerId="LiveId" clId="{17BADB32-C636-4716-B80D-93C22C39D57A}" dt="2023-04-15T17:08:44.641" v="1581"/>
-        <pc:sldMkLst>
-          <pc:docMk/>
-          <pc:sldMk cId="738913186" sldId="454"/>
-        </pc:sldMkLst>
-      </pc:sldChg>
-      <pc:sldChg chg="addSp modSp new mod ord modTransition">
-        <pc:chgData name="Dehbia Kouadria" userId="24cf8942edd75162" providerId="LiveId" clId="{17BADB32-C636-4716-B80D-93C22C39D57A}" dt="2023-04-15T17:26:15.205" v="1767" actId="20577"/>
-        <pc:sldMkLst>
-          <pc:docMk/>
-          <pc:sldMk cId="3282190075" sldId="455"/>
-        </pc:sldMkLst>
-        <pc:spChg chg="mod">
-          <ac:chgData name="Dehbia Kouadria" userId="24cf8942edd75162" providerId="LiveId" clId="{17BADB32-C636-4716-B80D-93C22C39D57A}" dt="2023-04-15T08:22:13.696" v="926"/>
-          <ac:spMkLst>
-            <pc:docMk/>
-            <pc:sldMk cId="3282190075" sldId="455"/>
-            <ac:spMk id="2" creationId="{C29BD3A0-0D29-F524-2048-B8C1DE645580}"/>
-          </ac:spMkLst>
-        </pc:spChg>
-        <pc:spChg chg="mod">
-          <ac:chgData name="Dehbia Kouadria" userId="24cf8942edd75162" providerId="LiveId" clId="{17BADB32-C636-4716-B80D-93C22C39D57A}" dt="2023-04-15T08:22:03.276" v="925" actId="1076"/>
-          <ac:spMkLst>
-            <pc:docMk/>
-            <pc:sldMk cId="3282190075" sldId="455"/>
-            <ac:spMk id="3" creationId="{88543A6B-3650-5E2E-EEDB-D143F1831742}"/>
-          </ac:spMkLst>
-        </pc:spChg>
-        <pc:spChg chg="add mod">
-          <ac:chgData name="Dehbia Kouadria" userId="24cf8942edd75162" providerId="LiveId" clId="{17BADB32-C636-4716-B80D-93C22C39D57A}" dt="2023-04-15T17:26:15.205" v="1767" actId="20577"/>
-          <ac:spMkLst>
-            <pc:docMk/>
-            <pc:sldMk cId="3282190075" sldId="455"/>
-            <ac:spMk id="4" creationId="{4A2F5382-59D9-6E53-5E50-F9863E1E8293}"/>
-          </ac:spMkLst>
-        </pc:spChg>
-      </pc:sldChg>
-      <pc:sldChg chg="addSp delSp modSp add mod ord modTransition">
-        <pc:chgData name="Dehbia Kouadria" userId="24cf8942edd75162" providerId="LiveId" clId="{17BADB32-C636-4716-B80D-93C22C39D57A}" dt="2023-04-15T17:26:25.385" v="1778" actId="20577"/>
-        <pc:sldMkLst>
-          <pc:docMk/>
-          <pc:sldMk cId="1831135917" sldId="456"/>
-        </pc:sldMkLst>
-        <pc:spChg chg="mod">
-          <ac:chgData name="Dehbia Kouadria" userId="24cf8942edd75162" providerId="LiveId" clId="{17BADB32-C636-4716-B80D-93C22C39D57A}" dt="2023-04-15T08:24:48.249" v="956" actId="20577"/>
-          <ac:spMkLst>
-            <pc:docMk/>
-            <pc:sldMk cId="1831135917" sldId="456"/>
-            <ac:spMk id="2" creationId="{C29BD3A0-0D29-F524-2048-B8C1DE645580}"/>
-          </ac:spMkLst>
-        </pc:spChg>
-        <pc:spChg chg="del">
-          <ac:chgData name="Dehbia Kouadria" userId="24cf8942edd75162" providerId="LiveId" clId="{17BADB32-C636-4716-B80D-93C22C39D57A}" dt="2023-04-15T08:24:52.304" v="957" actId="478"/>
-          <ac:spMkLst>
-            <pc:docMk/>
-            <pc:sldMk cId="1831135917" sldId="456"/>
-            <ac:spMk id="3" creationId="{88543A6B-3650-5E2E-EEDB-D143F1831742}"/>
-          </ac:spMkLst>
-        </pc:spChg>
-        <pc:spChg chg="mod">
-          <ac:chgData name="Dehbia Kouadria" userId="24cf8942edd75162" providerId="LiveId" clId="{17BADB32-C636-4716-B80D-93C22C39D57A}" dt="2023-04-15T17:26:25.385" v="1778" actId="20577"/>
-          <ac:spMkLst>
-            <pc:docMk/>
-            <pc:sldMk cId="1831135917" sldId="456"/>
-            <ac:spMk id="4" creationId="{4A2F5382-59D9-6E53-5E50-F9863E1E8293}"/>
-          </ac:spMkLst>
-        </pc:spChg>
-        <pc:spChg chg="add del mod">
-          <ac:chgData name="Dehbia Kouadria" userId="24cf8942edd75162" providerId="LiveId" clId="{17BADB32-C636-4716-B80D-93C22C39D57A}" dt="2023-04-15T08:25:09.398" v="958" actId="3680"/>
-          <ac:spMkLst>
-            <pc:docMk/>
-            <pc:sldMk cId="1831135917" sldId="456"/>
-            <ac:spMk id="6" creationId="{0DD8DFCE-C2EB-CCB2-0798-211577B3DDE8}"/>
-          </ac:spMkLst>
-        </pc:spChg>
-        <pc:graphicFrameChg chg="add mod ord modGraphic">
-          <ac:chgData name="Dehbia Kouadria" userId="24cf8942edd75162" providerId="LiveId" clId="{17BADB32-C636-4716-B80D-93C22C39D57A}" dt="2023-04-15T08:30:33.487" v="1350" actId="20577"/>
-          <ac:graphicFrameMkLst>
-            <pc:docMk/>
-            <pc:sldMk cId="1831135917" sldId="456"/>
-            <ac:graphicFrameMk id="7" creationId="{C4469709-CA9E-2CE0-AAF5-94295481CE9D}"/>
-          </ac:graphicFrameMkLst>
-        </pc:graphicFrameChg>
-      </pc:sldChg>
-      <pc:sldChg chg="addSp delSp modSp add mod modTransition modClrScheme chgLayout">
-        <pc:chgData name="Dehbia Kouadria" userId="24cf8942edd75162" providerId="LiveId" clId="{17BADB32-C636-4716-B80D-93C22C39D57A}" dt="2023-04-15T17:08:44.641" v="1581"/>
-        <pc:sldMkLst>
-          <pc:docMk/>
-          <pc:sldMk cId="4193895642" sldId="457"/>
-        </pc:sldMkLst>
-        <pc:spChg chg="mod ord">
-          <ac:chgData name="Dehbia Kouadria" userId="24cf8942edd75162" providerId="LiveId" clId="{17BADB32-C636-4716-B80D-93C22C39D57A}" dt="2023-04-15T15:08:43.468" v="1499" actId="700"/>
-          <ac:spMkLst>
-            <pc:docMk/>
-            <pc:sldMk cId="4193895642" sldId="457"/>
-            <ac:spMk id="2" creationId="{7C56FBD6-3829-612C-58B0-95AE57C2D902}"/>
-          </ac:spMkLst>
-        </pc:spChg>
-        <pc:spChg chg="mod ord">
-          <ac:chgData name="Dehbia Kouadria" userId="24cf8942edd75162" providerId="LiveId" clId="{17BADB32-C636-4716-B80D-93C22C39D57A}" dt="2023-04-15T17:04:13.147" v="1537" actId="255"/>
-          <ac:spMkLst>
-            <pc:docMk/>
-            <pc:sldMk cId="4193895642" sldId="457"/>
-            <ac:spMk id="3" creationId="{CB5D3B4B-BCF3-0B2A-7177-74340007813C}"/>
-          </ac:spMkLst>
-        </pc:spChg>
-        <pc:spChg chg="mod ord">
-          <ac:chgData name="Dehbia Kouadria" userId="24cf8942edd75162" providerId="LiveId" clId="{17BADB32-C636-4716-B80D-93C22C39D57A}" dt="2023-04-15T15:08:43.468" v="1499" actId="700"/>
-          <ac:spMkLst>
-            <pc:docMk/>
-            <pc:sldMk cId="4193895642" sldId="457"/>
-            <ac:spMk id="4" creationId="{F452B019-7CBF-2C24-22F0-AE6C5378F888}"/>
-          </ac:spMkLst>
-        </pc:spChg>
-        <pc:spChg chg="del mod ord">
-          <ac:chgData name="Dehbia Kouadria" userId="24cf8942edd75162" providerId="LiveId" clId="{17BADB32-C636-4716-B80D-93C22C39D57A}" dt="2023-04-15T14:56:41.605" v="1464" actId="700"/>
-          <ac:spMkLst>
-            <pc:docMk/>
-            <pc:sldMk cId="4193895642" sldId="457"/>
-            <ac:spMk id="5" creationId="{B7E37FF2-D26E-346D-7388-058A44150F7E}"/>
-          </ac:spMkLst>
-        </pc:spChg>
-        <pc:spChg chg="add del mod ord">
-          <ac:chgData name="Dehbia Kouadria" userId="24cf8942edd75162" providerId="LiveId" clId="{17BADB32-C636-4716-B80D-93C22C39D57A}" dt="2023-04-15T15:08:43.468" v="1499" actId="700"/>
-          <ac:spMkLst>
-            <pc:docMk/>
-            <pc:sldMk cId="4193895642" sldId="457"/>
-            <ac:spMk id="6" creationId="{2F4774A4-FADB-7FDF-B818-DB6641F22055}"/>
-          </ac:spMkLst>
-        </pc:spChg>
-        <pc:spChg chg="mod ord">
-          <ac:chgData name="Dehbia Kouadria" userId="24cf8942edd75162" providerId="LiveId" clId="{17BADB32-C636-4716-B80D-93C22C39D57A}" dt="2023-04-15T15:08:43.468" v="1499" actId="700"/>
-          <ac:spMkLst>
-            <pc:docMk/>
-            <pc:sldMk cId="4193895642" sldId="457"/>
-            <ac:spMk id="7" creationId="{77E43E6F-BD02-3AF3-7971-EF3617F3EEF8}"/>
-          </ac:spMkLst>
-        </pc:spChg>
-        <pc:spChg chg="add mod ord">
-          <ac:chgData name="Dehbia Kouadria" userId="24cf8942edd75162" providerId="LiveId" clId="{17BADB32-C636-4716-B80D-93C22C39D57A}" dt="2023-04-15T15:08:43.468" v="1499" actId="700"/>
-          <ac:spMkLst>
-            <pc:docMk/>
-            <pc:sldMk cId="4193895642" sldId="457"/>
-            <ac:spMk id="8" creationId="{1475650D-98A7-C2E5-1ACC-55F5CA954105}"/>
-          </ac:spMkLst>
-        </pc:spChg>
-      </pc:sldChg>
-      <pc:sldChg chg="modTransition">
-        <pc:chgData name="Dehbia Kouadria" userId="24cf8942edd75162" providerId="LiveId" clId="{17BADB32-C636-4716-B80D-93C22C39D57A}" dt="2023-04-15T17:08:44.641" v="1581"/>
-        <pc:sldMkLst>
-          <pc:docMk/>
-          <pc:sldMk cId="748252201" sldId="458"/>
-        </pc:sldMkLst>
-      </pc:sldChg>
-      <pc:sldChg chg="modSp mod modTransition">
-        <pc:chgData name="Dehbia Kouadria" userId="24cf8942edd75162" providerId="LiveId" clId="{17BADB32-C636-4716-B80D-93C22C39D57A}" dt="2023-04-15T17:08:44.641" v="1581"/>
-        <pc:sldMkLst>
-          <pc:docMk/>
-          <pc:sldMk cId="772043641" sldId="459"/>
-        </pc:sldMkLst>
-        <pc:spChg chg="mod">
-          <ac:chgData name="Dehbia Kouadria" userId="24cf8942edd75162" providerId="LiveId" clId="{17BADB32-C636-4716-B80D-93C22C39D57A}" dt="2023-04-15T17:03:14.203" v="1528" actId="255"/>
-          <ac:spMkLst>
-            <pc:docMk/>
-            <pc:sldMk cId="772043641" sldId="459"/>
-            <ac:spMk id="3" creationId="{E960DCBA-F9CD-735A-FA70-FEF9431ECC15}"/>
-          </ac:spMkLst>
-        </pc:spChg>
-      </pc:sldChg>
-      <pc:sldChg chg="modSp mod modTransition">
-        <pc:chgData name="Dehbia Kouadria" userId="24cf8942edd75162" providerId="LiveId" clId="{17BADB32-C636-4716-B80D-93C22C39D57A}" dt="2023-04-15T17:08:44.641" v="1581"/>
-        <pc:sldMkLst>
-          <pc:docMk/>
-          <pc:sldMk cId="2533313304" sldId="460"/>
-        </pc:sldMkLst>
-        <pc:spChg chg="mod">
-          <ac:chgData name="Dehbia Kouadria" userId="24cf8942edd75162" providerId="LiveId" clId="{17BADB32-C636-4716-B80D-93C22C39D57A}" dt="2023-04-15T17:03:35.517" v="1531" actId="255"/>
-          <ac:spMkLst>
-            <pc:docMk/>
-            <pc:sldMk cId="2533313304" sldId="460"/>
-            <ac:spMk id="3" creationId="{3CE92AE1-BD11-C014-47C2-4C60A3BBC556}"/>
-          </ac:spMkLst>
-        </pc:spChg>
-      </pc:sldChg>
-      <pc:sldChg chg="modSp mod modTransition">
-        <pc:chgData name="Dehbia Kouadria" userId="24cf8942edd75162" providerId="LiveId" clId="{17BADB32-C636-4716-B80D-93C22C39D57A}" dt="2023-04-15T17:08:44.641" v="1581"/>
-        <pc:sldMkLst>
-          <pc:docMk/>
-          <pc:sldMk cId="4236025210" sldId="461"/>
-        </pc:sldMkLst>
-        <pc:spChg chg="mod">
-          <ac:chgData name="Dehbia Kouadria" userId="24cf8942edd75162" providerId="LiveId" clId="{17BADB32-C636-4716-B80D-93C22C39D57A}" dt="2023-04-15T17:03:26.656" v="1530" actId="255"/>
-          <ac:spMkLst>
-            <pc:docMk/>
-            <pc:sldMk cId="4236025210" sldId="461"/>
-            <ac:spMk id="3" creationId="{B282A738-BCF7-3163-8167-C1128639A1E9}"/>
-          </ac:spMkLst>
-        </pc:spChg>
-      </pc:sldChg>
-      <pc:sldChg chg="modSp mod modTransition">
-        <pc:chgData name="Dehbia Kouadria" userId="24cf8942edd75162" providerId="LiveId" clId="{17BADB32-C636-4716-B80D-93C22C39D57A}" dt="2023-04-15T17:08:44.641" v="1581"/>
-        <pc:sldMkLst>
-          <pc:docMk/>
-          <pc:sldMk cId="3045294603" sldId="462"/>
-        </pc:sldMkLst>
-        <pc:spChg chg="mod">
-          <ac:chgData name="Dehbia Kouadria" userId="24cf8942edd75162" providerId="LiveId" clId="{17BADB32-C636-4716-B80D-93C22C39D57A}" dt="2023-04-15T17:03:21.693" v="1529" actId="255"/>
-          <ac:spMkLst>
-            <pc:docMk/>
-            <pc:sldMk cId="3045294603" sldId="462"/>
-            <ac:spMk id="3" creationId="{CB0DD438-918F-49BF-2F94-111639DFDA22}"/>
-          </ac:spMkLst>
-        </pc:spChg>
-      </pc:sldChg>
-      <pc:sldChg chg="modSp mod modTransition">
-        <pc:chgData name="Dehbia Kouadria" userId="24cf8942edd75162" providerId="LiveId" clId="{17BADB32-C636-4716-B80D-93C22C39D57A}" dt="2023-04-15T17:08:44.641" v="1581"/>
-        <pc:sldMkLst>
-          <pc:docMk/>
-          <pc:sldMk cId="493698181" sldId="463"/>
-        </pc:sldMkLst>
-        <pc:spChg chg="mod">
-          <ac:chgData name="Dehbia Kouadria" userId="24cf8942edd75162" providerId="LiveId" clId="{17BADB32-C636-4716-B80D-93C22C39D57A}" dt="2023-04-15T17:03:42.410" v="1532" actId="255"/>
-          <ac:spMkLst>
-            <pc:docMk/>
-            <pc:sldMk cId="493698181" sldId="463"/>
-            <ac:spMk id="3" creationId="{DBBFEBD1-2B24-45C0-DE40-CD54515D65FB}"/>
-          </ac:spMkLst>
-        </pc:spChg>
-      </pc:sldChg>
-      <pc:sldChg chg="modSp mod modTransition">
-        <pc:chgData name="Dehbia Kouadria" userId="24cf8942edd75162" providerId="LiveId" clId="{17BADB32-C636-4716-B80D-93C22C39D57A}" dt="2023-04-15T17:08:44.641" v="1581"/>
-        <pc:sldMkLst>
-          <pc:docMk/>
-          <pc:sldMk cId="3173060330" sldId="464"/>
-        </pc:sldMkLst>
-        <pc:spChg chg="mod">
-          <ac:chgData name="Dehbia Kouadria" userId="24cf8942edd75162" providerId="LiveId" clId="{17BADB32-C636-4716-B80D-93C22C39D57A}" dt="2023-04-15T17:03:48.013" v="1533" actId="255"/>
-          <ac:spMkLst>
-            <pc:docMk/>
-            <pc:sldMk cId="3173060330" sldId="464"/>
-            <ac:spMk id="3" creationId="{D706E6B0-9F16-CEEB-B57F-FEF35ACC56D8}"/>
-          </ac:spMkLst>
-        </pc:spChg>
-      </pc:sldChg>
-      <pc:sldChg chg="modSp mod modTransition">
-        <pc:chgData name="Dehbia Kouadria" userId="24cf8942edd75162" providerId="LiveId" clId="{17BADB32-C636-4716-B80D-93C22C39D57A}" dt="2023-04-15T17:08:44.641" v="1581"/>
-        <pc:sldMkLst>
-          <pc:docMk/>
-          <pc:sldMk cId="3537583011" sldId="465"/>
-        </pc:sldMkLst>
-        <pc:spChg chg="mod">
-          <ac:chgData name="Dehbia Kouadria" userId="24cf8942edd75162" providerId="LiveId" clId="{17BADB32-C636-4716-B80D-93C22C39D57A}" dt="2023-04-15T17:03:53.749" v="1534" actId="255"/>
-          <ac:spMkLst>
-            <pc:docMk/>
-            <pc:sldMk cId="3537583011" sldId="465"/>
-            <ac:spMk id="3" creationId="{CA88552F-B835-F3D0-1C24-94EF7E7B9111}"/>
-          </ac:spMkLst>
-        </pc:spChg>
-      </pc:sldChg>
-      <pc:sldChg chg="modSp mod modTransition">
-        <pc:chgData name="Dehbia Kouadria" userId="24cf8942edd75162" providerId="LiveId" clId="{17BADB32-C636-4716-B80D-93C22C39D57A}" dt="2023-04-15T17:08:44.641" v="1581"/>
-        <pc:sldMkLst>
-          <pc:docMk/>
-          <pc:sldMk cId="873878640" sldId="466"/>
-        </pc:sldMkLst>
-        <pc:spChg chg="mod">
-          <ac:chgData name="Dehbia Kouadria" userId="24cf8942edd75162" providerId="LiveId" clId="{17BADB32-C636-4716-B80D-93C22C39D57A}" dt="2023-04-15T17:03:59.313" v="1535" actId="255"/>
-          <ac:spMkLst>
-            <pc:docMk/>
-            <pc:sldMk cId="873878640" sldId="466"/>
-            <ac:spMk id="3" creationId="{2209A66A-2D98-C8B7-24C7-20FFF26F3716}"/>
-          </ac:spMkLst>
-        </pc:spChg>
-      </pc:sldChg>
-      <pc:sldChg chg="modSp mod modTransition">
-        <pc:chgData name="Dehbia Kouadria" userId="24cf8942edd75162" providerId="LiveId" clId="{17BADB32-C636-4716-B80D-93C22C39D57A}" dt="2023-04-15T17:08:44.641" v="1581"/>
-        <pc:sldMkLst>
-          <pc:docMk/>
-          <pc:sldMk cId="1513378586" sldId="467"/>
-        </pc:sldMkLst>
-        <pc:spChg chg="mod">
-          <ac:chgData name="Dehbia Kouadria" userId="24cf8942edd75162" providerId="LiveId" clId="{17BADB32-C636-4716-B80D-93C22C39D57A}" dt="2023-04-15T17:04:05.387" v="1536" actId="255"/>
-          <ac:spMkLst>
-            <pc:docMk/>
-            <pc:sldMk cId="1513378586" sldId="467"/>
-            <ac:spMk id="3" creationId="{F08662AD-3F2B-DFBD-F2DD-30DFF885FD0A}"/>
-          </ac:spMkLst>
-        </pc:spChg>
-      </pc:sldChg>
-      <pc:sldChg chg="modSp add mod modTransition">
-        <pc:chgData name="Dehbia Kouadria" userId="24cf8942edd75162" providerId="LiveId" clId="{17BADB32-C636-4716-B80D-93C22C39D57A}" dt="2023-04-15T17:25:04.284" v="1735" actId="5793"/>
-        <pc:sldMkLst>
-          <pc:docMk/>
-          <pc:sldMk cId="3276221231" sldId="468"/>
-        </pc:sldMkLst>
-        <pc:spChg chg="mod">
-          <ac:chgData name="Dehbia Kouadria" userId="24cf8942edd75162" providerId="LiveId" clId="{17BADB32-C636-4716-B80D-93C22C39D57A}" dt="2023-04-15T17:04:46.092" v="1542" actId="255"/>
-          <ac:spMkLst>
-            <pc:docMk/>
-            <pc:sldMk cId="3276221231" sldId="468"/>
-            <ac:spMk id="3" creationId="{BB111D3F-D02C-78BE-53D1-85EA07A12448}"/>
-          </ac:spMkLst>
-        </pc:spChg>
-        <pc:spChg chg="mod">
-          <ac:chgData name="Dehbia Kouadria" userId="24cf8942edd75162" providerId="LiveId" clId="{17BADB32-C636-4716-B80D-93C22C39D57A}" dt="2023-04-15T17:25:04.284" v="1735" actId="5793"/>
-          <ac:spMkLst>
-            <pc:docMk/>
-            <pc:sldMk cId="3276221231" sldId="468"/>
-            <ac:spMk id="4" creationId="{6DBA6239-5EAC-8633-AF84-C0D4039E99D9}"/>
-          </ac:spMkLst>
-        </pc:spChg>
-      </pc:sldChg>
-      <pc:sldChg chg="modSp add mod modTransition">
-        <pc:chgData name="Dehbia Kouadria" userId="24cf8942edd75162" providerId="LiveId" clId="{17BADB32-C636-4716-B80D-93C22C39D57A}" dt="2023-04-15T17:25:46.882" v="1752"/>
-        <pc:sldMkLst>
-          <pc:docMk/>
-          <pc:sldMk cId="2182470191" sldId="469"/>
-        </pc:sldMkLst>
-        <pc:spChg chg="mod">
-          <ac:chgData name="Dehbia Kouadria" userId="24cf8942edd75162" providerId="LiveId" clId="{17BADB32-C636-4716-B80D-93C22C39D57A}" dt="2023-04-15T17:05:14.077" v="1547" actId="255"/>
-          <ac:spMkLst>
-            <pc:docMk/>
-            <pc:sldMk cId="2182470191" sldId="469"/>
-            <ac:spMk id="3" creationId="{BB111D3F-D02C-78BE-53D1-85EA07A12448}"/>
-          </ac:spMkLst>
-        </pc:spChg>
-        <pc:spChg chg="mod">
-          <ac:chgData name="Dehbia Kouadria" userId="24cf8942edd75162" providerId="LiveId" clId="{17BADB32-C636-4716-B80D-93C22C39D57A}" dt="2023-04-15T17:25:46.882" v="1752"/>
-          <ac:spMkLst>
-            <pc:docMk/>
-            <pc:sldMk cId="2182470191" sldId="469"/>
-            <ac:spMk id="4" creationId="{AA5064AB-A54C-4ABB-4B27-2B3CFDB1B0FB}"/>
-          </ac:spMkLst>
-        </pc:spChg>
-      </pc:sldChg>
-      <pc:sldChg chg="addSp delSp modSp add mod modTransition modClrScheme chgLayout">
-        <pc:chgData name="Dehbia Kouadria" userId="24cf8942edd75162" providerId="LiveId" clId="{17BADB32-C636-4716-B80D-93C22C39D57A}" dt="2023-04-15T17:25:54.992" v="1754"/>
-        <pc:sldMkLst>
-          <pc:docMk/>
-          <pc:sldMk cId="4075329291" sldId="470"/>
-        </pc:sldMkLst>
-        <pc:spChg chg="mod ord">
-          <ac:chgData name="Dehbia Kouadria" userId="24cf8942edd75162" providerId="LiveId" clId="{17BADB32-C636-4716-B80D-93C22C39D57A}" dt="2023-04-15T16:59:17.925" v="1520" actId="700"/>
-          <ac:spMkLst>
-            <pc:docMk/>
-            <pc:sldMk cId="4075329291" sldId="470"/>
-            <ac:spMk id="2" creationId="{0AB122C2-60AE-E9E8-D5F4-D870F1521161}"/>
-          </ac:spMkLst>
-        </pc:spChg>
-        <pc:spChg chg="del">
-          <ac:chgData name="Dehbia Kouadria" userId="24cf8942edd75162" providerId="LiveId" clId="{17BADB32-C636-4716-B80D-93C22C39D57A}" dt="2023-04-15T16:58:16.683" v="1513" actId="478"/>
-          <ac:spMkLst>
-            <pc:docMk/>
-            <pc:sldMk cId="4075329291" sldId="470"/>
-            <ac:spMk id="3" creationId="{BB111D3F-D02C-78BE-53D1-85EA07A12448}"/>
-          </ac:spMkLst>
-        </pc:spChg>
-        <pc:spChg chg="mod ord">
-          <ac:chgData name="Dehbia Kouadria" userId="24cf8942edd75162" providerId="LiveId" clId="{17BADB32-C636-4716-B80D-93C22C39D57A}" dt="2023-04-15T17:05:25.204" v="1549" actId="255"/>
-          <ac:spMkLst>
-            <pc:docMk/>
-            <pc:sldMk cId="4075329291" sldId="470"/>
-            <ac:spMk id="4" creationId="{BB89D842-F90C-6497-83E2-CF2AE51755E0}"/>
-          </ac:spMkLst>
-        </pc:spChg>
-        <pc:spChg chg="mod">
-          <ac:chgData name="Dehbia Kouadria" userId="24cf8942edd75162" providerId="LiveId" clId="{17BADB32-C636-4716-B80D-93C22C39D57A}" dt="2023-04-15T17:25:54.992" v="1754"/>
-          <ac:spMkLst>
-            <pc:docMk/>
-            <pc:sldMk cId="4075329291" sldId="470"/>
-            <ac:spMk id="5" creationId="{AB432C45-9B17-FD87-DF9E-74E5DA3D848B}"/>
-          </ac:spMkLst>
-        </pc:spChg>
-        <pc:spChg chg="add del mod ord">
-          <ac:chgData name="Dehbia Kouadria" userId="24cf8942edd75162" providerId="LiveId" clId="{17BADB32-C636-4716-B80D-93C22C39D57A}" dt="2023-04-15T16:58:50.166" v="1516" actId="700"/>
-          <ac:spMkLst>
-            <pc:docMk/>
-            <pc:sldMk cId="4075329291" sldId="470"/>
-            <ac:spMk id="7" creationId="{27CDCBB1-636B-7CE4-9B44-5F261B997BD7}"/>
-          </ac:spMkLst>
-        </pc:spChg>
-        <pc:spChg chg="add del mod ord">
-          <ac:chgData name="Dehbia Kouadria" userId="24cf8942edd75162" providerId="LiveId" clId="{17BADB32-C636-4716-B80D-93C22C39D57A}" dt="2023-04-15T16:58:39.739" v="1515" actId="700"/>
-          <ac:spMkLst>
-            <pc:docMk/>
-            <pc:sldMk cId="4075329291" sldId="470"/>
-            <ac:spMk id="8" creationId="{C99DAD53-321B-0697-AFD3-C6917D794831}"/>
-          </ac:spMkLst>
-        </pc:spChg>
-        <pc:spChg chg="add del mod ord">
-          <ac:chgData name="Dehbia Kouadria" userId="24cf8942edd75162" providerId="LiveId" clId="{17BADB32-C636-4716-B80D-93C22C39D57A}" dt="2023-04-15T16:58:39.739" v="1515" actId="700"/>
-          <ac:spMkLst>
-            <pc:docMk/>
-            <pc:sldMk cId="4075329291" sldId="470"/>
-            <ac:spMk id="9" creationId="{B3F6E05C-6985-D089-2E47-73F5FC183C28}"/>
-          </ac:spMkLst>
-        </pc:spChg>
-      </pc:sldChg>
-      <pc:sldChg chg="delSp new del mod modClrScheme chgLayout">
-        <pc:chgData name="Dehbia Kouadria" userId="24cf8942edd75162" providerId="LiveId" clId="{17BADB32-C636-4716-B80D-93C22C39D57A}" dt="2023-04-15T17:10:29.523" v="1585" actId="47"/>
-        <pc:sldMkLst>
-          <pc:docMk/>
-          <pc:sldMk cId="1102920867" sldId="471"/>
-        </pc:sldMkLst>
-        <pc:spChg chg="del">
-          <ac:chgData name="Dehbia Kouadria" userId="24cf8942edd75162" providerId="LiveId" clId="{17BADB32-C636-4716-B80D-93C22C39D57A}" dt="2023-04-15T17:10:10.256" v="1583" actId="700"/>
-          <ac:spMkLst>
-            <pc:docMk/>
-            <pc:sldMk cId="1102920867" sldId="471"/>
-            <ac:spMk id="2" creationId="{3B2986DE-09D7-DF9F-C0CF-E5F6D6A44330}"/>
-          </ac:spMkLst>
-        </pc:spChg>
-        <pc:spChg chg="del">
-          <ac:chgData name="Dehbia Kouadria" userId="24cf8942edd75162" providerId="LiveId" clId="{17BADB32-C636-4716-B80D-93C22C39D57A}" dt="2023-04-15T17:10:10.256" v="1583" actId="700"/>
-          <ac:spMkLst>
-            <pc:docMk/>
-            <pc:sldMk cId="1102920867" sldId="471"/>
-            <ac:spMk id="3" creationId="{CF6272BC-1D97-068B-BA0A-A13DA22CCFBE}"/>
-          </ac:spMkLst>
-        </pc:spChg>
-      </pc:sldChg>
-      <pc:sldChg chg="addSp delSp modSp new mod ord">
-        <pc:chgData name="Dehbia Kouadria" userId="24cf8942edd75162" providerId="LiveId" clId="{17BADB32-C636-4716-B80D-93C22C39D57A}" dt="2023-04-15T17:18:20.181" v="1628"/>
-        <pc:sldMkLst>
-          <pc:docMk/>
-          <pc:sldMk cId="1552246001" sldId="472"/>
-        </pc:sldMkLst>
-        <pc:spChg chg="mod">
-          <ac:chgData name="Dehbia Kouadria" userId="24cf8942edd75162" providerId="LiveId" clId="{17BADB32-C636-4716-B80D-93C22C39D57A}" dt="2023-04-15T17:10:39.555" v="1608" actId="20577"/>
-          <ac:spMkLst>
-            <pc:docMk/>
-            <pc:sldMk cId="1552246001" sldId="472"/>
-            <ac:spMk id="2" creationId="{DA3D326F-5743-2B99-1A84-52BFC1885086}"/>
-          </ac:spMkLst>
-        </pc:spChg>
-        <pc:spChg chg="del">
-          <ac:chgData name="Dehbia Kouadria" userId="24cf8942edd75162" providerId="LiveId" clId="{17BADB32-C636-4716-B80D-93C22C39D57A}" dt="2023-04-15T17:15:09.334" v="1609" actId="931"/>
-          <ac:spMkLst>
-            <pc:docMk/>
-            <pc:sldMk cId="1552246001" sldId="472"/>
-            <ac:spMk id="3" creationId="{5983A8A7-A5AB-9B1E-E3D6-0EBFBC3CA55D}"/>
-          </ac:spMkLst>
-        </pc:spChg>
-        <pc:spChg chg="add del mod">
-          <ac:chgData name="Dehbia Kouadria" userId="24cf8942edd75162" providerId="LiveId" clId="{17BADB32-C636-4716-B80D-93C22C39D57A}" dt="2023-04-15T17:16:23.869" v="1615" actId="931"/>
-          <ac:spMkLst>
-            <pc:docMk/>
-            <pc:sldMk cId="1552246001" sldId="472"/>
-            <ac:spMk id="7" creationId="{32B38A76-A9C4-D49E-C532-87E8ABF3FFFE}"/>
-          </ac:spMkLst>
-        </pc:spChg>
-        <pc:spChg chg="add del mod">
-          <ac:chgData name="Dehbia Kouadria" userId="24cf8942edd75162" providerId="LiveId" clId="{17BADB32-C636-4716-B80D-93C22C39D57A}" dt="2023-04-15T17:17:51.662" v="1621" actId="22"/>
-          <ac:spMkLst>
-            <pc:docMk/>
-            <pc:sldMk cId="1552246001" sldId="472"/>
-            <ac:spMk id="11" creationId="{3E65A751-14EB-76C6-0C0C-AE435FD5172C}"/>
-          </ac:spMkLst>
-        </pc:spChg>
-        <pc:picChg chg="add del mod">
-          <ac:chgData name="Dehbia Kouadria" userId="24cf8942edd75162" providerId="LiveId" clId="{17BADB32-C636-4716-B80D-93C22C39D57A}" dt="2023-04-15T17:16:17.404" v="1614" actId="478"/>
-          <ac:picMkLst>
-            <pc:docMk/>
-            <pc:sldMk cId="1552246001" sldId="472"/>
-            <ac:picMk id="5" creationId="{4A04BD2B-8F71-528E-5328-C9E9BB42C7B1}"/>
-          </ac:picMkLst>
-        </pc:picChg>
-        <pc:picChg chg="add del mod">
-          <ac:chgData name="Dehbia Kouadria" userId="24cf8942edd75162" providerId="LiveId" clId="{17BADB32-C636-4716-B80D-93C22C39D57A}" dt="2023-04-15T17:16:43.664" v="1620" actId="478"/>
-          <ac:picMkLst>
-            <pc:docMk/>
-            <pc:sldMk cId="1552246001" sldId="472"/>
-            <ac:picMk id="9" creationId="{9FF6F432-3DDC-5293-B483-236EE7E20C71}"/>
-          </ac:picMkLst>
-        </pc:picChg>
-        <pc:picChg chg="add mod ord">
-          <ac:chgData name="Dehbia Kouadria" userId="24cf8942edd75162" providerId="LiveId" clId="{17BADB32-C636-4716-B80D-93C22C39D57A}" dt="2023-04-15T17:18:10.392" v="1626" actId="1076"/>
-          <ac:picMkLst>
-            <pc:docMk/>
-            <pc:sldMk cId="1552246001" sldId="472"/>
-            <ac:picMk id="13" creationId="{2C6A8ECE-749A-DC43-4F06-ED470C32EEBC}"/>
-          </ac:picMkLst>
-        </pc:picChg>
-      </pc:sldChg>
-      <pc:sldChg chg="addSp delSp modSp new mod modClrScheme chgLayout">
-        <pc:chgData name="Dehbia Kouadria" userId="24cf8942edd75162" providerId="LiveId" clId="{17BADB32-C636-4716-B80D-93C22C39D57A}" dt="2023-04-15T17:19:28.058" v="1660" actId="1076"/>
-        <pc:sldMkLst>
-          <pc:docMk/>
-          <pc:sldMk cId="149953502" sldId="473"/>
-        </pc:sldMkLst>
-        <pc:spChg chg="del mod ord">
-          <ac:chgData name="Dehbia Kouadria" userId="24cf8942edd75162" providerId="LiveId" clId="{17BADB32-C636-4716-B80D-93C22C39D57A}" dt="2023-04-15T17:18:51.813" v="1630" actId="700"/>
-          <ac:spMkLst>
-            <pc:docMk/>
-            <pc:sldMk cId="149953502" sldId="473"/>
-            <ac:spMk id="2" creationId="{67F07425-325C-DFC5-2615-6709F38E1C5C}"/>
-          </ac:spMkLst>
-        </pc:spChg>
-        <pc:spChg chg="del mod ord">
-          <ac:chgData name="Dehbia Kouadria" userId="24cf8942edd75162" providerId="LiveId" clId="{17BADB32-C636-4716-B80D-93C22C39D57A}" dt="2023-04-15T17:18:51.813" v="1630" actId="700"/>
-          <ac:spMkLst>
-            <pc:docMk/>
-            <pc:sldMk cId="149953502" sldId="473"/>
-            <ac:spMk id="3" creationId="{B9AE5EE3-23E8-B5F9-7B07-D2497354DD14}"/>
-          </ac:spMkLst>
-        </pc:spChg>
-        <pc:spChg chg="del">
-          <ac:chgData name="Dehbia Kouadria" userId="24cf8942edd75162" providerId="LiveId" clId="{17BADB32-C636-4716-B80D-93C22C39D57A}" dt="2023-04-15T17:18:51.813" v="1630" actId="700"/>
-          <ac:spMkLst>
-            <pc:docMk/>
-            <pc:sldMk cId="149953502" sldId="473"/>
-            <ac:spMk id="4" creationId="{B97781A0-33DE-6CF4-21B5-26B4FC4B4464}"/>
-          </ac:spMkLst>
-        </pc:spChg>
-        <pc:spChg chg="del">
-          <ac:chgData name="Dehbia Kouadria" userId="24cf8942edd75162" providerId="LiveId" clId="{17BADB32-C636-4716-B80D-93C22C39D57A}" dt="2023-04-15T17:18:51.813" v="1630" actId="700"/>
-          <ac:spMkLst>
-            <pc:docMk/>
-            <pc:sldMk cId="149953502" sldId="473"/>
-            <ac:spMk id="5" creationId="{3DCA5698-A2AD-C934-BC40-F7F5C341A0A8}"/>
-          </ac:spMkLst>
-        </pc:spChg>
-        <pc:spChg chg="del">
-          <ac:chgData name="Dehbia Kouadria" userId="24cf8942edd75162" providerId="LiveId" clId="{17BADB32-C636-4716-B80D-93C22C39D57A}" dt="2023-04-15T17:18:51.813" v="1630" actId="700"/>
-          <ac:spMkLst>
-            <pc:docMk/>
-            <pc:sldMk cId="149953502" sldId="473"/>
-            <ac:spMk id="6" creationId="{E0FE0B14-C926-C854-B6EA-AB3AF516CE75}"/>
-          </ac:spMkLst>
-        </pc:spChg>
-        <pc:spChg chg="add mod ord">
-          <ac:chgData name="Dehbia Kouadria" userId="24cf8942edd75162" providerId="LiveId" clId="{17BADB32-C636-4716-B80D-93C22C39D57A}" dt="2023-04-15T17:19:05.134" v="1656" actId="20577"/>
-          <ac:spMkLst>
-            <pc:docMk/>
-            <pc:sldMk cId="149953502" sldId="473"/>
-            <ac:spMk id="7" creationId="{18F5DB12-BD71-CBF0-74DF-E1DE62560702}"/>
-          </ac:spMkLst>
-        </pc:spChg>
-        <pc:spChg chg="add del mod ord">
-          <ac:chgData name="Dehbia Kouadria" userId="24cf8942edd75162" providerId="LiveId" clId="{17BADB32-C636-4716-B80D-93C22C39D57A}" dt="2023-04-15T17:19:20.002" v="1657" actId="22"/>
-          <ac:spMkLst>
-            <pc:docMk/>
-            <pc:sldMk cId="149953502" sldId="473"/>
-            <ac:spMk id="8" creationId="{46BB08B6-D407-76C3-287B-7CF90E1173B1}"/>
-          </ac:spMkLst>
-        </pc:spChg>
-        <pc:picChg chg="add mod ord">
-          <ac:chgData name="Dehbia Kouadria" userId="24cf8942edd75162" providerId="LiveId" clId="{17BADB32-C636-4716-B80D-93C22C39D57A}" dt="2023-04-15T17:19:28.058" v="1660" actId="1076"/>
-          <ac:picMkLst>
-            <pc:docMk/>
-            <pc:sldMk cId="149953502" sldId="473"/>
-            <ac:picMk id="10" creationId="{6479FA10-67FC-7ABB-9BF4-2B7A952367B5}"/>
-          </ac:picMkLst>
-        </pc:picChg>
-      </pc:sldChg>
-      <pc:sldChg chg="addSp delSp modSp new mod modClrScheme chgLayout">
-        <pc:chgData name="Dehbia Kouadria" userId="24cf8942edd75162" providerId="LiveId" clId="{17BADB32-C636-4716-B80D-93C22C39D57A}" dt="2023-04-15T17:20:24.766" v="1687" actId="1076"/>
-        <pc:sldMkLst>
-          <pc:docMk/>
-          <pc:sldMk cId="837654237" sldId="474"/>
-        </pc:sldMkLst>
-        <pc:spChg chg="mod ord">
-          <ac:chgData name="Dehbia Kouadria" userId="24cf8942edd75162" providerId="LiveId" clId="{17BADB32-C636-4716-B80D-93C22C39D57A}" dt="2023-04-15T17:20:17.076" v="1684" actId="700"/>
-          <ac:spMkLst>
-            <pc:docMk/>
-            <pc:sldMk cId="837654237" sldId="474"/>
-            <ac:spMk id="2" creationId="{5B98F1A1-EB07-DE50-68AF-2CE6685625A1}"/>
-          </ac:spMkLst>
-        </pc:spChg>
-        <pc:spChg chg="del">
-          <ac:chgData name="Dehbia Kouadria" userId="24cf8942edd75162" providerId="LiveId" clId="{17BADB32-C636-4716-B80D-93C22C39D57A}" dt="2023-04-15T17:20:12.502" v="1683" actId="22"/>
-          <ac:spMkLst>
-            <pc:docMk/>
-            <pc:sldMk cId="837654237" sldId="474"/>
-            <ac:spMk id="3" creationId="{A36991B2-114F-1E0D-7C51-C9F2253764A3}"/>
-          </ac:spMkLst>
-        </pc:spChg>
-        <pc:spChg chg="del">
-          <ac:chgData name="Dehbia Kouadria" userId="24cf8942edd75162" providerId="LiveId" clId="{17BADB32-C636-4716-B80D-93C22C39D57A}" dt="2023-04-15T17:20:17.076" v="1684" actId="700"/>
-          <ac:spMkLst>
-            <pc:docMk/>
-            <pc:sldMk cId="837654237" sldId="474"/>
-            <ac:spMk id="4" creationId="{CD42DCA4-A8D4-683F-E194-F8BD8E24D439}"/>
-          </ac:spMkLst>
-        </pc:spChg>
-        <pc:spChg chg="del">
-          <ac:chgData name="Dehbia Kouadria" userId="24cf8942edd75162" providerId="LiveId" clId="{17BADB32-C636-4716-B80D-93C22C39D57A}" dt="2023-04-15T17:20:17.076" v="1684" actId="700"/>
-          <ac:spMkLst>
-            <pc:docMk/>
-            <pc:sldMk cId="837654237" sldId="474"/>
-            <ac:spMk id="5" creationId="{586BE634-B511-C319-2F61-0666CECE17AC}"/>
-          </ac:spMkLst>
-        </pc:spChg>
-        <pc:spChg chg="del">
-          <ac:chgData name="Dehbia Kouadria" userId="24cf8942edd75162" providerId="LiveId" clId="{17BADB32-C636-4716-B80D-93C22C39D57A}" dt="2023-04-15T17:20:17.076" v="1684" actId="700"/>
-          <ac:spMkLst>
-            <pc:docMk/>
-            <pc:sldMk cId="837654237" sldId="474"/>
-            <ac:spMk id="6" creationId="{E0024738-3DAF-7606-F522-D9FC10F21D6A}"/>
-          </ac:spMkLst>
-        </pc:spChg>
-        <pc:picChg chg="add mod ord">
-          <ac:chgData name="Dehbia Kouadria" userId="24cf8942edd75162" providerId="LiveId" clId="{17BADB32-C636-4716-B80D-93C22C39D57A}" dt="2023-04-15T17:20:24.766" v="1687" actId="1076"/>
-          <ac:picMkLst>
-            <pc:docMk/>
-            <pc:sldMk cId="837654237" sldId="474"/>
-            <ac:picMk id="8" creationId="{AF54A350-4737-9630-ADB9-F70381D4BA30}"/>
-          </ac:picMkLst>
-        </pc:picChg>
-      </pc:sldChg>
-      <pc:sldChg chg="addSp delSp modSp new mod">
-        <pc:chgData name="Dehbia Kouadria" userId="24cf8942edd75162" providerId="LiveId" clId="{17BADB32-C636-4716-B80D-93C22C39D57A}" dt="2023-04-15T17:29:17.610" v="1820" actId="20577"/>
-        <pc:sldMkLst>
-          <pc:docMk/>
-          <pc:sldMk cId="2516410889" sldId="475"/>
-        </pc:sldMkLst>
-        <pc:spChg chg="mod">
-          <ac:chgData name="Dehbia Kouadria" userId="24cf8942edd75162" providerId="LiveId" clId="{17BADB32-C636-4716-B80D-93C22C39D57A}" dt="2023-04-15T17:22:28.699" v="1694" actId="20577"/>
-          <ac:spMkLst>
-            <pc:docMk/>
-            <pc:sldMk cId="2516410889" sldId="475"/>
-            <ac:spMk id="2" creationId="{A2565E8C-133A-8717-5E16-66B959D27FD1}"/>
-          </ac:spMkLst>
-        </pc:spChg>
-        <pc:spChg chg="mod">
-          <ac:chgData name="Dehbia Kouadria" userId="24cf8942edd75162" providerId="LiveId" clId="{17BADB32-C636-4716-B80D-93C22C39D57A}" dt="2023-04-15T17:23:07.519" v="1713" actId="12"/>
-          <ac:spMkLst>
-            <pc:docMk/>
-            <pc:sldMk cId="2516410889" sldId="475"/>
-            <ac:spMk id="3" creationId="{AACF111E-5969-BED8-B33A-5506FD4FAA92}"/>
-          </ac:spMkLst>
-        </pc:spChg>
-        <pc:spChg chg="add del mod">
-          <ac:chgData name="Dehbia Kouadria" userId="24cf8942edd75162" providerId="LiveId" clId="{17BADB32-C636-4716-B80D-93C22C39D57A}" dt="2023-04-15T17:28:25.286" v="1815" actId="478"/>
-          <ac:spMkLst>
-            <pc:docMk/>
-            <pc:sldMk cId="2516410889" sldId="475"/>
-            <ac:spMk id="5" creationId="{1FCE6EED-ECDD-C283-BE42-D8CB698B3935}"/>
-          </ac:spMkLst>
-        </pc:spChg>
-        <pc:spChg chg="add mod">
-          <ac:chgData name="Dehbia Kouadria" userId="24cf8942edd75162" providerId="LiveId" clId="{17BADB32-C636-4716-B80D-93C22C39D57A}" dt="2023-04-15T17:29:17.610" v="1820" actId="20577"/>
-          <ac:spMkLst>
-            <pc:docMk/>
-            <pc:sldMk cId="2516410889" sldId="475"/>
-            <ac:spMk id="6" creationId="{ACD86507-4DAA-0441-5617-AE94CD3FF563}"/>
-          </ac:spMkLst>
-        </pc:spChg>
-      </pc:sldChg>
-      <pc:sldMasterChg chg="modSp mod">
-        <pc:chgData name="Dehbia Kouadria" userId="24cf8942edd75162" providerId="LiveId" clId="{17BADB32-C636-4716-B80D-93C22C39D57A}" dt="2023-04-15T14:51:59.927" v="1435" actId="20577"/>
-        <pc:sldMasterMkLst>
-          <pc:docMk/>
-          <pc:sldMasterMk cId="0" sldId="2147483648"/>
-        </pc:sldMasterMkLst>
-        <pc:spChg chg="mod">
-          <ac:chgData name="Dehbia Kouadria" userId="24cf8942edd75162" providerId="LiveId" clId="{17BADB32-C636-4716-B80D-93C22C39D57A}" dt="2023-04-15T14:51:59.927" v="1435" actId="20577"/>
-          <ac:spMkLst>
-            <pc:docMk/>
-            <pc:sldMasterMk cId="0" sldId="2147483648"/>
-            <ac:spMk id="1173" creationId="{00000000-0000-0000-0000-000000000000}"/>
-          </ac:spMkLst>
-        </pc:spChg>
-      </pc:sldMasterChg>
-      <pc:sldMasterChg chg="addSp delSp modSp new del mod addSldLayout delSldLayout">
-        <pc:chgData name="Dehbia Kouadria" userId="24cf8942edd75162" providerId="LiveId" clId="{17BADB32-C636-4716-B80D-93C22C39D57A}" dt="2023-04-15T14:53:52.920" v="1451" actId="2696"/>
-        <pc:sldMasterMkLst>
-          <pc:docMk/>
-          <pc:sldMasterMk cId="4032959031" sldId="2147483663"/>
-        </pc:sldMasterMkLst>
-        <pc:spChg chg="add del mod">
-          <ac:chgData name="Dehbia Kouadria" userId="24cf8942edd75162" providerId="LiveId" clId="{17BADB32-C636-4716-B80D-93C22C39D57A}" dt="2023-04-15T14:53:36.728" v="1438"/>
-          <ac:spMkLst>
-            <pc:docMk/>
-            <pc:sldMasterMk cId="4032959031" sldId="2147483663"/>
-            <ac:spMk id="7" creationId="{24F34D18-170D-2C6F-17BE-7AD056517B89}"/>
-          </ac:spMkLst>
-        </pc:spChg>
-        <pc:spChg chg="add del mod">
-          <ac:chgData name="Dehbia Kouadria" userId="24cf8942edd75162" providerId="LiveId" clId="{17BADB32-C636-4716-B80D-93C22C39D57A}" dt="2023-04-15T14:53:36.728" v="1438"/>
-          <ac:spMkLst>
-            <pc:docMk/>
-            <pc:sldMasterMk cId="4032959031" sldId="2147483663"/>
-            <ac:spMk id="11" creationId="{AE4D653B-7A44-A948-9156-D5BD20D7AEE2}"/>
-          </ac:spMkLst>
-        </pc:spChg>
-        <pc:grpChg chg="add del mod">
-          <ac:chgData name="Dehbia Kouadria" userId="24cf8942edd75162" providerId="LiveId" clId="{17BADB32-C636-4716-B80D-93C22C39D57A}" dt="2023-04-15T14:53:36.728" v="1438"/>
-          <ac:grpSpMkLst>
-            <pc:docMk/>
-            <pc:sldMasterMk cId="4032959031" sldId="2147483663"/>
-            <ac:grpSpMk id="8" creationId="{62A1A9C3-36DC-A3D6-69E1-11ACAAC4C554}"/>
-          </ac:grpSpMkLst>
-        </pc:grpChg>
-        <pc:picChg chg="mod">
-          <ac:chgData name="Dehbia Kouadria" userId="24cf8942edd75162" providerId="LiveId" clId="{17BADB32-C636-4716-B80D-93C22C39D57A}" dt="2023-04-15T14:53:35.332" v="1437"/>
-          <ac:picMkLst>
-            <pc:docMk/>
-            <pc:sldMasterMk cId="4032959031" sldId="2147483663"/>
-            <ac:picMk id="9" creationId="{6DC47276-2FA1-02C8-2D7B-D64BC7DE5C90}"/>
-          </ac:picMkLst>
-        </pc:picChg>
-        <pc:picChg chg="mod">
-          <ac:chgData name="Dehbia Kouadria" userId="24cf8942edd75162" providerId="LiveId" clId="{17BADB32-C636-4716-B80D-93C22C39D57A}" dt="2023-04-15T14:53:35.332" v="1437"/>
-          <ac:picMkLst>
-            <pc:docMk/>
-            <pc:sldMasterMk cId="4032959031" sldId="2147483663"/>
-            <ac:picMk id="10" creationId="{562CFBA7-E3D9-2142-6C5C-AFFDD69ABD9D}"/>
-          </ac:picMkLst>
-        </pc:picChg>
-        <pc:sldLayoutChg chg="new del replId">
-          <pc:chgData name="Dehbia Kouadria" userId="24cf8942edd75162" providerId="LiveId" clId="{17BADB32-C636-4716-B80D-93C22C39D57A}" dt="2023-04-15T14:53:52.818" v="1440" actId="2696"/>
-          <pc:sldLayoutMkLst>
-            <pc:docMk/>
-            <pc:sldMasterMk cId="4032959031" sldId="2147483663"/>
-            <pc:sldLayoutMk cId="4123884959" sldId="2147483664"/>
-          </pc:sldLayoutMkLst>
-        </pc:sldLayoutChg>
-        <pc:sldLayoutChg chg="new del replId">
-          <pc:chgData name="Dehbia Kouadria" userId="24cf8942edd75162" providerId="LiveId" clId="{17BADB32-C636-4716-B80D-93C22C39D57A}" dt="2023-04-15T14:53:52.827" v="1441" actId="2696"/>
-          <pc:sldLayoutMkLst>
-            <pc:docMk/>
-            <pc:sldMasterMk cId="4032959031" sldId="2147483663"/>
-            <pc:sldLayoutMk cId="3531454001" sldId="2147483665"/>
-          </pc:sldLayoutMkLst>
-        </pc:sldLayoutChg>
-        <pc:sldLayoutChg chg="new del replId">
-          <pc:chgData name="Dehbia Kouadria" userId="24cf8942edd75162" providerId="LiveId" clId="{17BADB32-C636-4716-B80D-93C22C39D57A}" dt="2023-04-15T14:53:52.839" v="1442" actId="2696"/>
-          <pc:sldLayoutMkLst>
-            <pc:docMk/>
-            <pc:sldMasterMk cId="4032959031" sldId="2147483663"/>
-            <pc:sldLayoutMk cId="2821586781" sldId="2147483666"/>
-          </pc:sldLayoutMkLst>
-        </pc:sldLayoutChg>
-        <pc:sldLayoutChg chg="new del replId">
-          <pc:chgData name="Dehbia Kouadria" userId="24cf8942edd75162" providerId="LiveId" clId="{17BADB32-C636-4716-B80D-93C22C39D57A}" dt="2023-04-15T14:53:52.850" v="1443" actId="2696"/>
-          <pc:sldLayoutMkLst>
-            <pc:docMk/>
-            <pc:sldMasterMk cId="4032959031" sldId="2147483663"/>
-            <pc:sldLayoutMk cId="963813435" sldId="2147483667"/>
-          </pc:sldLayoutMkLst>
-        </pc:sldLayoutChg>
-        <pc:sldLayoutChg chg="new del replId">
-          <pc:chgData name="Dehbia Kouadria" userId="24cf8942edd75162" providerId="LiveId" clId="{17BADB32-C636-4716-B80D-93C22C39D57A}" dt="2023-04-15T14:53:52.859" v="1444" actId="2696"/>
-          <pc:sldLayoutMkLst>
-            <pc:docMk/>
-            <pc:sldMasterMk cId="4032959031" sldId="2147483663"/>
-            <pc:sldLayoutMk cId="4034424763" sldId="2147483668"/>
-          </pc:sldLayoutMkLst>
-        </pc:sldLayoutChg>
-        <pc:sldLayoutChg chg="new del replId">
-          <pc:chgData name="Dehbia Kouadria" userId="24cf8942edd75162" providerId="LiveId" clId="{17BADB32-C636-4716-B80D-93C22C39D57A}" dt="2023-04-15T14:53:52.866" v="1445" actId="2696"/>
-          <pc:sldLayoutMkLst>
-            <pc:docMk/>
-            <pc:sldMasterMk cId="4032959031" sldId="2147483663"/>
-            <pc:sldLayoutMk cId="2792029633" sldId="2147483669"/>
-          </pc:sldLayoutMkLst>
-        </pc:sldLayoutChg>
-        <pc:sldLayoutChg chg="new del replId">
-          <pc:chgData name="Dehbia Kouadria" userId="24cf8942edd75162" providerId="LiveId" clId="{17BADB32-C636-4716-B80D-93C22C39D57A}" dt="2023-04-15T14:53:52.876" v="1446" actId="2696"/>
-          <pc:sldLayoutMkLst>
-            <pc:docMk/>
-            <pc:sldMasterMk cId="4032959031" sldId="2147483663"/>
-            <pc:sldLayoutMk cId="3139328438" sldId="2147483670"/>
-          </pc:sldLayoutMkLst>
-        </pc:sldLayoutChg>
-        <pc:sldLayoutChg chg="new del replId">
-          <pc:chgData name="Dehbia Kouadria" userId="24cf8942edd75162" providerId="LiveId" clId="{17BADB32-C636-4716-B80D-93C22C39D57A}" dt="2023-04-15T14:53:52.882" v="1447" actId="2696"/>
-          <pc:sldLayoutMkLst>
-            <pc:docMk/>
-            <pc:sldMasterMk cId="4032959031" sldId="2147483663"/>
-            <pc:sldLayoutMk cId="508124299" sldId="2147483671"/>
-          </pc:sldLayoutMkLst>
-        </pc:sldLayoutChg>
-        <pc:sldLayoutChg chg="new del replId">
-          <pc:chgData name="Dehbia Kouadria" userId="24cf8942edd75162" providerId="LiveId" clId="{17BADB32-C636-4716-B80D-93C22C39D57A}" dt="2023-04-15T14:53:52.891" v="1448" actId="2696"/>
-          <pc:sldLayoutMkLst>
-            <pc:docMk/>
-            <pc:sldMasterMk cId="4032959031" sldId="2147483663"/>
-            <pc:sldLayoutMk cId="4177141182" sldId="2147483672"/>
-          </pc:sldLayoutMkLst>
-        </pc:sldLayoutChg>
-        <pc:sldLayoutChg chg="new del replId">
-          <pc:chgData name="Dehbia Kouadria" userId="24cf8942edd75162" providerId="LiveId" clId="{17BADB32-C636-4716-B80D-93C22C39D57A}" dt="2023-04-15T14:53:52.901" v="1449" actId="2696"/>
-          <pc:sldLayoutMkLst>
-            <pc:docMk/>
-            <pc:sldMasterMk cId="4032959031" sldId="2147483663"/>
-            <pc:sldLayoutMk cId="1640241753" sldId="2147483673"/>
-          </pc:sldLayoutMkLst>
-        </pc:sldLayoutChg>
-        <pc:sldLayoutChg chg="new del replId">
-          <pc:chgData name="Dehbia Kouadria" userId="24cf8942edd75162" providerId="LiveId" clId="{17BADB32-C636-4716-B80D-93C22C39D57A}" dt="2023-04-15T14:53:52.911" v="1450" actId="2696"/>
-          <pc:sldLayoutMkLst>
-            <pc:docMk/>
-            <pc:sldMasterMk cId="4032959031" sldId="2147483663"/>
-            <pc:sldLayoutMk cId="1062208789" sldId="2147483674"/>
-          </pc:sldLayoutMkLst>
-        </pc:sldLayoutChg>
-      </pc:sldMasterChg>
-      <pc:sldMasterChg chg="delSp modSp add mod addSldLayout modSldLayout">
-        <pc:chgData name="Dehbia Kouadria" userId="24cf8942edd75162" providerId="LiveId" clId="{17BADB32-C636-4716-B80D-93C22C39D57A}" dt="2023-04-15T15:04:10.301" v="1472" actId="1076"/>
-        <pc:sldMasterMkLst>
-          <pc:docMk/>
-          <pc:sldMasterMk cId="957874103" sldId="2147483675"/>
-        </pc:sldMasterMkLst>
-        <pc:spChg chg="mod">
-          <ac:chgData name="Dehbia Kouadria" userId="24cf8942edd75162" providerId="LiveId" clId="{17BADB32-C636-4716-B80D-93C22C39D57A}" dt="2023-04-15T15:04:10.301" v="1472" actId="1076"/>
-          <ac:spMkLst>
-            <pc:docMk/>
-            <pc:sldMasterMk cId="957874103" sldId="2147483675"/>
-            <ac:spMk id="2" creationId="{EE50780C-5B40-52BF-C4FD-E048D95B2E18}"/>
-          </ac:spMkLst>
-        </pc:spChg>
-        <pc:spChg chg="del mod">
-          <ac:chgData name="Dehbia Kouadria" userId="24cf8942edd75162" providerId="LiveId" clId="{17BADB32-C636-4716-B80D-93C22C39D57A}" dt="2023-04-15T14:53:59.905" v="1453" actId="478"/>
-          <ac:spMkLst>
-            <pc:docMk/>
-            <pc:sldMasterMk cId="957874103" sldId="2147483675"/>
-            <ac:spMk id="1173" creationId="{00000000-0000-0000-0000-000000000000}"/>
-          </ac:spMkLst>
-        </pc:spChg>
-        <pc:sldLayoutChg chg="add mod replId">
-          <pc:chgData name="Dehbia Kouadria" userId="24cf8942edd75162" providerId="LiveId" clId="{17BADB32-C636-4716-B80D-93C22C39D57A}" dt="2023-04-15T14:53:43.789" v="1439" actId="2890"/>
-          <pc:sldLayoutMkLst>
-            <pc:docMk/>
-            <pc:sldMasterMk cId="957874103" sldId="2147483675"/>
-            <pc:sldLayoutMk cId="2702370947" sldId="2147483676"/>
-          </pc:sldLayoutMkLst>
-        </pc:sldLayoutChg>
-        <pc:sldLayoutChg chg="add mod replId">
-          <pc:chgData name="Dehbia Kouadria" userId="24cf8942edd75162" providerId="LiveId" clId="{17BADB32-C636-4716-B80D-93C22C39D57A}" dt="2023-04-15T14:53:43.789" v="1439" actId="2890"/>
-          <pc:sldLayoutMkLst>
-            <pc:docMk/>
-            <pc:sldMasterMk cId="957874103" sldId="2147483675"/>
-            <pc:sldLayoutMk cId="432095737" sldId="2147483677"/>
-          </pc:sldLayoutMkLst>
-        </pc:sldLayoutChg>
-        <pc:sldLayoutChg chg="add mod replId">
-          <pc:chgData name="Dehbia Kouadria" userId="24cf8942edd75162" providerId="LiveId" clId="{17BADB32-C636-4716-B80D-93C22C39D57A}" dt="2023-04-15T14:53:43.789" v="1439" actId="2890"/>
-          <pc:sldLayoutMkLst>
-            <pc:docMk/>
-            <pc:sldMasterMk cId="957874103" sldId="2147483675"/>
-            <pc:sldLayoutMk cId="2779067874" sldId="2147483678"/>
-          </pc:sldLayoutMkLst>
-        </pc:sldLayoutChg>
-        <pc:sldLayoutChg chg="add mod replId">
-          <pc:chgData name="Dehbia Kouadria" userId="24cf8942edd75162" providerId="LiveId" clId="{17BADB32-C636-4716-B80D-93C22C39D57A}" dt="2023-04-15T14:53:43.789" v="1439" actId="2890"/>
-          <pc:sldLayoutMkLst>
-            <pc:docMk/>
-            <pc:sldMasterMk cId="957874103" sldId="2147483675"/>
-            <pc:sldLayoutMk cId="2266245239" sldId="2147483679"/>
-          </pc:sldLayoutMkLst>
-        </pc:sldLayoutChg>
-        <pc:sldLayoutChg chg="add mod replId">
-          <pc:chgData name="Dehbia Kouadria" userId="24cf8942edd75162" providerId="LiveId" clId="{17BADB32-C636-4716-B80D-93C22C39D57A}" dt="2023-04-15T14:53:43.789" v="1439" actId="2890"/>
-          <pc:sldLayoutMkLst>
-            <pc:docMk/>
-            <pc:sldMasterMk cId="957874103" sldId="2147483675"/>
-            <pc:sldLayoutMk cId="1151752330" sldId="2147483680"/>
-          </pc:sldLayoutMkLst>
-        </pc:sldLayoutChg>
-        <pc:sldLayoutChg chg="add mod replId">
-          <pc:chgData name="Dehbia Kouadria" userId="24cf8942edd75162" providerId="LiveId" clId="{17BADB32-C636-4716-B80D-93C22C39D57A}" dt="2023-04-15T14:53:43.789" v="1439" actId="2890"/>
-          <pc:sldLayoutMkLst>
-            <pc:docMk/>
-            <pc:sldMasterMk cId="957874103" sldId="2147483675"/>
-            <pc:sldLayoutMk cId="3185095382" sldId="2147483681"/>
-          </pc:sldLayoutMkLst>
-        </pc:sldLayoutChg>
-        <pc:sldLayoutChg chg="add mod replId">
-          <pc:chgData name="Dehbia Kouadria" userId="24cf8942edd75162" providerId="LiveId" clId="{17BADB32-C636-4716-B80D-93C22C39D57A}" dt="2023-04-15T14:53:43.789" v="1439" actId="2890"/>
-          <pc:sldLayoutMkLst>
-            <pc:docMk/>
-            <pc:sldMasterMk cId="957874103" sldId="2147483675"/>
-            <pc:sldLayoutMk cId="1386438966" sldId="2147483682"/>
-          </pc:sldLayoutMkLst>
-        </pc:sldLayoutChg>
-        <pc:sldLayoutChg chg="add mod replId">
-          <pc:chgData name="Dehbia Kouadria" userId="24cf8942edd75162" providerId="LiveId" clId="{17BADB32-C636-4716-B80D-93C22C39D57A}" dt="2023-04-15T14:53:43.789" v="1439" actId="2890"/>
-          <pc:sldLayoutMkLst>
-            <pc:docMk/>
-            <pc:sldMasterMk cId="957874103" sldId="2147483675"/>
-            <pc:sldLayoutMk cId="405623777" sldId="2147483683"/>
-          </pc:sldLayoutMkLst>
-        </pc:sldLayoutChg>
-        <pc:sldLayoutChg chg="add mod replId">
-          <pc:chgData name="Dehbia Kouadria" userId="24cf8942edd75162" providerId="LiveId" clId="{17BADB32-C636-4716-B80D-93C22C39D57A}" dt="2023-04-15T14:53:43.789" v="1439" actId="2890"/>
-          <pc:sldLayoutMkLst>
-            <pc:docMk/>
-            <pc:sldMasterMk cId="957874103" sldId="2147483675"/>
-            <pc:sldLayoutMk cId="4280004439" sldId="2147483684"/>
-          </pc:sldLayoutMkLst>
-        </pc:sldLayoutChg>
-        <pc:sldLayoutChg chg="add mod replId">
-          <pc:chgData name="Dehbia Kouadria" userId="24cf8942edd75162" providerId="LiveId" clId="{17BADB32-C636-4716-B80D-93C22C39D57A}" dt="2023-04-15T14:53:43.789" v="1439" actId="2890"/>
-          <pc:sldLayoutMkLst>
-            <pc:docMk/>
-            <pc:sldMasterMk cId="957874103" sldId="2147483675"/>
-            <pc:sldLayoutMk cId="1429364061" sldId="2147483685"/>
-          </pc:sldLayoutMkLst>
-        </pc:sldLayoutChg>
-        <pc:sldLayoutChg chg="add mod replId">
-          <pc:chgData name="Dehbia Kouadria" userId="24cf8942edd75162" providerId="LiveId" clId="{17BADB32-C636-4716-B80D-93C22C39D57A}" dt="2023-04-15T14:53:43.789" v="1439" actId="2890"/>
-          <pc:sldLayoutMkLst>
-            <pc:docMk/>
-            <pc:sldMasterMk cId="957874103" sldId="2147483675"/>
-            <pc:sldLayoutMk cId="2810874247" sldId="2147483686"/>
-          </pc:sldLayoutMkLst>
-        </pc:sldLayoutChg>
-        <pc:sldLayoutChg chg="add mod replId">
-          <pc:chgData name="Dehbia Kouadria" userId="24cf8942edd75162" providerId="LiveId" clId="{17BADB32-C636-4716-B80D-93C22C39D57A}" dt="2023-04-15T14:53:43.789" v="1439" actId="2890"/>
-          <pc:sldLayoutMkLst>
-            <pc:docMk/>
-            <pc:sldMasterMk cId="957874103" sldId="2147483675"/>
-            <pc:sldLayoutMk cId="1773072535" sldId="2147483687"/>
-          </pc:sldLayoutMkLst>
-        </pc:sldLayoutChg>
-        <pc:sldLayoutChg chg="add mod replId">
-          <pc:chgData name="Dehbia Kouadria" userId="24cf8942edd75162" providerId="LiveId" clId="{17BADB32-C636-4716-B80D-93C22C39D57A}" dt="2023-04-15T14:53:43.789" v="1439" actId="2890"/>
-          <pc:sldLayoutMkLst>
-            <pc:docMk/>
-            <pc:sldMasterMk cId="957874103" sldId="2147483675"/>
-            <pc:sldLayoutMk cId="3081661439" sldId="2147483688"/>
-          </pc:sldLayoutMkLst>
-        </pc:sldLayoutChg>
-        <pc:sldLayoutChg chg="add mod replId">
-          <pc:chgData name="Dehbia Kouadria" userId="24cf8942edd75162" providerId="LiveId" clId="{17BADB32-C636-4716-B80D-93C22C39D57A}" dt="2023-04-15T14:53:43.789" v="1439" actId="2890"/>
-          <pc:sldLayoutMkLst>
-            <pc:docMk/>
-            <pc:sldMasterMk cId="957874103" sldId="2147483675"/>
-            <pc:sldLayoutMk cId="2871234034" sldId="2147483689"/>
-          </pc:sldLayoutMkLst>
-        </pc:sldLayoutChg>
-      </pc:sldMasterChg>
-      <pc:sldMasterChg chg="modSp add mod addSldLayout modSldLayout">
-        <pc:chgData name="Dehbia Kouadria" userId="24cf8942edd75162" providerId="LiveId" clId="{17BADB32-C636-4716-B80D-93C22C39D57A}" dt="2023-04-15T15:08:12.435" v="1497" actId="1036"/>
-        <pc:sldMasterMkLst>
-          <pc:docMk/>
-          <pc:sldMasterMk cId="662249460" sldId="2147483690"/>
-        </pc:sldMasterMkLst>
-        <pc:spChg chg="mod">
-          <ac:chgData name="Dehbia Kouadria" userId="24cf8942edd75162" providerId="LiveId" clId="{17BADB32-C636-4716-B80D-93C22C39D57A}" dt="2023-04-15T15:08:12.435" v="1497" actId="1036"/>
-          <ac:spMkLst>
-            <pc:docMk/>
-            <pc:sldMasterMk cId="662249460" sldId="2147483690"/>
-            <ac:spMk id="1173" creationId="{00000000-0000-0000-0000-000000000000}"/>
-          </ac:spMkLst>
-        </pc:spChg>
-        <pc:sldLayoutChg chg="add mod replId">
-          <pc:chgData name="Dehbia Kouadria" userId="24cf8942edd75162" providerId="LiveId" clId="{17BADB32-C636-4716-B80D-93C22C39D57A}" dt="2023-04-15T15:06:00.982" v="1473" actId="2890"/>
-          <pc:sldLayoutMkLst>
-            <pc:docMk/>
-            <pc:sldMasterMk cId="662249460" sldId="2147483690"/>
-            <pc:sldLayoutMk cId="1481778505" sldId="2147483691"/>
-          </pc:sldLayoutMkLst>
-        </pc:sldLayoutChg>
-        <pc:sldLayoutChg chg="add mod replId">
-          <pc:chgData name="Dehbia Kouadria" userId="24cf8942edd75162" providerId="LiveId" clId="{17BADB32-C636-4716-B80D-93C22C39D57A}" dt="2023-04-15T15:06:00.982" v="1473" actId="2890"/>
-          <pc:sldLayoutMkLst>
-            <pc:docMk/>
-            <pc:sldMasterMk cId="662249460" sldId="2147483690"/>
-            <pc:sldLayoutMk cId="185054353" sldId="2147483692"/>
-          </pc:sldLayoutMkLst>
-        </pc:sldLayoutChg>
-        <pc:sldLayoutChg chg="add mod replId">
-          <pc:chgData name="Dehbia Kouadria" userId="24cf8942edd75162" providerId="LiveId" clId="{17BADB32-C636-4716-B80D-93C22C39D57A}" dt="2023-04-15T15:06:00.982" v="1473" actId="2890"/>
-          <pc:sldLayoutMkLst>
-            <pc:docMk/>
-            <pc:sldMasterMk cId="662249460" sldId="2147483690"/>
-            <pc:sldLayoutMk cId="1884131604" sldId="2147483693"/>
-          </pc:sldLayoutMkLst>
-        </pc:sldLayoutChg>
-        <pc:sldLayoutChg chg="add mod replId">
-          <pc:chgData name="Dehbia Kouadria" userId="24cf8942edd75162" providerId="LiveId" clId="{17BADB32-C636-4716-B80D-93C22C39D57A}" dt="2023-04-15T15:06:00.982" v="1473" actId="2890"/>
-          <pc:sldLayoutMkLst>
-            <pc:docMk/>
-            <pc:sldMasterMk cId="662249460" sldId="2147483690"/>
-            <pc:sldLayoutMk cId="1936691799" sldId="2147483694"/>
-          </pc:sldLayoutMkLst>
-        </pc:sldLayoutChg>
-        <pc:sldLayoutChg chg="add mod replId">
-          <pc:chgData name="Dehbia Kouadria" userId="24cf8942edd75162" providerId="LiveId" clId="{17BADB32-C636-4716-B80D-93C22C39D57A}" dt="2023-04-15T15:06:00.982" v="1473" actId="2890"/>
-          <pc:sldLayoutMkLst>
-            <pc:docMk/>
-            <pc:sldMasterMk cId="662249460" sldId="2147483690"/>
-            <pc:sldLayoutMk cId="2751622916" sldId="2147483695"/>
-          </pc:sldLayoutMkLst>
-        </pc:sldLayoutChg>
-        <pc:sldLayoutChg chg="add mod replId">
-          <pc:chgData name="Dehbia Kouadria" userId="24cf8942edd75162" providerId="LiveId" clId="{17BADB32-C636-4716-B80D-93C22C39D57A}" dt="2023-04-15T15:06:00.982" v="1473" actId="2890"/>
-          <pc:sldLayoutMkLst>
-            <pc:docMk/>
-            <pc:sldMasterMk cId="662249460" sldId="2147483690"/>
-            <pc:sldLayoutMk cId="1062979820" sldId="2147483696"/>
-          </pc:sldLayoutMkLst>
-        </pc:sldLayoutChg>
-        <pc:sldLayoutChg chg="add mod replId">
-          <pc:chgData name="Dehbia Kouadria" userId="24cf8942edd75162" providerId="LiveId" clId="{17BADB32-C636-4716-B80D-93C22C39D57A}" dt="2023-04-15T15:06:00.982" v="1473" actId="2890"/>
-          <pc:sldLayoutMkLst>
-            <pc:docMk/>
-            <pc:sldMasterMk cId="662249460" sldId="2147483690"/>
-            <pc:sldLayoutMk cId="3336559523" sldId="2147483697"/>
-          </pc:sldLayoutMkLst>
-        </pc:sldLayoutChg>
-        <pc:sldLayoutChg chg="add mod replId">
-          <pc:chgData name="Dehbia Kouadria" userId="24cf8942edd75162" providerId="LiveId" clId="{17BADB32-C636-4716-B80D-93C22C39D57A}" dt="2023-04-15T15:06:00.982" v="1473" actId="2890"/>
-          <pc:sldLayoutMkLst>
-            <pc:docMk/>
-            <pc:sldMasterMk cId="662249460" sldId="2147483690"/>
-            <pc:sldLayoutMk cId="2990555798" sldId="2147483698"/>
-          </pc:sldLayoutMkLst>
-        </pc:sldLayoutChg>
-        <pc:sldLayoutChg chg="add mod replId">
-          <pc:chgData name="Dehbia Kouadria" userId="24cf8942edd75162" providerId="LiveId" clId="{17BADB32-C636-4716-B80D-93C22C39D57A}" dt="2023-04-15T15:06:00.982" v="1473" actId="2890"/>
-          <pc:sldLayoutMkLst>
-            <pc:docMk/>
-            <pc:sldMasterMk cId="662249460" sldId="2147483690"/>
-            <pc:sldLayoutMk cId="2199847891" sldId="2147483699"/>
-          </pc:sldLayoutMkLst>
-        </pc:sldLayoutChg>
-        <pc:sldLayoutChg chg="add mod replId">
-          <pc:chgData name="Dehbia Kouadria" userId="24cf8942edd75162" providerId="LiveId" clId="{17BADB32-C636-4716-B80D-93C22C39D57A}" dt="2023-04-15T15:06:00.982" v="1473" actId="2890"/>
-          <pc:sldLayoutMkLst>
-            <pc:docMk/>
-            <pc:sldMasterMk cId="662249460" sldId="2147483690"/>
-            <pc:sldLayoutMk cId="2563318515" sldId="2147483700"/>
-          </pc:sldLayoutMkLst>
-        </pc:sldLayoutChg>
-        <pc:sldLayoutChg chg="add mod replId">
-          <pc:chgData name="Dehbia Kouadria" userId="24cf8942edd75162" providerId="LiveId" clId="{17BADB32-C636-4716-B80D-93C22C39D57A}" dt="2023-04-15T15:06:00.982" v="1473" actId="2890"/>
-          <pc:sldLayoutMkLst>
-            <pc:docMk/>
-            <pc:sldMasterMk cId="662249460" sldId="2147483690"/>
-            <pc:sldLayoutMk cId="712029272" sldId="2147483701"/>
-          </pc:sldLayoutMkLst>
-        </pc:sldLayoutChg>
-        <pc:sldLayoutChg chg="add mod replId">
-          <pc:chgData name="Dehbia Kouadria" userId="24cf8942edd75162" providerId="LiveId" clId="{17BADB32-C636-4716-B80D-93C22C39D57A}" dt="2023-04-15T15:06:00.982" v="1473" actId="2890"/>
-          <pc:sldLayoutMkLst>
-            <pc:docMk/>
-            <pc:sldMasterMk cId="662249460" sldId="2147483690"/>
-            <pc:sldLayoutMk cId="293181010" sldId="2147483702"/>
-          </pc:sldLayoutMkLst>
-        </pc:sldLayoutChg>
-        <pc:sldLayoutChg chg="add mod replId">
-          <pc:chgData name="Dehbia Kouadria" userId="24cf8942edd75162" providerId="LiveId" clId="{17BADB32-C636-4716-B80D-93C22C39D57A}" dt="2023-04-15T15:06:00.982" v="1473" actId="2890"/>
-          <pc:sldLayoutMkLst>
-            <pc:docMk/>
-            <pc:sldMasterMk cId="662249460" sldId="2147483690"/>
-            <pc:sldLayoutMk cId="1410703756" sldId="2147483703"/>
-          </pc:sldLayoutMkLst>
-        </pc:sldLayoutChg>
-        <pc:sldLayoutChg chg="modSp add mod replId">
-          <pc:chgData name="Dehbia Kouadria" userId="24cf8942edd75162" providerId="LiveId" clId="{17BADB32-C636-4716-B80D-93C22C39D57A}" dt="2023-04-15T15:07:55.013" v="1489" actId="1035"/>
-          <pc:sldLayoutMkLst>
-            <pc:docMk/>
-            <pc:sldMasterMk cId="662249460" sldId="2147483690"/>
-            <pc:sldLayoutMk cId="1473840326" sldId="2147483704"/>
-          </pc:sldLayoutMkLst>
-          <pc:spChg chg="mod">
-            <ac:chgData name="Dehbia Kouadria" userId="24cf8942edd75162" providerId="LiveId" clId="{17BADB32-C636-4716-B80D-93C22C39D57A}" dt="2023-04-15T15:07:55.013" v="1489" actId="1035"/>
-            <ac:spMkLst>
-              <pc:docMk/>
-              <pc:sldMasterMk cId="662249460" sldId="2147483690"/>
-              <pc:sldLayoutMk cId="1473840326" sldId="2147483704"/>
-              <ac:spMk id="6" creationId="{00000000-0000-0000-0000-000000000000}"/>
-            </ac:spMkLst>
-          </pc:spChg>
-        </pc:sldLayoutChg>
-      </pc:sldMasterChg>
-    </pc:docChg>
-  </pc:docChgLst>
 </pc:chgInfo>
 </file>
 
@@ -4911,14 +4911,14 @@
           <a:effectLst/>
           <a:extLst>
             <a:ext uri="{909E8E84-426E-40dd-AFC4-6F175D3DCCD1}">
-              <a14:hiddenFill xmlns:a14="http://schemas.microsoft.com/office/drawing/2010/main" xmlns="">
+              <a14:hiddenFill xmlns="" xmlns:a14="http://schemas.microsoft.com/office/drawing/2010/main">
                 <a:solidFill>
                   <a:schemeClr val="accent1"/>
                 </a:solidFill>
               </a14:hiddenFill>
             </a:ext>
             <a:ext uri="{91240B29-F687-4f45-9708-019B960494DF}">
-              <a14:hiddenLine xmlns:a14="http://schemas.microsoft.com/office/drawing/2010/main" xmlns="" w="9525">
+              <a14:hiddenLine xmlns="" xmlns:a14="http://schemas.microsoft.com/office/drawing/2010/main" w="9525">
                 <a:solidFill>
                   <a:schemeClr val="tx1"/>
                 </a:solidFill>
@@ -4928,7 +4928,7 @@
               </a14:hiddenLine>
             </a:ext>
             <a:ext uri="{AF507438-7753-43e0-B8FC-AC1667EBCBE1}">
-              <a14:hiddenEffects xmlns:a14="http://schemas.microsoft.com/office/drawing/2010/main" xmlns="">
+              <a14:hiddenEffects xmlns="" xmlns:a14="http://schemas.microsoft.com/office/drawing/2010/main">
                 <a:effectLst>
                   <a:outerShdw blurRad="63500" dist="38099" dir="2700000" algn="ctr" rotWithShape="0">
                     <a:schemeClr val="bg2">
@@ -4939,7 +4939,7 @@
               </a14:hiddenEffects>
             </a:ext>
             <a:ext uri="{FAA26D3D-D897-4be2-8F04-BA451C77F1D7}">
-              <ma14:placeholderFlag xmlns:ma14="http://schemas.microsoft.com/office/mac/drawingml/2011/main" xmlns="" val="1"/>
+              <ma14:placeholderFlag xmlns="" xmlns:ma14="http://schemas.microsoft.com/office/mac/drawingml/2011/main" val="1"/>
             </a:ext>
           </a:extLst>
         </p:spPr>
@@ -4989,14 +4989,14 @@
           <a:effectLst/>
           <a:extLst>
             <a:ext uri="{909E8E84-426E-40dd-AFC4-6F175D3DCCD1}">
-              <a14:hiddenFill xmlns:a14="http://schemas.microsoft.com/office/drawing/2010/main" xmlns="">
+              <a14:hiddenFill xmlns="" xmlns:a14="http://schemas.microsoft.com/office/drawing/2010/main">
                 <a:solidFill>
                   <a:schemeClr val="accent1"/>
                 </a:solidFill>
               </a14:hiddenFill>
             </a:ext>
             <a:ext uri="{91240B29-F687-4f45-9708-019B960494DF}">
-              <a14:hiddenLine xmlns:a14="http://schemas.microsoft.com/office/drawing/2010/main" xmlns="" w="9525">
+              <a14:hiddenLine xmlns="" xmlns:a14="http://schemas.microsoft.com/office/drawing/2010/main" w="9525">
                 <a:solidFill>
                   <a:schemeClr val="tx1"/>
                 </a:solidFill>
@@ -5006,7 +5006,7 @@
               </a14:hiddenLine>
             </a:ext>
             <a:ext uri="{AF507438-7753-43e0-B8FC-AC1667EBCBE1}">
-              <a14:hiddenEffects xmlns:a14="http://schemas.microsoft.com/office/drawing/2010/main" xmlns="">
+              <a14:hiddenEffects xmlns="" xmlns:a14="http://schemas.microsoft.com/office/drawing/2010/main">
                 <a:effectLst>
                   <a:outerShdw blurRad="63500" dist="38099" dir="2700000" algn="ctr" rotWithShape="0">
                     <a:schemeClr val="bg2">
@@ -5017,7 +5017,7 @@
               </a14:hiddenEffects>
             </a:ext>
             <a:ext uri="{FAA26D3D-D897-4be2-8F04-BA451C77F1D7}">
-              <ma14:placeholderFlag xmlns:ma14="http://schemas.microsoft.com/office/mac/drawingml/2011/main" xmlns="" val="1"/>
+              <ma14:placeholderFlag xmlns="" xmlns:ma14="http://schemas.microsoft.com/office/mac/drawingml/2011/main" val="1"/>
             </a:ext>
           </a:extLst>
         </p:spPr>
@@ -5067,14 +5067,14 @@
           <a:effectLst/>
           <a:extLst>
             <a:ext uri="{909E8E84-426E-40dd-AFC4-6F175D3DCCD1}">
-              <a14:hiddenFill xmlns:a14="http://schemas.microsoft.com/office/drawing/2010/main" xmlns="">
+              <a14:hiddenFill xmlns="" xmlns:a14="http://schemas.microsoft.com/office/drawing/2010/main">
                 <a:solidFill>
                   <a:schemeClr val="accent1"/>
                 </a:solidFill>
               </a14:hiddenFill>
             </a:ext>
             <a:ext uri="{91240B29-F687-4f45-9708-019B960494DF}">
-              <a14:hiddenLine xmlns:a14="http://schemas.microsoft.com/office/drawing/2010/main" xmlns="" w="9525">
+              <a14:hiddenLine xmlns="" xmlns:a14="http://schemas.microsoft.com/office/drawing/2010/main" w="9525">
                 <a:solidFill>
                   <a:schemeClr val="tx1"/>
                 </a:solidFill>
@@ -5084,7 +5084,7 @@
               </a14:hiddenLine>
             </a:ext>
             <a:ext uri="{AF507438-7753-43e0-B8FC-AC1667EBCBE1}">
-              <a14:hiddenEffects xmlns:a14="http://schemas.microsoft.com/office/drawing/2010/main" xmlns="">
+              <a14:hiddenEffects xmlns="" xmlns:a14="http://schemas.microsoft.com/office/drawing/2010/main">
                 <a:effectLst>
                   <a:outerShdw blurRad="63500" dist="38099" dir="2700000" algn="ctr" rotWithShape="0">
                     <a:schemeClr val="bg2">
@@ -5095,7 +5095,7 @@
               </a14:hiddenEffects>
             </a:ext>
             <a:ext uri="{FAA26D3D-D897-4be2-8F04-BA451C77F1D7}">
-              <ma14:placeholderFlag xmlns:ma14="http://schemas.microsoft.com/office/mac/drawingml/2011/main" xmlns="" val="1"/>
+              <ma14:placeholderFlag xmlns="" xmlns:ma14="http://schemas.microsoft.com/office/mac/drawingml/2011/main" val="1"/>
             </a:ext>
           </a:extLst>
         </p:spPr>
@@ -5145,14 +5145,14 @@
           <a:effectLst/>
           <a:extLst>
             <a:ext uri="{909E8E84-426E-40dd-AFC4-6F175D3DCCD1}">
-              <a14:hiddenFill xmlns:a14="http://schemas.microsoft.com/office/drawing/2010/main" xmlns="">
+              <a14:hiddenFill xmlns="" xmlns:a14="http://schemas.microsoft.com/office/drawing/2010/main">
                 <a:solidFill>
                   <a:schemeClr val="accent1"/>
                 </a:solidFill>
               </a14:hiddenFill>
             </a:ext>
             <a:ext uri="{91240B29-F687-4f45-9708-019B960494DF}">
-              <a14:hiddenLine xmlns:a14="http://schemas.microsoft.com/office/drawing/2010/main" xmlns="" w="9525">
+              <a14:hiddenLine xmlns="" xmlns:a14="http://schemas.microsoft.com/office/drawing/2010/main" w="9525">
                 <a:solidFill>
                   <a:schemeClr val="tx1"/>
                 </a:solidFill>
@@ -5162,7 +5162,7 @@
               </a14:hiddenLine>
             </a:ext>
             <a:ext uri="{AF507438-7753-43e0-B8FC-AC1667EBCBE1}">
-              <a14:hiddenEffects xmlns:a14="http://schemas.microsoft.com/office/drawing/2010/main" xmlns="">
+              <a14:hiddenEffects xmlns="" xmlns:a14="http://schemas.microsoft.com/office/drawing/2010/main">
                 <a:effectLst>
                   <a:outerShdw blurRad="63500" dist="38099" dir="2700000" algn="ctr" rotWithShape="0">
                     <a:schemeClr val="bg2">
@@ -5173,7 +5173,7 @@
               </a14:hiddenEffects>
             </a:ext>
             <a:ext uri="{FAA26D3D-D897-4be2-8F04-BA451C77F1D7}">
-              <ma14:placeholderFlag xmlns:ma14="http://schemas.microsoft.com/office/mac/drawingml/2011/main" xmlns="" val="1"/>
+              <ma14:placeholderFlag xmlns="" xmlns:ma14="http://schemas.microsoft.com/office/mac/drawingml/2011/main" val="1"/>
             </a:ext>
           </a:extLst>
         </p:spPr>
@@ -5270,7 +5270,7 @@
           <a:effectLst/>
           <a:extLst>
             <a:ext uri="{AF507438-7753-43e0-B8FC-AC1667EBCBE1}">
-              <a14:hiddenEffects xmlns:a14="http://schemas.microsoft.com/office/drawing/2010/main" xmlns="">
+              <a14:hiddenEffects xmlns="" xmlns:a14="http://schemas.microsoft.com/office/drawing/2010/main">
                 <a:effectLst>
                   <a:outerShdw blurRad="63500" dist="38099" dir="2700000" algn="ctr" rotWithShape="0">
                     <a:srgbClr val="000000">
@@ -5281,7 +5281,7 @@
               </a14:hiddenEffects>
             </a:ext>
             <a:ext uri="{53640926-AAD7-44d8-BBD7-CCE9431645EC}">
-              <a14:shadowObscured xmlns:a14="http://schemas.microsoft.com/office/drawing/2010/main" xmlns="" val="1"/>
+              <a14:shadowObscured xmlns="" xmlns:a14="http://schemas.microsoft.com/office/drawing/2010/main" val="1"/>
             </a:ext>
           </a:extLst>
         </p:spPr>
@@ -5311,14 +5311,14 @@
           <a:effectLst/>
           <a:extLst>
             <a:ext uri="{909E8E84-426E-40dd-AFC4-6F175D3DCCD1}">
-              <a14:hiddenFill xmlns:a14="http://schemas.microsoft.com/office/drawing/2010/main" xmlns="">
+              <a14:hiddenFill xmlns="" xmlns:a14="http://schemas.microsoft.com/office/drawing/2010/main">
                 <a:solidFill>
                   <a:schemeClr val="accent1"/>
                 </a:solidFill>
               </a14:hiddenFill>
             </a:ext>
             <a:ext uri="{91240B29-F687-4f45-9708-019B960494DF}">
-              <a14:hiddenLine xmlns:a14="http://schemas.microsoft.com/office/drawing/2010/main" xmlns="" w="9525">
+              <a14:hiddenLine xmlns="" xmlns:a14="http://schemas.microsoft.com/office/drawing/2010/main" w="9525">
                 <a:solidFill>
                   <a:schemeClr val="tx1"/>
                 </a:solidFill>
@@ -5328,7 +5328,7 @@
               </a14:hiddenLine>
             </a:ext>
             <a:ext uri="{AF507438-7753-43e0-B8FC-AC1667EBCBE1}">
-              <a14:hiddenEffects xmlns:a14="http://schemas.microsoft.com/office/drawing/2010/main" xmlns="">
+              <a14:hiddenEffects xmlns="" xmlns:a14="http://schemas.microsoft.com/office/drawing/2010/main">
                 <a:effectLst>
                   <a:outerShdw blurRad="63500" dist="38099" dir="2700000" algn="ctr" rotWithShape="0">
                     <a:schemeClr val="bg2">
@@ -5339,7 +5339,7 @@
               </a14:hiddenEffects>
             </a:ext>
             <a:ext uri="{FAA26D3D-D897-4be2-8F04-BA451C77F1D7}">
-              <ma14:placeholderFlag xmlns:ma14="http://schemas.microsoft.com/office/mac/drawingml/2011/main" xmlns="" val="1"/>
+              <ma14:placeholderFlag xmlns="" xmlns:ma14="http://schemas.microsoft.com/office/mac/drawingml/2011/main" val="1"/>
             </a:ext>
           </a:extLst>
         </p:spPr>
@@ -5524,7 +5524,7 @@
           <a:ln/>
           <a:extLst>
             <a:ext uri="{FAA26D3D-D897-4be2-8F04-BA451C77F1D7}">
-              <ma14:placeholderFlag xmlns:ma14="http://schemas.microsoft.com/office/mac/drawingml/2011/main" xmlns="" val="1"/>
+              <ma14:placeholderFlag xmlns="" xmlns:ma14="http://schemas.microsoft.com/office/mac/drawingml/2011/main" val="1"/>
             </a:ext>
           </a:extLst>
         </p:spPr>
@@ -6391,6 +6391,884 @@
 </file>
 
 <file path=ppt/slideLayouts/slideLayout1.xml><?xml version="1.0" encoding="utf-8"?>
+<p:sldLayout xmlns:a="http://schemas.openxmlformats.org/drawingml/2006/main" xmlns:r="http://schemas.openxmlformats.org/officeDocument/2006/relationships" xmlns:p="http://schemas.openxmlformats.org/presentationml/2006/main" showMasterSp="0" type="title" preserve="1">
+  <p:cSld name="Titelfolie">
+    <p:spTree>
+      <p:nvGrpSpPr>
+        <p:cNvPr id="1" name=""/>
+        <p:cNvGrpSpPr/>
+        <p:nvPr/>
+      </p:nvGrpSpPr>
+      <p:grpSpPr>
+        <a:xfrm>
+          <a:off x="0" y="0"/>
+          <a:ext cx="0" cy="0"/>
+          <a:chOff x="0" y="0"/>
+          <a:chExt cx="0" cy="0"/>
+        </a:xfrm>
+      </p:grpSpPr>
+      <p:pic>
+        <p:nvPicPr>
+          <p:cNvPr id="4160" name="Picture 64" descr="Fotolia_2596290_XL duplex"/>
+          <p:cNvPicPr>
+            <a:picLocks noChangeAspect="1" noChangeArrowheads="1"/>
+          </p:cNvPicPr>
+          <p:nvPr userDrawn="1"/>
+        </p:nvPicPr>
+        <p:blipFill>
+          <a:blip r:embed="rId2">
+            <a:extLst>
+              <a:ext uri="{28A0092B-C50C-407E-A947-70E740481C1C}">
+                <a14:useLocalDpi xmlns:a14="http://schemas.microsoft.com/office/drawing/2010/main" val="0"/>
+              </a:ext>
+            </a:extLst>
+          </a:blip>
+          <a:srcRect t="607" b="11909"/>
+          <a:stretch>
+            <a:fillRect/>
+          </a:stretch>
+        </p:blipFill>
+        <p:spPr bwMode="auto">
+          <a:xfrm>
+            <a:off x="0" y="0"/>
+            <a:ext cx="9144000" cy="6858000"/>
+          </a:xfrm>
+          <a:prstGeom prst="rect">
+            <a:avLst/>
+          </a:prstGeom>
+          <a:noFill/>
+          <a:extLst>
+            <a:ext uri="{909E8E84-426E-40dd-AFC4-6F175D3DCCD1}">
+              <a14:hiddenFill xmlns="" xmlns:a14="http://schemas.microsoft.com/office/drawing/2010/main">
+                <a:solidFill>
+                  <a:srgbClr val="FFFFFF"/>
+                </a:solidFill>
+              </a14:hiddenFill>
+            </a:ext>
+          </a:extLst>
+        </p:spPr>
+      </p:pic>
+      <p:pic>
+        <p:nvPicPr>
+          <p:cNvPr id="4158" name="Picture 62" descr="Kästchen-blau-breit"/>
+          <p:cNvPicPr>
+            <a:picLocks noChangeAspect="1" noChangeArrowheads="1"/>
+          </p:cNvPicPr>
+          <p:nvPr userDrawn="1"/>
+        </p:nvPicPr>
+        <p:blipFill>
+          <a:blip r:embed="rId3">
+            <a:extLst>
+              <a:ext uri="{28A0092B-C50C-407E-A947-70E740481C1C}">
+                <a14:useLocalDpi xmlns:a14="http://schemas.microsoft.com/office/drawing/2010/main" val="0"/>
+              </a:ext>
+            </a:extLst>
+          </a:blip>
+          <a:srcRect l="11011" t="65588"/>
+          <a:stretch>
+            <a:fillRect/>
+          </a:stretch>
+        </p:blipFill>
+        <p:spPr bwMode="auto">
+          <a:xfrm>
+            <a:off x="0" y="0"/>
+            <a:ext cx="8647113" cy="1114425"/>
+          </a:xfrm>
+          <a:prstGeom prst="rect">
+            <a:avLst/>
+          </a:prstGeom>
+          <a:noFill/>
+          <a:extLst>
+            <a:ext uri="{909E8E84-426E-40dd-AFC4-6F175D3DCCD1}">
+              <a14:hiddenFill xmlns="" xmlns:a14="http://schemas.microsoft.com/office/drawing/2010/main">
+                <a:solidFill>
+                  <a:srgbClr val="FFFFFF"/>
+                </a:solidFill>
+              </a14:hiddenFill>
+            </a:ext>
+          </a:extLst>
+        </p:spPr>
+      </p:pic>
+      <p:sp>
+        <p:nvSpPr>
+          <p:cNvPr id="4117" name="Rectangle 21"/>
+          <p:cNvSpPr>
+            <a:spLocks noGrp="1" noChangeArrowheads="1"/>
+          </p:cNvSpPr>
+          <p:nvPr>
+            <p:ph type="ctrTitle" sz="quarter"/>
+          </p:nvPr>
+        </p:nvSpPr>
+        <p:spPr>
+          <a:extLst>
+            <a:ext uri="{909E8E84-426E-40dd-AFC4-6F175D3DCCD1}">
+              <a14:hiddenFill xmlns="" xmlns:a14="http://schemas.microsoft.com/office/drawing/2010/main">
+                <a:solidFill>
+                  <a:schemeClr val="accent2"/>
+                </a:solidFill>
+              </a14:hiddenFill>
+            </a:ext>
+            <a:ext uri="{91240B29-F687-4f45-9708-019B960494DF}">
+              <a14:hiddenLine xmlns="" xmlns:a14="http://schemas.microsoft.com/office/drawing/2010/main" w="9525">
+                <a:solidFill>
+                  <a:schemeClr val="accent2"/>
+                </a:solidFill>
+                <a:miter lim="800000"/>
+                <a:headEnd/>
+                <a:tailEnd/>
+              </a14:hiddenLine>
+            </a:ext>
+          </a:extLst>
+        </p:spPr>
+        <p:txBody>
+          <a:bodyPr/>
+          <a:lstStyle>
+            <a:lvl1pPr>
+              <a:defRPr/>
+            </a:lvl1pPr>
+          </a:lstStyle>
+          <a:p>
+            <a:pPr lvl="0"/>
+            <a:r>
+              <a:rPr lang="de-DE" noProof="0"/>
+              <a:t>Mastertitelformat bearbeiten</a:t>
+            </a:r>
+          </a:p>
+        </p:txBody>
+      </p:sp>
+      <p:grpSp>
+        <p:nvGrpSpPr>
+          <p:cNvPr id="4157" name="Group 61"/>
+          <p:cNvGrpSpPr>
+            <a:grpSpLocks/>
+          </p:cNvGrpSpPr>
+          <p:nvPr userDrawn="1"/>
+        </p:nvGrpSpPr>
+        <p:grpSpPr bwMode="auto">
+          <a:xfrm>
+            <a:off x="7024688" y="5949950"/>
+            <a:ext cx="2119312" cy="908050"/>
+            <a:chOff x="4425" y="3748"/>
+            <a:chExt cx="1335" cy="572"/>
+          </a:xfrm>
+        </p:grpSpPr>
+        <p:pic>
+          <p:nvPicPr>
+            <p:cNvPr id="4155" name="Picture 59" descr="Kästchen-weiss"/>
+            <p:cNvPicPr>
+              <a:picLocks noChangeAspect="1" noChangeArrowheads="1"/>
+            </p:cNvPicPr>
+            <p:nvPr userDrawn="1"/>
+          </p:nvPicPr>
+          <p:blipFill>
+            <a:blip r:embed="rId4">
+              <a:extLst>
+                <a:ext uri="{28A0092B-C50C-407E-A947-70E740481C1C}">
+                  <a14:useLocalDpi xmlns:a14="http://schemas.microsoft.com/office/drawing/2010/main" val="0"/>
+                </a:ext>
+              </a:extLst>
+            </a:blip>
+            <a:srcRect r="26407" b="68468"/>
+            <a:stretch>
+              <a:fillRect/>
+            </a:stretch>
+          </p:blipFill>
+          <p:spPr bwMode="auto">
+            <a:xfrm>
+              <a:off x="4425" y="3748"/>
+              <a:ext cx="1335" cy="572"/>
+            </a:xfrm>
+            <a:prstGeom prst="rect">
+              <a:avLst/>
+            </a:prstGeom>
+            <a:noFill/>
+            <a:extLst>
+              <a:ext uri="{909E8E84-426E-40dd-AFC4-6F175D3DCCD1}">
+                <a14:hiddenFill xmlns="" xmlns:a14="http://schemas.microsoft.com/office/drawing/2010/main">
+                  <a:solidFill>
+                    <a:srgbClr val="FFFFFF"/>
+                  </a:solidFill>
+                </a14:hiddenFill>
+              </a:ext>
+            </a:extLst>
+          </p:spPr>
+        </p:pic>
+        <p:pic>
+          <p:nvPicPr>
+            <p:cNvPr id="4154" name="Picture 58" descr="Logo-RGB"/>
+            <p:cNvPicPr>
+              <a:picLocks noChangeAspect="1" noChangeArrowheads="1"/>
+            </p:cNvPicPr>
+            <p:nvPr userDrawn="1"/>
+          </p:nvPicPr>
+          <p:blipFill>
+            <a:blip r:embed="rId5">
+              <a:extLst>
+                <a:ext uri="{28A0092B-C50C-407E-A947-70E740481C1C}">
+                  <a14:useLocalDpi xmlns:a14="http://schemas.microsoft.com/office/drawing/2010/main" val="0"/>
+                </a:ext>
+              </a:extLst>
+            </a:blip>
+            <a:srcRect/>
+            <a:stretch>
+              <a:fillRect/>
+            </a:stretch>
+          </p:blipFill>
+          <p:spPr bwMode="auto">
+            <a:xfrm>
+              <a:off x="4613" y="3864"/>
+              <a:ext cx="834" cy="257"/>
+            </a:xfrm>
+            <a:prstGeom prst="rect">
+              <a:avLst/>
+            </a:prstGeom>
+            <a:noFill/>
+            <a:extLst>
+              <a:ext uri="{909E8E84-426E-40dd-AFC4-6F175D3DCCD1}">
+                <a14:hiddenFill xmlns="" xmlns:a14="http://schemas.microsoft.com/office/drawing/2010/main">
+                  <a:solidFill>
+                    <a:srgbClr val="FFFFFF"/>
+                  </a:solidFill>
+                </a14:hiddenFill>
+              </a:ext>
+            </a:extLst>
+          </p:spPr>
+        </p:pic>
+      </p:grpSp>
+    </p:spTree>
+  </p:cSld>
+  <p:clrMapOvr>
+    <a:masterClrMapping/>
+  </p:clrMapOvr>
+  <p:transition>
+    <p:dissolve/>
+  </p:transition>
+</p:sldLayout>
+</file>
+
+<file path=ppt/slideLayouts/slideLayout10.xml><?xml version="1.0" encoding="utf-8"?>
+<p:sldLayout xmlns:a="http://schemas.openxmlformats.org/drawingml/2006/main" xmlns:r="http://schemas.openxmlformats.org/officeDocument/2006/relationships" xmlns:p="http://schemas.openxmlformats.org/presentationml/2006/main" type="vertTx" preserve="1">
+  <p:cSld name="Titel und vertikaler Text">
+    <p:spTree>
+      <p:nvGrpSpPr>
+        <p:cNvPr id="1" name=""/>
+        <p:cNvGrpSpPr/>
+        <p:nvPr/>
+      </p:nvGrpSpPr>
+      <p:grpSpPr>
+        <a:xfrm>
+          <a:off x="0" y="0"/>
+          <a:ext cx="0" cy="0"/>
+          <a:chOff x="0" y="0"/>
+          <a:chExt cx="0" cy="0"/>
+        </a:xfrm>
+      </p:grpSpPr>
+      <p:sp>
+        <p:nvSpPr>
+          <p:cNvPr id="2" name="Titel 1"/>
+          <p:cNvSpPr>
+            <a:spLocks noGrp="1"/>
+          </p:cNvSpPr>
+          <p:nvPr>
+            <p:ph type="title"/>
+          </p:nvPr>
+        </p:nvSpPr>
+        <p:spPr/>
+        <p:txBody>
+          <a:bodyPr/>
+          <a:lstStyle/>
+          <a:p>
+            <a:r>
+              <a:rPr lang="de-DE"/>
+              <a:t>Mastertitelformat bearbeiten</a:t>
+            </a:r>
+          </a:p>
+        </p:txBody>
+      </p:sp>
+      <p:sp>
+        <p:nvSpPr>
+          <p:cNvPr id="3" name="Vertikaler Textplatzhalter 2"/>
+          <p:cNvSpPr>
+            <a:spLocks noGrp="1"/>
+          </p:cNvSpPr>
+          <p:nvPr>
+            <p:ph type="body" orient="vert" idx="1"/>
+          </p:nvPr>
+        </p:nvSpPr>
+        <p:spPr/>
+        <p:txBody>
+          <a:bodyPr vert="eaVert"/>
+          <a:lstStyle/>
+          <a:p>
+            <a:pPr lvl="0"/>
+            <a:r>
+              <a:rPr lang="de-DE"/>
+              <a:t>Mastertextformat bearbeiten</a:t>
+            </a:r>
+          </a:p>
+          <a:p>
+            <a:pPr lvl="1"/>
+            <a:r>
+              <a:rPr lang="de-DE"/>
+              <a:t>Zweite Ebene</a:t>
+            </a:r>
+          </a:p>
+          <a:p>
+            <a:pPr lvl="2"/>
+            <a:r>
+              <a:rPr lang="de-DE"/>
+              <a:t>Dritte Ebene</a:t>
+            </a:r>
+          </a:p>
+          <a:p>
+            <a:pPr lvl="3"/>
+            <a:r>
+              <a:rPr lang="de-DE"/>
+              <a:t>Vierte Ebene</a:t>
+            </a:r>
+          </a:p>
+          <a:p>
+            <a:pPr lvl="4"/>
+            <a:r>
+              <a:rPr lang="de-DE"/>
+              <a:t>Fünfte Ebene</a:t>
+            </a:r>
+          </a:p>
+        </p:txBody>
+      </p:sp>
+    </p:spTree>
+    <p:extLst>
+      <p:ext uri="{BB962C8B-B14F-4D97-AF65-F5344CB8AC3E}">
+        <p14:creationId xmlns:p14="http://schemas.microsoft.com/office/powerpoint/2010/main" val="3311336270"/>
+      </p:ext>
+    </p:extLst>
+  </p:cSld>
+  <p:clrMapOvr>
+    <a:masterClrMapping/>
+  </p:clrMapOvr>
+  <p:transition>
+    <p:dissolve/>
+  </p:transition>
+</p:sldLayout>
+</file>
+
+<file path=ppt/slideLayouts/slideLayout11.xml><?xml version="1.0" encoding="utf-8"?>
+<p:sldLayout xmlns:a="http://schemas.openxmlformats.org/drawingml/2006/main" xmlns:r="http://schemas.openxmlformats.org/officeDocument/2006/relationships" xmlns:p="http://schemas.openxmlformats.org/presentationml/2006/main" type="vertTitleAndTx" preserve="1">
+  <p:cSld name="Vertikaler Titel und Text">
+    <p:spTree>
+      <p:nvGrpSpPr>
+        <p:cNvPr id="1" name=""/>
+        <p:cNvGrpSpPr/>
+        <p:nvPr/>
+      </p:nvGrpSpPr>
+      <p:grpSpPr>
+        <a:xfrm>
+          <a:off x="0" y="0"/>
+          <a:ext cx="0" cy="0"/>
+          <a:chOff x="0" y="0"/>
+          <a:chExt cx="0" cy="0"/>
+        </a:xfrm>
+      </p:grpSpPr>
+      <p:sp>
+        <p:nvSpPr>
+          <p:cNvPr id="2" name="Vertikaler Titel 1"/>
+          <p:cNvSpPr>
+            <a:spLocks noGrp="1"/>
+          </p:cNvSpPr>
+          <p:nvPr>
+            <p:ph type="title" orient="vert"/>
+          </p:nvPr>
+        </p:nvSpPr>
+        <p:spPr>
+          <a:xfrm>
+            <a:off x="6629400" y="188913"/>
+            <a:ext cx="2017713" cy="5949950"/>
+          </a:xfrm>
+        </p:spPr>
+        <p:txBody>
+          <a:bodyPr vert="eaVert"/>
+          <a:lstStyle/>
+          <a:p>
+            <a:r>
+              <a:rPr lang="de-DE"/>
+              <a:t>Mastertitelformat bearbeiten</a:t>
+            </a:r>
+          </a:p>
+        </p:txBody>
+      </p:sp>
+      <p:sp>
+        <p:nvSpPr>
+          <p:cNvPr id="3" name="Vertikaler Textplatzhalter 2"/>
+          <p:cNvSpPr>
+            <a:spLocks noGrp="1"/>
+          </p:cNvSpPr>
+          <p:nvPr>
+            <p:ph type="body" orient="vert" idx="1"/>
+          </p:nvPr>
+        </p:nvSpPr>
+        <p:spPr>
+          <a:xfrm>
+            <a:off x="573088" y="188913"/>
+            <a:ext cx="5903912" cy="5949950"/>
+          </a:xfrm>
+        </p:spPr>
+        <p:txBody>
+          <a:bodyPr vert="eaVert"/>
+          <a:lstStyle/>
+          <a:p>
+            <a:pPr lvl="0"/>
+            <a:r>
+              <a:rPr lang="de-DE"/>
+              <a:t>Mastertextformat bearbeiten</a:t>
+            </a:r>
+          </a:p>
+          <a:p>
+            <a:pPr lvl="1"/>
+            <a:r>
+              <a:rPr lang="de-DE"/>
+              <a:t>Zweite Ebene</a:t>
+            </a:r>
+          </a:p>
+          <a:p>
+            <a:pPr lvl="2"/>
+            <a:r>
+              <a:rPr lang="de-DE"/>
+              <a:t>Dritte Ebene</a:t>
+            </a:r>
+          </a:p>
+          <a:p>
+            <a:pPr lvl="3"/>
+            <a:r>
+              <a:rPr lang="de-DE"/>
+              <a:t>Vierte Ebene</a:t>
+            </a:r>
+          </a:p>
+          <a:p>
+            <a:pPr lvl="4"/>
+            <a:r>
+              <a:rPr lang="de-DE"/>
+              <a:t>Fünfte Ebene</a:t>
+            </a:r>
+          </a:p>
+        </p:txBody>
+      </p:sp>
+    </p:spTree>
+    <p:extLst>
+      <p:ext uri="{BB962C8B-B14F-4D97-AF65-F5344CB8AC3E}">
+        <p14:creationId xmlns:p14="http://schemas.microsoft.com/office/powerpoint/2010/main" val="2855733929"/>
+      </p:ext>
+    </p:extLst>
+  </p:cSld>
+  <p:clrMapOvr>
+    <a:masterClrMapping/>
+  </p:clrMapOvr>
+  <p:transition>
+    <p:dissolve/>
+  </p:transition>
+</p:sldLayout>
+</file>
+
+<file path=ppt/slideLayouts/slideLayout12.xml><?xml version="1.0" encoding="utf-8"?>
+<p:sldLayout xmlns:a="http://schemas.openxmlformats.org/drawingml/2006/main" xmlns:r="http://schemas.openxmlformats.org/officeDocument/2006/relationships" xmlns:p="http://schemas.openxmlformats.org/presentationml/2006/main" type="titleOnly" preserve="1">
+  <p:cSld name="Nur Titel">
+    <p:spTree>
+      <p:nvGrpSpPr>
+        <p:cNvPr id="1" name=""/>
+        <p:cNvGrpSpPr/>
+        <p:nvPr/>
+      </p:nvGrpSpPr>
+      <p:grpSpPr>
+        <a:xfrm>
+          <a:off x="0" y="0"/>
+          <a:ext cx="0" cy="0"/>
+          <a:chOff x="0" y="0"/>
+          <a:chExt cx="0" cy="0"/>
+        </a:xfrm>
+      </p:grpSpPr>
+    </p:spTree>
+    <p:extLst>
+      <p:ext uri="{BB962C8B-B14F-4D97-AF65-F5344CB8AC3E}">
+        <p14:creationId xmlns:p14="http://schemas.microsoft.com/office/powerpoint/2010/main" val="813669936"/>
+      </p:ext>
+    </p:extLst>
+  </p:cSld>
+  <p:clrMapOvr>
+    <a:masterClrMapping/>
+  </p:clrMapOvr>
+  <p:transition>
+    <p:dissolve/>
+  </p:transition>
+</p:sldLayout>
+</file>
+
+<file path=ppt/slideLayouts/slideLayout13.xml><?xml version="1.0" encoding="utf-8"?>
+<p:sldLayout xmlns:a="http://schemas.openxmlformats.org/drawingml/2006/main" xmlns:r="http://schemas.openxmlformats.org/officeDocument/2006/relationships" xmlns:p="http://schemas.openxmlformats.org/presentationml/2006/main" type="twoTxTwoObj" preserve="1">
+  <p:cSld name="Vergleich">
+    <p:spTree>
+      <p:nvGrpSpPr>
+        <p:cNvPr id="1" name=""/>
+        <p:cNvGrpSpPr/>
+        <p:nvPr/>
+      </p:nvGrpSpPr>
+      <p:grpSpPr>
+        <a:xfrm>
+          <a:off x="0" y="0"/>
+          <a:ext cx="0" cy="0"/>
+          <a:chOff x="0" y="0"/>
+          <a:chExt cx="0" cy="0"/>
+        </a:xfrm>
+      </p:grpSpPr>
+      <p:sp>
+        <p:nvSpPr>
+          <p:cNvPr id="2" name="Textplatzhalter 4">
+            <a:extLst>
+              <a:ext uri="{FF2B5EF4-FFF2-40B4-BE49-F238E27FC236}">
+                <a16:creationId xmlns:a16="http://schemas.microsoft.com/office/drawing/2014/main" id="{A492C140-DE02-DD04-4D2D-ACF14EA79CE4}"/>
+              </a:ext>
+            </a:extLst>
+          </p:cNvPr>
+          <p:cNvSpPr txBox="1">
+            <a:spLocks noGrp="1"/>
+          </p:cNvSpPr>
+          <p:nvPr>
+            <p:ph type="body" idx="1"/>
+          </p:nvPr>
+        </p:nvSpPr>
+        <p:spPr>
+          <a:xfrm>
+            <a:off x="4645023" y="1535113"/>
+            <a:ext cx="4041776" cy="639759"/>
+          </a:xfrm>
+        </p:spPr>
+        <p:txBody>
+          <a:bodyPr anchor="b"/>
+          <a:lstStyle>
+            <a:lvl1pPr marL="0" indent="0">
+              <a:spcAft>
+                <a:spcPts val="900"/>
+              </a:spcAft>
+              <a:buNone/>
+              <a:defRPr sz="2400" b="1"/>
+            </a:lvl1pPr>
+          </a:lstStyle>
+          <a:p>
+            <a:pPr lvl="0"/>
+            <a:r>
+              <a:rPr lang="de-DE"/>
+              <a:t>Mastertextformat bearbeiten</a:t>
+            </a:r>
+          </a:p>
+        </p:txBody>
+      </p:sp>
+      <p:sp>
+        <p:nvSpPr>
+          <p:cNvPr id="3" name="Inhaltsplatzhalter 5">
+            <a:extLst>
+              <a:ext uri="{FF2B5EF4-FFF2-40B4-BE49-F238E27FC236}">
+                <a16:creationId xmlns:a16="http://schemas.microsoft.com/office/drawing/2014/main" id="{15BBD5CA-B7F0-3F72-1A02-0BFE8C271549}"/>
+              </a:ext>
+            </a:extLst>
+          </p:cNvPr>
+          <p:cNvSpPr txBox="1">
+            <a:spLocks noGrp="1"/>
+          </p:cNvSpPr>
+          <p:nvPr>
+            <p:ph idx="2"/>
+          </p:nvPr>
+        </p:nvSpPr>
+        <p:spPr>
+          <a:xfrm>
+            <a:off x="4645023" y="2174872"/>
+            <a:ext cx="4041776" cy="3951286"/>
+          </a:xfrm>
+        </p:spPr>
+        <p:txBody>
+          <a:bodyPr/>
+          <a:lstStyle>
+            <a:lvl1pPr>
+              <a:spcAft>
+                <a:spcPts val="900"/>
+              </a:spcAft>
+              <a:defRPr sz="2400"/>
+            </a:lvl1pPr>
+            <a:lvl2pPr>
+              <a:spcAft>
+                <a:spcPts val="700"/>
+              </a:spcAft>
+              <a:defRPr sz="2000"/>
+            </a:lvl2pPr>
+            <a:lvl3pPr>
+              <a:defRPr sz="1800"/>
+            </a:lvl3pPr>
+            <a:lvl4pPr>
+              <a:defRPr/>
+            </a:lvl4pPr>
+            <a:lvl5pPr>
+              <a:defRPr/>
+            </a:lvl5pPr>
+          </a:lstStyle>
+          <a:p>
+            <a:pPr lvl="0"/>
+            <a:r>
+              <a:rPr lang="de-DE"/>
+              <a:t>Mastertextformat bearbeiten</a:t>
+            </a:r>
+          </a:p>
+          <a:p>
+            <a:pPr lvl="1"/>
+            <a:r>
+              <a:rPr lang="de-DE"/>
+              <a:t>Zweite Ebene</a:t>
+            </a:r>
+          </a:p>
+          <a:p>
+            <a:pPr lvl="2"/>
+            <a:r>
+              <a:rPr lang="de-DE"/>
+              <a:t>Dritte Ebene</a:t>
+            </a:r>
+          </a:p>
+          <a:p>
+            <a:pPr lvl="3"/>
+            <a:r>
+              <a:rPr lang="de-DE"/>
+              <a:t>Vierte Ebene</a:t>
+            </a:r>
+          </a:p>
+          <a:p>
+            <a:pPr lvl="4"/>
+            <a:r>
+              <a:rPr lang="de-DE"/>
+              <a:t>Fünfte Ebene</a:t>
+            </a:r>
+          </a:p>
+        </p:txBody>
+      </p:sp>
+    </p:spTree>
+    <p:extLst>
+      <p:ext uri="{BB962C8B-B14F-4D97-AF65-F5344CB8AC3E}">
+        <p14:creationId xmlns:p14="http://schemas.microsoft.com/office/powerpoint/2010/main" val="3302335173"/>
+      </p:ext>
+    </p:extLst>
+  </p:cSld>
+  <p:clrMapOvr>
+    <a:masterClrMapping/>
+  </p:clrMapOvr>
+  <p:transition>
+    <p:dissolve/>
+  </p:transition>
+</p:sldLayout>
+</file>
+
+<file path=ppt/slideLayouts/slideLayout14.xml><?xml version="1.0" encoding="utf-8"?>
+<p:sldLayout xmlns:a="http://schemas.openxmlformats.org/drawingml/2006/main" xmlns:r="http://schemas.openxmlformats.org/officeDocument/2006/relationships" xmlns:p="http://schemas.openxmlformats.org/presentationml/2006/main" userDrawn="1">
+  <p:cSld name="1_Titel und Inhalt">
+    <p:spTree>
+      <p:nvGrpSpPr>
+        <p:cNvPr id="1" name=""/>
+        <p:cNvGrpSpPr/>
+        <p:nvPr/>
+      </p:nvGrpSpPr>
+      <p:grpSpPr>
+        <a:xfrm>
+          <a:off x="0" y="0"/>
+          <a:ext cx="0" cy="0"/>
+          <a:chOff x="0" y="0"/>
+          <a:chExt cx="0" cy="0"/>
+        </a:xfrm>
+      </p:grpSpPr>
+      <p:sp>
+        <p:nvSpPr>
+          <p:cNvPr id="2" name="Titel 1"/>
+          <p:cNvSpPr>
+            <a:spLocks noGrp="1"/>
+          </p:cNvSpPr>
+          <p:nvPr>
+            <p:ph type="title"/>
+          </p:nvPr>
+        </p:nvSpPr>
+        <p:spPr/>
+        <p:txBody>
+          <a:bodyPr/>
+          <a:lstStyle/>
+          <a:p>
+            <a:r>
+              <a:rPr lang="de-DE"/>
+              <a:t>Mastertitelformat bearbeiten</a:t>
+            </a:r>
+          </a:p>
+        </p:txBody>
+      </p:sp>
+      <p:sp>
+        <p:nvSpPr>
+          <p:cNvPr id="3" name="Inhaltsplatzhalter 2"/>
+          <p:cNvSpPr>
+            <a:spLocks noGrp="1"/>
+          </p:cNvSpPr>
+          <p:nvPr>
+            <p:ph idx="1"/>
+          </p:nvPr>
+        </p:nvSpPr>
+        <p:spPr>
+          <a:xfrm>
+            <a:off x="582613" y="1733550"/>
+            <a:ext cx="8064500" cy="4405313"/>
+          </a:xfrm>
+        </p:spPr>
+        <p:txBody>
+          <a:bodyPr/>
+          <a:lstStyle/>
+          <a:p>
+            <a:pPr lvl="0"/>
+            <a:r>
+              <a:rPr lang="de-DE"/>
+              <a:t>Mastertextformat bearbeiten</a:t>
+            </a:r>
+          </a:p>
+          <a:p>
+            <a:pPr lvl="1"/>
+            <a:r>
+              <a:rPr lang="de-DE"/>
+              <a:t>Zweite Ebene</a:t>
+            </a:r>
+          </a:p>
+          <a:p>
+            <a:pPr lvl="2"/>
+            <a:r>
+              <a:rPr lang="de-DE"/>
+              <a:t>Dritte Ebene</a:t>
+            </a:r>
+          </a:p>
+          <a:p>
+            <a:pPr lvl="3"/>
+            <a:r>
+              <a:rPr lang="de-DE"/>
+              <a:t>Vierte Ebene</a:t>
+            </a:r>
+          </a:p>
+          <a:p>
+            <a:pPr lvl="4"/>
+            <a:r>
+              <a:rPr lang="de-DE"/>
+              <a:t>Fünfte Ebene</a:t>
+            </a:r>
+          </a:p>
+        </p:txBody>
+      </p:sp>
+      <p:sp>
+        <p:nvSpPr>
+          <p:cNvPr id="4" name="Fußzeilenplatzhalter 3"/>
+          <p:cNvSpPr>
+            <a:spLocks noGrp="1"/>
+          </p:cNvSpPr>
+          <p:nvPr>
+            <p:ph type="ftr" sz="quarter" idx="10"/>
+          </p:nvPr>
+        </p:nvSpPr>
+        <p:spPr/>
+        <p:txBody>
+          <a:bodyPr/>
+          <a:lstStyle/>
+          <a:p>
+            <a:endParaRPr lang="de-DE" dirty="0"/>
+          </a:p>
+        </p:txBody>
+      </p:sp>
+      <p:sp>
+        <p:nvSpPr>
+          <p:cNvPr id="6" name="Textplatzhalter 5"/>
+          <p:cNvSpPr>
+            <a:spLocks noGrp="1"/>
+          </p:cNvSpPr>
+          <p:nvPr>
+            <p:ph type="body" sz="quarter" idx="11" hasCustomPrompt="1"/>
+          </p:nvPr>
+        </p:nvSpPr>
+        <p:spPr>
+          <a:xfrm>
+            <a:off x="582613" y="6278880"/>
+            <a:ext cx="6618287" cy="146263"/>
+          </a:xfrm>
+        </p:spPr>
+        <p:txBody>
+          <a:bodyPr anchor="b"/>
+          <a:lstStyle>
+            <a:lvl1pPr marL="0" indent="0">
+              <a:buNone/>
+              <a:defRPr sz="800"/>
+            </a:lvl1pPr>
+          </a:lstStyle>
+          <a:p>
+            <a:pPr lvl="0"/>
+            <a:r>
+              <a:rPr lang="de-DE" dirty="0"/>
+              <a:t>Quelle, Kommentar, Fußnote (optional)</a:t>
+            </a:r>
+          </a:p>
+        </p:txBody>
+      </p:sp>
+      <p:sp>
+        <p:nvSpPr>
+          <p:cNvPr id="9" name="Textplatzhalter 8"/>
+          <p:cNvSpPr>
+            <a:spLocks noGrp="1"/>
+          </p:cNvSpPr>
+          <p:nvPr>
+            <p:ph type="body" sz="quarter" idx="12" hasCustomPrompt="1"/>
+          </p:nvPr>
+        </p:nvSpPr>
+        <p:spPr>
+          <a:xfrm>
+            <a:off x="582613" y="1271588"/>
+            <a:ext cx="8064500" cy="273600"/>
+          </a:xfrm>
+        </p:spPr>
+        <p:txBody>
+          <a:bodyPr/>
+          <a:lstStyle>
+            <a:lvl1pPr marL="0" indent="0">
+              <a:buNone/>
+              <a:defRPr lang="de-DE" sz="1800" b="1" kern="1200" dirty="0" smtClean="0">
+                <a:solidFill>
+                  <a:srgbClr val="00377D"/>
+                </a:solidFill>
+                <a:latin typeface="Arial" charset="0"/>
+                <a:ea typeface="ＭＳ Ｐゴシック" charset="0"/>
+                <a:cs typeface="+mn-cs"/>
+              </a:defRPr>
+            </a:lvl1pPr>
+          </a:lstStyle>
+          <a:p>
+            <a:pPr lvl="0"/>
+            <a:r>
+              <a:rPr lang="de-DE" dirty="0"/>
+              <a:t>Überschrift 2. Ordnung (optional)</a:t>
+            </a:r>
+          </a:p>
+        </p:txBody>
+      </p:sp>
+    </p:spTree>
+    <p:extLst>
+      <p:ext uri="{BB962C8B-B14F-4D97-AF65-F5344CB8AC3E}">
+        <p14:creationId xmlns:p14="http://schemas.microsoft.com/office/powerpoint/2010/main" val="3156595033"/>
+      </p:ext>
+    </p:extLst>
+  </p:cSld>
+  <p:clrMapOvr>
+    <a:masterClrMapping/>
+  </p:clrMapOvr>
+  <mc:AlternateContent xmlns:mc="http://schemas.openxmlformats.org/markup-compatibility/2006" xmlns:p14="http://schemas.microsoft.com/office/powerpoint/2010/main">
+    <mc:Choice Requires="p14">
+      <p:transition p14:dur="10"/>
+    </mc:Choice>
+    <mc:Fallback xmlns="">
+      <p:transition/>
+    </mc:Fallback>
+  </mc:AlternateContent>
+</p:sldLayout>
+</file>
+
+<file path=ppt/slideLayouts/slideLayout15.xml><?xml version="1.0" encoding="utf-8"?>
 <p:sldLayout xmlns:a="http://schemas.openxmlformats.org/drawingml/2006/main" xmlns:r="http://schemas.openxmlformats.org/officeDocument/2006/relationships" xmlns:p="http://schemas.openxmlformats.org/presentationml/2006/main" showMasterSp="0" type="title" preserve="1">
   <p:cSld name="Titelfolie">
     <p:spTree>
@@ -6636,884 +7514,6 @@
         </p:pic>
       </p:grpSp>
     </p:spTree>
-  </p:cSld>
-  <p:clrMapOvr>
-    <a:masterClrMapping/>
-  </p:clrMapOvr>
-  <p:transition>
-    <p:dissolve/>
-  </p:transition>
-</p:sldLayout>
-</file>
-
-<file path=ppt/slideLayouts/slideLayout10.xml><?xml version="1.0" encoding="utf-8"?>
-<p:sldLayout xmlns:a="http://schemas.openxmlformats.org/drawingml/2006/main" xmlns:r="http://schemas.openxmlformats.org/officeDocument/2006/relationships" xmlns:p="http://schemas.openxmlformats.org/presentationml/2006/main" type="vertTx" preserve="1">
-  <p:cSld name="Titel und vertikaler Text">
-    <p:spTree>
-      <p:nvGrpSpPr>
-        <p:cNvPr id="1" name=""/>
-        <p:cNvGrpSpPr/>
-        <p:nvPr/>
-      </p:nvGrpSpPr>
-      <p:grpSpPr>
-        <a:xfrm>
-          <a:off x="0" y="0"/>
-          <a:ext cx="0" cy="0"/>
-          <a:chOff x="0" y="0"/>
-          <a:chExt cx="0" cy="0"/>
-        </a:xfrm>
-      </p:grpSpPr>
-      <p:sp>
-        <p:nvSpPr>
-          <p:cNvPr id="2" name="Titel 1"/>
-          <p:cNvSpPr>
-            <a:spLocks noGrp="1"/>
-          </p:cNvSpPr>
-          <p:nvPr>
-            <p:ph type="title"/>
-          </p:nvPr>
-        </p:nvSpPr>
-        <p:spPr/>
-        <p:txBody>
-          <a:bodyPr/>
-          <a:lstStyle/>
-          <a:p>
-            <a:r>
-              <a:rPr lang="de-DE"/>
-              <a:t>Mastertitelformat bearbeiten</a:t>
-            </a:r>
-          </a:p>
-        </p:txBody>
-      </p:sp>
-      <p:sp>
-        <p:nvSpPr>
-          <p:cNvPr id="3" name="Vertikaler Textplatzhalter 2"/>
-          <p:cNvSpPr>
-            <a:spLocks noGrp="1"/>
-          </p:cNvSpPr>
-          <p:nvPr>
-            <p:ph type="body" orient="vert" idx="1"/>
-          </p:nvPr>
-        </p:nvSpPr>
-        <p:spPr/>
-        <p:txBody>
-          <a:bodyPr vert="eaVert"/>
-          <a:lstStyle/>
-          <a:p>
-            <a:pPr lvl="0"/>
-            <a:r>
-              <a:rPr lang="de-DE"/>
-              <a:t>Mastertextformat bearbeiten</a:t>
-            </a:r>
-          </a:p>
-          <a:p>
-            <a:pPr lvl="1"/>
-            <a:r>
-              <a:rPr lang="de-DE"/>
-              <a:t>Zweite Ebene</a:t>
-            </a:r>
-          </a:p>
-          <a:p>
-            <a:pPr lvl="2"/>
-            <a:r>
-              <a:rPr lang="de-DE"/>
-              <a:t>Dritte Ebene</a:t>
-            </a:r>
-          </a:p>
-          <a:p>
-            <a:pPr lvl="3"/>
-            <a:r>
-              <a:rPr lang="de-DE"/>
-              <a:t>Vierte Ebene</a:t>
-            </a:r>
-          </a:p>
-          <a:p>
-            <a:pPr lvl="4"/>
-            <a:r>
-              <a:rPr lang="de-DE"/>
-              <a:t>Fünfte Ebene</a:t>
-            </a:r>
-          </a:p>
-        </p:txBody>
-      </p:sp>
-    </p:spTree>
-    <p:extLst>
-      <p:ext uri="{BB962C8B-B14F-4D97-AF65-F5344CB8AC3E}">
-        <p14:creationId xmlns:p14="http://schemas.microsoft.com/office/powerpoint/2010/main" val="3311336270"/>
-      </p:ext>
-    </p:extLst>
-  </p:cSld>
-  <p:clrMapOvr>
-    <a:masterClrMapping/>
-  </p:clrMapOvr>
-  <p:transition>
-    <p:dissolve/>
-  </p:transition>
-</p:sldLayout>
-</file>
-
-<file path=ppt/slideLayouts/slideLayout11.xml><?xml version="1.0" encoding="utf-8"?>
-<p:sldLayout xmlns:a="http://schemas.openxmlformats.org/drawingml/2006/main" xmlns:r="http://schemas.openxmlformats.org/officeDocument/2006/relationships" xmlns:p="http://schemas.openxmlformats.org/presentationml/2006/main" type="vertTitleAndTx" preserve="1">
-  <p:cSld name="Vertikaler Titel und Text">
-    <p:spTree>
-      <p:nvGrpSpPr>
-        <p:cNvPr id="1" name=""/>
-        <p:cNvGrpSpPr/>
-        <p:nvPr/>
-      </p:nvGrpSpPr>
-      <p:grpSpPr>
-        <a:xfrm>
-          <a:off x="0" y="0"/>
-          <a:ext cx="0" cy="0"/>
-          <a:chOff x="0" y="0"/>
-          <a:chExt cx="0" cy="0"/>
-        </a:xfrm>
-      </p:grpSpPr>
-      <p:sp>
-        <p:nvSpPr>
-          <p:cNvPr id="2" name="Vertikaler Titel 1"/>
-          <p:cNvSpPr>
-            <a:spLocks noGrp="1"/>
-          </p:cNvSpPr>
-          <p:nvPr>
-            <p:ph type="title" orient="vert"/>
-          </p:nvPr>
-        </p:nvSpPr>
-        <p:spPr>
-          <a:xfrm>
-            <a:off x="6629400" y="188913"/>
-            <a:ext cx="2017713" cy="5949950"/>
-          </a:xfrm>
-        </p:spPr>
-        <p:txBody>
-          <a:bodyPr vert="eaVert"/>
-          <a:lstStyle/>
-          <a:p>
-            <a:r>
-              <a:rPr lang="de-DE"/>
-              <a:t>Mastertitelformat bearbeiten</a:t>
-            </a:r>
-          </a:p>
-        </p:txBody>
-      </p:sp>
-      <p:sp>
-        <p:nvSpPr>
-          <p:cNvPr id="3" name="Vertikaler Textplatzhalter 2"/>
-          <p:cNvSpPr>
-            <a:spLocks noGrp="1"/>
-          </p:cNvSpPr>
-          <p:nvPr>
-            <p:ph type="body" orient="vert" idx="1"/>
-          </p:nvPr>
-        </p:nvSpPr>
-        <p:spPr>
-          <a:xfrm>
-            <a:off x="573088" y="188913"/>
-            <a:ext cx="5903912" cy="5949950"/>
-          </a:xfrm>
-        </p:spPr>
-        <p:txBody>
-          <a:bodyPr vert="eaVert"/>
-          <a:lstStyle/>
-          <a:p>
-            <a:pPr lvl="0"/>
-            <a:r>
-              <a:rPr lang="de-DE"/>
-              <a:t>Mastertextformat bearbeiten</a:t>
-            </a:r>
-          </a:p>
-          <a:p>
-            <a:pPr lvl="1"/>
-            <a:r>
-              <a:rPr lang="de-DE"/>
-              <a:t>Zweite Ebene</a:t>
-            </a:r>
-          </a:p>
-          <a:p>
-            <a:pPr lvl="2"/>
-            <a:r>
-              <a:rPr lang="de-DE"/>
-              <a:t>Dritte Ebene</a:t>
-            </a:r>
-          </a:p>
-          <a:p>
-            <a:pPr lvl="3"/>
-            <a:r>
-              <a:rPr lang="de-DE"/>
-              <a:t>Vierte Ebene</a:t>
-            </a:r>
-          </a:p>
-          <a:p>
-            <a:pPr lvl="4"/>
-            <a:r>
-              <a:rPr lang="de-DE"/>
-              <a:t>Fünfte Ebene</a:t>
-            </a:r>
-          </a:p>
-        </p:txBody>
-      </p:sp>
-    </p:spTree>
-    <p:extLst>
-      <p:ext uri="{BB962C8B-B14F-4D97-AF65-F5344CB8AC3E}">
-        <p14:creationId xmlns:p14="http://schemas.microsoft.com/office/powerpoint/2010/main" val="2855733929"/>
-      </p:ext>
-    </p:extLst>
-  </p:cSld>
-  <p:clrMapOvr>
-    <a:masterClrMapping/>
-  </p:clrMapOvr>
-  <p:transition>
-    <p:dissolve/>
-  </p:transition>
-</p:sldLayout>
-</file>
-
-<file path=ppt/slideLayouts/slideLayout12.xml><?xml version="1.0" encoding="utf-8"?>
-<p:sldLayout xmlns:a="http://schemas.openxmlformats.org/drawingml/2006/main" xmlns:r="http://schemas.openxmlformats.org/officeDocument/2006/relationships" xmlns:p="http://schemas.openxmlformats.org/presentationml/2006/main" type="titleOnly" preserve="1">
-  <p:cSld name="Nur Titel">
-    <p:spTree>
-      <p:nvGrpSpPr>
-        <p:cNvPr id="1" name=""/>
-        <p:cNvGrpSpPr/>
-        <p:nvPr/>
-      </p:nvGrpSpPr>
-      <p:grpSpPr>
-        <a:xfrm>
-          <a:off x="0" y="0"/>
-          <a:ext cx="0" cy="0"/>
-          <a:chOff x="0" y="0"/>
-          <a:chExt cx="0" cy="0"/>
-        </a:xfrm>
-      </p:grpSpPr>
-    </p:spTree>
-    <p:extLst>
-      <p:ext uri="{BB962C8B-B14F-4D97-AF65-F5344CB8AC3E}">
-        <p14:creationId xmlns:p14="http://schemas.microsoft.com/office/powerpoint/2010/main" val="813669936"/>
-      </p:ext>
-    </p:extLst>
-  </p:cSld>
-  <p:clrMapOvr>
-    <a:masterClrMapping/>
-  </p:clrMapOvr>
-  <p:transition>
-    <p:dissolve/>
-  </p:transition>
-</p:sldLayout>
-</file>
-
-<file path=ppt/slideLayouts/slideLayout13.xml><?xml version="1.0" encoding="utf-8"?>
-<p:sldLayout xmlns:a="http://schemas.openxmlformats.org/drawingml/2006/main" xmlns:r="http://schemas.openxmlformats.org/officeDocument/2006/relationships" xmlns:p="http://schemas.openxmlformats.org/presentationml/2006/main" type="twoTxTwoObj" preserve="1">
-  <p:cSld name="Vergleich">
-    <p:spTree>
-      <p:nvGrpSpPr>
-        <p:cNvPr id="1" name=""/>
-        <p:cNvGrpSpPr/>
-        <p:nvPr/>
-      </p:nvGrpSpPr>
-      <p:grpSpPr>
-        <a:xfrm>
-          <a:off x="0" y="0"/>
-          <a:ext cx="0" cy="0"/>
-          <a:chOff x="0" y="0"/>
-          <a:chExt cx="0" cy="0"/>
-        </a:xfrm>
-      </p:grpSpPr>
-      <p:sp>
-        <p:nvSpPr>
-          <p:cNvPr id="2" name="Textplatzhalter 4">
-            <a:extLst>
-              <a:ext uri="{FF2B5EF4-FFF2-40B4-BE49-F238E27FC236}">
-                <a16:creationId xmlns:a16="http://schemas.microsoft.com/office/drawing/2014/main" id="{A492C140-DE02-DD04-4D2D-ACF14EA79CE4}"/>
-              </a:ext>
-            </a:extLst>
-          </p:cNvPr>
-          <p:cNvSpPr txBox="1">
-            <a:spLocks noGrp="1"/>
-          </p:cNvSpPr>
-          <p:nvPr>
-            <p:ph type="body" idx="1"/>
-          </p:nvPr>
-        </p:nvSpPr>
-        <p:spPr>
-          <a:xfrm>
-            <a:off x="4645023" y="1535113"/>
-            <a:ext cx="4041776" cy="639759"/>
-          </a:xfrm>
-        </p:spPr>
-        <p:txBody>
-          <a:bodyPr anchor="b"/>
-          <a:lstStyle>
-            <a:lvl1pPr marL="0" indent="0">
-              <a:spcAft>
-                <a:spcPts val="900"/>
-              </a:spcAft>
-              <a:buNone/>
-              <a:defRPr sz="2400" b="1"/>
-            </a:lvl1pPr>
-          </a:lstStyle>
-          <a:p>
-            <a:pPr lvl="0"/>
-            <a:r>
-              <a:rPr lang="de-DE"/>
-              <a:t>Mastertextformat bearbeiten</a:t>
-            </a:r>
-          </a:p>
-        </p:txBody>
-      </p:sp>
-      <p:sp>
-        <p:nvSpPr>
-          <p:cNvPr id="3" name="Inhaltsplatzhalter 5">
-            <a:extLst>
-              <a:ext uri="{FF2B5EF4-FFF2-40B4-BE49-F238E27FC236}">
-                <a16:creationId xmlns:a16="http://schemas.microsoft.com/office/drawing/2014/main" id="{15BBD5CA-B7F0-3F72-1A02-0BFE8C271549}"/>
-              </a:ext>
-            </a:extLst>
-          </p:cNvPr>
-          <p:cNvSpPr txBox="1">
-            <a:spLocks noGrp="1"/>
-          </p:cNvSpPr>
-          <p:nvPr>
-            <p:ph idx="2"/>
-          </p:nvPr>
-        </p:nvSpPr>
-        <p:spPr>
-          <a:xfrm>
-            <a:off x="4645023" y="2174872"/>
-            <a:ext cx="4041776" cy="3951286"/>
-          </a:xfrm>
-        </p:spPr>
-        <p:txBody>
-          <a:bodyPr/>
-          <a:lstStyle>
-            <a:lvl1pPr>
-              <a:spcAft>
-                <a:spcPts val="900"/>
-              </a:spcAft>
-              <a:defRPr sz="2400"/>
-            </a:lvl1pPr>
-            <a:lvl2pPr>
-              <a:spcAft>
-                <a:spcPts val="700"/>
-              </a:spcAft>
-              <a:defRPr sz="2000"/>
-            </a:lvl2pPr>
-            <a:lvl3pPr>
-              <a:defRPr sz="1800"/>
-            </a:lvl3pPr>
-            <a:lvl4pPr>
-              <a:defRPr/>
-            </a:lvl4pPr>
-            <a:lvl5pPr>
-              <a:defRPr/>
-            </a:lvl5pPr>
-          </a:lstStyle>
-          <a:p>
-            <a:pPr lvl="0"/>
-            <a:r>
-              <a:rPr lang="de-DE"/>
-              <a:t>Mastertextformat bearbeiten</a:t>
-            </a:r>
-          </a:p>
-          <a:p>
-            <a:pPr lvl="1"/>
-            <a:r>
-              <a:rPr lang="de-DE"/>
-              <a:t>Zweite Ebene</a:t>
-            </a:r>
-          </a:p>
-          <a:p>
-            <a:pPr lvl="2"/>
-            <a:r>
-              <a:rPr lang="de-DE"/>
-              <a:t>Dritte Ebene</a:t>
-            </a:r>
-          </a:p>
-          <a:p>
-            <a:pPr lvl="3"/>
-            <a:r>
-              <a:rPr lang="de-DE"/>
-              <a:t>Vierte Ebene</a:t>
-            </a:r>
-          </a:p>
-          <a:p>
-            <a:pPr lvl="4"/>
-            <a:r>
-              <a:rPr lang="de-DE"/>
-              <a:t>Fünfte Ebene</a:t>
-            </a:r>
-          </a:p>
-        </p:txBody>
-      </p:sp>
-    </p:spTree>
-    <p:extLst>
-      <p:ext uri="{BB962C8B-B14F-4D97-AF65-F5344CB8AC3E}">
-        <p14:creationId xmlns:p14="http://schemas.microsoft.com/office/powerpoint/2010/main" val="3302335173"/>
-      </p:ext>
-    </p:extLst>
-  </p:cSld>
-  <p:clrMapOvr>
-    <a:masterClrMapping/>
-  </p:clrMapOvr>
-  <p:transition>
-    <p:dissolve/>
-  </p:transition>
-</p:sldLayout>
-</file>
-
-<file path=ppt/slideLayouts/slideLayout14.xml><?xml version="1.0" encoding="utf-8"?>
-<p:sldLayout xmlns:a="http://schemas.openxmlformats.org/drawingml/2006/main" xmlns:r="http://schemas.openxmlformats.org/officeDocument/2006/relationships" xmlns:p="http://schemas.openxmlformats.org/presentationml/2006/main" userDrawn="1">
-  <p:cSld name="1_Titel und Inhalt">
-    <p:spTree>
-      <p:nvGrpSpPr>
-        <p:cNvPr id="1" name=""/>
-        <p:cNvGrpSpPr/>
-        <p:nvPr/>
-      </p:nvGrpSpPr>
-      <p:grpSpPr>
-        <a:xfrm>
-          <a:off x="0" y="0"/>
-          <a:ext cx="0" cy="0"/>
-          <a:chOff x="0" y="0"/>
-          <a:chExt cx="0" cy="0"/>
-        </a:xfrm>
-      </p:grpSpPr>
-      <p:sp>
-        <p:nvSpPr>
-          <p:cNvPr id="2" name="Titel 1"/>
-          <p:cNvSpPr>
-            <a:spLocks noGrp="1"/>
-          </p:cNvSpPr>
-          <p:nvPr>
-            <p:ph type="title"/>
-          </p:nvPr>
-        </p:nvSpPr>
-        <p:spPr/>
-        <p:txBody>
-          <a:bodyPr/>
-          <a:lstStyle/>
-          <a:p>
-            <a:r>
-              <a:rPr lang="de-DE"/>
-              <a:t>Mastertitelformat bearbeiten</a:t>
-            </a:r>
-          </a:p>
-        </p:txBody>
-      </p:sp>
-      <p:sp>
-        <p:nvSpPr>
-          <p:cNvPr id="3" name="Inhaltsplatzhalter 2"/>
-          <p:cNvSpPr>
-            <a:spLocks noGrp="1"/>
-          </p:cNvSpPr>
-          <p:nvPr>
-            <p:ph idx="1"/>
-          </p:nvPr>
-        </p:nvSpPr>
-        <p:spPr>
-          <a:xfrm>
-            <a:off x="582613" y="1733550"/>
-            <a:ext cx="8064500" cy="4405313"/>
-          </a:xfrm>
-        </p:spPr>
-        <p:txBody>
-          <a:bodyPr/>
-          <a:lstStyle/>
-          <a:p>
-            <a:pPr lvl="0"/>
-            <a:r>
-              <a:rPr lang="de-DE"/>
-              <a:t>Mastertextformat bearbeiten</a:t>
-            </a:r>
-          </a:p>
-          <a:p>
-            <a:pPr lvl="1"/>
-            <a:r>
-              <a:rPr lang="de-DE"/>
-              <a:t>Zweite Ebene</a:t>
-            </a:r>
-          </a:p>
-          <a:p>
-            <a:pPr lvl="2"/>
-            <a:r>
-              <a:rPr lang="de-DE"/>
-              <a:t>Dritte Ebene</a:t>
-            </a:r>
-          </a:p>
-          <a:p>
-            <a:pPr lvl="3"/>
-            <a:r>
-              <a:rPr lang="de-DE"/>
-              <a:t>Vierte Ebene</a:t>
-            </a:r>
-          </a:p>
-          <a:p>
-            <a:pPr lvl="4"/>
-            <a:r>
-              <a:rPr lang="de-DE"/>
-              <a:t>Fünfte Ebene</a:t>
-            </a:r>
-          </a:p>
-        </p:txBody>
-      </p:sp>
-      <p:sp>
-        <p:nvSpPr>
-          <p:cNvPr id="4" name="Fußzeilenplatzhalter 3"/>
-          <p:cNvSpPr>
-            <a:spLocks noGrp="1"/>
-          </p:cNvSpPr>
-          <p:nvPr>
-            <p:ph type="ftr" sz="quarter" idx="10"/>
-          </p:nvPr>
-        </p:nvSpPr>
-        <p:spPr/>
-        <p:txBody>
-          <a:bodyPr/>
-          <a:lstStyle/>
-          <a:p>
-            <a:endParaRPr lang="de-DE" dirty="0"/>
-          </a:p>
-        </p:txBody>
-      </p:sp>
-      <p:sp>
-        <p:nvSpPr>
-          <p:cNvPr id="6" name="Textplatzhalter 5"/>
-          <p:cNvSpPr>
-            <a:spLocks noGrp="1"/>
-          </p:cNvSpPr>
-          <p:nvPr>
-            <p:ph type="body" sz="quarter" idx="11" hasCustomPrompt="1"/>
-          </p:nvPr>
-        </p:nvSpPr>
-        <p:spPr>
-          <a:xfrm>
-            <a:off x="582613" y="6278880"/>
-            <a:ext cx="6618287" cy="146263"/>
-          </a:xfrm>
-        </p:spPr>
-        <p:txBody>
-          <a:bodyPr anchor="b"/>
-          <a:lstStyle>
-            <a:lvl1pPr marL="0" indent="0">
-              <a:buNone/>
-              <a:defRPr sz="800"/>
-            </a:lvl1pPr>
-          </a:lstStyle>
-          <a:p>
-            <a:pPr lvl="0"/>
-            <a:r>
-              <a:rPr lang="de-DE" dirty="0"/>
-              <a:t>Quelle, Kommentar, Fußnote (optional)</a:t>
-            </a:r>
-          </a:p>
-        </p:txBody>
-      </p:sp>
-      <p:sp>
-        <p:nvSpPr>
-          <p:cNvPr id="9" name="Textplatzhalter 8"/>
-          <p:cNvSpPr>
-            <a:spLocks noGrp="1"/>
-          </p:cNvSpPr>
-          <p:nvPr>
-            <p:ph type="body" sz="quarter" idx="12" hasCustomPrompt="1"/>
-          </p:nvPr>
-        </p:nvSpPr>
-        <p:spPr>
-          <a:xfrm>
-            <a:off x="582613" y="1271588"/>
-            <a:ext cx="8064500" cy="273600"/>
-          </a:xfrm>
-        </p:spPr>
-        <p:txBody>
-          <a:bodyPr/>
-          <a:lstStyle>
-            <a:lvl1pPr marL="0" indent="0">
-              <a:buNone/>
-              <a:defRPr lang="de-DE" sz="1800" b="1" kern="1200" dirty="0" smtClean="0">
-                <a:solidFill>
-                  <a:srgbClr val="00377D"/>
-                </a:solidFill>
-                <a:latin typeface="Arial" charset="0"/>
-                <a:ea typeface="ＭＳ Ｐゴシック" charset="0"/>
-                <a:cs typeface="+mn-cs"/>
-              </a:defRPr>
-            </a:lvl1pPr>
-          </a:lstStyle>
-          <a:p>
-            <a:pPr lvl="0"/>
-            <a:r>
-              <a:rPr lang="de-DE" dirty="0"/>
-              <a:t>Überschrift 2. Ordnung (optional)</a:t>
-            </a:r>
-          </a:p>
-        </p:txBody>
-      </p:sp>
-    </p:spTree>
-    <p:extLst>
-      <p:ext uri="{BB962C8B-B14F-4D97-AF65-F5344CB8AC3E}">
-        <p14:creationId xmlns:p14="http://schemas.microsoft.com/office/powerpoint/2010/main" val="3156595033"/>
-      </p:ext>
-    </p:extLst>
-  </p:cSld>
-  <p:clrMapOvr>
-    <a:masterClrMapping/>
-  </p:clrMapOvr>
-  <mc:AlternateContent xmlns:mc="http://schemas.openxmlformats.org/markup-compatibility/2006" xmlns:p14="http://schemas.microsoft.com/office/powerpoint/2010/main">
-    <mc:Choice Requires="p14">
-      <p:transition p14:dur="10"/>
-    </mc:Choice>
-    <mc:Fallback xmlns="">
-      <p:transition/>
-    </mc:Fallback>
-  </mc:AlternateContent>
-</p:sldLayout>
-</file>
-
-<file path=ppt/slideLayouts/slideLayout15.xml><?xml version="1.0" encoding="utf-8"?>
-<p:sldLayout xmlns:a="http://schemas.openxmlformats.org/drawingml/2006/main" xmlns:r="http://schemas.openxmlformats.org/officeDocument/2006/relationships" xmlns:p="http://schemas.openxmlformats.org/presentationml/2006/main" showMasterSp="0" type="title" preserve="1">
-  <p:cSld name="Titelfolie">
-    <p:spTree>
-      <p:nvGrpSpPr>
-        <p:cNvPr id="1" name=""/>
-        <p:cNvGrpSpPr/>
-        <p:nvPr/>
-      </p:nvGrpSpPr>
-      <p:grpSpPr>
-        <a:xfrm>
-          <a:off x="0" y="0"/>
-          <a:ext cx="0" cy="0"/>
-          <a:chOff x="0" y="0"/>
-          <a:chExt cx="0" cy="0"/>
-        </a:xfrm>
-      </p:grpSpPr>
-      <p:pic>
-        <p:nvPicPr>
-          <p:cNvPr id="4160" name="Picture 64" descr="Fotolia_2596290_XL duplex"/>
-          <p:cNvPicPr>
-            <a:picLocks noChangeAspect="1" noChangeArrowheads="1"/>
-          </p:cNvPicPr>
-          <p:nvPr userDrawn="1"/>
-        </p:nvPicPr>
-        <p:blipFill>
-          <a:blip r:embed="rId2">
-            <a:extLst>
-              <a:ext uri="{28A0092B-C50C-407E-A947-70E740481C1C}">
-                <a14:useLocalDpi xmlns:a14="http://schemas.microsoft.com/office/drawing/2010/main" val="0"/>
-              </a:ext>
-            </a:extLst>
-          </a:blip>
-          <a:srcRect t="607" b="11909"/>
-          <a:stretch>
-            <a:fillRect/>
-          </a:stretch>
-        </p:blipFill>
-        <p:spPr bwMode="auto">
-          <a:xfrm>
-            <a:off x="0" y="0"/>
-            <a:ext cx="9144000" cy="6858000"/>
-          </a:xfrm>
-          <a:prstGeom prst="rect">
-            <a:avLst/>
-          </a:prstGeom>
-          <a:noFill/>
-          <a:extLst>
-            <a:ext uri="{909E8E84-426E-40dd-AFC4-6F175D3DCCD1}">
-              <a14:hiddenFill xmlns="" xmlns:a14="http://schemas.microsoft.com/office/drawing/2010/main">
-                <a:solidFill>
-                  <a:srgbClr val="FFFFFF"/>
-                </a:solidFill>
-              </a14:hiddenFill>
-            </a:ext>
-          </a:extLst>
-        </p:spPr>
-      </p:pic>
-      <p:pic>
-        <p:nvPicPr>
-          <p:cNvPr id="4158" name="Picture 62" descr="Kästchen-blau-breit"/>
-          <p:cNvPicPr>
-            <a:picLocks noChangeAspect="1" noChangeArrowheads="1"/>
-          </p:cNvPicPr>
-          <p:nvPr userDrawn="1"/>
-        </p:nvPicPr>
-        <p:blipFill>
-          <a:blip r:embed="rId3">
-            <a:extLst>
-              <a:ext uri="{28A0092B-C50C-407E-A947-70E740481C1C}">
-                <a14:useLocalDpi xmlns:a14="http://schemas.microsoft.com/office/drawing/2010/main" val="0"/>
-              </a:ext>
-            </a:extLst>
-          </a:blip>
-          <a:srcRect l="11011" t="65588"/>
-          <a:stretch>
-            <a:fillRect/>
-          </a:stretch>
-        </p:blipFill>
-        <p:spPr bwMode="auto">
-          <a:xfrm>
-            <a:off x="0" y="0"/>
-            <a:ext cx="8647113" cy="1114425"/>
-          </a:xfrm>
-          <a:prstGeom prst="rect">
-            <a:avLst/>
-          </a:prstGeom>
-          <a:noFill/>
-          <a:extLst>
-            <a:ext uri="{909E8E84-426E-40dd-AFC4-6F175D3DCCD1}">
-              <a14:hiddenFill xmlns="" xmlns:a14="http://schemas.microsoft.com/office/drawing/2010/main">
-                <a:solidFill>
-                  <a:srgbClr val="FFFFFF"/>
-                </a:solidFill>
-              </a14:hiddenFill>
-            </a:ext>
-          </a:extLst>
-        </p:spPr>
-      </p:pic>
-      <p:sp>
-        <p:nvSpPr>
-          <p:cNvPr id="4117" name="Rectangle 21"/>
-          <p:cNvSpPr>
-            <a:spLocks noGrp="1" noChangeArrowheads="1"/>
-          </p:cNvSpPr>
-          <p:nvPr>
-            <p:ph type="ctrTitle" sz="quarter"/>
-          </p:nvPr>
-        </p:nvSpPr>
-        <p:spPr>
-          <a:extLst>
-            <a:ext uri="{909E8E84-426E-40dd-AFC4-6F175D3DCCD1}">
-              <a14:hiddenFill xmlns="" xmlns:a14="http://schemas.microsoft.com/office/drawing/2010/main">
-                <a:solidFill>
-                  <a:schemeClr val="accent2"/>
-                </a:solidFill>
-              </a14:hiddenFill>
-            </a:ext>
-            <a:ext uri="{91240B29-F687-4f45-9708-019B960494DF}">
-              <a14:hiddenLine xmlns="" xmlns:a14="http://schemas.microsoft.com/office/drawing/2010/main" w="9525">
-                <a:solidFill>
-                  <a:schemeClr val="accent2"/>
-                </a:solidFill>
-                <a:miter lim="800000"/>
-                <a:headEnd/>
-                <a:tailEnd/>
-              </a14:hiddenLine>
-            </a:ext>
-          </a:extLst>
-        </p:spPr>
-        <p:txBody>
-          <a:bodyPr/>
-          <a:lstStyle>
-            <a:lvl1pPr>
-              <a:defRPr/>
-            </a:lvl1pPr>
-          </a:lstStyle>
-          <a:p>
-            <a:pPr lvl="0"/>
-            <a:r>
-              <a:rPr lang="de-DE" noProof="0"/>
-              <a:t>Mastertitelformat bearbeiten</a:t>
-            </a:r>
-          </a:p>
-        </p:txBody>
-      </p:sp>
-      <p:grpSp>
-        <p:nvGrpSpPr>
-          <p:cNvPr id="4157" name="Group 61"/>
-          <p:cNvGrpSpPr>
-            <a:grpSpLocks/>
-          </p:cNvGrpSpPr>
-          <p:nvPr userDrawn="1"/>
-        </p:nvGrpSpPr>
-        <p:grpSpPr bwMode="auto">
-          <a:xfrm>
-            <a:off x="7024688" y="5949950"/>
-            <a:ext cx="2119312" cy="908050"/>
-            <a:chOff x="4425" y="3748"/>
-            <a:chExt cx="1335" cy="572"/>
-          </a:xfrm>
-        </p:grpSpPr>
-        <p:pic>
-          <p:nvPicPr>
-            <p:cNvPr id="4155" name="Picture 59" descr="Kästchen-weiss"/>
-            <p:cNvPicPr>
-              <a:picLocks noChangeAspect="1" noChangeArrowheads="1"/>
-            </p:cNvPicPr>
-            <p:nvPr userDrawn="1"/>
-          </p:nvPicPr>
-          <p:blipFill>
-            <a:blip r:embed="rId4">
-              <a:extLst>
-                <a:ext uri="{28A0092B-C50C-407E-A947-70E740481C1C}">
-                  <a14:useLocalDpi xmlns:a14="http://schemas.microsoft.com/office/drawing/2010/main" val="0"/>
-                </a:ext>
-              </a:extLst>
-            </a:blip>
-            <a:srcRect r="26407" b="68468"/>
-            <a:stretch>
-              <a:fillRect/>
-            </a:stretch>
-          </p:blipFill>
-          <p:spPr bwMode="auto">
-            <a:xfrm>
-              <a:off x="4425" y="3748"/>
-              <a:ext cx="1335" cy="572"/>
-            </a:xfrm>
-            <a:prstGeom prst="rect">
-              <a:avLst/>
-            </a:prstGeom>
-            <a:noFill/>
-            <a:extLst>
-              <a:ext uri="{909E8E84-426E-40dd-AFC4-6F175D3DCCD1}">
-                <a14:hiddenFill xmlns="" xmlns:a14="http://schemas.microsoft.com/office/drawing/2010/main">
-                  <a:solidFill>
-                    <a:srgbClr val="FFFFFF"/>
-                  </a:solidFill>
-                </a14:hiddenFill>
-              </a:ext>
-            </a:extLst>
-          </p:spPr>
-        </p:pic>
-        <p:pic>
-          <p:nvPicPr>
-            <p:cNvPr id="4154" name="Picture 58" descr="Logo-RGB"/>
-            <p:cNvPicPr>
-              <a:picLocks noChangeAspect="1" noChangeArrowheads="1"/>
-            </p:cNvPicPr>
-            <p:nvPr userDrawn="1"/>
-          </p:nvPicPr>
-          <p:blipFill>
-            <a:blip r:embed="rId5">
-              <a:extLst>
-                <a:ext uri="{28A0092B-C50C-407E-A947-70E740481C1C}">
-                  <a14:useLocalDpi xmlns:a14="http://schemas.microsoft.com/office/drawing/2010/main" val="0"/>
-                </a:ext>
-              </a:extLst>
-            </a:blip>
-            <a:srcRect/>
-            <a:stretch>
-              <a:fillRect/>
-            </a:stretch>
-          </p:blipFill>
-          <p:spPr bwMode="auto">
-            <a:xfrm>
-              <a:off x="4613" y="3864"/>
-              <a:ext cx="834" cy="257"/>
-            </a:xfrm>
-            <a:prstGeom prst="rect">
-              <a:avLst/>
-            </a:prstGeom>
-            <a:noFill/>
-            <a:extLst>
-              <a:ext uri="{909E8E84-426E-40dd-AFC4-6F175D3DCCD1}">
-                <a14:hiddenFill xmlns="" xmlns:a14="http://schemas.microsoft.com/office/drawing/2010/main">
-                  <a:solidFill>
-                    <a:srgbClr val="FFFFFF"/>
-                  </a:solidFill>
-                </a14:hiddenFill>
-              </a:ext>
-            </a:extLst>
-          </p:spPr>
-        </p:pic>
-      </p:grpSp>
-    </p:spTree>
     <p:extLst>
       <p:ext uri="{BB962C8B-B14F-4D97-AF65-F5344CB8AC3E}">
         <p14:creationId xmlns:p14="http://schemas.microsoft.com/office/powerpoint/2010/main" val="1481778505"/>
@@ -9617,7 +9617,7 @@
           <a:noFill/>
           <a:extLst>
             <a:ext uri="{909E8E84-426E-40dd-AFC4-6F175D3DCCD1}">
-              <a14:hiddenFill xmlns="" xmlns:a14="http://schemas.microsoft.com/office/drawing/2010/main">
+              <a14:hiddenFill xmlns:a14="http://schemas.microsoft.com/office/drawing/2010/main" xmlns="">
                 <a:solidFill>
                   <a:srgbClr val="FFFFFF"/>
                 </a:solidFill>
@@ -9658,7 +9658,7 @@
           <a:noFill/>
           <a:extLst>
             <a:ext uri="{909E8E84-426E-40dd-AFC4-6F175D3DCCD1}">
-              <a14:hiddenFill xmlns="" xmlns:a14="http://schemas.microsoft.com/office/drawing/2010/main">
+              <a14:hiddenFill xmlns:a14="http://schemas.microsoft.com/office/drawing/2010/main" xmlns="">
                 <a:solidFill>
                   <a:srgbClr val="FFFFFF"/>
                 </a:solidFill>
@@ -9680,14 +9680,14 @@
         <p:spPr>
           <a:extLst>
             <a:ext uri="{909E8E84-426E-40dd-AFC4-6F175D3DCCD1}">
-              <a14:hiddenFill xmlns="" xmlns:a14="http://schemas.microsoft.com/office/drawing/2010/main">
+              <a14:hiddenFill xmlns:a14="http://schemas.microsoft.com/office/drawing/2010/main" xmlns="">
                 <a:solidFill>
                   <a:schemeClr val="accent2"/>
                 </a:solidFill>
               </a14:hiddenFill>
             </a:ext>
             <a:ext uri="{91240B29-F687-4f45-9708-019B960494DF}">
-              <a14:hiddenLine xmlns="" xmlns:a14="http://schemas.microsoft.com/office/drawing/2010/main" w="9525">
+              <a14:hiddenLine xmlns:a14="http://schemas.microsoft.com/office/drawing/2010/main" xmlns="" w="9525">
                 <a:solidFill>
                   <a:schemeClr val="accent2"/>
                 </a:solidFill>
@@ -9762,7 +9762,7 @@
             <a:noFill/>
             <a:extLst>
               <a:ext uri="{909E8E84-426E-40dd-AFC4-6F175D3DCCD1}">
-                <a14:hiddenFill xmlns="" xmlns:a14="http://schemas.microsoft.com/office/drawing/2010/main">
+                <a14:hiddenFill xmlns:a14="http://schemas.microsoft.com/office/drawing/2010/main" xmlns="">
                   <a:solidFill>
                     <a:srgbClr val="FFFFFF"/>
                   </a:solidFill>
@@ -9803,7 +9803,7 @@
             <a:noFill/>
             <a:extLst>
               <a:ext uri="{909E8E84-426E-40dd-AFC4-6F175D3DCCD1}">
-                <a14:hiddenFill xmlns="" xmlns:a14="http://schemas.microsoft.com/office/drawing/2010/main">
+                <a14:hiddenFill xmlns:a14="http://schemas.microsoft.com/office/drawing/2010/main" xmlns="">
                   <a:solidFill>
                     <a:srgbClr val="FFFFFF"/>
                   </a:solidFill>
@@ -13024,7 +13024,7 @@
           <a:noFill/>
           <a:extLst>
             <a:ext uri="{909E8E84-426E-40dd-AFC4-6F175D3DCCD1}">
-              <a14:hiddenFill xmlns:a14="http://schemas.microsoft.com/office/drawing/2010/main" xmlns="">
+              <a14:hiddenFill xmlns="" xmlns:a14="http://schemas.microsoft.com/office/drawing/2010/main">
                 <a:solidFill>
                   <a:srgbClr val="FFFFFF"/>
                 </a:solidFill>
@@ -13058,14 +13058,14 @@
           <a:effectLst/>
           <a:extLst>
             <a:ext uri="{909E8E84-426E-40dd-AFC4-6F175D3DCCD1}">
-              <a14:hiddenFill xmlns:a14="http://schemas.microsoft.com/office/drawing/2010/main" xmlns="">
+              <a14:hiddenFill xmlns="" xmlns:a14="http://schemas.microsoft.com/office/drawing/2010/main">
                 <a:solidFill>
                   <a:schemeClr val="accent1"/>
                 </a:solidFill>
               </a14:hiddenFill>
             </a:ext>
             <a:ext uri="{91240B29-F687-4f45-9708-019B960494DF}">
-              <a14:hiddenLine xmlns:a14="http://schemas.microsoft.com/office/drawing/2010/main" xmlns="" w="9525">
+              <a14:hiddenLine xmlns="" xmlns:a14="http://schemas.microsoft.com/office/drawing/2010/main" w="9525">
                 <a:solidFill>
                   <a:schemeClr val="tx1"/>
                 </a:solidFill>
@@ -13075,7 +13075,7 @@
               </a14:hiddenLine>
             </a:ext>
             <a:ext uri="{AF507438-7753-43e0-B8FC-AC1667EBCBE1}">
-              <a14:hiddenEffects xmlns:a14="http://schemas.microsoft.com/office/drawing/2010/main" xmlns="">
+              <a14:hiddenEffects xmlns="" xmlns:a14="http://schemas.microsoft.com/office/drawing/2010/main">
                 <a:effectLst>
                   <a:outerShdw blurRad="63500" dist="38099" dir="2700000" algn="ctr" rotWithShape="0">
                     <a:schemeClr val="bg2">
@@ -13086,7 +13086,7 @@
               </a14:hiddenEffects>
             </a:ext>
             <a:ext uri="{FAA26D3D-D897-4be2-8F04-BA451C77F1D7}">
-              <ma14:placeholderFlag xmlns:ma14="http://schemas.microsoft.com/office/mac/drawingml/2011/main" xmlns="" val="1"/>
+              <ma14:placeholderFlag xmlns="" xmlns:ma14="http://schemas.microsoft.com/office/mac/drawingml/2011/main" val="1"/>
             </a:ext>
           </a:extLst>
         </p:spPr>
@@ -13130,14 +13130,14 @@
           <a:effectLst/>
           <a:extLst>
             <a:ext uri="{909E8E84-426E-40dd-AFC4-6F175D3DCCD1}">
-              <a14:hiddenFill xmlns:a14="http://schemas.microsoft.com/office/drawing/2010/main" xmlns="">
+              <a14:hiddenFill xmlns="" xmlns:a14="http://schemas.microsoft.com/office/drawing/2010/main">
                 <a:solidFill>
                   <a:schemeClr val="accent1"/>
                 </a:solidFill>
               </a14:hiddenFill>
             </a:ext>
             <a:ext uri="{91240B29-F687-4f45-9708-019B960494DF}">
-              <a14:hiddenLine xmlns:a14="http://schemas.microsoft.com/office/drawing/2010/main" xmlns="" w="9525">
+              <a14:hiddenLine xmlns="" xmlns:a14="http://schemas.microsoft.com/office/drawing/2010/main" w="9525">
                 <a:solidFill>
                   <a:schemeClr val="tx1"/>
                 </a:solidFill>
@@ -13147,7 +13147,7 @@
               </a14:hiddenLine>
             </a:ext>
             <a:ext uri="{AF507438-7753-43e0-B8FC-AC1667EBCBE1}">
-              <a14:hiddenEffects xmlns:a14="http://schemas.microsoft.com/office/drawing/2010/main" xmlns="">
+              <a14:hiddenEffects xmlns="" xmlns:a14="http://schemas.microsoft.com/office/drawing/2010/main">
                 <a:effectLst>
                   <a:outerShdw blurRad="63500" dist="38099" dir="2700000" algn="ctr" rotWithShape="0">
                     <a:schemeClr val="bg2">
@@ -13265,7 +13265,7 @@
             <a:noFill/>
             <a:extLst>
               <a:ext uri="{909E8E84-426E-40dd-AFC4-6F175D3DCCD1}">
-                <a14:hiddenFill xmlns:a14="http://schemas.microsoft.com/office/drawing/2010/main" xmlns="">
+                <a14:hiddenFill xmlns="" xmlns:a14="http://schemas.microsoft.com/office/drawing/2010/main">
                   <a:solidFill>
                     <a:srgbClr val="FFFFFF"/>
                   </a:solidFill>
@@ -13306,7 +13306,7 @@
             <a:noFill/>
             <a:extLst>
               <a:ext uri="{909E8E84-426E-40dd-AFC4-6F175D3DCCD1}">
-                <a14:hiddenFill xmlns:a14="http://schemas.microsoft.com/office/drawing/2010/main" xmlns="">
+                <a14:hiddenFill xmlns="" xmlns:a14="http://schemas.microsoft.com/office/drawing/2010/main">
                   <a:solidFill>
                     <a:srgbClr val="FFFFFF"/>
                   </a:solidFill>
@@ -13341,14 +13341,14 @@
           <a:effectLst/>
           <a:extLst>
             <a:ext uri="{909E8E84-426E-40dd-AFC4-6F175D3DCCD1}">
-              <a14:hiddenFill xmlns:a14="http://schemas.microsoft.com/office/drawing/2010/main" xmlns="">
+              <a14:hiddenFill xmlns="" xmlns:a14="http://schemas.microsoft.com/office/drawing/2010/main">
                 <a:solidFill>
                   <a:schemeClr val="accent1"/>
                 </a:solidFill>
               </a14:hiddenFill>
             </a:ext>
             <a:ext uri="{91240B29-F687-4f45-9708-019B960494DF}">
-              <a14:hiddenLine xmlns:a14="http://schemas.microsoft.com/office/drawing/2010/main" xmlns="" w="9525">
+              <a14:hiddenLine xmlns="" xmlns:a14="http://schemas.microsoft.com/office/drawing/2010/main" w="9525">
                 <a:solidFill>
                   <a:schemeClr val="tx1"/>
                 </a:solidFill>
@@ -13358,7 +13358,7 @@
               </a14:hiddenLine>
             </a:ext>
             <a:ext uri="{AF507438-7753-43e0-B8FC-AC1667EBCBE1}">
-              <a14:hiddenEffects xmlns:a14="http://schemas.microsoft.com/office/drawing/2010/main" xmlns="">
+              <a14:hiddenEffects xmlns="" xmlns:a14="http://schemas.microsoft.com/office/drawing/2010/main">
                 <a:effectLst>
                   <a:outerShdw blurRad="63500" dist="38099" dir="2700000" algn="ctr" rotWithShape="0">
                     <a:schemeClr val="bg2">
@@ -13369,7 +13369,7 @@
               </a14:hiddenEffects>
             </a:ext>
             <a:ext uri="{FAA26D3D-D897-4be2-8F04-BA451C77F1D7}">
-              <ma14:placeholderFlag xmlns:ma14="http://schemas.microsoft.com/office/mac/drawingml/2011/main" xmlns="" val="1"/>
+              <ma14:placeholderFlag xmlns="" xmlns:ma14="http://schemas.microsoft.com/office/mac/drawingml/2011/main" val="1"/>
             </a:ext>
           </a:extLst>
         </p:spPr>
@@ -13918,7 +13918,7 @@
           <a:noFill/>
           <a:extLst>
             <a:ext uri="{909E8E84-426E-40dd-AFC4-6F175D3DCCD1}">
-              <a14:hiddenFill xmlns="" xmlns:a14="http://schemas.microsoft.com/office/drawing/2010/main">
+              <a14:hiddenFill xmlns:a14="http://schemas.microsoft.com/office/drawing/2010/main" xmlns="">
                 <a:solidFill>
                   <a:srgbClr val="FFFFFF"/>
                 </a:solidFill>
@@ -13952,14 +13952,14 @@
           <a:effectLst/>
           <a:extLst>
             <a:ext uri="{909E8E84-426E-40dd-AFC4-6F175D3DCCD1}">
-              <a14:hiddenFill xmlns="" xmlns:a14="http://schemas.microsoft.com/office/drawing/2010/main">
+              <a14:hiddenFill xmlns:a14="http://schemas.microsoft.com/office/drawing/2010/main" xmlns="">
                 <a:solidFill>
                   <a:schemeClr val="accent1"/>
                 </a:solidFill>
               </a14:hiddenFill>
             </a:ext>
             <a:ext uri="{91240B29-F687-4f45-9708-019B960494DF}">
-              <a14:hiddenLine xmlns="" xmlns:a14="http://schemas.microsoft.com/office/drawing/2010/main" w="9525">
+              <a14:hiddenLine xmlns:a14="http://schemas.microsoft.com/office/drawing/2010/main" xmlns="" w="9525">
                 <a:solidFill>
                   <a:schemeClr val="tx1"/>
                 </a:solidFill>
@@ -13969,7 +13969,7 @@
               </a14:hiddenLine>
             </a:ext>
             <a:ext uri="{AF507438-7753-43e0-B8FC-AC1667EBCBE1}">
-              <a14:hiddenEffects xmlns="" xmlns:a14="http://schemas.microsoft.com/office/drawing/2010/main">
+              <a14:hiddenEffects xmlns:a14="http://schemas.microsoft.com/office/drawing/2010/main" xmlns="">
                 <a:effectLst>
                   <a:outerShdw blurRad="63500" dist="38099" dir="2700000" algn="ctr" rotWithShape="0">
                     <a:schemeClr val="bg2">
@@ -13980,7 +13980,7 @@
               </a14:hiddenEffects>
             </a:ext>
             <a:ext uri="{FAA26D3D-D897-4be2-8F04-BA451C77F1D7}">
-              <ma14:placeholderFlag xmlns="" xmlns:ma14="http://schemas.microsoft.com/office/mac/drawingml/2011/main" val="1"/>
+              <ma14:placeholderFlag xmlns:ma14="http://schemas.microsoft.com/office/mac/drawingml/2011/main" xmlns="" val="1"/>
             </a:ext>
           </a:extLst>
         </p:spPr>
@@ -14024,14 +14024,14 @@
           <a:effectLst/>
           <a:extLst>
             <a:ext uri="{909E8E84-426E-40dd-AFC4-6F175D3DCCD1}">
-              <a14:hiddenFill xmlns="" xmlns:a14="http://schemas.microsoft.com/office/drawing/2010/main">
+              <a14:hiddenFill xmlns:a14="http://schemas.microsoft.com/office/drawing/2010/main" xmlns="">
                 <a:solidFill>
                   <a:schemeClr val="accent1"/>
                 </a:solidFill>
               </a14:hiddenFill>
             </a:ext>
             <a:ext uri="{91240B29-F687-4f45-9708-019B960494DF}">
-              <a14:hiddenLine xmlns="" xmlns:a14="http://schemas.microsoft.com/office/drawing/2010/main" w="9525">
+              <a14:hiddenLine xmlns:a14="http://schemas.microsoft.com/office/drawing/2010/main" xmlns="" w="9525">
                 <a:solidFill>
                   <a:schemeClr val="tx1"/>
                 </a:solidFill>
@@ -14041,7 +14041,7 @@
               </a14:hiddenLine>
             </a:ext>
             <a:ext uri="{AF507438-7753-43e0-B8FC-AC1667EBCBE1}">
-              <a14:hiddenEffects xmlns="" xmlns:a14="http://schemas.microsoft.com/office/drawing/2010/main">
+              <a14:hiddenEffects xmlns:a14="http://schemas.microsoft.com/office/drawing/2010/main" xmlns="">
                 <a:effectLst>
                   <a:outerShdw blurRad="63500" dist="38099" dir="2700000" algn="ctr" rotWithShape="0">
                     <a:schemeClr val="bg2">
@@ -14151,7 +14151,7 @@
             <a:noFill/>
             <a:extLst>
               <a:ext uri="{909E8E84-426E-40dd-AFC4-6F175D3DCCD1}">
-                <a14:hiddenFill xmlns="" xmlns:a14="http://schemas.microsoft.com/office/drawing/2010/main">
+                <a14:hiddenFill xmlns:a14="http://schemas.microsoft.com/office/drawing/2010/main" xmlns="">
                   <a:solidFill>
                     <a:srgbClr val="FFFFFF"/>
                   </a:solidFill>
@@ -14192,7 +14192,7 @@
             <a:noFill/>
             <a:extLst>
               <a:ext uri="{909E8E84-426E-40dd-AFC4-6F175D3DCCD1}">
-                <a14:hiddenFill xmlns="" xmlns:a14="http://schemas.microsoft.com/office/drawing/2010/main">
+                <a14:hiddenFill xmlns:a14="http://schemas.microsoft.com/office/drawing/2010/main" xmlns="">
                   <a:solidFill>
                     <a:srgbClr val="FFFFFF"/>
                   </a:solidFill>
@@ -14227,14 +14227,14 @@
           <a:effectLst/>
           <a:extLst>
             <a:ext uri="{909E8E84-426E-40dd-AFC4-6F175D3DCCD1}">
-              <a14:hiddenFill xmlns="" xmlns:a14="http://schemas.microsoft.com/office/drawing/2010/main">
+              <a14:hiddenFill xmlns:a14="http://schemas.microsoft.com/office/drawing/2010/main" xmlns="">
                 <a:solidFill>
                   <a:schemeClr val="accent1"/>
                 </a:solidFill>
               </a14:hiddenFill>
             </a:ext>
             <a:ext uri="{91240B29-F687-4f45-9708-019B960494DF}">
-              <a14:hiddenLine xmlns="" xmlns:a14="http://schemas.microsoft.com/office/drawing/2010/main" w="9525">
+              <a14:hiddenLine xmlns:a14="http://schemas.microsoft.com/office/drawing/2010/main" xmlns="" w="9525">
                 <a:solidFill>
                   <a:schemeClr val="tx1"/>
                 </a:solidFill>
@@ -14244,7 +14244,7 @@
               </a14:hiddenLine>
             </a:ext>
             <a:ext uri="{AF507438-7753-43e0-B8FC-AC1667EBCBE1}">
-              <a14:hiddenEffects xmlns="" xmlns:a14="http://schemas.microsoft.com/office/drawing/2010/main">
+              <a14:hiddenEffects xmlns:a14="http://schemas.microsoft.com/office/drawing/2010/main" xmlns="">
                 <a:effectLst>
                   <a:outerShdw blurRad="63500" dist="38099" dir="2700000" algn="ctr" rotWithShape="0">
                     <a:schemeClr val="bg2">
@@ -14255,7 +14255,7 @@
               </a14:hiddenEffects>
             </a:ext>
             <a:ext uri="{FAA26D3D-D897-4be2-8F04-BA451C77F1D7}">
-              <ma14:placeholderFlag xmlns="" xmlns:ma14="http://schemas.microsoft.com/office/mac/drawingml/2011/main" val="1"/>
+              <ma14:placeholderFlag xmlns:ma14="http://schemas.microsoft.com/office/mac/drawingml/2011/main" xmlns="" val="1"/>
             </a:ext>
           </a:extLst>
         </p:spPr>
@@ -14809,7 +14809,7 @@
           <a:noFill/>
           <a:extLst>
             <a:ext uri="{909E8E84-426E-40dd-AFC4-6F175D3DCCD1}">
-              <a14:hiddenFill xmlns="" xmlns:a14="http://schemas.microsoft.com/office/drawing/2010/main">
+              <a14:hiddenFill xmlns:a14="http://schemas.microsoft.com/office/drawing/2010/main" xmlns="">
                 <a:solidFill>
                   <a:srgbClr val="FFFFFF"/>
                 </a:solidFill>
@@ -14843,14 +14843,14 @@
           <a:effectLst/>
           <a:extLst>
             <a:ext uri="{909E8E84-426E-40dd-AFC4-6F175D3DCCD1}">
-              <a14:hiddenFill xmlns="" xmlns:a14="http://schemas.microsoft.com/office/drawing/2010/main">
+              <a14:hiddenFill xmlns:a14="http://schemas.microsoft.com/office/drawing/2010/main" xmlns="">
                 <a:solidFill>
                   <a:schemeClr val="accent1"/>
                 </a:solidFill>
               </a14:hiddenFill>
             </a:ext>
             <a:ext uri="{91240B29-F687-4f45-9708-019B960494DF}">
-              <a14:hiddenLine xmlns="" xmlns:a14="http://schemas.microsoft.com/office/drawing/2010/main" w="9525">
+              <a14:hiddenLine xmlns:a14="http://schemas.microsoft.com/office/drawing/2010/main" xmlns="" w="9525">
                 <a:solidFill>
                   <a:schemeClr val="tx1"/>
                 </a:solidFill>
@@ -14860,7 +14860,7 @@
               </a14:hiddenLine>
             </a:ext>
             <a:ext uri="{AF507438-7753-43e0-B8FC-AC1667EBCBE1}">
-              <a14:hiddenEffects xmlns="" xmlns:a14="http://schemas.microsoft.com/office/drawing/2010/main">
+              <a14:hiddenEffects xmlns:a14="http://schemas.microsoft.com/office/drawing/2010/main" xmlns="">
                 <a:effectLst>
                   <a:outerShdw blurRad="63500" dist="38099" dir="2700000" algn="ctr" rotWithShape="0">
                     <a:schemeClr val="bg2">
@@ -14871,7 +14871,7 @@
               </a14:hiddenEffects>
             </a:ext>
             <a:ext uri="{FAA26D3D-D897-4be2-8F04-BA451C77F1D7}">
-              <ma14:placeholderFlag xmlns="" xmlns:ma14="http://schemas.microsoft.com/office/mac/drawingml/2011/main" val="1"/>
+              <ma14:placeholderFlag xmlns:ma14="http://schemas.microsoft.com/office/mac/drawingml/2011/main" xmlns="" val="1"/>
             </a:ext>
           </a:extLst>
         </p:spPr>
@@ -14940,7 +14940,7 @@
             <a:noFill/>
             <a:extLst>
               <a:ext uri="{909E8E84-426E-40dd-AFC4-6F175D3DCCD1}">
-                <a14:hiddenFill xmlns="" xmlns:a14="http://schemas.microsoft.com/office/drawing/2010/main">
+                <a14:hiddenFill xmlns:a14="http://schemas.microsoft.com/office/drawing/2010/main" xmlns="">
                   <a:solidFill>
                     <a:srgbClr val="FFFFFF"/>
                   </a:solidFill>
@@ -14981,7 +14981,7 @@
             <a:noFill/>
             <a:extLst>
               <a:ext uri="{909E8E84-426E-40dd-AFC4-6F175D3DCCD1}">
-                <a14:hiddenFill xmlns="" xmlns:a14="http://schemas.microsoft.com/office/drawing/2010/main">
+                <a14:hiddenFill xmlns:a14="http://schemas.microsoft.com/office/drawing/2010/main" xmlns="">
                   <a:solidFill>
                     <a:srgbClr val="FFFFFF"/>
                   </a:solidFill>
@@ -15016,14 +15016,14 @@
           <a:effectLst/>
           <a:extLst>
             <a:ext uri="{909E8E84-426E-40dd-AFC4-6F175D3DCCD1}">
-              <a14:hiddenFill xmlns="" xmlns:a14="http://schemas.microsoft.com/office/drawing/2010/main">
+              <a14:hiddenFill xmlns:a14="http://schemas.microsoft.com/office/drawing/2010/main" xmlns="">
                 <a:solidFill>
                   <a:schemeClr val="accent1"/>
                 </a:solidFill>
               </a14:hiddenFill>
             </a:ext>
             <a:ext uri="{91240B29-F687-4f45-9708-019B960494DF}">
-              <a14:hiddenLine xmlns="" xmlns:a14="http://schemas.microsoft.com/office/drawing/2010/main" w="9525">
+              <a14:hiddenLine xmlns:a14="http://schemas.microsoft.com/office/drawing/2010/main" xmlns="" w="9525">
                 <a:solidFill>
                   <a:schemeClr val="tx1"/>
                 </a:solidFill>
@@ -15033,7 +15033,7 @@
               </a14:hiddenLine>
             </a:ext>
             <a:ext uri="{AF507438-7753-43e0-B8FC-AC1667EBCBE1}">
-              <a14:hiddenEffects xmlns="" xmlns:a14="http://schemas.microsoft.com/office/drawing/2010/main">
+              <a14:hiddenEffects xmlns:a14="http://schemas.microsoft.com/office/drawing/2010/main" xmlns="">
                 <a:effectLst>
                   <a:outerShdw blurRad="63500" dist="38099" dir="2700000" algn="ctr" rotWithShape="0">
                     <a:schemeClr val="bg2">
@@ -15044,7 +15044,7 @@
               </a14:hiddenEffects>
             </a:ext>
             <a:ext uri="{FAA26D3D-D897-4be2-8F04-BA451C77F1D7}">
-              <ma14:placeholderFlag xmlns="" xmlns:ma14="http://schemas.microsoft.com/office/mac/drawingml/2011/main" val="1"/>
+              <ma14:placeholderFlag xmlns:ma14="http://schemas.microsoft.com/office/mac/drawingml/2011/main" xmlns="" val="1"/>
             </a:ext>
           </a:extLst>
         </p:spPr>
@@ -15671,14 +15671,14 @@
           <a:effectLst/>
           <a:extLst>
             <a:ext uri="{909E8E84-426E-40dd-AFC4-6F175D3DCCD1}">
-              <a14:hiddenFill xmlns:a14="http://schemas.microsoft.com/office/drawing/2010/main" xmlns="">
+              <a14:hiddenFill xmlns="" xmlns:a14="http://schemas.microsoft.com/office/drawing/2010/main">
                 <a:solidFill>
                   <a:schemeClr val="accent2"/>
                 </a:solidFill>
               </a14:hiddenFill>
             </a:ext>
             <a:ext uri="{91240B29-F687-4f45-9708-019B960494DF}">
-              <a14:hiddenLine xmlns:a14="http://schemas.microsoft.com/office/drawing/2010/main" xmlns="" w="9525">
+              <a14:hiddenLine xmlns="" xmlns:a14="http://schemas.microsoft.com/office/drawing/2010/main" w="9525">
                 <a:solidFill>
                   <a:schemeClr val="accent2"/>
                 </a:solidFill>
@@ -15688,7 +15688,7 @@
               </a14:hiddenLine>
             </a:ext>
             <a:ext uri="{AF507438-7753-43e0-B8FC-AC1667EBCBE1}">
-              <a14:hiddenEffects xmlns:a14="http://schemas.microsoft.com/office/drawing/2010/main" xmlns="">
+              <a14:hiddenEffects xmlns="" xmlns:a14="http://schemas.microsoft.com/office/drawing/2010/main">
                 <a:effectLst>
                   <a:outerShdw blurRad="63500" dist="38099" dir="2700000" algn="ctr" rotWithShape="0">
                     <a:schemeClr val="bg2">
@@ -17955,14 +17955,14 @@
           <a:effectLst/>
           <a:extLst>
             <a:ext uri="{909E8E84-426E-40dd-AFC4-6F175D3DCCD1}">
-              <a14:hiddenFill xmlns:a14="http://schemas.microsoft.com/office/drawing/2010/main" xmlns="">
+              <a14:hiddenFill xmlns="" xmlns:a14="http://schemas.microsoft.com/office/drawing/2010/main">
                 <a:solidFill>
                   <a:schemeClr val="accent1"/>
                 </a:solidFill>
               </a14:hiddenFill>
             </a:ext>
             <a:ext uri="{91240B29-F687-4f45-9708-019B960494DF}">
-              <a14:hiddenLine xmlns:a14="http://schemas.microsoft.com/office/drawing/2010/main" xmlns="" w="9525">
+              <a14:hiddenLine xmlns="" xmlns:a14="http://schemas.microsoft.com/office/drawing/2010/main" w="9525">
                 <a:solidFill>
                   <a:schemeClr val="tx1"/>
                 </a:solidFill>
@@ -17972,7 +17972,7 @@
               </a14:hiddenLine>
             </a:ext>
             <a:ext uri="{AF507438-7753-43e0-B8FC-AC1667EBCBE1}">
-              <a14:hiddenEffects xmlns:a14="http://schemas.microsoft.com/office/drawing/2010/main" xmlns="">
+              <a14:hiddenEffects xmlns="" xmlns:a14="http://schemas.microsoft.com/office/drawing/2010/main">
                 <a:effectLst>
                   <a:outerShdw blurRad="63500" dist="38099" dir="2700000" algn="ctr" rotWithShape="0">
                     <a:schemeClr val="bg2">
@@ -17983,7 +17983,7 @@
               </a14:hiddenEffects>
             </a:ext>
             <a:ext uri="{FAA26D3D-D897-4be2-8F04-BA451C77F1D7}">
-              <ma14:placeholderFlag xmlns:ma14="http://schemas.microsoft.com/office/mac/drawingml/2011/main" xmlns="" val="1"/>
+              <ma14:placeholderFlag xmlns="" xmlns:ma14="http://schemas.microsoft.com/office/mac/drawingml/2011/main" val="1"/>
             </a:ext>
           </a:extLst>
         </p:spPr>
@@ -19759,13 +19759,13 @@
             <p:ph idx="1"/>
             <p:extLst>
               <p:ext uri="{D42A27DB-BD31-4B8C-83A1-F6EECF244321}">
-                <p14:modId xmlns:p14="http://schemas.microsoft.com/office/powerpoint/2010/main" val="4047763921"/>
+                <p14:modId xmlns:p14="http://schemas.microsoft.com/office/powerpoint/2010/main" val="2675100016"/>
               </p:ext>
             </p:extLst>
           </p:nvPr>
         </p:nvGraphicFramePr>
         <p:xfrm>
-          <a:off x="582613" y="1733550"/>
+          <a:off x="582615" y="1408388"/>
           <a:ext cx="8064498" cy="4668520"/>
         </p:xfrm>
         <a:graphic>
@@ -36140,14 +36140,14 @@
         <a:effectLst/>
         <a:extLst>
           <a:ext uri="{909E8E84-426E-40dd-AFC4-6F175D3DCCD1}">
-            <a14:hiddenFill xmlns:a14="http://schemas.microsoft.com/office/drawing/2010/main" xmlns="">
+            <a14:hiddenFill xmlns="" xmlns:a14="http://schemas.microsoft.com/office/drawing/2010/main">
               <a:solidFill>
                 <a:schemeClr val="accent2"/>
               </a:solidFill>
             </a14:hiddenFill>
           </a:ext>
           <a:ext uri="{AF507438-7753-43e0-B8FC-AC1667EBCBE1}">
-            <a14:hiddenEffects xmlns:a14="http://schemas.microsoft.com/office/drawing/2010/main" xmlns="">
+            <a14:hiddenEffects xmlns="" xmlns:a14="http://schemas.microsoft.com/office/drawing/2010/main">
               <a:effectLst>
                 <a:outerShdw blurRad="63500" dist="35921" dir="2700000" algn="ctr" rotWithShape="0">
                   <a:schemeClr val="bg2"/>
@@ -36220,14 +36220,14 @@
         <a:effectLst/>
         <a:extLst>
           <a:ext uri="{909E8E84-426E-40dd-AFC4-6F175D3DCCD1}">
-            <a14:hiddenFill xmlns:a14="http://schemas.microsoft.com/office/drawing/2010/main" xmlns="">
+            <a14:hiddenFill xmlns="" xmlns:a14="http://schemas.microsoft.com/office/drawing/2010/main">
               <a:solidFill>
                 <a:schemeClr val="accent2"/>
               </a:solidFill>
             </a14:hiddenFill>
           </a:ext>
           <a:ext uri="{AF507438-7753-43e0-B8FC-AC1667EBCBE1}">
-            <a14:hiddenEffects xmlns:a14="http://schemas.microsoft.com/office/drawing/2010/main" xmlns="">
+            <a14:hiddenEffects xmlns="" xmlns:a14="http://schemas.microsoft.com/office/drawing/2010/main">
               <a:effectLst>
                 <a:outerShdw blurRad="63500" dist="35921" dir="2700000" algn="ctr" rotWithShape="0">
                   <a:schemeClr val="bg2"/>
@@ -36605,14 +36605,14 @@
         <a:effectLst/>
         <a:extLst>
           <a:ext uri="{909E8E84-426E-40dd-AFC4-6F175D3DCCD1}">
-            <a14:hiddenFill xmlns="" xmlns:a14="http://schemas.microsoft.com/office/drawing/2010/main">
+            <a14:hiddenFill xmlns:a14="http://schemas.microsoft.com/office/drawing/2010/main" xmlns="">
               <a:solidFill>
                 <a:schemeClr val="accent2"/>
               </a:solidFill>
             </a14:hiddenFill>
           </a:ext>
           <a:ext uri="{AF507438-7753-43e0-B8FC-AC1667EBCBE1}">
-            <a14:hiddenEffects xmlns="" xmlns:a14="http://schemas.microsoft.com/office/drawing/2010/main">
+            <a14:hiddenEffects xmlns:a14="http://schemas.microsoft.com/office/drawing/2010/main" xmlns="">
               <a:effectLst>
                 <a:outerShdw blurRad="63500" dist="35921" dir="2700000" algn="ctr" rotWithShape="0">
                   <a:schemeClr val="bg2"/>
@@ -36685,14 +36685,14 @@
         <a:effectLst/>
         <a:extLst>
           <a:ext uri="{909E8E84-426E-40dd-AFC4-6F175D3DCCD1}">
-            <a14:hiddenFill xmlns="" xmlns:a14="http://schemas.microsoft.com/office/drawing/2010/main">
+            <a14:hiddenFill xmlns:a14="http://schemas.microsoft.com/office/drawing/2010/main" xmlns="">
               <a:solidFill>
                 <a:schemeClr val="accent2"/>
               </a:solidFill>
             </a14:hiddenFill>
           </a:ext>
           <a:ext uri="{AF507438-7753-43e0-B8FC-AC1667EBCBE1}">
-            <a14:hiddenEffects xmlns="" xmlns:a14="http://schemas.microsoft.com/office/drawing/2010/main">
+            <a14:hiddenEffects xmlns:a14="http://schemas.microsoft.com/office/drawing/2010/main" xmlns="">
               <a:effectLst>
                 <a:outerShdw blurRad="63500" dist="35921" dir="2700000" algn="ctr" rotWithShape="0">
                   <a:schemeClr val="bg2"/>
@@ -37070,14 +37070,14 @@
         <a:effectLst/>
         <a:extLst>
           <a:ext uri="{909E8E84-426E-40dd-AFC4-6F175D3DCCD1}">
-            <a14:hiddenFill xmlns="" xmlns:a14="http://schemas.microsoft.com/office/drawing/2010/main">
+            <a14:hiddenFill xmlns:a14="http://schemas.microsoft.com/office/drawing/2010/main" xmlns="">
               <a:solidFill>
                 <a:schemeClr val="accent2"/>
               </a:solidFill>
             </a14:hiddenFill>
           </a:ext>
           <a:ext uri="{AF507438-7753-43e0-B8FC-AC1667EBCBE1}">
-            <a14:hiddenEffects xmlns="" xmlns:a14="http://schemas.microsoft.com/office/drawing/2010/main">
+            <a14:hiddenEffects xmlns:a14="http://schemas.microsoft.com/office/drawing/2010/main" xmlns="">
               <a:effectLst>
                 <a:outerShdw blurRad="63500" dist="35921" dir="2700000" algn="ctr" rotWithShape="0">
                   <a:schemeClr val="bg2"/>
@@ -37150,14 +37150,14 @@
         <a:effectLst/>
         <a:extLst>
           <a:ext uri="{909E8E84-426E-40dd-AFC4-6F175D3DCCD1}">
-            <a14:hiddenFill xmlns="" xmlns:a14="http://schemas.microsoft.com/office/drawing/2010/main">
+            <a14:hiddenFill xmlns:a14="http://schemas.microsoft.com/office/drawing/2010/main" xmlns="">
               <a:solidFill>
                 <a:schemeClr val="accent2"/>
               </a:solidFill>
             </a14:hiddenFill>
           </a:ext>
           <a:ext uri="{AF507438-7753-43e0-B8FC-AC1667EBCBE1}">
-            <a14:hiddenEffects xmlns="" xmlns:a14="http://schemas.microsoft.com/office/drawing/2010/main">
+            <a14:hiddenEffects xmlns:a14="http://schemas.microsoft.com/office/drawing/2010/main" xmlns="">
               <a:effectLst>
                 <a:outerShdw blurRad="63500" dist="35921" dir="2700000" algn="ctr" rotWithShape="0">
                   <a:schemeClr val="bg2"/>
